--- a/EDA – Beer Sales.pptx
+++ b/EDA – Beer Sales.pptx
@@ -6,11 +6,18 @@
   </p:sldMasterIdLst>
   <p:sldIdLst>
     <p:sldId id="256" r:id="rId2"/>
-    <p:sldId id="259" r:id="rId3"/>
+    <p:sldId id="266" r:id="rId3"/>
     <p:sldId id="257" r:id="rId4"/>
-    <p:sldId id="258" r:id="rId5"/>
-    <p:sldId id="260" r:id="rId6"/>
-    <p:sldId id="261" r:id="rId7"/>
+    <p:sldId id="263" r:id="rId5"/>
+    <p:sldId id="258" r:id="rId6"/>
+    <p:sldId id="260" r:id="rId7"/>
+    <p:sldId id="264" r:id="rId8"/>
+    <p:sldId id="265" r:id="rId9"/>
+    <p:sldId id="267" r:id="rId10"/>
+    <p:sldId id="268" r:id="rId11"/>
+    <p:sldId id="269" r:id="rId12"/>
+    <p:sldId id="262" r:id="rId13"/>
+    <p:sldId id="270" r:id="rId14"/>
   </p:sldIdLst>
   <p:sldSz cx="12192000" cy="6858000"/>
   <p:notesSz cx="6858000" cy="9144000"/>
@@ -109,6 +116,11 @@
       </a:defRPr>
     </a:lvl9pPr>
   </p:defaultTextStyle>
+  <p:extLst>
+    <p:ext uri="{EFAFB233-063F-42B5-8137-9DF3F51BA10A}">
+      <p15:sldGuideLst xmlns:p15="http://schemas.microsoft.com/office/powerpoint/2012/main"/>
+    </p:ext>
+  </p:extLst>
 </p:presentation>
 </file>
 
@@ -315,7 +327,7 @@
             <a:fld id="{B61BEF0D-F0BB-DE4B-95CE-6DB70DBA9567}" type="datetimeFigureOut">
               <a:rPr lang="en-US" dirty="0"/>
               <a:pPr/>
-              <a:t>6/20/2019</a:t>
+              <a:t>6/27/2019</a:t>
             </a:fld>
             <a:endParaRPr lang="en-US" dirty="0"/>
           </a:p>
@@ -603,7 +615,7 @@
             <a:fld id="{B61BEF0D-F0BB-DE4B-95CE-6DB70DBA9567}" type="datetimeFigureOut">
               <a:rPr lang="en-US" dirty="0"/>
               <a:pPr/>
-              <a:t>6/20/2019</a:t>
+              <a:t>6/27/2019</a:t>
             </a:fld>
             <a:endParaRPr lang="en-US" dirty="0"/>
           </a:p>
@@ -848,7 +860,7 @@
             <a:fld id="{B61BEF0D-F0BB-DE4B-95CE-6DB70DBA9567}" type="datetimeFigureOut">
               <a:rPr lang="en-US" dirty="0"/>
               <a:pPr/>
-              <a:t>6/20/2019</a:t>
+              <a:t>6/27/2019</a:t>
             </a:fld>
             <a:endParaRPr lang="en-US" dirty="0"/>
           </a:p>
@@ -1381,7 +1393,7 @@
             <a:fld id="{B61BEF0D-F0BB-DE4B-95CE-6DB70DBA9567}" type="datetimeFigureOut">
               <a:rPr lang="en-US" dirty="0"/>
               <a:pPr/>
-              <a:t>6/20/2019</a:t>
+              <a:t>6/27/2019</a:t>
             </a:fld>
             <a:endParaRPr lang="en-US" dirty="0"/>
           </a:p>
@@ -1626,7 +1638,7 @@
             <a:fld id="{B61BEF0D-F0BB-DE4B-95CE-6DB70DBA9567}" type="datetimeFigureOut">
               <a:rPr lang="en-US" dirty="0"/>
               <a:pPr/>
-              <a:t>6/20/2019</a:t>
+              <a:t>6/27/2019</a:t>
             </a:fld>
             <a:endParaRPr lang="en-US" dirty="0"/>
           </a:p>
@@ -2166,7 +2178,7 @@
             <a:fld id="{B61BEF0D-F0BB-DE4B-95CE-6DB70DBA9567}" type="datetimeFigureOut">
               <a:rPr lang="en-US" dirty="0"/>
               <a:pPr/>
-              <a:t>6/20/2019</a:t>
+              <a:t>6/27/2019</a:t>
             </a:fld>
             <a:endParaRPr lang="en-US" dirty="0"/>
           </a:p>
@@ -2473,7 +2485,7 @@
             <a:fld id="{B61BEF0D-F0BB-DE4B-95CE-6DB70DBA9567}" type="datetimeFigureOut">
               <a:rPr lang="en-US" dirty="0"/>
               <a:pPr/>
-              <a:t>6/20/2019</a:t>
+              <a:t>6/27/2019</a:t>
             </a:fld>
             <a:endParaRPr lang="en-US" dirty="0"/>
           </a:p>
@@ -2645,7 +2657,7 @@
             <a:fld id="{B61BEF0D-F0BB-DE4B-95CE-6DB70DBA9567}" type="datetimeFigureOut">
               <a:rPr lang="en-US" dirty="0"/>
               <a:pPr/>
-              <a:t>6/20/2019</a:t>
+              <a:t>6/27/2019</a:t>
             </a:fld>
             <a:endParaRPr lang="en-US" dirty="0"/>
           </a:p>
@@ -2822,7 +2834,7 @@
             <a:fld id="{B61BEF0D-F0BB-DE4B-95CE-6DB70DBA9567}" type="datetimeFigureOut">
               <a:rPr lang="en-US" dirty="0"/>
               <a:pPr/>
-              <a:t>6/20/2019</a:t>
+              <a:t>6/27/2019</a:t>
             </a:fld>
             <a:endParaRPr lang="en-US" dirty="0"/>
           </a:p>
@@ -2989,7 +3001,7 @@
             <a:fld id="{B61BEF0D-F0BB-DE4B-95CE-6DB70DBA9567}" type="datetimeFigureOut">
               <a:rPr lang="en-US" dirty="0"/>
               <a:pPr/>
-              <a:t>6/20/2019</a:t>
+              <a:t>6/27/2019</a:t>
             </a:fld>
             <a:endParaRPr lang="en-US" dirty="0"/>
           </a:p>
@@ -3232,7 +3244,7 @@
             <a:fld id="{B61BEF0D-F0BB-DE4B-95CE-6DB70DBA9567}" type="datetimeFigureOut">
               <a:rPr lang="en-US" dirty="0"/>
               <a:pPr/>
-              <a:t>6/20/2019</a:t>
+              <a:t>6/27/2019</a:t>
             </a:fld>
             <a:endParaRPr lang="en-US" dirty="0"/>
           </a:p>
@@ -3521,7 +3533,7 @@
             <a:fld id="{B61BEF0D-F0BB-DE4B-95CE-6DB70DBA9567}" type="datetimeFigureOut">
               <a:rPr lang="en-US" dirty="0"/>
               <a:pPr/>
-              <a:t>6/20/2019</a:t>
+              <a:t>6/27/2019</a:t>
             </a:fld>
             <a:endParaRPr lang="en-US" dirty="0"/>
           </a:p>
@@ -3948,7 +3960,7 @@
             <a:fld id="{B61BEF0D-F0BB-DE4B-95CE-6DB70DBA9567}" type="datetimeFigureOut">
               <a:rPr lang="en-US" dirty="0"/>
               <a:pPr/>
-              <a:t>6/20/2019</a:t>
+              <a:t>6/27/2019</a:t>
             </a:fld>
             <a:endParaRPr lang="en-US" dirty="0"/>
           </a:p>
@@ -4068,7 +4080,7 @@
             <a:fld id="{B61BEF0D-F0BB-DE4B-95CE-6DB70DBA9567}" type="datetimeFigureOut">
               <a:rPr lang="en-US" dirty="0"/>
               <a:pPr/>
-              <a:t>6/20/2019</a:t>
+              <a:t>6/27/2019</a:t>
             </a:fld>
             <a:endParaRPr lang="en-US" dirty="0"/>
           </a:p>
@@ -4160,7 +4172,7 @@
             <a:fld id="{B61BEF0D-F0BB-DE4B-95CE-6DB70DBA9567}" type="datetimeFigureOut">
               <a:rPr lang="en-US" dirty="0"/>
               <a:pPr/>
-              <a:t>6/20/2019</a:t>
+              <a:t>6/27/2019</a:t>
             </a:fld>
             <a:endParaRPr lang="en-US" dirty="0"/>
           </a:p>
@@ -4440,7 +4452,7 @@
             <a:fld id="{B61BEF0D-F0BB-DE4B-95CE-6DB70DBA9567}" type="datetimeFigureOut">
               <a:rPr lang="en-US" dirty="0"/>
               <a:pPr/>
-              <a:t>6/20/2019</a:t>
+              <a:t>6/27/2019</a:t>
             </a:fld>
             <a:endParaRPr lang="en-US" dirty="0"/>
           </a:p>
@@ -4728,7 +4740,7 @@
             <a:fld id="{B61BEF0D-F0BB-DE4B-95CE-6DB70DBA9567}" type="datetimeFigureOut">
               <a:rPr lang="en-US" dirty="0"/>
               <a:pPr/>
-              <a:t>6/20/2019</a:t>
+              <a:t>6/27/2019</a:t>
             </a:fld>
             <a:endParaRPr lang="en-US" dirty="0"/>
           </a:p>
@@ -4956,7 +4968,7 @@
             <a:fld id="{B61BEF0D-F0BB-DE4B-95CE-6DB70DBA9567}" type="datetimeFigureOut">
               <a:rPr lang="en-US" dirty="0"/>
               <a:pPr/>
-              <a:t>6/20/2019</a:t>
+              <a:t>6/27/2019</a:t>
             </a:fld>
             <a:endParaRPr lang="en-US" dirty="0"/>
           </a:p>
@@ -5634,7 +5646,7 @@
           <a:p>
             <a:r>
               <a:rPr lang="en-US" dirty="0"/>
-              <a:t>EDA – Beer Sales </a:t>
+              <a:t>Craft Beer observations </a:t>
             </a:r>
           </a:p>
         </p:txBody>
@@ -5668,6 +5680,1572 @@
     <p:extLst>
       <p:ext uri="{BB962C8B-B14F-4D97-AF65-F5344CB8AC3E}">
         <p14:creationId xmlns:p14="http://schemas.microsoft.com/office/powerpoint/2010/main" val="3405041055"/>
+      </p:ext>
+    </p:extLst>
+  </p:cSld>
+  <p:clrMapOvr>
+    <a:masterClrMapping/>
+  </p:clrMapOvr>
+</p:sld>
+</file>
+
+<file path=ppt/slides/slide10.xml><?xml version="1.0" encoding="utf-8"?>
+<p:sld xmlns:a="http://schemas.openxmlformats.org/drawingml/2006/main" xmlns:r="http://schemas.openxmlformats.org/officeDocument/2006/relationships" xmlns:p="http://schemas.openxmlformats.org/presentationml/2006/main">
+  <p:cSld>
+    <p:spTree>
+      <p:nvGrpSpPr>
+        <p:cNvPr id="1" name=""/>
+        <p:cNvGrpSpPr/>
+        <p:nvPr/>
+      </p:nvGrpSpPr>
+      <p:grpSpPr>
+        <a:xfrm>
+          <a:off x="0" y="0"/>
+          <a:ext cx="0" cy="0"/>
+          <a:chOff x="0" y="0"/>
+          <a:chExt cx="0" cy="0"/>
+        </a:xfrm>
+      </p:grpSpPr>
+      <p:sp>
+        <p:nvSpPr>
+          <p:cNvPr id="2" name="Title 1">
+            <a:extLst>
+              <a:ext uri="{FF2B5EF4-FFF2-40B4-BE49-F238E27FC236}">
+                <a16:creationId xmlns:a16="http://schemas.microsoft.com/office/drawing/2014/main" id="{61BFDC9E-778B-8D46-AD92-7A8A84F2831D}"/>
+              </a:ext>
+            </a:extLst>
+          </p:cNvPr>
+          <p:cNvSpPr>
+            <a:spLocks noGrp="1"/>
+          </p:cNvSpPr>
+          <p:nvPr>
+            <p:ph type="title"/>
+          </p:nvPr>
+        </p:nvSpPr>
+        <p:spPr>
+          <a:xfrm>
+            <a:off x="2426063" y="-157369"/>
+            <a:ext cx="7259804" cy="1905000"/>
+          </a:xfrm>
+        </p:spPr>
+        <p:txBody>
+          <a:bodyPr/>
+          <a:lstStyle/>
+          <a:p>
+            <a:pPr algn="ctr"/>
+            <a:r>
+              <a:rPr lang="en-US" dirty="0"/>
+              <a:t>Maximum alcohol content  </a:t>
+            </a:r>
+          </a:p>
+        </p:txBody>
+      </p:sp>
+      <p:sp>
+        <p:nvSpPr>
+          <p:cNvPr id="10" name="Content Placeholder 2">
+            <a:extLst>
+              <a:ext uri="{FF2B5EF4-FFF2-40B4-BE49-F238E27FC236}">
+                <a16:creationId xmlns:a16="http://schemas.microsoft.com/office/drawing/2014/main" id="{579BF4C9-E394-5345-B9A5-C705EAD7373D}"/>
+              </a:ext>
+            </a:extLst>
+          </p:cNvPr>
+          <p:cNvSpPr txBox="1">
+            <a:spLocks/>
+          </p:cNvSpPr>
+          <p:nvPr/>
+        </p:nvSpPr>
+        <p:spPr>
+          <a:xfrm>
+            <a:off x="7274807" y="2030260"/>
+            <a:ext cx="4804871" cy="4321320"/>
+          </a:xfrm>
+          <a:prstGeom prst="rect">
+            <a:avLst/>
+          </a:prstGeom>
+        </p:spPr>
+        <p:txBody>
+          <a:bodyPr vert="horz" lIns="91440" tIns="45720" rIns="91440" bIns="45720" rtlCol="0" anchor="ctr">
+            <a:normAutofit fontScale="92500" lnSpcReduction="10000"/>
+          </a:bodyPr>
+          <a:lstStyle>
+            <a:lvl1pPr marL="285750" indent="-285750" algn="l" defTabSz="457200" rtl="0" eaLnBrk="1" latinLnBrk="0" hangingPunct="1">
+              <a:spcBef>
+                <a:spcPct val="20000"/>
+              </a:spcBef>
+              <a:spcAft>
+                <a:spcPts val="600"/>
+              </a:spcAft>
+              <a:buClr>
+                <a:schemeClr val="accent1"/>
+              </a:buClr>
+              <a:buSzPct val="100000"/>
+              <a:buFont typeface="Arial"/>
+              <a:buChar char="•"/>
+              <a:defRPr sz="2000" kern="1200" cap="small">
+                <a:solidFill>
+                  <a:schemeClr val="tx1"/>
+                </a:solidFill>
+                <a:effectLst>
+                  <a:glow rad="38100">
+                    <a:schemeClr val="bg1">
+                      <a:lumMod val="50000"/>
+                      <a:lumOff val="50000"/>
+                      <a:alpha val="20000"/>
+                    </a:schemeClr>
+                  </a:glow>
+                  <a:outerShdw blurRad="44450" dist="12700" dir="13860000" algn="tl" rotWithShape="0">
+                    <a:srgbClr val="000000">
+                      <a:alpha val="20000"/>
+                    </a:srgbClr>
+                  </a:outerShdw>
+                </a:effectLst>
+                <a:latin typeface="+mn-lt"/>
+                <a:ea typeface="+mn-ea"/>
+                <a:cs typeface="+mn-cs"/>
+              </a:defRPr>
+            </a:lvl1pPr>
+            <a:lvl2pPr marL="742950" indent="-285750" algn="l" defTabSz="457200" rtl="0" eaLnBrk="1" latinLnBrk="0" hangingPunct="1">
+              <a:spcBef>
+                <a:spcPct val="20000"/>
+              </a:spcBef>
+              <a:spcAft>
+                <a:spcPts val="600"/>
+              </a:spcAft>
+              <a:buClr>
+                <a:schemeClr val="accent1"/>
+              </a:buClr>
+              <a:buSzPct val="100000"/>
+              <a:buFont typeface="Arial"/>
+              <a:buChar char="•"/>
+              <a:defRPr sz="1800" kern="1200" cap="small">
+                <a:solidFill>
+                  <a:schemeClr val="tx1"/>
+                </a:solidFill>
+                <a:effectLst>
+                  <a:glow rad="38100">
+                    <a:schemeClr val="bg1">
+                      <a:lumMod val="50000"/>
+                      <a:lumOff val="50000"/>
+                      <a:alpha val="20000"/>
+                    </a:schemeClr>
+                  </a:glow>
+                  <a:outerShdw blurRad="44450" dist="12700" dir="13860000" algn="tl" rotWithShape="0">
+                    <a:srgbClr val="000000">
+                      <a:alpha val="20000"/>
+                    </a:srgbClr>
+                  </a:outerShdw>
+                </a:effectLst>
+                <a:latin typeface="+mn-lt"/>
+                <a:ea typeface="+mn-ea"/>
+                <a:cs typeface="+mn-cs"/>
+              </a:defRPr>
+            </a:lvl2pPr>
+            <a:lvl3pPr marL="1200150" indent="-285750" algn="l" defTabSz="457200" rtl="0" eaLnBrk="1" latinLnBrk="0" hangingPunct="1">
+              <a:spcBef>
+                <a:spcPct val="20000"/>
+              </a:spcBef>
+              <a:spcAft>
+                <a:spcPts val="600"/>
+              </a:spcAft>
+              <a:buClr>
+                <a:schemeClr val="accent1"/>
+              </a:buClr>
+              <a:buSzPct val="100000"/>
+              <a:buFont typeface="Arial"/>
+              <a:buChar char="•"/>
+              <a:defRPr sz="1600" kern="1200" cap="small">
+                <a:solidFill>
+                  <a:schemeClr val="tx1"/>
+                </a:solidFill>
+                <a:effectLst>
+                  <a:glow rad="38100">
+                    <a:schemeClr val="bg1">
+                      <a:lumMod val="50000"/>
+                      <a:lumOff val="50000"/>
+                      <a:alpha val="20000"/>
+                    </a:schemeClr>
+                  </a:glow>
+                  <a:outerShdw blurRad="44450" dist="12700" dir="13860000" algn="tl" rotWithShape="0">
+                    <a:srgbClr val="000000">
+                      <a:alpha val="20000"/>
+                    </a:srgbClr>
+                  </a:outerShdw>
+                </a:effectLst>
+                <a:latin typeface="+mn-lt"/>
+                <a:ea typeface="+mn-ea"/>
+                <a:cs typeface="+mn-cs"/>
+              </a:defRPr>
+            </a:lvl3pPr>
+            <a:lvl4pPr marL="1543050" indent="-171450" algn="l" defTabSz="457200" rtl="0" eaLnBrk="1" latinLnBrk="0" hangingPunct="1">
+              <a:spcBef>
+                <a:spcPct val="20000"/>
+              </a:spcBef>
+              <a:spcAft>
+                <a:spcPts val="600"/>
+              </a:spcAft>
+              <a:buClr>
+                <a:schemeClr val="accent1"/>
+              </a:buClr>
+              <a:buSzPct val="100000"/>
+              <a:buFont typeface="Arial"/>
+              <a:buChar char="•"/>
+              <a:defRPr sz="1400" kern="1200" cap="small">
+                <a:solidFill>
+                  <a:schemeClr val="tx1"/>
+                </a:solidFill>
+                <a:effectLst>
+                  <a:glow rad="38100">
+                    <a:schemeClr val="bg1">
+                      <a:lumMod val="50000"/>
+                      <a:lumOff val="50000"/>
+                      <a:alpha val="20000"/>
+                    </a:schemeClr>
+                  </a:glow>
+                  <a:outerShdw blurRad="44450" dist="12700" dir="13860000" algn="tl" rotWithShape="0">
+                    <a:srgbClr val="000000">
+                      <a:alpha val="20000"/>
+                    </a:srgbClr>
+                  </a:outerShdw>
+                </a:effectLst>
+                <a:latin typeface="+mn-lt"/>
+                <a:ea typeface="+mn-ea"/>
+                <a:cs typeface="+mn-cs"/>
+              </a:defRPr>
+            </a:lvl4pPr>
+            <a:lvl5pPr marL="2000250" indent="-171450" algn="l" defTabSz="457200" rtl="0" eaLnBrk="1" latinLnBrk="0" hangingPunct="1">
+              <a:spcBef>
+                <a:spcPct val="20000"/>
+              </a:spcBef>
+              <a:spcAft>
+                <a:spcPts val="600"/>
+              </a:spcAft>
+              <a:buClr>
+                <a:schemeClr val="accent1"/>
+              </a:buClr>
+              <a:buSzPct val="100000"/>
+              <a:buFont typeface="Arial"/>
+              <a:buChar char="•"/>
+              <a:defRPr sz="1400" kern="1200" cap="small">
+                <a:solidFill>
+                  <a:schemeClr val="tx1"/>
+                </a:solidFill>
+                <a:effectLst>
+                  <a:glow rad="38100">
+                    <a:schemeClr val="bg1">
+                      <a:lumMod val="50000"/>
+                      <a:lumOff val="50000"/>
+                      <a:alpha val="20000"/>
+                    </a:schemeClr>
+                  </a:glow>
+                  <a:outerShdw blurRad="44450" dist="12700" dir="13860000" algn="tl" rotWithShape="0">
+                    <a:srgbClr val="000000">
+                      <a:alpha val="20000"/>
+                    </a:srgbClr>
+                  </a:outerShdw>
+                </a:effectLst>
+                <a:latin typeface="+mn-lt"/>
+                <a:ea typeface="+mn-ea"/>
+                <a:cs typeface="+mn-cs"/>
+              </a:defRPr>
+            </a:lvl5pPr>
+            <a:lvl6pPr marL="2514600" indent="-228600" algn="l" defTabSz="457200" rtl="0" eaLnBrk="1" latinLnBrk="0" hangingPunct="1">
+              <a:spcBef>
+                <a:spcPct val="20000"/>
+              </a:spcBef>
+              <a:spcAft>
+                <a:spcPts val="600"/>
+              </a:spcAft>
+              <a:buClr>
+                <a:schemeClr val="accent1"/>
+              </a:buClr>
+              <a:buSzPct val="100000"/>
+              <a:buFont typeface="Arial"/>
+              <a:buChar char="•"/>
+              <a:defRPr sz="1200" kern="1200" cap="small">
+                <a:solidFill>
+                  <a:schemeClr val="tx1"/>
+                </a:solidFill>
+                <a:effectLst>
+                  <a:glow rad="38100">
+                    <a:schemeClr val="bg1">
+                      <a:lumMod val="50000"/>
+                      <a:lumOff val="50000"/>
+                      <a:alpha val="20000"/>
+                    </a:schemeClr>
+                  </a:glow>
+                  <a:outerShdw blurRad="44450" dist="12700" dir="13860000" algn="tl" rotWithShape="0">
+                    <a:srgbClr val="000000">
+                      <a:alpha val="20000"/>
+                    </a:srgbClr>
+                  </a:outerShdw>
+                </a:effectLst>
+                <a:latin typeface="+mn-lt"/>
+                <a:ea typeface="+mn-ea"/>
+                <a:cs typeface="+mn-cs"/>
+              </a:defRPr>
+            </a:lvl6pPr>
+            <a:lvl7pPr marL="2971800" indent="-228600" algn="l" defTabSz="457200" rtl="0" eaLnBrk="1" latinLnBrk="0" hangingPunct="1">
+              <a:spcBef>
+                <a:spcPct val="20000"/>
+              </a:spcBef>
+              <a:spcAft>
+                <a:spcPts val="600"/>
+              </a:spcAft>
+              <a:buClr>
+                <a:schemeClr val="accent1"/>
+              </a:buClr>
+              <a:buSzPct val="100000"/>
+              <a:buFont typeface="Arial"/>
+              <a:buChar char="•"/>
+              <a:defRPr sz="1200" kern="1200" cap="small">
+                <a:solidFill>
+                  <a:schemeClr val="tx1"/>
+                </a:solidFill>
+                <a:effectLst>
+                  <a:glow rad="38100">
+                    <a:schemeClr val="bg1">
+                      <a:lumMod val="50000"/>
+                      <a:lumOff val="50000"/>
+                      <a:alpha val="20000"/>
+                    </a:schemeClr>
+                  </a:glow>
+                  <a:outerShdw blurRad="44450" dist="12700" dir="13860000" algn="tl" rotWithShape="0">
+                    <a:srgbClr val="000000">
+                      <a:alpha val="20000"/>
+                    </a:srgbClr>
+                  </a:outerShdw>
+                </a:effectLst>
+                <a:latin typeface="+mn-lt"/>
+                <a:ea typeface="+mn-ea"/>
+                <a:cs typeface="+mn-cs"/>
+              </a:defRPr>
+            </a:lvl7pPr>
+            <a:lvl8pPr marL="3429000" indent="-228600" algn="l" defTabSz="457200" rtl="0" eaLnBrk="1" latinLnBrk="0" hangingPunct="1">
+              <a:spcBef>
+                <a:spcPct val="20000"/>
+              </a:spcBef>
+              <a:spcAft>
+                <a:spcPts val="600"/>
+              </a:spcAft>
+              <a:buClr>
+                <a:schemeClr val="accent1"/>
+              </a:buClr>
+              <a:buSzPct val="100000"/>
+              <a:buFont typeface="Arial"/>
+              <a:buChar char="•"/>
+              <a:defRPr sz="1200" kern="1200" cap="small">
+                <a:solidFill>
+                  <a:schemeClr val="tx1"/>
+                </a:solidFill>
+                <a:effectLst>
+                  <a:glow rad="38100">
+                    <a:schemeClr val="bg1">
+                      <a:lumMod val="50000"/>
+                      <a:lumOff val="50000"/>
+                      <a:alpha val="20000"/>
+                    </a:schemeClr>
+                  </a:glow>
+                  <a:outerShdw blurRad="44450" dist="12700" dir="13860000" algn="tl" rotWithShape="0">
+                    <a:srgbClr val="000000">
+                      <a:alpha val="20000"/>
+                    </a:srgbClr>
+                  </a:outerShdw>
+                </a:effectLst>
+                <a:latin typeface="+mn-lt"/>
+                <a:ea typeface="+mn-ea"/>
+                <a:cs typeface="+mn-cs"/>
+              </a:defRPr>
+            </a:lvl8pPr>
+            <a:lvl9pPr marL="3886200" indent="-228600" algn="l" defTabSz="457200" rtl="0" eaLnBrk="1" latinLnBrk="0" hangingPunct="1">
+              <a:spcBef>
+                <a:spcPct val="20000"/>
+              </a:spcBef>
+              <a:spcAft>
+                <a:spcPts val="600"/>
+              </a:spcAft>
+              <a:buClr>
+                <a:schemeClr val="accent1"/>
+              </a:buClr>
+              <a:buSzPct val="100000"/>
+              <a:buFont typeface="Arial"/>
+              <a:buChar char="•"/>
+              <a:defRPr sz="1200" kern="1200" cap="small">
+                <a:solidFill>
+                  <a:schemeClr val="tx1"/>
+                </a:solidFill>
+                <a:effectLst>
+                  <a:glow rad="38100">
+                    <a:schemeClr val="bg1">
+                      <a:lumMod val="50000"/>
+                      <a:lumOff val="50000"/>
+                      <a:alpha val="20000"/>
+                    </a:schemeClr>
+                  </a:glow>
+                  <a:outerShdw blurRad="44450" dist="12700" dir="13860000" algn="tl" rotWithShape="0">
+                    <a:srgbClr val="000000">
+                      <a:alpha val="20000"/>
+                    </a:srgbClr>
+                  </a:outerShdw>
+                </a:effectLst>
+                <a:latin typeface="+mn-lt"/>
+                <a:ea typeface="+mn-ea"/>
+                <a:cs typeface="+mn-cs"/>
+              </a:defRPr>
+            </a:lvl9pPr>
+          </a:lstStyle>
+          <a:p>
+            <a:pPr marL="0" indent="0">
+              <a:lnSpc>
+                <a:spcPct val="90000"/>
+              </a:lnSpc>
+              <a:buNone/>
+            </a:pPr>
+            <a:r>
+              <a:rPr lang="en-US" b="1" u="sng" dirty="0"/>
+              <a:t>MAXIMUM ABV</a:t>
+            </a:r>
+          </a:p>
+          <a:p>
+            <a:pPr>
+              <a:lnSpc>
+                <a:spcPct val="90000"/>
+              </a:lnSpc>
+            </a:pPr>
+            <a:r>
+              <a:rPr lang="en-US" dirty="0"/>
+              <a:t>LOCATION: </a:t>
+            </a:r>
+          </a:p>
+          <a:p>
+            <a:pPr marL="0" indent="0">
+              <a:lnSpc>
+                <a:spcPct val="90000"/>
+              </a:lnSpc>
+              <a:buNone/>
+            </a:pPr>
+            <a:r>
+              <a:rPr lang="en-US" dirty="0"/>
+              <a:t>	BOULDER, COLORADO</a:t>
+            </a:r>
+          </a:p>
+          <a:p>
+            <a:pPr>
+              <a:lnSpc>
+                <a:spcPct val="90000"/>
+              </a:lnSpc>
+            </a:pPr>
+            <a:r>
+              <a:rPr lang="en-US" dirty="0"/>
+              <a:t>ABV: </a:t>
+            </a:r>
+          </a:p>
+          <a:p>
+            <a:pPr marL="0" indent="0">
+              <a:lnSpc>
+                <a:spcPct val="90000"/>
+              </a:lnSpc>
+              <a:buNone/>
+            </a:pPr>
+            <a:r>
+              <a:rPr lang="en-US" dirty="0"/>
+              <a:t>	.128</a:t>
+            </a:r>
+          </a:p>
+          <a:p>
+            <a:pPr>
+              <a:lnSpc>
+                <a:spcPct val="90000"/>
+              </a:lnSpc>
+            </a:pPr>
+            <a:r>
+              <a:rPr lang="en-US" dirty="0"/>
+              <a:t>BEER NAME: </a:t>
+            </a:r>
+          </a:p>
+          <a:p>
+            <a:pPr marL="0" indent="0">
+              <a:lnSpc>
+                <a:spcPct val="90000"/>
+              </a:lnSpc>
+              <a:buNone/>
+            </a:pPr>
+            <a:r>
+              <a:rPr lang="en-US" dirty="0">
+                <a:effectLst/>
+              </a:rPr>
+              <a:t>	LEE HILL SERIES VOL. 5</a:t>
+            </a:r>
+          </a:p>
+          <a:p>
+            <a:pPr>
+              <a:lnSpc>
+                <a:spcPct val="90000"/>
+              </a:lnSpc>
+            </a:pPr>
+            <a:r>
+              <a:rPr lang="en-US" dirty="0"/>
+              <a:t>BREWERY NAME:</a:t>
+            </a:r>
+          </a:p>
+          <a:p>
+            <a:pPr marL="0" indent="0">
+              <a:lnSpc>
+                <a:spcPct val="90000"/>
+              </a:lnSpc>
+              <a:buNone/>
+            </a:pPr>
+            <a:r>
+              <a:rPr lang="en-US" dirty="0"/>
+              <a:t>	UPSLOPE BREWING COMPANY</a:t>
+            </a:r>
+          </a:p>
+          <a:p>
+            <a:pPr>
+              <a:lnSpc>
+                <a:spcPct val="90000"/>
+              </a:lnSpc>
+            </a:pPr>
+            <a:r>
+              <a:rPr lang="en-US" dirty="0"/>
+              <a:t>BEER STYLE: </a:t>
+            </a:r>
+          </a:p>
+          <a:p>
+            <a:pPr marL="0" indent="0">
+              <a:lnSpc>
+                <a:spcPct val="90000"/>
+              </a:lnSpc>
+              <a:buNone/>
+            </a:pPr>
+            <a:r>
+              <a:rPr lang="en-US" dirty="0"/>
+              <a:t>	BELGIAN STYLE QUADRUPEL ALE</a:t>
+            </a:r>
+          </a:p>
+          <a:p>
+            <a:pPr lvl="1">
+              <a:lnSpc>
+                <a:spcPct val="90000"/>
+              </a:lnSpc>
+            </a:pPr>
+            <a:endParaRPr lang="en-US" dirty="0"/>
+          </a:p>
+        </p:txBody>
+      </p:sp>
+      <p:pic>
+        <p:nvPicPr>
+          <p:cNvPr id="13" name="Picture 12">
+            <a:extLst>
+              <a:ext uri="{FF2B5EF4-FFF2-40B4-BE49-F238E27FC236}">
+                <a16:creationId xmlns:a16="http://schemas.microsoft.com/office/drawing/2014/main" id="{F4D2894F-79A8-9A49-8D13-C4B4ED860533}"/>
+              </a:ext>
+            </a:extLst>
+          </p:cNvPr>
+          <p:cNvPicPr>
+            <a:picLocks noChangeAspect="1"/>
+          </p:cNvPicPr>
+          <p:nvPr/>
+        </p:nvPicPr>
+        <p:blipFill>
+          <a:blip r:embed="rId2"/>
+          <a:stretch>
+            <a:fillRect/>
+          </a:stretch>
+        </p:blipFill>
+        <p:spPr>
+          <a:xfrm>
+            <a:off x="2184400" y="2267327"/>
+            <a:ext cx="3454400" cy="3276338"/>
+          </a:xfrm>
+          <a:prstGeom prst="rect">
+            <a:avLst/>
+          </a:prstGeom>
+        </p:spPr>
+      </p:pic>
+    </p:spTree>
+    <p:extLst>
+      <p:ext uri="{BB962C8B-B14F-4D97-AF65-F5344CB8AC3E}">
+        <p14:creationId xmlns:p14="http://schemas.microsoft.com/office/powerpoint/2010/main" val="1964507737"/>
+      </p:ext>
+    </p:extLst>
+  </p:cSld>
+  <p:clrMapOvr>
+    <a:masterClrMapping/>
+  </p:clrMapOvr>
+</p:sld>
+</file>
+
+<file path=ppt/slides/slide11.xml><?xml version="1.0" encoding="utf-8"?>
+<p:sld xmlns:a="http://schemas.openxmlformats.org/drawingml/2006/main" xmlns:r="http://schemas.openxmlformats.org/officeDocument/2006/relationships" xmlns:p="http://schemas.openxmlformats.org/presentationml/2006/main">
+  <p:cSld>
+    <p:spTree>
+      <p:nvGrpSpPr>
+        <p:cNvPr id="1" name=""/>
+        <p:cNvGrpSpPr/>
+        <p:nvPr/>
+      </p:nvGrpSpPr>
+      <p:grpSpPr>
+        <a:xfrm>
+          <a:off x="0" y="0"/>
+          <a:ext cx="0" cy="0"/>
+          <a:chOff x="0" y="0"/>
+          <a:chExt cx="0" cy="0"/>
+        </a:xfrm>
+      </p:grpSpPr>
+      <p:sp>
+        <p:nvSpPr>
+          <p:cNvPr id="2" name="Title 1">
+            <a:extLst>
+              <a:ext uri="{FF2B5EF4-FFF2-40B4-BE49-F238E27FC236}">
+                <a16:creationId xmlns:a16="http://schemas.microsoft.com/office/drawing/2014/main" id="{61BFDC9E-778B-8D46-AD92-7A8A84F2831D}"/>
+              </a:ext>
+            </a:extLst>
+          </p:cNvPr>
+          <p:cNvSpPr>
+            <a:spLocks noGrp="1"/>
+          </p:cNvSpPr>
+          <p:nvPr>
+            <p:ph type="title"/>
+          </p:nvPr>
+        </p:nvSpPr>
+        <p:spPr>
+          <a:xfrm>
+            <a:off x="2426063" y="-157369"/>
+            <a:ext cx="6530047" cy="1905000"/>
+          </a:xfrm>
+        </p:spPr>
+        <p:txBody>
+          <a:bodyPr/>
+          <a:lstStyle/>
+          <a:p>
+            <a:pPr algn="ctr"/>
+            <a:r>
+              <a:rPr lang="en-US" dirty="0"/>
+              <a:t>MAXIMUM BITTERNESS (IBU)</a:t>
+            </a:r>
+          </a:p>
+        </p:txBody>
+      </p:sp>
+      <p:sp>
+        <p:nvSpPr>
+          <p:cNvPr id="10" name="Content Placeholder 2">
+            <a:extLst>
+              <a:ext uri="{FF2B5EF4-FFF2-40B4-BE49-F238E27FC236}">
+                <a16:creationId xmlns:a16="http://schemas.microsoft.com/office/drawing/2014/main" id="{579BF4C9-E394-5345-B9A5-C705EAD7373D}"/>
+              </a:ext>
+            </a:extLst>
+          </p:cNvPr>
+          <p:cNvSpPr txBox="1">
+            <a:spLocks/>
+          </p:cNvSpPr>
+          <p:nvPr/>
+        </p:nvSpPr>
+        <p:spPr>
+          <a:xfrm>
+            <a:off x="1490133" y="1722231"/>
+            <a:ext cx="9763059" cy="4321320"/>
+          </a:xfrm>
+          <a:prstGeom prst="rect">
+            <a:avLst/>
+          </a:prstGeom>
+        </p:spPr>
+        <p:txBody>
+          <a:bodyPr vert="horz" lIns="91440" tIns="45720" rIns="91440" bIns="45720" rtlCol="0" anchor="ctr">
+            <a:normAutofit lnSpcReduction="10000"/>
+          </a:bodyPr>
+          <a:lstStyle>
+            <a:lvl1pPr marL="285750" indent="-285750" algn="l" defTabSz="457200" rtl="0" eaLnBrk="1" latinLnBrk="0" hangingPunct="1">
+              <a:spcBef>
+                <a:spcPct val="20000"/>
+              </a:spcBef>
+              <a:spcAft>
+                <a:spcPts val="600"/>
+              </a:spcAft>
+              <a:buClr>
+                <a:schemeClr val="accent1"/>
+              </a:buClr>
+              <a:buSzPct val="100000"/>
+              <a:buFont typeface="Arial"/>
+              <a:buChar char="•"/>
+              <a:defRPr sz="2000" kern="1200" cap="small">
+                <a:solidFill>
+                  <a:schemeClr val="tx1"/>
+                </a:solidFill>
+                <a:effectLst>
+                  <a:glow rad="38100">
+                    <a:schemeClr val="bg1">
+                      <a:lumMod val="50000"/>
+                      <a:lumOff val="50000"/>
+                      <a:alpha val="20000"/>
+                    </a:schemeClr>
+                  </a:glow>
+                  <a:outerShdw blurRad="44450" dist="12700" dir="13860000" algn="tl" rotWithShape="0">
+                    <a:srgbClr val="000000">
+                      <a:alpha val="20000"/>
+                    </a:srgbClr>
+                  </a:outerShdw>
+                </a:effectLst>
+                <a:latin typeface="+mn-lt"/>
+                <a:ea typeface="+mn-ea"/>
+                <a:cs typeface="+mn-cs"/>
+              </a:defRPr>
+            </a:lvl1pPr>
+            <a:lvl2pPr marL="742950" indent="-285750" algn="l" defTabSz="457200" rtl="0" eaLnBrk="1" latinLnBrk="0" hangingPunct="1">
+              <a:spcBef>
+                <a:spcPct val="20000"/>
+              </a:spcBef>
+              <a:spcAft>
+                <a:spcPts val="600"/>
+              </a:spcAft>
+              <a:buClr>
+                <a:schemeClr val="accent1"/>
+              </a:buClr>
+              <a:buSzPct val="100000"/>
+              <a:buFont typeface="Arial"/>
+              <a:buChar char="•"/>
+              <a:defRPr sz="1800" kern="1200" cap="small">
+                <a:solidFill>
+                  <a:schemeClr val="tx1"/>
+                </a:solidFill>
+                <a:effectLst>
+                  <a:glow rad="38100">
+                    <a:schemeClr val="bg1">
+                      <a:lumMod val="50000"/>
+                      <a:lumOff val="50000"/>
+                      <a:alpha val="20000"/>
+                    </a:schemeClr>
+                  </a:glow>
+                  <a:outerShdw blurRad="44450" dist="12700" dir="13860000" algn="tl" rotWithShape="0">
+                    <a:srgbClr val="000000">
+                      <a:alpha val="20000"/>
+                    </a:srgbClr>
+                  </a:outerShdw>
+                </a:effectLst>
+                <a:latin typeface="+mn-lt"/>
+                <a:ea typeface="+mn-ea"/>
+                <a:cs typeface="+mn-cs"/>
+              </a:defRPr>
+            </a:lvl2pPr>
+            <a:lvl3pPr marL="1200150" indent="-285750" algn="l" defTabSz="457200" rtl="0" eaLnBrk="1" latinLnBrk="0" hangingPunct="1">
+              <a:spcBef>
+                <a:spcPct val="20000"/>
+              </a:spcBef>
+              <a:spcAft>
+                <a:spcPts val="600"/>
+              </a:spcAft>
+              <a:buClr>
+                <a:schemeClr val="accent1"/>
+              </a:buClr>
+              <a:buSzPct val="100000"/>
+              <a:buFont typeface="Arial"/>
+              <a:buChar char="•"/>
+              <a:defRPr sz="1600" kern="1200" cap="small">
+                <a:solidFill>
+                  <a:schemeClr val="tx1"/>
+                </a:solidFill>
+                <a:effectLst>
+                  <a:glow rad="38100">
+                    <a:schemeClr val="bg1">
+                      <a:lumMod val="50000"/>
+                      <a:lumOff val="50000"/>
+                      <a:alpha val="20000"/>
+                    </a:schemeClr>
+                  </a:glow>
+                  <a:outerShdw blurRad="44450" dist="12700" dir="13860000" algn="tl" rotWithShape="0">
+                    <a:srgbClr val="000000">
+                      <a:alpha val="20000"/>
+                    </a:srgbClr>
+                  </a:outerShdw>
+                </a:effectLst>
+                <a:latin typeface="+mn-lt"/>
+                <a:ea typeface="+mn-ea"/>
+                <a:cs typeface="+mn-cs"/>
+              </a:defRPr>
+            </a:lvl3pPr>
+            <a:lvl4pPr marL="1543050" indent="-171450" algn="l" defTabSz="457200" rtl="0" eaLnBrk="1" latinLnBrk="0" hangingPunct="1">
+              <a:spcBef>
+                <a:spcPct val="20000"/>
+              </a:spcBef>
+              <a:spcAft>
+                <a:spcPts val="600"/>
+              </a:spcAft>
+              <a:buClr>
+                <a:schemeClr val="accent1"/>
+              </a:buClr>
+              <a:buSzPct val="100000"/>
+              <a:buFont typeface="Arial"/>
+              <a:buChar char="•"/>
+              <a:defRPr sz="1400" kern="1200" cap="small">
+                <a:solidFill>
+                  <a:schemeClr val="tx1"/>
+                </a:solidFill>
+                <a:effectLst>
+                  <a:glow rad="38100">
+                    <a:schemeClr val="bg1">
+                      <a:lumMod val="50000"/>
+                      <a:lumOff val="50000"/>
+                      <a:alpha val="20000"/>
+                    </a:schemeClr>
+                  </a:glow>
+                  <a:outerShdw blurRad="44450" dist="12700" dir="13860000" algn="tl" rotWithShape="0">
+                    <a:srgbClr val="000000">
+                      <a:alpha val="20000"/>
+                    </a:srgbClr>
+                  </a:outerShdw>
+                </a:effectLst>
+                <a:latin typeface="+mn-lt"/>
+                <a:ea typeface="+mn-ea"/>
+                <a:cs typeface="+mn-cs"/>
+              </a:defRPr>
+            </a:lvl4pPr>
+            <a:lvl5pPr marL="2000250" indent="-171450" algn="l" defTabSz="457200" rtl="0" eaLnBrk="1" latinLnBrk="0" hangingPunct="1">
+              <a:spcBef>
+                <a:spcPct val="20000"/>
+              </a:spcBef>
+              <a:spcAft>
+                <a:spcPts val="600"/>
+              </a:spcAft>
+              <a:buClr>
+                <a:schemeClr val="accent1"/>
+              </a:buClr>
+              <a:buSzPct val="100000"/>
+              <a:buFont typeface="Arial"/>
+              <a:buChar char="•"/>
+              <a:defRPr sz="1400" kern="1200" cap="small">
+                <a:solidFill>
+                  <a:schemeClr val="tx1"/>
+                </a:solidFill>
+                <a:effectLst>
+                  <a:glow rad="38100">
+                    <a:schemeClr val="bg1">
+                      <a:lumMod val="50000"/>
+                      <a:lumOff val="50000"/>
+                      <a:alpha val="20000"/>
+                    </a:schemeClr>
+                  </a:glow>
+                  <a:outerShdw blurRad="44450" dist="12700" dir="13860000" algn="tl" rotWithShape="0">
+                    <a:srgbClr val="000000">
+                      <a:alpha val="20000"/>
+                    </a:srgbClr>
+                  </a:outerShdw>
+                </a:effectLst>
+                <a:latin typeface="+mn-lt"/>
+                <a:ea typeface="+mn-ea"/>
+                <a:cs typeface="+mn-cs"/>
+              </a:defRPr>
+            </a:lvl5pPr>
+            <a:lvl6pPr marL="2514600" indent="-228600" algn="l" defTabSz="457200" rtl="0" eaLnBrk="1" latinLnBrk="0" hangingPunct="1">
+              <a:spcBef>
+                <a:spcPct val="20000"/>
+              </a:spcBef>
+              <a:spcAft>
+                <a:spcPts val="600"/>
+              </a:spcAft>
+              <a:buClr>
+                <a:schemeClr val="accent1"/>
+              </a:buClr>
+              <a:buSzPct val="100000"/>
+              <a:buFont typeface="Arial"/>
+              <a:buChar char="•"/>
+              <a:defRPr sz="1200" kern="1200" cap="small">
+                <a:solidFill>
+                  <a:schemeClr val="tx1"/>
+                </a:solidFill>
+                <a:effectLst>
+                  <a:glow rad="38100">
+                    <a:schemeClr val="bg1">
+                      <a:lumMod val="50000"/>
+                      <a:lumOff val="50000"/>
+                      <a:alpha val="20000"/>
+                    </a:schemeClr>
+                  </a:glow>
+                  <a:outerShdw blurRad="44450" dist="12700" dir="13860000" algn="tl" rotWithShape="0">
+                    <a:srgbClr val="000000">
+                      <a:alpha val="20000"/>
+                    </a:srgbClr>
+                  </a:outerShdw>
+                </a:effectLst>
+                <a:latin typeface="+mn-lt"/>
+                <a:ea typeface="+mn-ea"/>
+                <a:cs typeface="+mn-cs"/>
+              </a:defRPr>
+            </a:lvl6pPr>
+            <a:lvl7pPr marL="2971800" indent="-228600" algn="l" defTabSz="457200" rtl="0" eaLnBrk="1" latinLnBrk="0" hangingPunct="1">
+              <a:spcBef>
+                <a:spcPct val="20000"/>
+              </a:spcBef>
+              <a:spcAft>
+                <a:spcPts val="600"/>
+              </a:spcAft>
+              <a:buClr>
+                <a:schemeClr val="accent1"/>
+              </a:buClr>
+              <a:buSzPct val="100000"/>
+              <a:buFont typeface="Arial"/>
+              <a:buChar char="•"/>
+              <a:defRPr sz="1200" kern="1200" cap="small">
+                <a:solidFill>
+                  <a:schemeClr val="tx1"/>
+                </a:solidFill>
+                <a:effectLst>
+                  <a:glow rad="38100">
+                    <a:schemeClr val="bg1">
+                      <a:lumMod val="50000"/>
+                      <a:lumOff val="50000"/>
+                      <a:alpha val="20000"/>
+                    </a:schemeClr>
+                  </a:glow>
+                  <a:outerShdw blurRad="44450" dist="12700" dir="13860000" algn="tl" rotWithShape="0">
+                    <a:srgbClr val="000000">
+                      <a:alpha val="20000"/>
+                    </a:srgbClr>
+                  </a:outerShdw>
+                </a:effectLst>
+                <a:latin typeface="+mn-lt"/>
+                <a:ea typeface="+mn-ea"/>
+                <a:cs typeface="+mn-cs"/>
+              </a:defRPr>
+            </a:lvl7pPr>
+            <a:lvl8pPr marL="3429000" indent="-228600" algn="l" defTabSz="457200" rtl="0" eaLnBrk="1" latinLnBrk="0" hangingPunct="1">
+              <a:spcBef>
+                <a:spcPct val="20000"/>
+              </a:spcBef>
+              <a:spcAft>
+                <a:spcPts val="600"/>
+              </a:spcAft>
+              <a:buClr>
+                <a:schemeClr val="accent1"/>
+              </a:buClr>
+              <a:buSzPct val="100000"/>
+              <a:buFont typeface="Arial"/>
+              <a:buChar char="•"/>
+              <a:defRPr sz="1200" kern="1200" cap="small">
+                <a:solidFill>
+                  <a:schemeClr val="tx1"/>
+                </a:solidFill>
+                <a:effectLst>
+                  <a:glow rad="38100">
+                    <a:schemeClr val="bg1">
+                      <a:lumMod val="50000"/>
+                      <a:lumOff val="50000"/>
+                      <a:alpha val="20000"/>
+                    </a:schemeClr>
+                  </a:glow>
+                  <a:outerShdw blurRad="44450" dist="12700" dir="13860000" algn="tl" rotWithShape="0">
+                    <a:srgbClr val="000000">
+                      <a:alpha val="20000"/>
+                    </a:srgbClr>
+                  </a:outerShdw>
+                </a:effectLst>
+                <a:latin typeface="+mn-lt"/>
+                <a:ea typeface="+mn-ea"/>
+                <a:cs typeface="+mn-cs"/>
+              </a:defRPr>
+            </a:lvl8pPr>
+            <a:lvl9pPr marL="3886200" indent="-228600" algn="l" defTabSz="457200" rtl="0" eaLnBrk="1" latinLnBrk="0" hangingPunct="1">
+              <a:spcBef>
+                <a:spcPct val="20000"/>
+              </a:spcBef>
+              <a:spcAft>
+                <a:spcPts val="600"/>
+              </a:spcAft>
+              <a:buClr>
+                <a:schemeClr val="accent1"/>
+              </a:buClr>
+              <a:buSzPct val="100000"/>
+              <a:buFont typeface="Arial"/>
+              <a:buChar char="•"/>
+              <a:defRPr sz="1200" kern="1200" cap="small">
+                <a:solidFill>
+                  <a:schemeClr val="tx1"/>
+                </a:solidFill>
+                <a:effectLst>
+                  <a:glow rad="38100">
+                    <a:schemeClr val="bg1">
+                      <a:lumMod val="50000"/>
+                      <a:lumOff val="50000"/>
+                      <a:alpha val="20000"/>
+                    </a:schemeClr>
+                  </a:glow>
+                  <a:outerShdw blurRad="44450" dist="12700" dir="13860000" algn="tl" rotWithShape="0">
+                    <a:srgbClr val="000000">
+                      <a:alpha val="20000"/>
+                    </a:srgbClr>
+                  </a:outerShdw>
+                </a:effectLst>
+                <a:latin typeface="+mn-lt"/>
+                <a:ea typeface="+mn-ea"/>
+                <a:cs typeface="+mn-cs"/>
+              </a:defRPr>
+            </a:lvl9pPr>
+          </a:lstStyle>
+          <a:p>
+            <a:pPr marL="0" indent="0">
+              <a:lnSpc>
+                <a:spcPct val="90000"/>
+              </a:lnSpc>
+              <a:buNone/>
+            </a:pPr>
+            <a:r>
+              <a:rPr lang="en-US" b="1" u="sng" dirty="0"/>
+              <a:t>MAXIMUM IBU</a:t>
+            </a:r>
+          </a:p>
+          <a:p>
+            <a:pPr>
+              <a:lnSpc>
+                <a:spcPct val="90000"/>
+              </a:lnSpc>
+            </a:pPr>
+            <a:r>
+              <a:rPr lang="en-US" dirty="0"/>
+              <a:t>LOCATION: </a:t>
+            </a:r>
+          </a:p>
+          <a:p>
+            <a:pPr marL="0" indent="0">
+              <a:lnSpc>
+                <a:spcPct val="90000"/>
+              </a:lnSpc>
+              <a:buNone/>
+            </a:pPr>
+            <a:r>
+              <a:rPr lang="en-US" dirty="0"/>
+              <a:t>	ASTORIA, OR</a:t>
+            </a:r>
+          </a:p>
+          <a:p>
+            <a:pPr>
+              <a:lnSpc>
+                <a:spcPct val="90000"/>
+              </a:lnSpc>
+            </a:pPr>
+            <a:r>
+              <a:rPr lang="en-US" dirty="0" err="1"/>
+              <a:t>ibu</a:t>
+            </a:r>
+            <a:r>
+              <a:rPr lang="en-US" dirty="0"/>
+              <a:t>: </a:t>
+            </a:r>
+          </a:p>
+          <a:p>
+            <a:pPr marL="0" indent="0">
+              <a:lnSpc>
+                <a:spcPct val="90000"/>
+              </a:lnSpc>
+              <a:buNone/>
+            </a:pPr>
+            <a:r>
+              <a:rPr lang="en-US" dirty="0"/>
+              <a:t>	138</a:t>
+            </a:r>
+          </a:p>
+          <a:p>
+            <a:pPr>
+              <a:lnSpc>
+                <a:spcPct val="90000"/>
+              </a:lnSpc>
+            </a:pPr>
+            <a:r>
+              <a:rPr lang="en-US" dirty="0"/>
+              <a:t>BEER NAME: </a:t>
+            </a:r>
+          </a:p>
+          <a:p>
+            <a:pPr marL="0" indent="0">
+              <a:lnSpc>
+                <a:spcPct val="90000"/>
+              </a:lnSpc>
+              <a:buNone/>
+            </a:pPr>
+            <a:r>
+              <a:rPr lang="en-US" dirty="0">
+                <a:effectLst/>
+              </a:rPr>
+              <a:t>	 BITTER BITCH IMPERIAL IPA</a:t>
+            </a:r>
+          </a:p>
+          <a:p>
+            <a:pPr>
+              <a:lnSpc>
+                <a:spcPct val="90000"/>
+              </a:lnSpc>
+            </a:pPr>
+            <a:r>
+              <a:rPr lang="en-US" dirty="0"/>
+              <a:t>BREWERY NAME:</a:t>
+            </a:r>
+          </a:p>
+          <a:p>
+            <a:pPr marL="0" indent="0">
+              <a:lnSpc>
+                <a:spcPct val="90000"/>
+              </a:lnSpc>
+              <a:buNone/>
+            </a:pPr>
+            <a:r>
+              <a:rPr lang="en-US" dirty="0"/>
+              <a:t>	ASTORIA BREWING COMPANY</a:t>
+            </a:r>
+          </a:p>
+          <a:p>
+            <a:pPr>
+              <a:lnSpc>
+                <a:spcPct val="90000"/>
+              </a:lnSpc>
+            </a:pPr>
+            <a:r>
+              <a:rPr lang="en-US" dirty="0"/>
+              <a:t>BEER STYLE: </a:t>
+            </a:r>
+          </a:p>
+          <a:p>
+            <a:pPr marL="0" indent="0">
+              <a:lnSpc>
+                <a:spcPct val="90000"/>
+              </a:lnSpc>
+              <a:buNone/>
+            </a:pPr>
+            <a:r>
+              <a:rPr lang="en-US" dirty="0"/>
+              <a:t>	</a:t>
+            </a:r>
+            <a:r>
+              <a:rPr lang="en-US" dirty="0">
+                <a:effectLst/>
+              </a:rPr>
+              <a:t> American Double / Imperial IPA</a:t>
+            </a:r>
+            <a:endParaRPr lang="en-US" dirty="0"/>
+          </a:p>
+        </p:txBody>
+      </p:sp>
+      <p:pic>
+        <p:nvPicPr>
+          <p:cNvPr id="6" name="Picture 5">
+            <a:extLst>
+              <a:ext uri="{FF2B5EF4-FFF2-40B4-BE49-F238E27FC236}">
+                <a16:creationId xmlns:a16="http://schemas.microsoft.com/office/drawing/2014/main" id="{A0BFEAF1-A010-CD42-883F-65DECE52E15D}"/>
+              </a:ext>
+            </a:extLst>
+          </p:cNvPr>
+          <p:cNvPicPr>
+            <a:picLocks noChangeAspect="1"/>
+          </p:cNvPicPr>
+          <p:nvPr/>
+        </p:nvPicPr>
+        <p:blipFill>
+          <a:blip r:embed="rId2"/>
+          <a:stretch>
+            <a:fillRect/>
+          </a:stretch>
+        </p:blipFill>
+        <p:spPr>
+          <a:xfrm>
+            <a:off x="7004108" y="2252133"/>
+            <a:ext cx="3162184" cy="2997200"/>
+          </a:xfrm>
+          <a:prstGeom prst="rect">
+            <a:avLst/>
+          </a:prstGeom>
+        </p:spPr>
+      </p:pic>
+    </p:spTree>
+    <p:extLst>
+      <p:ext uri="{BB962C8B-B14F-4D97-AF65-F5344CB8AC3E}">
+        <p14:creationId xmlns:p14="http://schemas.microsoft.com/office/powerpoint/2010/main" val="3826656270"/>
+      </p:ext>
+    </p:extLst>
+  </p:cSld>
+  <p:clrMapOvr>
+    <a:masterClrMapping/>
+  </p:clrMapOvr>
+</p:sld>
+</file>
+
+<file path=ppt/slides/slide12.xml><?xml version="1.0" encoding="utf-8"?>
+<p:sld xmlns:a="http://schemas.openxmlformats.org/drawingml/2006/main" xmlns:r="http://schemas.openxmlformats.org/officeDocument/2006/relationships" xmlns:p="http://schemas.openxmlformats.org/presentationml/2006/main">
+  <p:cSld>
+    <p:spTree>
+      <p:nvGrpSpPr>
+        <p:cNvPr id="1" name=""/>
+        <p:cNvGrpSpPr/>
+        <p:nvPr/>
+      </p:nvGrpSpPr>
+      <p:grpSpPr>
+        <a:xfrm>
+          <a:off x="0" y="0"/>
+          <a:ext cx="0" cy="0"/>
+          <a:chOff x="0" y="0"/>
+          <a:chExt cx="0" cy="0"/>
+        </a:xfrm>
+      </p:grpSpPr>
+      <p:sp>
+        <p:nvSpPr>
+          <p:cNvPr id="2" name="Title 1">
+            <a:extLst>
+              <a:ext uri="{FF2B5EF4-FFF2-40B4-BE49-F238E27FC236}">
+                <a16:creationId xmlns:a16="http://schemas.microsoft.com/office/drawing/2014/main" id="{EB256D71-ACDB-954E-BA6C-17A0B4A3D0E3}"/>
+              </a:ext>
+            </a:extLst>
+          </p:cNvPr>
+          <p:cNvSpPr>
+            <a:spLocks noGrp="1"/>
+          </p:cNvSpPr>
+          <p:nvPr>
+            <p:ph type="title"/>
+          </p:nvPr>
+        </p:nvSpPr>
+        <p:spPr>
+          <a:xfrm>
+            <a:off x="989556" y="0"/>
+            <a:ext cx="10059443" cy="1728592"/>
+          </a:xfrm>
+        </p:spPr>
+        <p:txBody>
+          <a:bodyPr/>
+          <a:lstStyle/>
+          <a:p>
+            <a:pPr algn="ctr"/>
+            <a:r>
+              <a:rPr lang="en-US" dirty="0"/>
+              <a:t>Positive Correlation between bitterness and alcohol content</a:t>
+            </a:r>
+          </a:p>
+        </p:txBody>
+      </p:sp>
+      <p:pic>
+        <p:nvPicPr>
+          <p:cNvPr id="5" name="Content Placeholder 4">
+            <a:extLst>
+              <a:ext uri="{FF2B5EF4-FFF2-40B4-BE49-F238E27FC236}">
+                <a16:creationId xmlns:a16="http://schemas.microsoft.com/office/drawing/2014/main" id="{5BC73247-052A-024E-85E5-F385D94D9D6F}"/>
+              </a:ext>
+            </a:extLst>
+          </p:cNvPr>
+          <p:cNvPicPr>
+            <a:picLocks noGrp="1" noChangeAspect="1"/>
+          </p:cNvPicPr>
+          <p:nvPr>
+            <p:ph idx="1"/>
+          </p:nvPr>
+        </p:nvPicPr>
+        <p:blipFill>
+          <a:blip r:embed="rId2"/>
+          <a:stretch>
+            <a:fillRect/>
+          </a:stretch>
+        </p:blipFill>
+        <p:spPr>
+          <a:xfrm>
+            <a:off x="2706600" y="1567090"/>
+            <a:ext cx="6625354" cy="4003336"/>
+          </a:xfrm>
+        </p:spPr>
+      </p:pic>
+    </p:spTree>
+    <p:extLst>
+      <p:ext uri="{BB962C8B-B14F-4D97-AF65-F5344CB8AC3E}">
+        <p14:creationId xmlns:p14="http://schemas.microsoft.com/office/powerpoint/2010/main" val="2394935882"/>
+      </p:ext>
+    </p:extLst>
+  </p:cSld>
+  <p:clrMapOvr>
+    <a:masterClrMapping/>
+  </p:clrMapOvr>
+</p:sld>
+</file>
+
+<file path=ppt/slides/slide13.xml><?xml version="1.0" encoding="utf-8"?>
+<p:sld xmlns:a="http://schemas.openxmlformats.org/drawingml/2006/main" xmlns:r="http://schemas.openxmlformats.org/officeDocument/2006/relationships" xmlns:p="http://schemas.openxmlformats.org/presentationml/2006/main">
+  <p:cSld>
+    <p:spTree>
+      <p:nvGrpSpPr>
+        <p:cNvPr id="1" name=""/>
+        <p:cNvGrpSpPr/>
+        <p:nvPr/>
+      </p:nvGrpSpPr>
+      <p:grpSpPr>
+        <a:xfrm>
+          <a:off x="0" y="0"/>
+          <a:ext cx="0" cy="0"/>
+          <a:chOff x="0" y="0"/>
+          <a:chExt cx="0" cy="0"/>
+        </a:xfrm>
+      </p:grpSpPr>
+      <p:sp>
+        <p:nvSpPr>
+          <p:cNvPr id="2" name="Title 1">
+            <a:extLst>
+              <a:ext uri="{FF2B5EF4-FFF2-40B4-BE49-F238E27FC236}">
+                <a16:creationId xmlns:a16="http://schemas.microsoft.com/office/drawing/2014/main" id="{69F40B8D-BC05-4FED-B650-1448546B8404}"/>
+              </a:ext>
+            </a:extLst>
+          </p:cNvPr>
+          <p:cNvSpPr>
+            <a:spLocks noGrp="1"/>
+          </p:cNvSpPr>
+          <p:nvPr>
+            <p:ph type="title"/>
+          </p:nvPr>
+        </p:nvSpPr>
+        <p:spPr>
+          <a:xfrm>
+            <a:off x="201923" y="57824"/>
+            <a:ext cx="6669868" cy="1549750"/>
+          </a:xfrm>
+        </p:spPr>
+        <p:txBody>
+          <a:bodyPr/>
+          <a:lstStyle/>
+          <a:p>
+            <a:r>
+              <a:rPr lang="en-US" dirty="0"/>
+              <a:t>Parallels</a:t>
+            </a:r>
+          </a:p>
+        </p:txBody>
+      </p:sp>
+      <p:sp>
+        <p:nvSpPr>
+          <p:cNvPr id="3" name="Content Placeholder 2">
+            <a:extLst>
+              <a:ext uri="{FF2B5EF4-FFF2-40B4-BE49-F238E27FC236}">
+                <a16:creationId xmlns:a16="http://schemas.microsoft.com/office/drawing/2014/main" id="{63C3F493-3814-47F6-92C0-1B7D5BE9C9F3}"/>
+              </a:ext>
+            </a:extLst>
+          </p:cNvPr>
+          <p:cNvSpPr>
+            <a:spLocks noGrp="1"/>
+          </p:cNvSpPr>
+          <p:nvPr>
+            <p:ph idx="1"/>
+          </p:nvPr>
+        </p:nvSpPr>
+        <p:spPr>
+          <a:xfrm>
+            <a:off x="0" y="1819721"/>
+            <a:ext cx="6871791" cy="3971480"/>
+          </a:xfrm>
+        </p:spPr>
+        <p:txBody>
+          <a:bodyPr/>
+          <a:lstStyle/>
+          <a:p>
+            <a:r>
+              <a:rPr lang="en-US" dirty="0"/>
+              <a:t>The maps also indicate a correlation between median bitterness and alcohol content</a:t>
+            </a:r>
+          </a:p>
+          <a:p>
+            <a:pPr marL="0" indent="0">
+              <a:buNone/>
+            </a:pPr>
+            <a:endParaRPr lang="en-US" dirty="0"/>
+          </a:p>
+          <a:p>
+            <a:r>
+              <a:rPr lang="en-US" dirty="0"/>
+              <a:t>State laws limiting alcohol content have an impact on median bitterness from state to state</a:t>
+            </a:r>
+          </a:p>
+          <a:p>
+            <a:pPr lvl="1"/>
+            <a:r>
+              <a:rPr lang="en-US" dirty="0"/>
+              <a:t>States that restrict alcohol content of beer will tend to  have lower median IBU</a:t>
+            </a:r>
+          </a:p>
+          <a:p>
+            <a:pPr lvl="1"/>
+            <a:endParaRPr lang="en-US" dirty="0"/>
+          </a:p>
+        </p:txBody>
+      </p:sp>
+      <p:pic>
+        <p:nvPicPr>
+          <p:cNvPr id="4" name="Picture 3">
+            <a:extLst>
+              <a:ext uri="{FF2B5EF4-FFF2-40B4-BE49-F238E27FC236}">
+                <a16:creationId xmlns:a16="http://schemas.microsoft.com/office/drawing/2014/main" id="{CAC81C28-5D54-47EC-AEBB-E28838FFDB19}"/>
+              </a:ext>
+            </a:extLst>
+          </p:cNvPr>
+          <p:cNvPicPr>
+            <a:picLocks noChangeAspect="1"/>
+          </p:cNvPicPr>
+          <p:nvPr/>
+        </p:nvPicPr>
+        <p:blipFill>
+          <a:blip r:embed="rId2"/>
+          <a:stretch>
+            <a:fillRect/>
+          </a:stretch>
+        </p:blipFill>
+        <p:spPr>
+          <a:xfrm>
+            <a:off x="6871792" y="795996"/>
+            <a:ext cx="5118285" cy="2456776"/>
+          </a:xfrm>
+          <a:prstGeom prst="roundRect">
+            <a:avLst>
+              <a:gd name="adj" fmla="val 3517"/>
+            </a:avLst>
+          </a:prstGeom>
+          <a:ln w="38100">
+            <a:gradFill flip="none" rotWithShape="1">
+              <a:gsLst>
+                <a:gs pos="0">
+                  <a:srgbClr val="363D46"/>
+                </a:gs>
+                <a:gs pos="100000">
+                  <a:srgbClr val="363D46">
+                    <a:lumMod val="75000"/>
+                  </a:srgbClr>
+                </a:gs>
+              </a:gsLst>
+              <a:lin ang="5400000" scaled="0"/>
+              <a:tileRect/>
+            </a:gradFill>
+          </a:ln>
+          <a:effectLst>
+            <a:innerShdw blurRad="57150" dist="38100" dir="14460000">
+              <a:srgbClr val="000000">
+                <a:alpha val="70000"/>
+              </a:srgbClr>
+            </a:innerShdw>
+          </a:effectLst>
+        </p:spPr>
+      </p:pic>
+      <p:pic>
+        <p:nvPicPr>
+          <p:cNvPr id="5" name="Picture 4">
+            <a:extLst>
+              <a:ext uri="{FF2B5EF4-FFF2-40B4-BE49-F238E27FC236}">
+                <a16:creationId xmlns:a16="http://schemas.microsoft.com/office/drawing/2014/main" id="{1F3DE822-1F21-4B9E-B104-A4DB6B124BB2}"/>
+              </a:ext>
+            </a:extLst>
+          </p:cNvPr>
+          <p:cNvPicPr>
+            <a:picLocks noChangeAspect="1"/>
+          </p:cNvPicPr>
+          <p:nvPr/>
+        </p:nvPicPr>
+        <p:blipFill>
+          <a:blip r:embed="rId3"/>
+          <a:stretch>
+            <a:fillRect/>
+          </a:stretch>
+        </p:blipFill>
+        <p:spPr>
+          <a:xfrm>
+            <a:off x="6871791" y="3464918"/>
+            <a:ext cx="5118286" cy="2738284"/>
+          </a:xfrm>
+          <a:custGeom>
+            <a:avLst/>
+            <a:gdLst>
+              <a:gd name="connsiteX0" fmla="*/ 120172 w 3416888"/>
+              <a:gd name="connsiteY0" fmla="*/ 0 h 2057399"/>
+              <a:gd name="connsiteX1" fmla="*/ 3296716 w 3416888"/>
+              <a:gd name="connsiteY1" fmla="*/ 0 h 2057399"/>
+              <a:gd name="connsiteX2" fmla="*/ 3416888 w 3416888"/>
+              <a:gd name="connsiteY2" fmla="*/ 120172 h 2057399"/>
+              <a:gd name="connsiteX3" fmla="*/ 3416888 w 3416888"/>
+              <a:gd name="connsiteY3" fmla="*/ 2057399 h 2057399"/>
+              <a:gd name="connsiteX4" fmla="*/ 0 w 3416888"/>
+              <a:gd name="connsiteY4" fmla="*/ 2057399 h 2057399"/>
+              <a:gd name="connsiteX5" fmla="*/ 0 w 3416888"/>
+              <a:gd name="connsiteY5" fmla="*/ 120172 h 2057399"/>
+              <a:gd name="connsiteX6" fmla="*/ 120172 w 3416888"/>
+              <a:gd name="connsiteY6" fmla="*/ 0 h 2057399"/>
+            </a:gdLst>
+            <a:ahLst/>
+            <a:cxnLst>
+              <a:cxn ang="0">
+                <a:pos x="connsiteX0" y="connsiteY0"/>
+              </a:cxn>
+              <a:cxn ang="0">
+                <a:pos x="connsiteX1" y="connsiteY1"/>
+              </a:cxn>
+              <a:cxn ang="0">
+                <a:pos x="connsiteX2" y="connsiteY2"/>
+              </a:cxn>
+              <a:cxn ang="0">
+                <a:pos x="connsiteX3" y="connsiteY3"/>
+              </a:cxn>
+              <a:cxn ang="0">
+                <a:pos x="connsiteX4" y="connsiteY4"/>
+              </a:cxn>
+              <a:cxn ang="0">
+                <a:pos x="connsiteX5" y="connsiteY5"/>
+              </a:cxn>
+              <a:cxn ang="0">
+                <a:pos x="connsiteX6" y="connsiteY6"/>
+              </a:cxn>
+            </a:cxnLst>
+            <a:rect l="l" t="t" r="r" b="b"/>
+            <a:pathLst>
+              <a:path w="3416888" h="2057399">
+                <a:moveTo>
+                  <a:pt x="120172" y="0"/>
+                </a:moveTo>
+                <a:lnTo>
+                  <a:pt x="3296716" y="0"/>
+                </a:lnTo>
+                <a:cubicBezTo>
+                  <a:pt x="3363085" y="0"/>
+                  <a:pt x="3416888" y="53803"/>
+                  <a:pt x="3416888" y="120172"/>
+                </a:cubicBezTo>
+                <a:lnTo>
+                  <a:pt x="3416888" y="2057399"/>
+                </a:lnTo>
+                <a:lnTo>
+                  <a:pt x="0" y="2057399"/>
+                </a:lnTo>
+                <a:lnTo>
+                  <a:pt x="0" y="120172"/>
+                </a:lnTo>
+                <a:cubicBezTo>
+                  <a:pt x="0" y="53803"/>
+                  <a:pt x="53803" y="0"/>
+                  <a:pt x="120172" y="0"/>
+                </a:cubicBezTo>
+                <a:close/>
+              </a:path>
+            </a:pathLst>
+          </a:custGeom>
+          <a:ln w="38100">
+            <a:gradFill flip="none" rotWithShape="1">
+              <a:gsLst>
+                <a:gs pos="0">
+                  <a:srgbClr val="363D46"/>
+                </a:gs>
+                <a:gs pos="100000">
+                  <a:srgbClr val="363D46">
+                    <a:lumMod val="75000"/>
+                  </a:srgbClr>
+                </a:gs>
+              </a:gsLst>
+              <a:lin ang="5400000" scaled="0"/>
+              <a:tileRect/>
+            </a:gradFill>
+          </a:ln>
+          <a:effectLst>
+            <a:innerShdw blurRad="57150" dist="38100" dir="14460000">
+              <a:srgbClr val="000000">
+                <a:alpha val="70000"/>
+              </a:srgbClr>
+            </a:innerShdw>
+          </a:effectLst>
+        </p:spPr>
+      </p:pic>
+    </p:spTree>
+    <p:extLst>
+      <p:ext uri="{BB962C8B-B14F-4D97-AF65-F5344CB8AC3E}">
+        <p14:creationId xmlns:p14="http://schemas.microsoft.com/office/powerpoint/2010/main" val="209908339"/>
       </p:ext>
     </p:extLst>
   </p:cSld>
@@ -5722,7 +7300,7 @@
           <p:cNvPr id="2" name="Title 1">
             <a:extLst>
               <a:ext uri="{FF2B5EF4-FFF2-40B4-BE49-F238E27FC236}">
-                <a16:creationId xmlns:a16="http://schemas.microsoft.com/office/drawing/2014/main" id="{10ECA807-EBBE-4BBB-B7E4-2C82D9ADF1F5}"/>
+                <a16:creationId xmlns:a16="http://schemas.microsoft.com/office/drawing/2014/main" id="{746ECA34-211E-48A9-8962-65C1C0EE2EE9}"/>
               </a:ext>
             </a:extLst>
           </p:cNvPr>
@@ -5735,65 +7313,160 @@
         </p:nvSpPr>
         <p:spPr>
           <a:xfrm>
-            <a:off x="1751012" y="4363271"/>
-            <a:ext cx="8676222" cy="1066801"/>
+            <a:off x="643192" y="609600"/>
+            <a:ext cx="4327014" cy="865239"/>
           </a:xfrm>
         </p:spPr>
         <p:txBody>
-          <a:bodyPr vert="horz" lIns="91440" tIns="45720" rIns="91440" bIns="45720" rtlCol="0" anchor="b">
+          <a:bodyPr>
             <a:normAutofit/>
           </a:bodyPr>
           <a:lstStyle/>
           <a:p>
-            <a:pPr algn="ctr"/>
-            <a:r>
-              <a:rPr lang="en-US" sz="4800" dirty="0">
-                <a:effectLst>
-                  <a:glow rad="38100">
-                    <a:schemeClr val="bg1">
-                      <a:lumMod val="65000"/>
-                      <a:lumOff val="35000"/>
-                      <a:alpha val="50000"/>
-                    </a:schemeClr>
-                  </a:glow>
-                  <a:outerShdw blurRad="28575" dist="31750" dir="13200000" algn="tl" rotWithShape="0">
-                    <a:srgbClr val="000000">
-                      <a:alpha val="25000"/>
-                    </a:srgbClr>
-                  </a:outerShdw>
-                </a:effectLst>
-              </a:rPr>
-              <a:t>The basics</a:t>
-            </a:r>
+            <a:r>
+              <a:rPr lang="en-US" sz="4800" dirty="0"/>
+              <a:t>the data</a:t>
+            </a:r>
+          </a:p>
+        </p:txBody>
+      </p:sp>
+      <p:sp>
+        <p:nvSpPr>
+          <p:cNvPr id="3" name="Content Placeholder 2">
+            <a:extLst>
+              <a:ext uri="{FF2B5EF4-FFF2-40B4-BE49-F238E27FC236}">
+                <a16:creationId xmlns:a16="http://schemas.microsoft.com/office/drawing/2014/main" id="{DA666CA0-4DF5-47FA-890A-93DE2960DE7D}"/>
+              </a:ext>
+            </a:extLst>
+          </p:cNvPr>
+          <p:cNvSpPr>
+            <a:spLocks noGrp="1"/>
+          </p:cNvSpPr>
+          <p:nvPr>
+            <p:ph idx="1"/>
+          </p:nvPr>
+        </p:nvSpPr>
+        <p:spPr>
+          <a:xfrm>
+            <a:off x="0" y="1135626"/>
+            <a:ext cx="5963416" cy="5112774"/>
+          </a:xfrm>
+        </p:spPr>
+        <p:txBody>
+          <a:bodyPr>
+            <a:normAutofit/>
+          </a:bodyPr>
+          <a:lstStyle/>
+          <a:p>
+            <a:pPr>
+              <a:lnSpc>
+                <a:spcPct val="90000"/>
+              </a:lnSpc>
+            </a:pPr>
+            <a:r>
+              <a:rPr lang="en-US" sz="1800" dirty="0"/>
+              <a:t>2,305 unique beers</a:t>
+            </a:r>
+          </a:p>
+          <a:p>
+            <a:pPr lvl="1">
+              <a:lnSpc>
+                <a:spcPct val="90000"/>
+              </a:lnSpc>
+            </a:pPr>
+            <a:r>
+              <a:rPr lang="en-US" dirty="0"/>
+              <a:t>an Alcohol by Volume (ABV) measurement</a:t>
+            </a:r>
+          </a:p>
+          <a:p>
+            <a:pPr lvl="1">
+              <a:lnSpc>
+                <a:spcPct val="90000"/>
+              </a:lnSpc>
+            </a:pPr>
+            <a:r>
+              <a:rPr lang="en-US" dirty="0"/>
+              <a:t>An International Bitterness Unit (IBU) measurement</a:t>
+            </a:r>
+          </a:p>
+          <a:p>
+            <a:pPr>
+              <a:lnSpc>
+                <a:spcPct val="90000"/>
+              </a:lnSpc>
+            </a:pPr>
+            <a:r>
+              <a:rPr lang="en-US" sz="1800" dirty="0"/>
+              <a:t>100 styles of beer</a:t>
+            </a:r>
+          </a:p>
+          <a:p>
+            <a:pPr>
+              <a:lnSpc>
+                <a:spcPct val="90000"/>
+              </a:lnSpc>
+            </a:pPr>
+            <a:r>
+              <a:rPr lang="en-US" sz="1800" dirty="0"/>
+              <a:t>50 states and territories</a:t>
+            </a:r>
+          </a:p>
+          <a:p>
+            <a:pPr lvl="1">
+              <a:lnSpc>
+                <a:spcPct val="90000"/>
+              </a:lnSpc>
+            </a:pPr>
+            <a:r>
+              <a:rPr lang="en-US" dirty="0"/>
+              <a:t>We focused on those within the mainland U.S.</a:t>
+            </a:r>
+          </a:p>
+          <a:p>
+            <a:pPr>
+              <a:lnSpc>
+                <a:spcPct val="90000"/>
+              </a:lnSpc>
+            </a:pPr>
+            <a:r>
+              <a:rPr lang="en-US" sz="1800" dirty="0"/>
+              <a:t>384 different cities</a:t>
+            </a:r>
+          </a:p>
+          <a:p>
+            <a:pPr>
+              <a:lnSpc>
+                <a:spcPct val="90000"/>
+              </a:lnSpc>
+            </a:pPr>
+            <a:endParaRPr lang="en-US" sz="1500" dirty="0"/>
           </a:p>
         </p:txBody>
       </p:sp>
       <p:pic>
         <p:nvPicPr>
-          <p:cNvPr id="7" name="Content Placeholder 3">
+          <p:cNvPr id="4" name="Picture 3">
             <a:extLst>
               <a:ext uri="{FF2B5EF4-FFF2-40B4-BE49-F238E27FC236}">
-                <a16:creationId xmlns:a16="http://schemas.microsoft.com/office/drawing/2014/main" id="{09D9AA31-3ECA-4DD9-81F4-EF43436F1523}"/>
+                <a16:creationId xmlns:a16="http://schemas.microsoft.com/office/drawing/2014/main" id="{123D44C3-8885-4D37-B5E8-FC463544EA13}"/>
               </a:ext>
             </a:extLst>
           </p:cNvPr>
           <p:cNvPicPr>
-            <a:picLocks noGrp="1" noChangeAspect="1"/>
+            <a:picLocks noChangeAspect="1"/>
           </p:cNvPicPr>
-          <p:nvPr>
-            <p:ph idx="1"/>
-          </p:nvPr>
+          <p:nvPr/>
         </p:nvPicPr>
-        <p:blipFill>
+        <p:blipFill rotWithShape="1">
           <a:blip r:embed="rId3"/>
-          <a:stretch>
-            <a:fillRect/>
-          </a:stretch>
+          <a:srcRect r="31134" b="1"/>
+          <a:stretch/>
         </p:blipFill>
         <p:spPr>
           <a:xfrm>
-            <a:off x="635457" y="1295219"/>
-            <a:ext cx="10916463" cy="2292458"/>
+            <a:off x="5967669" y="899651"/>
+            <a:ext cx="5963416" cy="4524528"/>
           </a:xfrm>
           <a:prstGeom prst="roundRect">
             <a:avLst>
@@ -5828,7 +7501,7 @@
     </p:spTree>
     <p:extLst>
       <p:ext uri="{BB962C8B-B14F-4D97-AF65-F5344CB8AC3E}">
-        <p14:creationId xmlns:p14="http://schemas.microsoft.com/office/powerpoint/2010/main" val="4000588421"/>
+        <p14:creationId xmlns:p14="http://schemas.microsoft.com/office/powerpoint/2010/main" val="3777514450"/>
       </p:ext>
     </p:extLst>
   </p:cSld>
@@ -5931,8 +7604,8 @@
         </p:nvSpPr>
         <p:spPr>
           <a:xfrm>
-            <a:off x="643192" y="2666999"/>
-            <a:ext cx="3643674" cy="3216276"/>
+            <a:off x="643192" y="1799304"/>
+            <a:ext cx="3643674" cy="4616244"/>
           </a:xfrm>
         </p:spPr>
         <p:txBody>
@@ -5943,23 +7616,57 @@
           <a:p>
             <a:r>
               <a:rPr lang="en-US" sz="1800" dirty="0"/>
-              <a:t>Colorado clearly wins </a:t>
+              <a:t>Colorado clearly wins</a:t>
             </a:r>
           </a:p>
           <a:p>
             <a:r>
               <a:rPr lang="en-US" sz="1800" dirty="0"/>
-              <a:t>Map could be improved by including breweries per capita</a:t>
+              <a:t>Other states with large numbers of craft breweries:</a:t>
+            </a:r>
+          </a:p>
+          <a:p>
+            <a:pPr lvl="1"/>
+            <a:r>
+              <a:rPr lang="en-US" sz="1600" dirty="0"/>
+              <a:t>California</a:t>
+            </a:r>
+          </a:p>
+          <a:p>
+            <a:pPr lvl="1"/>
+            <a:r>
+              <a:rPr lang="en-US" sz="1600" dirty="0"/>
+              <a:t>Texas</a:t>
+            </a:r>
+          </a:p>
+          <a:p>
+            <a:pPr lvl="1"/>
+            <a:r>
+              <a:rPr lang="en-US" sz="1600" dirty="0"/>
+              <a:t>Michigan</a:t>
+            </a:r>
+          </a:p>
+          <a:p>
+            <a:pPr lvl="1"/>
+            <a:r>
+              <a:rPr lang="en-US" sz="1600" dirty="0"/>
+              <a:t>Indiana</a:t>
+            </a:r>
+          </a:p>
+          <a:p>
+            <a:r>
+              <a:rPr lang="en-US" sz="1800" dirty="0"/>
+              <a:t>These states may have large numbers of breweries because they have larger populations</a:t>
             </a:r>
           </a:p>
         </p:txBody>
       </p:sp>
       <p:pic>
         <p:nvPicPr>
-          <p:cNvPr id="4" name="Picture 3">
+          <p:cNvPr id="5" name="Picture 4">
             <a:extLst>
               <a:ext uri="{FF2B5EF4-FFF2-40B4-BE49-F238E27FC236}">
-                <a16:creationId xmlns:a16="http://schemas.microsoft.com/office/drawing/2014/main" id="{FE8BBD89-8D56-4360-B41A-8B04D869088E}"/>
+                <a16:creationId xmlns:a16="http://schemas.microsoft.com/office/drawing/2014/main" id="{8E489EB8-B263-455F-8A9C-48E3B61ED0B5}"/>
               </a:ext>
             </a:extLst>
           </p:cNvPr>
@@ -5976,8 +7683,8 @@
         </p:blipFill>
         <p:spPr>
           <a:xfrm>
-            <a:off x="4630994" y="1133470"/>
-            <a:ext cx="6916633" cy="4271019"/>
+            <a:off x="4630994" y="1238865"/>
+            <a:ext cx="7538949" cy="3750627"/>
           </a:xfrm>
           <a:prstGeom prst="roundRect">
             <a:avLst>
@@ -6067,7 +7774,7 @@
           <p:cNvPr id="2" name="Title 1">
             <a:extLst>
               <a:ext uri="{FF2B5EF4-FFF2-40B4-BE49-F238E27FC236}">
-                <a16:creationId xmlns:a16="http://schemas.microsoft.com/office/drawing/2014/main" id="{38E044BD-4C8D-433F-B895-BFF2064330DA}"/>
+                <a16:creationId xmlns:a16="http://schemas.microsoft.com/office/drawing/2014/main" id="{52723FFA-EF16-4BA2-838D-1C630CA2D5ED}"/>
               </a:ext>
             </a:extLst>
           </p:cNvPr>
@@ -6080,8 +7787,8 @@
         </p:nvSpPr>
         <p:spPr>
           <a:xfrm>
-            <a:off x="6096000" y="609599"/>
-            <a:ext cx="5435760" cy="2009775"/>
+            <a:off x="678426" y="270387"/>
+            <a:ext cx="11026877" cy="1905000"/>
           </a:xfrm>
         </p:spPr>
         <p:txBody>
@@ -6090,20 +7797,95 @@
           </a:bodyPr>
           <a:lstStyle/>
           <a:p>
-            <a:pPr algn="ctr"/>
-            <a:r>
-              <a:rPr lang="en-US"/>
-              <a:t>Alcohol Content</a:t>
+            <a:r>
+              <a:rPr lang="en-US" dirty="0"/>
+              <a:t>Where are craft breweries most competitive?</a:t>
+            </a:r>
+          </a:p>
+        </p:txBody>
+      </p:sp>
+      <p:sp>
+        <p:nvSpPr>
+          <p:cNvPr id="3" name="Content Placeholder 2">
+            <a:extLst>
+              <a:ext uri="{FF2B5EF4-FFF2-40B4-BE49-F238E27FC236}">
+                <a16:creationId xmlns:a16="http://schemas.microsoft.com/office/drawing/2014/main" id="{8CD6B72E-C7E0-48B0-8774-5D66900D57E5}"/>
+              </a:ext>
+            </a:extLst>
+          </p:cNvPr>
+          <p:cNvSpPr>
+            <a:spLocks noGrp="1"/>
+          </p:cNvSpPr>
+          <p:nvPr>
+            <p:ph idx="1"/>
+          </p:nvPr>
+        </p:nvSpPr>
+        <p:spPr>
+          <a:xfrm>
+            <a:off x="7027880" y="1667860"/>
+            <a:ext cx="5268541" cy="3216276"/>
+          </a:xfrm>
+        </p:spPr>
+        <p:txBody>
+          <a:bodyPr>
+            <a:normAutofit fontScale="92500" lnSpcReduction="10000"/>
+          </a:bodyPr>
+          <a:lstStyle/>
+          <a:p>
+            <a:r>
+              <a:rPr lang="en-US" dirty="0"/>
+              <a:t>Colorado still leads</a:t>
+            </a:r>
+          </a:p>
+          <a:p>
+            <a:pPr lvl="1"/>
+            <a:r>
+              <a:rPr lang="en-US" dirty="0"/>
+              <a:t>Colorado residents clearly support craft breweries!</a:t>
+            </a:r>
+          </a:p>
+          <a:p>
+            <a:r>
+              <a:rPr lang="en-US" dirty="0"/>
+              <a:t>Other states with large numbers of craft breweries:</a:t>
+            </a:r>
+          </a:p>
+          <a:p>
+            <a:pPr lvl="1"/>
+            <a:r>
+              <a:rPr lang="en-US" dirty="0"/>
+              <a:t>Vermont</a:t>
+            </a:r>
+          </a:p>
+          <a:p>
+            <a:pPr lvl="1"/>
+            <a:r>
+              <a:rPr lang="en-US" dirty="0"/>
+              <a:t>Montana</a:t>
+            </a:r>
+          </a:p>
+          <a:p>
+            <a:pPr lvl="1"/>
+            <a:r>
+              <a:rPr lang="en-US" dirty="0"/>
+              <a:t>Oregon</a:t>
+            </a:r>
+          </a:p>
+          <a:p>
+            <a:pPr lvl="1"/>
+            <a:r>
+              <a:rPr lang="en-US" dirty="0"/>
+              <a:t>Wyoming</a:t>
             </a:r>
           </a:p>
         </p:txBody>
       </p:sp>
       <p:pic>
         <p:nvPicPr>
-          <p:cNvPr id="6" name="Picture 5">
+          <p:cNvPr id="4" name="Picture 3">
             <a:extLst>
               <a:ext uri="{FF2B5EF4-FFF2-40B4-BE49-F238E27FC236}">
-                <a16:creationId xmlns:a16="http://schemas.microsoft.com/office/drawing/2014/main" id="{B323E458-2FA8-48F5-9F80-E15ADF5A9D1A}"/>
+                <a16:creationId xmlns:a16="http://schemas.microsoft.com/office/drawing/2014/main" id="{D5BE3349-1354-42DF-85E4-1903CB123C7B}"/>
               </a:ext>
             </a:extLst>
           </p:cNvPr>
@@ -6120,8 +7902,152 @@
         </p:blipFill>
         <p:spPr>
           <a:xfrm>
-            <a:off x="1417855" y="609600"/>
-            <a:ext cx="3345364" cy="2057399"/>
+            <a:off x="47606" y="1933331"/>
+            <a:ext cx="6980274" cy="3420334"/>
+          </a:xfrm>
+          <a:prstGeom prst="roundRect">
+            <a:avLst>
+              <a:gd name="adj" fmla="val 3517"/>
+            </a:avLst>
+          </a:prstGeom>
+          <a:ln w="38100">
+            <a:gradFill flip="none" rotWithShape="1">
+              <a:gsLst>
+                <a:gs pos="0">
+                  <a:srgbClr val="363D46"/>
+                </a:gs>
+                <a:gs pos="100000">
+                  <a:srgbClr val="363D46">
+                    <a:lumMod val="75000"/>
+                  </a:srgbClr>
+                </a:gs>
+              </a:gsLst>
+              <a:lin ang="5400000" scaled="0"/>
+              <a:tileRect/>
+            </a:gradFill>
+          </a:ln>
+          <a:effectLst>
+            <a:innerShdw blurRad="57150" dist="38100" dir="14460000">
+              <a:srgbClr val="000000">
+                <a:alpha val="70000"/>
+              </a:srgbClr>
+            </a:innerShdw>
+          </a:effectLst>
+        </p:spPr>
+      </p:pic>
+    </p:spTree>
+    <p:extLst>
+      <p:ext uri="{BB962C8B-B14F-4D97-AF65-F5344CB8AC3E}">
+        <p14:creationId xmlns:p14="http://schemas.microsoft.com/office/powerpoint/2010/main" val="696077264"/>
+      </p:ext>
+    </p:extLst>
+  </p:cSld>
+  <p:clrMapOvr>
+    <a:masterClrMapping/>
+  </p:clrMapOvr>
+</p:sld>
+</file>
+
+<file path=ppt/slides/slide5.xml><?xml version="1.0" encoding="utf-8"?>
+<p:sld xmlns:a="http://schemas.openxmlformats.org/drawingml/2006/main" xmlns:r="http://schemas.openxmlformats.org/officeDocument/2006/relationships" xmlns:p="http://schemas.openxmlformats.org/presentationml/2006/main">
+  <p:cSld>
+    <p:bg>
+      <p:bgPr>
+        <a:blipFill rotWithShape="1">
+          <a:blip r:embed="rId2">
+            <a:duotone>
+              <a:schemeClr val="bg2">
+                <a:shade val="28000"/>
+                <a:satMod val="94000"/>
+                <a:lumMod val="20000"/>
+              </a:schemeClr>
+              <a:schemeClr val="bg2">
+                <a:tint val="94000"/>
+                <a:shade val="84000"/>
+                <a:satMod val="148000"/>
+                <a:lumMod val="114000"/>
+              </a:schemeClr>
+            </a:duotone>
+          </a:blip>
+          <a:stretch/>
+        </a:blipFill>
+        <a:effectLst/>
+      </p:bgPr>
+    </p:bg>
+    <p:spTree>
+      <p:nvGrpSpPr>
+        <p:cNvPr id="1" name=""/>
+        <p:cNvGrpSpPr/>
+        <p:nvPr/>
+      </p:nvGrpSpPr>
+      <p:grpSpPr>
+        <a:xfrm>
+          <a:off x="0" y="0"/>
+          <a:ext cx="0" cy="0"/>
+          <a:chOff x="0" y="0"/>
+          <a:chExt cx="0" cy="0"/>
+        </a:xfrm>
+      </p:grpSpPr>
+      <p:sp>
+        <p:nvSpPr>
+          <p:cNvPr id="2" name="Title 1">
+            <a:extLst>
+              <a:ext uri="{FF2B5EF4-FFF2-40B4-BE49-F238E27FC236}">
+                <a16:creationId xmlns:a16="http://schemas.microsoft.com/office/drawing/2014/main" id="{38E044BD-4C8D-433F-B895-BFF2064330DA}"/>
+              </a:ext>
+            </a:extLst>
+          </p:cNvPr>
+          <p:cNvSpPr>
+            <a:spLocks noGrp="1"/>
+          </p:cNvSpPr>
+          <p:nvPr>
+            <p:ph type="title"/>
+          </p:nvPr>
+        </p:nvSpPr>
+        <p:spPr>
+          <a:xfrm>
+            <a:off x="6096000" y="609599"/>
+            <a:ext cx="5435760" cy="2009775"/>
+          </a:xfrm>
+        </p:spPr>
+        <p:txBody>
+          <a:bodyPr>
+            <a:normAutofit/>
+          </a:bodyPr>
+          <a:lstStyle/>
+          <a:p>
+            <a:pPr algn="ctr"/>
+            <a:r>
+              <a:rPr lang="en-US"/>
+              <a:t>Alcohol Content</a:t>
+            </a:r>
+          </a:p>
+        </p:txBody>
+      </p:sp>
+      <p:pic>
+        <p:nvPicPr>
+          <p:cNvPr id="4" name="Picture 3">
+            <a:extLst>
+              <a:ext uri="{FF2B5EF4-FFF2-40B4-BE49-F238E27FC236}">
+                <a16:creationId xmlns:a16="http://schemas.microsoft.com/office/drawing/2014/main" id="{57DA117C-35B0-4583-9159-452BD82D280E}"/>
+              </a:ext>
+            </a:extLst>
+          </p:cNvPr>
+          <p:cNvPicPr>
+            <a:picLocks noChangeAspect="1"/>
+          </p:cNvPicPr>
+          <p:nvPr/>
+        </p:nvPicPr>
+        <p:blipFill>
+          <a:blip r:embed="rId3"/>
+          <a:stretch>
+            <a:fillRect/>
+          </a:stretch>
+        </p:blipFill>
+        <p:spPr>
+          <a:xfrm>
+            <a:off x="514177" y="3536853"/>
+            <a:ext cx="5118286" cy="2738284"/>
           </a:xfrm>
           <a:custGeom>
             <a:avLst/>
@@ -6244,8 +8170,8 @@
         </p:blipFill>
         <p:spPr>
           <a:xfrm>
-            <a:off x="707739" y="2947481"/>
-            <a:ext cx="4765597" cy="2966583"/>
+            <a:off x="873894" y="398053"/>
+            <a:ext cx="4398851" cy="2738284"/>
           </a:xfrm>
           <a:custGeom>
             <a:avLst/>
@@ -6485,7 +8411,7 @@
 </p:sld>
 </file>
 
-<file path=ppt/slides/slide5.xml><?xml version="1.0" encoding="utf-8"?>
+<file path=ppt/slides/slide6.xml><?xml version="1.0" encoding="utf-8"?>
 <p:sld xmlns:a="http://schemas.openxmlformats.org/drawingml/2006/main" xmlns:r="http://schemas.openxmlformats.org/officeDocument/2006/relationships" xmlns:p="http://schemas.openxmlformats.org/presentationml/2006/main">
   <p:cSld>
     <p:bg>
@@ -6558,16 +8484,15 @@
               <a:rPr lang="en-US" dirty="0"/>
               <a:t>Bitterness</a:t>
             </a:r>
-            <a:endParaRPr lang="en-US"/>
           </a:p>
         </p:txBody>
       </p:sp>
       <p:pic>
         <p:nvPicPr>
-          <p:cNvPr id="6" name="Picture 5">
+          <p:cNvPr id="5" name="Picture 4">
             <a:extLst>
               <a:ext uri="{FF2B5EF4-FFF2-40B4-BE49-F238E27FC236}">
-                <a16:creationId xmlns:a16="http://schemas.microsoft.com/office/drawing/2014/main" id="{27F34F99-58BC-4D66-B5FC-14F91DCC2DD3}"/>
+                <a16:creationId xmlns:a16="http://schemas.microsoft.com/office/drawing/2014/main" id="{E19AD3D0-62D1-45FA-BF26-4360B8A48EBF}"/>
               </a:ext>
             </a:extLst>
           </p:cNvPr>
@@ -6584,8 +8509,8 @@
         </p:blipFill>
         <p:spPr>
           <a:xfrm>
-            <a:off x="1417855" y="609600"/>
-            <a:ext cx="3345364" cy="2057399"/>
+            <a:off x="947413" y="609600"/>
+            <a:ext cx="4286248" cy="2057399"/>
           </a:xfrm>
           <a:custGeom>
             <a:avLst/>
@@ -6820,7 +8745,7 @@
         </p:nvSpPr>
         <p:spPr>
           <a:xfrm>
-            <a:off x="6096000" y="2774425"/>
+            <a:off x="6096000" y="2081251"/>
             <a:ext cx="5435760" cy="3288445"/>
           </a:xfrm>
         </p:spPr>
@@ -6940,7 +8865,7 @@
 </p:sld>
 </file>
 
-<file path=ppt/slides/slide6.xml><?xml version="1.0" encoding="utf-8"?>
+<file path=ppt/slides/slide7.xml><?xml version="1.0" encoding="utf-8"?>
 <p:sld xmlns:a="http://schemas.openxmlformats.org/drawingml/2006/main" xmlns:r="http://schemas.openxmlformats.org/officeDocument/2006/relationships" xmlns:p="http://schemas.openxmlformats.org/presentationml/2006/main">
   <p:cSld>
     <p:bg>
@@ -6985,7 +8910,7 @@
           <p:cNvPr id="2" name="Title 1">
             <a:extLst>
               <a:ext uri="{FF2B5EF4-FFF2-40B4-BE49-F238E27FC236}">
-                <a16:creationId xmlns:a16="http://schemas.microsoft.com/office/drawing/2014/main" id="{85D713E8-661C-4840-B2D7-DE430ECE4BA4}"/>
+                <a16:creationId xmlns:a16="http://schemas.microsoft.com/office/drawing/2014/main" id="{D9006747-D2BE-4B0A-976F-C1A0B9F6251E}"/>
               </a:ext>
             </a:extLst>
           </p:cNvPr>
@@ -6998,209 +8923,131 @@
         </p:nvSpPr>
         <p:spPr>
           <a:xfrm>
-            <a:off x="974179" y="714375"/>
-            <a:ext cx="3332955" cy="5076826"/>
+            <a:off x="643192" y="609600"/>
+            <a:ext cx="3643674" cy="1130710"/>
           </a:xfrm>
         </p:spPr>
         <p:txBody>
-          <a:bodyPr anchor="ctr">
+          <a:bodyPr>
             <a:normAutofit/>
           </a:bodyPr>
           <a:lstStyle/>
           <a:p>
             <a:r>
-              <a:rPr lang="en-US" sz="4000"/>
-              <a:t>Next steps</a:t>
-            </a:r>
-          </a:p>
-        </p:txBody>
-      </p:sp>
-      <p:sp>
-        <p:nvSpPr>
-          <p:cNvPr id="8" name="Rectangle 7">
+              <a:rPr lang="en-US" sz="2800" dirty="0"/>
+              <a:t>Regional taste preferences</a:t>
+            </a:r>
+          </a:p>
+        </p:txBody>
+      </p:sp>
+      <p:sp>
+        <p:nvSpPr>
+          <p:cNvPr id="3" name="Content Placeholder 2">
             <a:extLst>
               <a:ext uri="{FF2B5EF4-FFF2-40B4-BE49-F238E27FC236}">
-                <a16:creationId xmlns:a16="http://schemas.microsoft.com/office/drawing/2014/main" id="{375136A9-49F9-4DA0-A741-F065B0FA091D}"/>
-              </a:ext>
-              <a:ext uri="{C183D7F6-B498-43B3-948B-1728B52AA6E4}">
-                <adec:decorative xmlns:adec="http://schemas.microsoft.com/office/drawing/2017/decorative" val="1"/>
+                <a16:creationId xmlns:a16="http://schemas.microsoft.com/office/drawing/2014/main" id="{C583497C-ADB4-46BD-B75B-2B783975C24D}"/>
               </a:ext>
             </a:extLst>
           </p:cNvPr>
           <p:cNvSpPr>
-            <a:spLocks noGrp="1" noRot="1" noChangeAspect="1" noMove="1" noResize="1" noEditPoints="1" noAdjustHandles="1" noChangeArrowheads="1" noChangeShapeType="1" noTextEdit="1"/>
-          </p:cNvSpPr>
-          <p:nvPr>
-            <p:extLst>
-              <p:ext uri="{386F3935-93C4-4BCD-93E2-E3B085C9AB24}">
-                <p16:designElem xmlns:p16="http://schemas.microsoft.com/office/powerpoint/2015/main" val="1"/>
-              </p:ext>
-            </p:extLst>
+            <a:spLocks noGrp="1"/>
+          </p:cNvSpPr>
+          <p:nvPr>
+            <p:ph idx="1"/>
           </p:nvPr>
         </p:nvSpPr>
         <p:spPr>
           <a:xfrm>
-            <a:off x="4633356" y="0"/>
-            <a:ext cx="7558643" cy="6858000"/>
+            <a:off x="221226" y="1740310"/>
+            <a:ext cx="4065640" cy="4142965"/>
           </a:xfrm>
-          <a:prstGeom prst="rect">
-            <a:avLst/>
-          </a:prstGeom>
-          <a:solidFill>
-            <a:schemeClr val="bg2"/>
-          </a:solidFill>
-          <a:ln>
-            <a:noFill/>
-          </a:ln>
-          <a:effectLst>
-            <a:innerShdw blurRad="63500" dist="50800" dir="10800000">
-              <a:prstClr val="black">
-                <a:alpha val="50000"/>
-              </a:prstClr>
-            </a:innerShdw>
-          </a:effectLst>
         </p:spPr>
-        <p:style>
-          <a:lnRef idx="2">
-            <a:schemeClr val="accent1">
-              <a:shade val="50000"/>
-            </a:schemeClr>
-          </a:lnRef>
-          <a:fillRef idx="1">
-            <a:schemeClr val="accent1"/>
-          </a:fillRef>
-          <a:effectRef idx="0">
-            <a:schemeClr val="accent1"/>
-          </a:effectRef>
-          <a:fontRef idx="minor">
-            <a:schemeClr val="lt1"/>
-          </a:fontRef>
-        </p:style>
-        <p:txBody>
-          <a:bodyPr rtlCol="0" anchor="ctr"/>
+        <p:txBody>
+          <a:bodyPr>
+            <a:normAutofit fontScale="92500"/>
+          </a:bodyPr>
           <a:lstStyle/>
           <a:p>
-            <a:pPr algn="ctr"/>
-            <a:endParaRPr lang="en-US" dirty="0"/>
-          </a:p>
-        </p:txBody>
-      </p:sp>
-      <p:sp>
-        <p:nvSpPr>
-          <p:cNvPr id="10" name="Rectangle 9">
+            <a:r>
+              <a:rPr lang="en-US" sz="1800" dirty="0"/>
+              <a:t>Midwestern states prefer lower median bitterness than other regions. </a:t>
+            </a:r>
+          </a:p>
+          <a:p>
+            <a:r>
+              <a:rPr lang="en-US" sz="1800" dirty="0"/>
+              <a:t>West Coast breweries appear to consistently produce beers in the medium bitterness range</a:t>
+            </a:r>
+          </a:p>
+          <a:p>
+            <a:r>
+              <a:rPr lang="en-US" sz="1800" dirty="0"/>
+              <a:t>Bitterness varies widely on the East Coast. </a:t>
+            </a:r>
+          </a:p>
+          <a:p>
+            <a:pPr lvl="1"/>
+            <a:r>
+              <a:rPr lang="en-US" sz="1600" dirty="0"/>
+              <a:t>The East Coast does contain 3 of the states with the highest median bitterness</a:t>
+            </a:r>
+            <a:endParaRPr lang="en-US" sz="1800" dirty="0"/>
+          </a:p>
+          <a:p>
+            <a:pPr>
+              <a:lnSpc>
+                <a:spcPct val="90000"/>
+              </a:lnSpc>
+            </a:pPr>
+            <a:r>
+              <a:rPr lang="en-US" sz="1800" dirty="0"/>
+              <a:t>North Dakota is grey?</a:t>
+            </a:r>
+          </a:p>
+          <a:p>
+            <a:pPr lvl="1">
+              <a:lnSpc>
+                <a:spcPct val="90000"/>
+              </a:lnSpc>
+            </a:pPr>
+            <a:r>
+              <a:rPr lang="en-US" sz="1600" dirty="0"/>
+              <a:t>No bitterness ratings were available from breweries in that state.</a:t>
+            </a:r>
+          </a:p>
+        </p:txBody>
+      </p:sp>
+      <p:pic>
+        <p:nvPicPr>
+          <p:cNvPr id="4" name="Picture 3">
             <a:extLst>
               <a:ext uri="{FF2B5EF4-FFF2-40B4-BE49-F238E27FC236}">
-                <a16:creationId xmlns:a16="http://schemas.microsoft.com/office/drawing/2014/main" id="{B912F6C7-0423-4B6F-AECE-710C848918FD}"/>
-              </a:ext>
-              <a:ext uri="{C183D7F6-B498-43B3-948B-1728B52AA6E4}">
-                <adec:decorative xmlns:adec="http://schemas.microsoft.com/office/drawing/2017/decorative" val="1"/>
+                <a16:creationId xmlns:a16="http://schemas.microsoft.com/office/drawing/2014/main" id="{6BCC1E45-AEAD-4E2F-BAA0-7871DFB930BB}"/>
               </a:ext>
             </a:extLst>
           </p:cNvPr>
-          <p:cNvSpPr>
-            <a:spLocks noGrp="1" noRot="1" noChangeAspect="1" noMove="1" noResize="1" noEditPoints="1" noAdjustHandles="1" noChangeArrowheads="1" noChangeShapeType="1" noTextEdit="1"/>
-          </p:cNvSpPr>
-          <p:nvPr>
-            <p:extLst>
-              <p:ext uri="{386F3935-93C4-4BCD-93E2-E3B085C9AB24}">
-                <p16:designElem xmlns:p16="http://schemas.microsoft.com/office/powerpoint/2015/main" val="1"/>
-              </p:ext>
-            </p:extLst>
-          </p:nvPr>
-        </p:nvSpPr>
-        <p:spPr>
-          <a:xfrm rot="5400000" flipH="1">
-            <a:off x="1446539" y="3195797"/>
-            <a:ext cx="6858000" cy="466406"/>
-          </a:xfrm>
-          <a:prstGeom prst="rect">
-            <a:avLst/>
-          </a:prstGeom>
-          <a:gradFill>
-            <a:gsLst>
-              <a:gs pos="0">
-                <a:srgbClr val="363D46">
-                  <a:alpha val="0"/>
-                </a:srgbClr>
-              </a:gs>
-              <a:gs pos="100000">
-                <a:srgbClr val="363D46">
-                  <a:lumMod val="75000"/>
-                </a:srgbClr>
-              </a:gs>
-            </a:gsLst>
-            <a:lin ang="5400000" scaled="0"/>
-          </a:gradFill>
-          <a:ln>
-            <a:noFill/>
-          </a:ln>
-          <a:effectLst/>
-        </p:spPr>
-        <p:style>
-          <a:lnRef idx="2">
-            <a:schemeClr val="accent1">
-              <a:shade val="50000"/>
-            </a:schemeClr>
-          </a:lnRef>
-          <a:fillRef idx="1">
-            <a:schemeClr val="accent1"/>
-          </a:fillRef>
-          <a:effectRef idx="0">
-            <a:schemeClr val="accent1"/>
-          </a:effectRef>
-          <a:fontRef idx="minor">
-            <a:schemeClr val="lt1"/>
-          </a:fontRef>
-        </p:style>
-        <p:txBody>
-          <a:bodyPr rot="0" spcFirstLastPara="0" vertOverflow="overflow" horzOverflow="overflow" vert="horz" wrap="square" lIns="91440" tIns="45720" rIns="91440" bIns="45720" numCol="1" spcCol="0" rtlCol="0" fromWordArt="0" anchor="ctr" anchorCtr="0" forceAA="0" compatLnSpc="1">
-            <a:prstTxWarp prst="textNoShape">
-              <a:avLst/>
-            </a:prstTxWarp>
-            <a:noAutofit/>
-          </a:bodyPr>
-          <a:lstStyle/>
-          <a:p>
-            <a:pPr algn="ctr"/>
-            <a:endParaRPr lang="en-US"/>
-          </a:p>
-        </p:txBody>
-      </p:sp>
-      <p:cxnSp>
-        <p:nvCxnSpPr>
-          <p:cNvPr id="12" name="Straight Connector 11">
-            <a:extLst>
-              <a:ext uri="{FF2B5EF4-FFF2-40B4-BE49-F238E27FC236}">
-                <a16:creationId xmlns:a16="http://schemas.microsoft.com/office/drawing/2014/main" id="{A7208205-03EE-4EC8-9C34-59270C1880D8}"/>
-              </a:ext>
-              <a:ext uri="{C183D7F6-B498-43B3-948B-1728B52AA6E4}">
-                <adec:decorative xmlns:adec="http://schemas.microsoft.com/office/drawing/2017/decorative" val="1"/>
-              </a:ext>
-            </a:extLst>
-          </p:cNvPr>
-          <p:cNvCxnSpPr>
-            <a:cxnSpLocks noGrp="1" noRot="1" noChangeAspect="1" noMove="1" noResize="1" noEditPoints="1" noAdjustHandles="1" noChangeArrowheads="1" noChangeShapeType="1"/>
-          </p:cNvCxnSpPr>
-          <p:nvPr>
-            <p:extLst>
-              <p:ext uri="{386F3935-93C4-4BCD-93E2-E3B085C9AB24}">
-                <p16:designElem xmlns:p16="http://schemas.microsoft.com/office/powerpoint/2015/main" val="1"/>
-              </p:ext>
-            </p:extLst>
-          </p:nvPr>
-        </p:nvCxnSpPr>
+          <p:cNvPicPr>
+            <a:picLocks noChangeAspect="1"/>
+          </p:cNvPicPr>
+          <p:nvPr/>
+        </p:nvPicPr>
+        <p:blipFill>
+          <a:blip r:embed="rId3"/>
+          <a:stretch>
+            <a:fillRect/>
+          </a:stretch>
+        </p:blipFill>
         <p:spPr>
           <a:xfrm>
-            <a:off x="4642336" y="0"/>
-            <a:ext cx="0" cy="6858000"/>
+            <a:off x="4630994" y="1608988"/>
+            <a:ext cx="6916633" cy="3319983"/>
           </a:xfrm>
-          <a:prstGeom prst="line">
-            <a:avLst/>
+          <a:prstGeom prst="roundRect">
+            <a:avLst>
+              <a:gd name="adj" fmla="val 3517"/>
+            </a:avLst>
           </a:prstGeom>
-          <a:solidFill>
-            <a:srgbClr val="FFFFFF"/>
-          </a:solidFill>
-          <a:ln w="38100" cap="flat">
+          <a:ln w="38100">
             <a:gradFill flip="none" rotWithShape="1">
               <a:gsLst>
                 <a:gs pos="0">
@@ -7215,7 +9062,6 @@
               <a:lin ang="5400000" scaled="0"/>
               <a:tileRect/>
             </a:gradFill>
-            <a:miter lim="800000"/>
           </a:ln>
           <a:effectLst>
             <a:innerShdw blurRad="57150" dist="38100" dir="14460000">
@@ -7225,29 +9071,132 @@
             </a:innerShdw>
           </a:effectLst>
         </p:spPr>
-        <p:style>
-          <a:lnRef idx="2">
-            <a:schemeClr val="accent1">
-              <a:shade val="50000"/>
-            </a:schemeClr>
-          </a:lnRef>
-          <a:fillRef idx="1">
-            <a:schemeClr val="accent1"/>
-          </a:fillRef>
-          <a:effectRef idx="0">
-            <a:schemeClr val="accent1"/>
-          </a:effectRef>
-          <a:fontRef idx="minor">
-            <a:schemeClr val="lt1"/>
-          </a:fontRef>
-        </p:style>
-      </p:cxnSp>
+      </p:pic>
+    </p:spTree>
+    <p:extLst>
+      <p:ext uri="{BB962C8B-B14F-4D97-AF65-F5344CB8AC3E}">
+        <p14:creationId xmlns:p14="http://schemas.microsoft.com/office/powerpoint/2010/main" val="920898964"/>
+      </p:ext>
+    </p:extLst>
+  </p:cSld>
+  <p:clrMapOvr>
+    <a:masterClrMapping/>
+  </p:clrMapOvr>
+</p:sld>
+</file>
+
+<file path=ppt/slides/slide8.xml><?xml version="1.0" encoding="utf-8"?>
+<p:sld xmlns:a="http://schemas.openxmlformats.org/drawingml/2006/main" xmlns:r="http://schemas.openxmlformats.org/officeDocument/2006/relationships" xmlns:p="http://schemas.openxmlformats.org/presentationml/2006/main">
+  <p:cSld>
+    <p:bg>
+      <p:bgPr>
+        <a:blipFill rotWithShape="1">
+          <a:blip r:embed="rId2">
+            <a:duotone>
+              <a:schemeClr val="bg2">
+                <a:shade val="28000"/>
+                <a:satMod val="94000"/>
+                <a:lumMod val="20000"/>
+              </a:schemeClr>
+              <a:schemeClr val="bg2">
+                <a:tint val="94000"/>
+                <a:shade val="84000"/>
+                <a:satMod val="148000"/>
+                <a:lumMod val="114000"/>
+              </a:schemeClr>
+            </a:duotone>
+          </a:blip>
+          <a:stretch/>
+        </a:blipFill>
+        <a:effectLst/>
+      </p:bgPr>
+    </p:bg>
+    <p:spTree>
+      <p:nvGrpSpPr>
+        <p:cNvPr id="1" name=""/>
+        <p:cNvGrpSpPr/>
+        <p:nvPr/>
+      </p:nvGrpSpPr>
+      <p:grpSpPr>
+        <a:xfrm>
+          <a:off x="0" y="0"/>
+          <a:ext cx="0" cy="0"/>
+          <a:chOff x="0" y="0"/>
+          <a:chExt cx="0" cy="0"/>
+        </a:xfrm>
+      </p:grpSpPr>
+      <p:pic>
+        <p:nvPicPr>
+          <p:cNvPr id="4" name="Picture 3">
+            <a:extLst>
+              <a:ext uri="{FF2B5EF4-FFF2-40B4-BE49-F238E27FC236}">
+                <a16:creationId xmlns:a16="http://schemas.microsoft.com/office/drawing/2014/main" id="{6BCC1E45-AEAD-4E2F-BAA0-7871DFB930BB}"/>
+              </a:ext>
+            </a:extLst>
+          </p:cNvPr>
+          <p:cNvPicPr>
+            <a:picLocks noChangeAspect="1"/>
+          </p:cNvPicPr>
+          <p:nvPr/>
+        </p:nvPicPr>
+        <p:blipFill rotWithShape="1">
+          <a:blip r:embed="rId3">
+            <a:alphaModFix amt="15000"/>
+          </a:blip>
+          <a:srcRect l="211" r="14456" b="1"/>
+          <a:stretch/>
+        </p:blipFill>
+        <p:spPr>
+          <a:xfrm>
+            <a:off x="20" y="10"/>
+            <a:ext cx="12191980" cy="6857990"/>
+          </a:xfrm>
+          <a:prstGeom prst="rect">
+            <a:avLst/>
+          </a:prstGeom>
+        </p:spPr>
+      </p:pic>
+      <p:sp>
+        <p:nvSpPr>
+          <p:cNvPr id="2" name="Title 1">
+            <a:extLst>
+              <a:ext uri="{FF2B5EF4-FFF2-40B4-BE49-F238E27FC236}">
+                <a16:creationId xmlns:a16="http://schemas.microsoft.com/office/drawing/2014/main" id="{D9006747-D2BE-4B0A-976F-C1A0B9F6251E}"/>
+              </a:ext>
+            </a:extLst>
+          </p:cNvPr>
+          <p:cNvSpPr>
+            <a:spLocks noGrp="1"/>
+          </p:cNvSpPr>
+          <p:nvPr>
+            <p:ph type="title"/>
+          </p:nvPr>
+        </p:nvSpPr>
+        <p:spPr>
+          <a:xfrm>
+            <a:off x="1141413" y="609600"/>
+            <a:ext cx="9905998" cy="1905000"/>
+          </a:xfrm>
+        </p:spPr>
+        <p:txBody>
+          <a:bodyPr>
+            <a:normAutofit/>
+          </a:bodyPr>
+          <a:lstStyle/>
+          <a:p>
+            <a:r>
+              <a:rPr lang="en-US" dirty="0"/>
+              <a:t>Conclusions</a:t>
+            </a:r>
+          </a:p>
+        </p:txBody>
+      </p:sp>
       <p:sp>
         <p:nvSpPr>
           <p:cNvPr id="3" name="Content Placeholder 2">
             <a:extLst>
               <a:ext uri="{FF2B5EF4-FFF2-40B4-BE49-F238E27FC236}">
-                <a16:creationId xmlns:a16="http://schemas.microsoft.com/office/drawing/2014/main" id="{DF5F8D5A-6579-4FD9-95CD-8FE3774D783D}"/>
+                <a16:creationId xmlns:a16="http://schemas.microsoft.com/office/drawing/2014/main" id="{C583497C-ADB4-46BD-B75B-2B783975C24D}"/>
               </a:ext>
             </a:extLst>
           </p:cNvPr>
@@ -7260,116 +9209,486 @@
         </p:nvSpPr>
         <p:spPr>
           <a:xfrm>
-            <a:off x="4973046" y="714375"/>
-            <a:ext cx="6253751" cy="5076825"/>
+            <a:off x="324464" y="1932039"/>
+            <a:ext cx="11577483" cy="3859161"/>
           </a:xfrm>
         </p:spPr>
         <p:txBody>
           <a:bodyPr>
-            <a:normAutofit fontScale="85000" lnSpcReduction="10000"/>
+            <a:normAutofit/>
           </a:bodyPr>
           <a:lstStyle/>
           <a:p>
-            <a:r>
-              <a:rPr lang="en-US" dirty="0"/>
-              <a:t>North Dakota </a:t>
-            </a:r>
-          </a:p>
-          <a:p>
-            <a:pPr lvl="1"/>
-            <a:r>
-              <a:rPr lang="en-US" dirty="0"/>
-              <a:t>Why isn’t it showing up on the bitterness bar chart &amp; Map?</a:t>
-            </a:r>
-          </a:p>
-          <a:p>
-            <a:r>
-              <a:rPr lang="en-US" dirty="0"/>
-              <a:t>Fine tune maps</a:t>
-            </a:r>
-          </a:p>
-          <a:p>
-            <a:pPr lvl="1"/>
-            <a:r>
-              <a:rPr lang="en-US" dirty="0"/>
-              <a:t> log transformations?</a:t>
-            </a:r>
-          </a:p>
-          <a:p>
-            <a:pPr lvl="1"/>
-            <a:r>
-              <a:rPr lang="en-US" dirty="0"/>
-              <a:t>Titles, color schemes</a:t>
-            </a:r>
-          </a:p>
-          <a:p>
-            <a:r>
-              <a:rPr lang="en-US" dirty="0"/>
-              <a:t>If time permits</a:t>
-            </a:r>
-          </a:p>
-          <a:p>
-            <a:pPr lvl="1"/>
-            <a:r>
-              <a:rPr lang="en-US" dirty="0"/>
-              <a:t>Bitterness and Alcohol content by city</a:t>
-            </a:r>
-          </a:p>
-          <a:p>
-            <a:pPr lvl="1"/>
-            <a:r>
-              <a:rPr lang="en-US" dirty="0"/>
-              <a:t>Linear models </a:t>
-            </a:r>
-          </a:p>
-          <a:p>
-            <a:pPr lvl="2"/>
-            <a:r>
-              <a:rPr lang="en-US" dirty="0"/>
-              <a:t>Alcohol content</a:t>
-            </a:r>
-          </a:p>
-          <a:p>
-            <a:pPr lvl="2"/>
-            <a:r>
-              <a:rPr lang="en-US" dirty="0"/>
-              <a:t>Bitterness </a:t>
-            </a:r>
-          </a:p>
-          <a:p>
-            <a:pPr lvl="1"/>
-            <a:r>
-              <a:rPr lang="en-US" dirty="0"/>
-              <a:t>Is there an interaction between bitterness and alcohol content?</a:t>
-            </a:r>
-          </a:p>
-          <a:p>
-            <a:r>
-              <a:rPr lang="en-US" dirty="0"/>
-              <a:t>Bigger questions we can’t answer yet</a:t>
-            </a:r>
-          </a:p>
-          <a:p>
-            <a:pPr lvl="1"/>
-            <a:r>
-              <a:rPr lang="en-US" dirty="0"/>
-              <a:t>What is the ideal bitterness and alcohol content in each state / city ?</a:t>
-            </a:r>
-          </a:p>
-          <a:p>
-            <a:pPr lvl="1"/>
-            <a:r>
-              <a:rPr lang="en-US"/>
-              <a:t>Classification?</a:t>
-            </a:r>
-            <a:endParaRPr lang="en-US" dirty="0"/>
+            <a:pPr>
+              <a:lnSpc>
+                <a:spcPct val="90000"/>
+              </a:lnSpc>
+            </a:pPr>
+            <a:r>
+              <a:rPr lang="en-US" sz="2800" dirty="0"/>
+              <a:t>Hard to make definitive conclusions </a:t>
+            </a:r>
+          </a:p>
+          <a:p>
+            <a:pPr lvl="1">
+              <a:lnSpc>
+                <a:spcPct val="90000"/>
+              </a:lnSpc>
+            </a:pPr>
+            <a:r>
+              <a:rPr lang="en-US" sz="2600" dirty="0"/>
+              <a:t>44% beers have no reported bitterness (1005 out of 2305)</a:t>
+            </a:r>
+          </a:p>
+          <a:p>
+            <a:pPr lvl="1">
+              <a:lnSpc>
+                <a:spcPct val="90000"/>
+              </a:lnSpc>
+            </a:pPr>
+            <a:r>
+              <a:rPr lang="en-US" sz="2800" dirty="0"/>
+              <a:t>breweries that have reported their bitterness ratings may have a significant influence on the available data. </a:t>
+            </a:r>
+            <a:endParaRPr lang="en-US" sz="2600" dirty="0"/>
+          </a:p>
+          <a:p>
+            <a:pPr>
+              <a:lnSpc>
+                <a:spcPct val="90000"/>
+              </a:lnSpc>
+            </a:pPr>
+            <a:r>
+              <a:rPr lang="en-US" sz="2800" dirty="0"/>
+              <a:t>wide variance among states (except for the West Coast)</a:t>
+            </a:r>
+          </a:p>
+          <a:p>
+            <a:pPr lvl="1">
+              <a:lnSpc>
+                <a:spcPct val="90000"/>
+              </a:lnSpc>
+            </a:pPr>
+            <a:r>
+              <a:rPr lang="en-US" sz="2400" dirty="0"/>
+              <a:t>breweries specializing in bitter beers make a significant impact on the dataset</a:t>
+            </a:r>
+          </a:p>
+          <a:p>
+            <a:pPr lvl="1">
+              <a:lnSpc>
+                <a:spcPct val="90000"/>
+              </a:lnSpc>
+            </a:pPr>
+            <a:r>
+              <a:rPr lang="en-US" sz="2400" dirty="0"/>
+              <a:t>could be significantly impacting the taste preferences of their entire state.</a:t>
+            </a:r>
           </a:p>
         </p:txBody>
       </p:sp>
     </p:spTree>
     <p:extLst>
       <p:ext uri="{BB962C8B-B14F-4D97-AF65-F5344CB8AC3E}">
-        <p14:creationId xmlns:p14="http://schemas.microsoft.com/office/powerpoint/2010/main" val="3684460533"/>
+        <p14:creationId xmlns:p14="http://schemas.microsoft.com/office/powerpoint/2010/main" val="1345710441"/>
+      </p:ext>
+    </p:extLst>
+  </p:cSld>
+  <p:clrMapOvr>
+    <a:masterClrMapping/>
+  </p:clrMapOvr>
+</p:sld>
+</file>
+
+<file path=ppt/slides/slide9.xml><?xml version="1.0" encoding="utf-8"?>
+<p:sld xmlns:a="http://schemas.openxmlformats.org/drawingml/2006/main" xmlns:r="http://schemas.openxmlformats.org/officeDocument/2006/relationships" xmlns:p="http://schemas.openxmlformats.org/presentationml/2006/main">
+  <p:cSld>
+    <p:spTree>
+      <p:nvGrpSpPr>
+        <p:cNvPr id="1" name=""/>
+        <p:cNvGrpSpPr/>
+        <p:nvPr/>
+      </p:nvGrpSpPr>
+      <p:grpSpPr>
+        <a:xfrm>
+          <a:off x="0" y="0"/>
+          <a:ext cx="0" cy="0"/>
+          <a:chOff x="0" y="0"/>
+          <a:chExt cx="0" cy="0"/>
+        </a:xfrm>
+      </p:grpSpPr>
+      <p:sp>
+        <p:nvSpPr>
+          <p:cNvPr id="2" name="Title 1">
+            <a:extLst>
+              <a:ext uri="{FF2B5EF4-FFF2-40B4-BE49-F238E27FC236}">
+                <a16:creationId xmlns:a16="http://schemas.microsoft.com/office/drawing/2014/main" id="{92200071-A29A-684B-A069-8F0DC785531B}"/>
+              </a:ext>
+            </a:extLst>
+          </p:cNvPr>
+          <p:cNvSpPr>
+            <a:spLocks noGrp="1"/>
+          </p:cNvSpPr>
+          <p:nvPr>
+            <p:ph type="title"/>
+          </p:nvPr>
+        </p:nvSpPr>
+        <p:spPr>
+          <a:xfrm>
+            <a:off x="2670399" y="87973"/>
+            <a:ext cx="6450370" cy="1077818"/>
+          </a:xfrm>
+        </p:spPr>
+        <p:txBody>
+          <a:bodyPr/>
+          <a:lstStyle/>
+          <a:p>
+            <a:pPr algn="ctr"/>
+            <a:r>
+              <a:rPr lang="en-US" dirty="0"/>
+              <a:t>Summary Statistics for ABV</a:t>
+            </a:r>
+          </a:p>
+        </p:txBody>
+      </p:sp>
+      <p:pic>
+        <p:nvPicPr>
+          <p:cNvPr id="5" name="Content Placeholder 4">
+            <a:extLst>
+              <a:ext uri="{FF2B5EF4-FFF2-40B4-BE49-F238E27FC236}">
+                <a16:creationId xmlns:a16="http://schemas.microsoft.com/office/drawing/2014/main" id="{B3AFDB11-93CA-A642-B505-1B0967B09CDC}"/>
+              </a:ext>
+            </a:extLst>
+          </p:cNvPr>
+          <p:cNvPicPr>
+            <a:picLocks noGrp="1" noChangeAspect="1"/>
+          </p:cNvPicPr>
+          <p:nvPr>
+            <p:ph idx="1"/>
+          </p:nvPr>
+        </p:nvPicPr>
+        <p:blipFill>
+          <a:blip r:embed="rId2"/>
+          <a:stretch>
+            <a:fillRect/>
+          </a:stretch>
+        </p:blipFill>
+        <p:spPr>
+          <a:xfrm>
+            <a:off x="2155642" y="1108354"/>
+            <a:ext cx="7479884" cy="4190355"/>
+          </a:xfrm>
+        </p:spPr>
+      </p:pic>
+      <p:graphicFrame>
+        <p:nvGraphicFramePr>
+          <p:cNvPr id="9" name="Table 8">
+            <a:extLst>
+              <a:ext uri="{FF2B5EF4-FFF2-40B4-BE49-F238E27FC236}">
+                <a16:creationId xmlns:a16="http://schemas.microsoft.com/office/drawing/2014/main" id="{B445A2F1-87E4-7F4E-8D4D-C60ED50961AE}"/>
+              </a:ext>
+            </a:extLst>
+          </p:cNvPr>
+          <p:cNvGraphicFramePr>
+            <a:graphicFrameLocks noGrp="1"/>
+          </p:cNvGraphicFramePr>
+          <p:nvPr/>
+        </p:nvGraphicFramePr>
+        <p:xfrm>
+          <a:off x="1831584" y="5780181"/>
+          <a:ext cx="8128001" cy="741680"/>
+        </p:xfrm>
+        <a:graphic>
+          <a:graphicData uri="http://schemas.openxmlformats.org/drawingml/2006/table">
+            <a:tbl>
+              <a:tblPr firstRow="1" bandRow="1">
+                <a:tableStyleId>{5C22544A-7EE6-4342-B048-85BDC9FD1C3A}</a:tableStyleId>
+              </a:tblPr>
+              <a:tblGrid>
+                <a:gridCol w="1161143">
+                  <a:extLst>
+                    <a:ext uri="{9D8B030D-6E8A-4147-A177-3AD203B41FA5}">
+                      <a16:colId xmlns:a16="http://schemas.microsoft.com/office/drawing/2014/main" val="1234244298"/>
+                    </a:ext>
+                  </a:extLst>
+                </a:gridCol>
+                <a:gridCol w="1161143">
+                  <a:extLst>
+                    <a:ext uri="{9D8B030D-6E8A-4147-A177-3AD203B41FA5}">
+                      <a16:colId xmlns:a16="http://schemas.microsoft.com/office/drawing/2014/main" val="4049351996"/>
+                    </a:ext>
+                  </a:extLst>
+                </a:gridCol>
+                <a:gridCol w="1161143">
+                  <a:extLst>
+                    <a:ext uri="{9D8B030D-6E8A-4147-A177-3AD203B41FA5}">
+                      <a16:colId xmlns:a16="http://schemas.microsoft.com/office/drawing/2014/main" val="50068365"/>
+                    </a:ext>
+                  </a:extLst>
+                </a:gridCol>
+                <a:gridCol w="1161143">
+                  <a:extLst>
+                    <a:ext uri="{9D8B030D-6E8A-4147-A177-3AD203B41FA5}">
+                      <a16:colId xmlns:a16="http://schemas.microsoft.com/office/drawing/2014/main" val="953446260"/>
+                    </a:ext>
+                  </a:extLst>
+                </a:gridCol>
+                <a:gridCol w="1161143">
+                  <a:extLst>
+                    <a:ext uri="{9D8B030D-6E8A-4147-A177-3AD203B41FA5}">
+                      <a16:colId xmlns:a16="http://schemas.microsoft.com/office/drawing/2014/main" val="2727217826"/>
+                    </a:ext>
+                  </a:extLst>
+                </a:gridCol>
+                <a:gridCol w="1161143">
+                  <a:extLst>
+                    <a:ext uri="{9D8B030D-6E8A-4147-A177-3AD203B41FA5}">
+                      <a16:colId xmlns:a16="http://schemas.microsoft.com/office/drawing/2014/main" val="2537475592"/>
+                    </a:ext>
+                  </a:extLst>
+                </a:gridCol>
+                <a:gridCol w="1161143">
+                  <a:extLst>
+                    <a:ext uri="{9D8B030D-6E8A-4147-A177-3AD203B41FA5}">
+                      <a16:colId xmlns:a16="http://schemas.microsoft.com/office/drawing/2014/main" val="596408170"/>
+                    </a:ext>
+                  </a:extLst>
+                </a:gridCol>
+              </a:tblGrid>
+              <a:tr h="370840">
+                <a:tc>
+                  <a:txBody>
+                    <a:bodyPr/>
+                    <a:lstStyle/>
+                    <a:p>
+                      <a:pPr algn="ctr"/>
+                      <a:r>
+                        <a:rPr lang="en-US" dirty="0"/>
+                        <a:t>Min.</a:t>
+                      </a:r>
+                    </a:p>
+                  </a:txBody>
+                  <a:tcPr/>
+                </a:tc>
+                <a:tc>
+                  <a:txBody>
+                    <a:bodyPr/>
+                    <a:lstStyle/>
+                    <a:p>
+                      <a:pPr algn="ctr"/>
+                      <a:r>
+                        <a:rPr lang="en-US" dirty="0"/>
+                        <a:t>1</a:t>
+                      </a:r>
+                      <a:r>
+                        <a:rPr lang="en-US" baseline="30000" dirty="0"/>
+                        <a:t>st</a:t>
+                      </a:r>
+                      <a:r>
+                        <a:rPr lang="en-US" dirty="0"/>
+                        <a:t> Qu.</a:t>
+                      </a:r>
+                    </a:p>
+                  </a:txBody>
+                  <a:tcPr/>
+                </a:tc>
+                <a:tc>
+                  <a:txBody>
+                    <a:bodyPr/>
+                    <a:lstStyle/>
+                    <a:p>
+                      <a:pPr algn="ctr"/>
+                      <a:r>
+                        <a:rPr lang="en-US" dirty="0"/>
+                        <a:t>Median</a:t>
+                      </a:r>
+                    </a:p>
+                  </a:txBody>
+                  <a:tcPr/>
+                </a:tc>
+                <a:tc>
+                  <a:txBody>
+                    <a:bodyPr/>
+                    <a:lstStyle/>
+                    <a:p>
+                      <a:pPr algn="ctr"/>
+                      <a:r>
+                        <a:rPr lang="en-US" dirty="0"/>
+                        <a:t>Mean</a:t>
+                      </a:r>
+                    </a:p>
+                  </a:txBody>
+                  <a:tcPr/>
+                </a:tc>
+                <a:tc>
+                  <a:txBody>
+                    <a:bodyPr/>
+                    <a:lstStyle/>
+                    <a:p>
+                      <a:pPr algn="ctr"/>
+                      <a:r>
+                        <a:rPr lang="en-US" dirty="0"/>
+                        <a:t>3</a:t>
+                      </a:r>
+                      <a:r>
+                        <a:rPr lang="en-US" baseline="30000" dirty="0"/>
+                        <a:t>rd</a:t>
+                      </a:r>
+                      <a:r>
+                        <a:rPr lang="en-US" dirty="0"/>
+                        <a:t> Qu.</a:t>
+                      </a:r>
+                    </a:p>
+                  </a:txBody>
+                  <a:tcPr/>
+                </a:tc>
+                <a:tc>
+                  <a:txBody>
+                    <a:bodyPr/>
+                    <a:lstStyle/>
+                    <a:p>
+                      <a:pPr algn="ctr"/>
+                      <a:r>
+                        <a:rPr lang="en-US" dirty="0"/>
+                        <a:t>Max.</a:t>
+                      </a:r>
+                    </a:p>
+                  </a:txBody>
+                  <a:tcPr/>
+                </a:tc>
+                <a:tc>
+                  <a:txBody>
+                    <a:bodyPr/>
+                    <a:lstStyle/>
+                    <a:p>
+                      <a:pPr algn="ctr"/>
+                      <a:r>
+                        <a:rPr lang="en-US" dirty="0"/>
+                        <a:t>NA’s</a:t>
+                      </a:r>
+                    </a:p>
+                  </a:txBody>
+                  <a:tcPr/>
+                </a:tc>
+                <a:extLst>
+                  <a:ext uri="{0D108BD9-81ED-4DB2-BD59-A6C34878D82A}">
+                    <a16:rowId xmlns:a16="http://schemas.microsoft.com/office/drawing/2014/main" val="3230369297"/>
+                  </a:ext>
+                </a:extLst>
+              </a:tr>
+              <a:tr h="370840">
+                <a:tc>
+                  <a:txBody>
+                    <a:bodyPr/>
+                    <a:lstStyle/>
+                    <a:p>
+                      <a:pPr algn="ctr"/>
+                      <a:r>
+                        <a:rPr lang="en-US" dirty="0"/>
+                        <a:t>0.00100</a:t>
+                      </a:r>
+                    </a:p>
+                  </a:txBody>
+                  <a:tcPr/>
+                </a:tc>
+                <a:tc>
+                  <a:txBody>
+                    <a:bodyPr/>
+                    <a:lstStyle/>
+                    <a:p>
+                      <a:pPr algn="ctr"/>
+                      <a:r>
+                        <a:rPr lang="en-US" dirty="0"/>
+                        <a:t>0.05000</a:t>
+                      </a:r>
+                    </a:p>
+                  </a:txBody>
+                  <a:tcPr/>
+                </a:tc>
+                <a:tc>
+                  <a:txBody>
+                    <a:bodyPr/>
+                    <a:lstStyle/>
+                    <a:p>
+                      <a:pPr algn="ctr"/>
+                      <a:r>
+                        <a:rPr lang="en-US" dirty="0"/>
+                        <a:t>0.05600</a:t>
+                      </a:r>
+                    </a:p>
+                  </a:txBody>
+                  <a:tcPr/>
+                </a:tc>
+                <a:tc>
+                  <a:txBody>
+                    <a:bodyPr/>
+                    <a:lstStyle/>
+                    <a:p>
+                      <a:pPr algn="ctr"/>
+                      <a:r>
+                        <a:rPr lang="en-US" dirty="0"/>
+                        <a:t>0.5977</a:t>
+                      </a:r>
+                    </a:p>
+                  </a:txBody>
+                  <a:tcPr/>
+                </a:tc>
+                <a:tc>
+                  <a:txBody>
+                    <a:bodyPr/>
+                    <a:lstStyle/>
+                    <a:p>
+                      <a:pPr algn="ctr"/>
+                      <a:r>
+                        <a:rPr lang="en-US" dirty="0"/>
+                        <a:t>0.6700</a:t>
+                      </a:r>
+                    </a:p>
+                  </a:txBody>
+                  <a:tcPr/>
+                </a:tc>
+                <a:tc>
+                  <a:txBody>
+                    <a:bodyPr/>
+                    <a:lstStyle/>
+                    <a:p>
+                      <a:pPr algn="ctr"/>
+                      <a:r>
+                        <a:rPr lang="en-US" dirty="0"/>
+                        <a:t>0.12800</a:t>
+                      </a:r>
+                    </a:p>
+                  </a:txBody>
+                  <a:tcPr/>
+                </a:tc>
+                <a:tc>
+                  <a:txBody>
+                    <a:bodyPr/>
+                    <a:lstStyle/>
+                    <a:p>
+                      <a:pPr algn="ctr"/>
+                      <a:r>
+                        <a:rPr lang="en-US" dirty="0"/>
+                        <a:t>62</a:t>
+                      </a:r>
+                    </a:p>
+                  </a:txBody>
+                  <a:tcPr/>
+                </a:tc>
+                <a:extLst>
+                  <a:ext uri="{0D108BD9-81ED-4DB2-BD59-A6C34878D82A}">
+                    <a16:rowId xmlns:a16="http://schemas.microsoft.com/office/drawing/2014/main" val="3124002802"/>
+                  </a:ext>
+                </a:extLst>
+              </a:tr>
+            </a:tbl>
+          </a:graphicData>
+        </a:graphic>
+      </p:graphicFrame>
+    </p:spTree>
+    <p:extLst>
+      <p:ext uri="{BB962C8B-B14F-4D97-AF65-F5344CB8AC3E}">
+        <p14:creationId xmlns:p14="http://schemas.microsoft.com/office/powerpoint/2010/main" val="805140847"/>
       </p:ext>
     </p:extLst>
   </p:cSld>

--- a/EDA – Beer Sales.pptx
+++ b/EDA – Beer Sales.pptx
@@ -18,6 +18,20 @@
     <p:sldId id="269" r:id="rId12"/>
     <p:sldId id="262" r:id="rId13"/>
     <p:sldId id="270" r:id="rId14"/>
+    <p:sldId id="271" r:id="rId15"/>
+    <p:sldId id="272" r:id="rId16"/>
+    <p:sldId id="273" r:id="rId17"/>
+    <p:sldId id="274" r:id="rId18"/>
+    <p:sldId id="275" r:id="rId19"/>
+    <p:sldId id="276" r:id="rId20"/>
+    <p:sldId id="277" r:id="rId21"/>
+    <p:sldId id="278" r:id="rId22"/>
+    <p:sldId id="279" r:id="rId23"/>
+    <p:sldId id="280" r:id="rId24"/>
+    <p:sldId id="281" r:id="rId25"/>
+    <p:sldId id="282" r:id="rId26"/>
+    <p:sldId id="283" r:id="rId27"/>
+    <p:sldId id="284" r:id="rId28"/>
   </p:sldIdLst>
   <p:sldSz cx="12192000" cy="6858000"/>
   <p:notesSz cx="6858000" cy="9144000"/>
@@ -327,7 +341,7 @@
             <a:fld id="{B61BEF0D-F0BB-DE4B-95CE-6DB70DBA9567}" type="datetimeFigureOut">
               <a:rPr lang="en-US" dirty="0"/>
               <a:pPr/>
-              <a:t>6/27/2019</a:t>
+              <a:t>6/28/2019</a:t>
             </a:fld>
             <a:endParaRPr lang="en-US" dirty="0"/>
           </a:p>
@@ -615,7 +629,7 @@
             <a:fld id="{B61BEF0D-F0BB-DE4B-95CE-6DB70DBA9567}" type="datetimeFigureOut">
               <a:rPr lang="en-US" dirty="0"/>
               <a:pPr/>
-              <a:t>6/27/2019</a:t>
+              <a:t>6/28/2019</a:t>
             </a:fld>
             <a:endParaRPr lang="en-US" dirty="0"/>
           </a:p>
@@ -860,7 +874,7 @@
             <a:fld id="{B61BEF0D-F0BB-DE4B-95CE-6DB70DBA9567}" type="datetimeFigureOut">
               <a:rPr lang="en-US" dirty="0"/>
               <a:pPr/>
-              <a:t>6/27/2019</a:t>
+              <a:t>6/28/2019</a:t>
             </a:fld>
             <a:endParaRPr lang="en-US" dirty="0"/>
           </a:p>
@@ -1393,7 +1407,7 @@
             <a:fld id="{B61BEF0D-F0BB-DE4B-95CE-6DB70DBA9567}" type="datetimeFigureOut">
               <a:rPr lang="en-US" dirty="0"/>
               <a:pPr/>
-              <a:t>6/27/2019</a:t>
+              <a:t>6/28/2019</a:t>
             </a:fld>
             <a:endParaRPr lang="en-US" dirty="0"/>
           </a:p>
@@ -1638,7 +1652,7 @@
             <a:fld id="{B61BEF0D-F0BB-DE4B-95CE-6DB70DBA9567}" type="datetimeFigureOut">
               <a:rPr lang="en-US" dirty="0"/>
               <a:pPr/>
-              <a:t>6/27/2019</a:t>
+              <a:t>6/28/2019</a:t>
             </a:fld>
             <a:endParaRPr lang="en-US" dirty="0"/>
           </a:p>
@@ -2178,7 +2192,7 @@
             <a:fld id="{B61BEF0D-F0BB-DE4B-95CE-6DB70DBA9567}" type="datetimeFigureOut">
               <a:rPr lang="en-US" dirty="0"/>
               <a:pPr/>
-              <a:t>6/27/2019</a:t>
+              <a:t>6/28/2019</a:t>
             </a:fld>
             <a:endParaRPr lang="en-US" dirty="0"/>
           </a:p>
@@ -2485,7 +2499,7 @@
             <a:fld id="{B61BEF0D-F0BB-DE4B-95CE-6DB70DBA9567}" type="datetimeFigureOut">
               <a:rPr lang="en-US" dirty="0"/>
               <a:pPr/>
-              <a:t>6/27/2019</a:t>
+              <a:t>6/28/2019</a:t>
             </a:fld>
             <a:endParaRPr lang="en-US" dirty="0"/>
           </a:p>
@@ -2657,7 +2671,7 @@
             <a:fld id="{B61BEF0D-F0BB-DE4B-95CE-6DB70DBA9567}" type="datetimeFigureOut">
               <a:rPr lang="en-US" dirty="0"/>
               <a:pPr/>
-              <a:t>6/27/2019</a:t>
+              <a:t>6/28/2019</a:t>
             </a:fld>
             <a:endParaRPr lang="en-US" dirty="0"/>
           </a:p>
@@ -2834,7 +2848,7 @@
             <a:fld id="{B61BEF0D-F0BB-DE4B-95CE-6DB70DBA9567}" type="datetimeFigureOut">
               <a:rPr lang="en-US" dirty="0"/>
               <a:pPr/>
-              <a:t>6/27/2019</a:t>
+              <a:t>6/28/2019</a:t>
             </a:fld>
             <a:endParaRPr lang="en-US" dirty="0"/>
           </a:p>
@@ -3001,7 +3015,7 @@
             <a:fld id="{B61BEF0D-F0BB-DE4B-95CE-6DB70DBA9567}" type="datetimeFigureOut">
               <a:rPr lang="en-US" dirty="0"/>
               <a:pPr/>
-              <a:t>6/27/2019</a:t>
+              <a:t>6/28/2019</a:t>
             </a:fld>
             <a:endParaRPr lang="en-US" dirty="0"/>
           </a:p>
@@ -3244,7 +3258,7 @@
             <a:fld id="{B61BEF0D-F0BB-DE4B-95CE-6DB70DBA9567}" type="datetimeFigureOut">
               <a:rPr lang="en-US" dirty="0"/>
               <a:pPr/>
-              <a:t>6/27/2019</a:t>
+              <a:t>6/28/2019</a:t>
             </a:fld>
             <a:endParaRPr lang="en-US" dirty="0"/>
           </a:p>
@@ -3533,7 +3547,7 @@
             <a:fld id="{B61BEF0D-F0BB-DE4B-95CE-6DB70DBA9567}" type="datetimeFigureOut">
               <a:rPr lang="en-US" dirty="0"/>
               <a:pPr/>
-              <a:t>6/27/2019</a:t>
+              <a:t>6/28/2019</a:t>
             </a:fld>
             <a:endParaRPr lang="en-US" dirty="0"/>
           </a:p>
@@ -3960,7 +3974,7 @@
             <a:fld id="{B61BEF0D-F0BB-DE4B-95CE-6DB70DBA9567}" type="datetimeFigureOut">
               <a:rPr lang="en-US" dirty="0"/>
               <a:pPr/>
-              <a:t>6/27/2019</a:t>
+              <a:t>6/28/2019</a:t>
             </a:fld>
             <a:endParaRPr lang="en-US" dirty="0"/>
           </a:p>
@@ -4080,7 +4094,7 @@
             <a:fld id="{B61BEF0D-F0BB-DE4B-95CE-6DB70DBA9567}" type="datetimeFigureOut">
               <a:rPr lang="en-US" dirty="0"/>
               <a:pPr/>
-              <a:t>6/27/2019</a:t>
+              <a:t>6/28/2019</a:t>
             </a:fld>
             <a:endParaRPr lang="en-US" dirty="0"/>
           </a:p>
@@ -4172,7 +4186,7 @@
             <a:fld id="{B61BEF0D-F0BB-DE4B-95CE-6DB70DBA9567}" type="datetimeFigureOut">
               <a:rPr lang="en-US" dirty="0"/>
               <a:pPr/>
-              <a:t>6/27/2019</a:t>
+              <a:t>6/28/2019</a:t>
             </a:fld>
             <a:endParaRPr lang="en-US" dirty="0"/>
           </a:p>
@@ -4452,7 +4466,7 @@
             <a:fld id="{B61BEF0D-F0BB-DE4B-95CE-6DB70DBA9567}" type="datetimeFigureOut">
               <a:rPr lang="en-US" dirty="0"/>
               <a:pPr/>
-              <a:t>6/27/2019</a:t>
+              <a:t>6/28/2019</a:t>
             </a:fld>
             <a:endParaRPr lang="en-US" dirty="0"/>
           </a:p>
@@ -4740,7 +4754,7 @@
             <a:fld id="{B61BEF0D-F0BB-DE4B-95CE-6DB70DBA9567}" type="datetimeFigureOut">
               <a:rPr lang="en-US" dirty="0"/>
               <a:pPr/>
-              <a:t>6/27/2019</a:t>
+              <a:t>6/28/2019</a:t>
             </a:fld>
             <a:endParaRPr lang="en-US" dirty="0"/>
           </a:p>
@@ -4968,7 +4982,7 @@
             <a:fld id="{B61BEF0D-F0BB-DE4B-95CE-6DB70DBA9567}" type="datetimeFigureOut">
               <a:rPr lang="en-US" dirty="0"/>
               <a:pPr/>
-              <a:t>6/27/2019</a:t>
+              <a:t>6/28/2019</a:t>
             </a:fld>
             <a:endParaRPr lang="en-US" dirty="0"/>
           </a:p>
@@ -7255,6 +7269,5634 @@
 </p:sld>
 </file>
 
+<file path=ppt/slides/slide14.xml><?xml version="1.0" encoding="utf-8"?>
+<p:sld xmlns:a="http://schemas.openxmlformats.org/drawingml/2006/main" xmlns:r="http://schemas.openxmlformats.org/officeDocument/2006/relationships" xmlns:p="http://schemas.openxmlformats.org/presentationml/2006/main">
+  <p:cSld>
+    <p:spTree>
+      <p:nvGrpSpPr>
+        <p:cNvPr id="1" name=""/>
+        <p:cNvGrpSpPr/>
+        <p:nvPr/>
+      </p:nvGrpSpPr>
+      <p:grpSpPr>
+        <a:xfrm>
+          <a:off x="0" y="0"/>
+          <a:ext cx="0" cy="0"/>
+          <a:chOff x="0" y="0"/>
+          <a:chExt cx="0" cy="0"/>
+        </a:xfrm>
+      </p:grpSpPr>
+      <p:sp>
+        <p:nvSpPr>
+          <p:cNvPr id="2" name="Title 1">
+            <a:extLst>
+              <a:ext uri="{FF2B5EF4-FFF2-40B4-BE49-F238E27FC236}">
+                <a16:creationId xmlns:a16="http://schemas.microsoft.com/office/drawing/2014/main" id="{8592D5BD-7D73-4F62-B94B-C67D4F3046CB}"/>
+              </a:ext>
+            </a:extLst>
+          </p:cNvPr>
+          <p:cNvSpPr>
+            <a:spLocks noGrp="1"/>
+          </p:cNvSpPr>
+          <p:nvPr>
+            <p:ph type="ctrTitle"/>
+          </p:nvPr>
+        </p:nvSpPr>
+        <p:spPr/>
+        <p:txBody>
+          <a:bodyPr/>
+          <a:lstStyle/>
+          <a:p>
+            <a:r>
+              <a:rPr lang="en-US" dirty="0"/>
+              <a:t>Craft Beer observations </a:t>
+            </a:r>
+          </a:p>
+        </p:txBody>
+      </p:sp>
+      <p:sp>
+        <p:nvSpPr>
+          <p:cNvPr id="4" name="Subtitle 3">
+            <a:extLst>
+              <a:ext uri="{FF2B5EF4-FFF2-40B4-BE49-F238E27FC236}">
+                <a16:creationId xmlns:a16="http://schemas.microsoft.com/office/drawing/2014/main" id="{4AB3281D-5016-394C-8615-2D81C9249373}"/>
+              </a:ext>
+            </a:extLst>
+          </p:cNvPr>
+          <p:cNvSpPr>
+            <a:spLocks noGrp="1"/>
+          </p:cNvSpPr>
+          <p:nvPr>
+            <p:ph type="subTitle" idx="1"/>
+          </p:nvPr>
+        </p:nvSpPr>
+        <p:spPr/>
+        <p:txBody>
+          <a:bodyPr>
+            <a:normAutofit fontScale="92500" lnSpcReduction="20000"/>
+          </a:bodyPr>
+          <a:lstStyle/>
+          <a:p>
+            <a:pPr algn="l">
+              <a:spcAft>
+                <a:spcPts val="0"/>
+              </a:spcAft>
+            </a:pPr>
+            <a:endParaRPr lang="en-US" dirty="0"/>
+          </a:p>
+          <a:p>
+            <a:pPr algn="l">
+              <a:spcAft>
+                <a:spcPts val="0"/>
+              </a:spcAft>
+            </a:pPr>
+            <a:r>
+              <a:rPr lang="en-US" dirty="0"/>
+              <a:t>Justin </a:t>
+            </a:r>
+            <a:r>
+              <a:rPr lang="en-US" dirty="0" err="1"/>
+              <a:t>howard</a:t>
+            </a:r>
+            <a:endParaRPr lang="en-US" dirty="0"/>
+          </a:p>
+          <a:p>
+            <a:pPr algn="l">
+              <a:spcAft>
+                <a:spcPts val="0"/>
+              </a:spcAft>
+            </a:pPr>
+            <a:r>
+              <a:rPr lang="en-US" dirty="0" err="1"/>
+              <a:t>Justinhoward@mail.smu.edu</a:t>
+            </a:r>
+            <a:endParaRPr lang="en-US" dirty="0"/>
+          </a:p>
+          <a:p>
+            <a:pPr algn="l">
+              <a:spcAft>
+                <a:spcPts val="0"/>
+              </a:spcAft>
+            </a:pPr>
+            <a:endParaRPr lang="en-US" dirty="0"/>
+          </a:p>
+          <a:p>
+            <a:pPr algn="l">
+              <a:spcAft>
+                <a:spcPts val="0"/>
+              </a:spcAft>
+            </a:pPr>
+            <a:r>
+              <a:rPr lang="en-US" dirty="0"/>
+              <a:t>Amber </a:t>
+            </a:r>
+            <a:r>
+              <a:rPr lang="en-US" dirty="0" err="1"/>
+              <a:t>burnett</a:t>
+            </a:r>
+            <a:endParaRPr lang="en-US" dirty="0"/>
+          </a:p>
+          <a:p>
+            <a:pPr algn="l">
+              <a:spcAft>
+                <a:spcPts val="0"/>
+              </a:spcAft>
+            </a:pPr>
+            <a:r>
+              <a:rPr lang="en-US" dirty="0" err="1"/>
+              <a:t>aburnett@mail.smu.edu</a:t>
+            </a:r>
+            <a:endParaRPr lang="en-US" dirty="0"/>
+          </a:p>
+        </p:txBody>
+      </p:sp>
+    </p:spTree>
+    <p:extLst>
+      <p:ext uri="{BB962C8B-B14F-4D97-AF65-F5344CB8AC3E}">
+        <p14:creationId xmlns:p14="http://schemas.microsoft.com/office/powerpoint/2010/main" val="1879711249"/>
+      </p:ext>
+    </p:extLst>
+  </p:cSld>
+  <p:clrMapOvr>
+    <a:masterClrMapping/>
+  </p:clrMapOvr>
+</p:sld>
+</file>
+
+<file path=ppt/slides/slide15.xml><?xml version="1.0" encoding="utf-8"?>
+<p:sld xmlns:a="http://schemas.openxmlformats.org/drawingml/2006/main" xmlns:r="http://schemas.openxmlformats.org/officeDocument/2006/relationships" xmlns:p="http://schemas.openxmlformats.org/presentationml/2006/main">
+  <p:cSld>
+    <p:spTree>
+      <p:nvGrpSpPr>
+        <p:cNvPr id="1" name=""/>
+        <p:cNvGrpSpPr/>
+        <p:nvPr/>
+      </p:nvGrpSpPr>
+      <p:grpSpPr>
+        <a:xfrm>
+          <a:off x="0" y="0"/>
+          <a:ext cx="0" cy="0"/>
+          <a:chOff x="0" y="0"/>
+          <a:chExt cx="0" cy="0"/>
+        </a:xfrm>
+      </p:grpSpPr>
+      <p:sp>
+        <p:nvSpPr>
+          <p:cNvPr id="2" name="Title 1">
+            <a:extLst>
+              <a:ext uri="{FF2B5EF4-FFF2-40B4-BE49-F238E27FC236}">
+                <a16:creationId xmlns:a16="http://schemas.microsoft.com/office/drawing/2014/main" id="{746ECA34-211E-48A9-8962-65C1C0EE2EE9}"/>
+              </a:ext>
+            </a:extLst>
+          </p:cNvPr>
+          <p:cNvSpPr>
+            <a:spLocks noGrp="1"/>
+          </p:cNvSpPr>
+          <p:nvPr>
+            <p:ph type="title"/>
+          </p:nvPr>
+        </p:nvSpPr>
+        <p:spPr>
+          <a:xfrm>
+            <a:off x="643192" y="609600"/>
+            <a:ext cx="4327014" cy="865239"/>
+          </a:xfrm>
+        </p:spPr>
+        <p:txBody>
+          <a:bodyPr>
+            <a:normAutofit/>
+          </a:bodyPr>
+          <a:lstStyle/>
+          <a:p>
+            <a:r>
+              <a:rPr lang="en-US" sz="4800" dirty="0"/>
+              <a:t>the data</a:t>
+            </a:r>
+          </a:p>
+        </p:txBody>
+      </p:sp>
+      <p:sp>
+        <p:nvSpPr>
+          <p:cNvPr id="3" name="Content Placeholder 2">
+            <a:extLst>
+              <a:ext uri="{FF2B5EF4-FFF2-40B4-BE49-F238E27FC236}">
+                <a16:creationId xmlns:a16="http://schemas.microsoft.com/office/drawing/2014/main" id="{DA666CA0-4DF5-47FA-890A-93DE2960DE7D}"/>
+              </a:ext>
+            </a:extLst>
+          </p:cNvPr>
+          <p:cNvSpPr>
+            <a:spLocks noGrp="1"/>
+          </p:cNvSpPr>
+          <p:nvPr>
+            <p:ph idx="1"/>
+          </p:nvPr>
+        </p:nvSpPr>
+        <p:spPr>
+          <a:xfrm>
+            <a:off x="0" y="1135626"/>
+            <a:ext cx="5963416" cy="5112774"/>
+          </a:xfrm>
+        </p:spPr>
+        <p:txBody>
+          <a:bodyPr>
+            <a:normAutofit/>
+          </a:bodyPr>
+          <a:lstStyle/>
+          <a:p>
+            <a:pPr>
+              <a:lnSpc>
+                <a:spcPct val="90000"/>
+              </a:lnSpc>
+            </a:pPr>
+            <a:r>
+              <a:rPr lang="en-US" sz="1800" dirty="0"/>
+              <a:t>2,305 unique beers</a:t>
+            </a:r>
+          </a:p>
+          <a:p>
+            <a:pPr lvl="1">
+              <a:lnSpc>
+                <a:spcPct val="90000"/>
+              </a:lnSpc>
+            </a:pPr>
+            <a:r>
+              <a:rPr lang="en-US" dirty="0"/>
+              <a:t>an Alcohol by Volume (ABV) measurement</a:t>
+            </a:r>
+          </a:p>
+          <a:p>
+            <a:pPr lvl="1">
+              <a:lnSpc>
+                <a:spcPct val="90000"/>
+              </a:lnSpc>
+            </a:pPr>
+            <a:r>
+              <a:rPr lang="en-US" dirty="0"/>
+              <a:t>An International Bitterness Unit (IBU) measurement</a:t>
+            </a:r>
+          </a:p>
+          <a:p>
+            <a:pPr>
+              <a:lnSpc>
+                <a:spcPct val="90000"/>
+              </a:lnSpc>
+            </a:pPr>
+            <a:r>
+              <a:rPr lang="en-US" sz="1800" dirty="0"/>
+              <a:t>100 styles of beer</a:t>
+            </a:r>
+          </a:p>
+          <a:p>
+            <a:pPr>
+              <a:lnSpc>
+                <a:spcPct val="90000"/>
+              </a:lnSpc>
+            </a:pPr>
+            <a:r>
+              <a:rPr lang="en-US" sz="1800" dirty="0"/>
+              <a:t>50 states and territories</a:t>
+            </a:r>
+          </a:p>
+          <a:p>
+            <a:pPr lvl="1">
+              <a:lnSpc>
+                <a:spcPct val="90000"/>
+              </a:lnSpc>
+            </a:pPr>
+            <a:r>
+              <a:rPr lang="en-US" dirty="0"/>
+              <a:t>We focused on those within the mainland U.S.</a:t>
+            </a:r>
+          </a:p>
+          <a:p>
+            <a:pPr>
+              <a:lnSpc>
+                <a:spcPct val="90000"/>
+              </a:lnSpc>
+            </a:pPr>
+            <a:r>
+              <a:rPr lang="en-US" sz="1800" dirty="0"/>
+              <a:t>384 different cities</a:t>
+            </a:r>
+          </a:p>
+          <a:p>
+            <a:pPr>
+              <a:lnSpc>
+                <a:spcPct val="90000"/>
+              </a:lnSpc>
+            </a:pPr>
+            <a:endParaRPr lang="en-US" sz="1500" dirty="0"/>
+          </a:p>
+        </p:txBody>
+      </p:sp>
+      <p:pic>
+        <p:nvPicPr>
+          <p:cNvPr id="4" name="Picture 3">
+            <a:extLst>
+              <a:ext uri="{FF2B5EF4-FFF2-40B4-BE49-F238E27FC236}">
+                <a16:creationId xmlns:a16="http://schemas.microsoft.com/office/drawing/2014/main" id="{123D44C3-8885-4D37-B5E8-FC463544EA13}"/>
+              </a:ext>
+            </a:extLst>
+          </p:cNvPr>
+          <p:cNvPicPr>
+            <a:picLocks noChangeAspect="1"/>
+          </p:cNvPicPr>
+          <p:nvPr/>
+        </p:nvPicPr>
+        <p:blipFill rotWithShape="1">
+          <a:blip r:embed="rId2"/>
+          <a:srcRect r="31134" b="1"/>
+          <a:stretch/>
+        </p:blipFill>
+        <p:spPr>
+          <a:xfrm>
+            <a:off x="5967669" y="899651"/>
+            <a:ext cx="5963416" cy="4524528"/>
+          </a:xfrm>
+          <a:prstGeom prst="roundRect">
+            <a:avLst>
+              <a:gd name="adj" fmla="val 3517"/>
+            </a:avLst>
+          </a:prstGeom>
+          <a:ln w="38100">
+            <a:gradFill flip="none" rotWithShape="1">
+              <a:gsLst>
+                <a:gs pos="0">
+                  <a:srgbClr val="363D46"/>
+                </a:gs>
+                <a:gs pos="100000">
+                  <a:srgbClr val="363D46">
+                    <a:lumMod val="75000"/>
+                  </a:srgbClr>
+                </a:gs>
+              </a:gsLst>
+              <a:lin ang="5400000" scaled="0"/>
+              <a:tileRect/>
+            </a:gradFill>
+          </a:ln>
+          <a:effectLst>
+            <a:innerShdw blurRad="57150" dist="38100" dir="14460000">
+              <a:srgbClr val="000000">
+                <a:alpha val="70000"/>
+              </a:srgbClr>
+            </a:innerShdw>
+          </a:effectLst>
+        </p:spPr>
+      </p:pic>
+    </p:spTree>
+    <p:extLst>
+      <p:ext uri="{BB962C8B-B14F-4D97-AF65-F5344CB8AC3E}">
+        <p14:creationId xmlns:p14="http://schemas.microsoft.com/office/powerpoint/2010/main" val="4276665754"/>
+      </p:ext>
+    </p:extLst>
+  </p:cSld>
+  <p:clrMapOvr>
+    <a:masterClrMapping/>
+  </p:clrMapOvr>
+  <p:timing>
+    <p:tnLst>
+      <p:par>
+        <p:cTn id="1" dur="indefinite" restart="never" nodeType="tmRoot">
+          <p:childTnLst>
+            <p:seq concurrent="1" nextAc="seek">
+              <p:cTn id="2" dur="indefinite" nodeType="mainSeq">
+                <p:childTnLst>
+                  <p:par>
+                    <p:cTn id="3" fill="hold">
+                      <p:stCondLst>
+                        <p:cond delay="indefinite"/>
+                      </p:stCondLst>
+                      <p:childTnLst>
+                        <p:par>
+                          <p:cTn id="4" fill="hold">
+                            <p:stCondLst>
+                              <p:cond delay="0"/>
+                            </p:stCondLst>
+                            <p:childTnLst>
+                              <p:par>
+                                <p:cTn id="5" presetID="53" presetClass="entr" presetSubtype="16" fill="hold" grpId="0" nodeType="clickEffect">
+                                  <p:stCondLst>
+                                    <p:cond delay="0"/>
+                                  </p:stCondLst>
+                                  <p:childTnLst>
+                                    <p:set>
+                                      <p:cBhvr>
+                                        <p:cTn id="6" dur="1" fill="hold">
+                                          <p:stCondLst>
+                                            <p:cond delay="0"/>
+                                          </p:stCondLst>
+                                        </p:cTn>
+                                        <p:tgtEl>
+                                          <p:spTgt spid="3">
+                                            <p:txEl>
+                                              <p:pRg st="0" end="0"/>
+                                            </p:txEl>
+                                          </p:spTgt>
+                                        </p:tgtEl>
+                                        <p:attrNameLst>
+                                          <p:attrName>style.visibility</p:attrName>
+                                        </p:attrNameLst>
+                                      </p:cBhvr>
+                                      <p:to>
+                                        <p:strVal val="visible"/>
+                                      </p:to>
+                                    </p:set>
+                                    <p:anim calcmode="lin" valueType="num">
+                                      <p:cBhvr>
+                                        <p:cTn id="7" dur="500" fill="hold"/>
+                                        <p:tgtEl>
+                                          <p:spTgt spid="3">
+                                            <p:txEl>
+                                              <p:pRg st="0" end="0"/>
+                                            </p:txEl>
+                                          </p:spTgt>
+                                        </p:tgtEl>
+                                        <p:attrNameLst>
+                                          <p:attrName>ppt_w</p:attrName>
+                                        </p:attrNameLst>
+                                      </p:cBhvr>
+                                      <p:tavLst>
+                                        <p:tav tm="0">
+                                          <p:val>
+                                            <p:fltVal val="0"/>
+                                          </p:val>
+                                        </p:tav>
+                                        <p:tav tm="100000">
+                                          <p:val>
+                                            <p:strVal val="#ppt_w"/>
+                                          </p:val>
+                                        </p:tav>
+                                      </p:tavLst>
+                                    </p:anim>
+                                    <p:anim calcmode="lin" valueType="num">
+                                      <p:cBhvr>
+                                        <p:cTn id="8" dur="500" fill="hold"/>
+                                        <p:tgtEl>
+                                          <p:spTgt spid="3">
+                                            <p:txEl>
+                                              <p:pRg st="0" end="0"/>
+                                            </p:txEl>
+                                          </p:spTgt>
+                                        </p:tgtEl>
+                                        <p:attrNameLst>
+                                          <p:attrName>ppt_h</p:attrName>
+                                        </p:attrNameLst>
+                                      </p:cBhvr>
+                                      <p:tavLst>
+                                        <p:tav tm="0">
+                                          <p:val>
+                                            <p:fltVal val="0"/>
+                                          </p:val>
+                                        </p:tav>
+                                        <p:tav tm="100000">
+                                          <p:val>
+                                            <p:strVal val="#ppt_h"/>
+                                          </p:val>
+                                        </p:tav>
+                                      </p:tavLst>
+                                    </p:anim>
+                                    <p:animEffect transition="in" filter="fade">
+                                      <p:cBhvr>
+                                        <p:cTn id="9" dur="500"/>
+                                        <p:tgtEl>
+                                          <p:spTgt spid="3">
+                                            <p:txEl>
+                                              <p:pRg st="0" end="0"/>
+                                            </p:txEl>
+                                          </p:spTgt>
+                                        </p:tgtEl>
+                                      </p:cBhvr>
+                                    </p:animEffect>
+                                  </p:childTnLst>
+                                </p:cTn>
+                              </p:par>
+                              <p:par>
+                                <p:cTn id="10" presetID="53" presetClass="entr" presetSubtype="16" fill="hold" grpId="0" nodeType="withEffect">
+                                  <p:stCondLst>
+                                    <p:cond delay="0"/>
+                                  </p:stCondLst>
+                                  <p:childTnLst>
+                                    <p:set>
+                                      <p:cBhvr>
+                                        <p:cTn id="11" dur="1" fill="hold">
+                                          <p:stCondLst>
+                                            <p:cond delay="0"/>
+                                          </p:stCondLst>
+                                        </p:cTn>
+                                        <p:tgtEl>
+                                          <p:spTgt spid="3">
+                                            <p:txEl>
+                                              <p:pRg st="1" end="1"/>
+                                            </p:txEl>
+                                          </p:spTgt>
+                                        </p:tgtEl>
+                                        <p:attrNameLst>
+                                          <p:attrName>style.visibility</p:attrName>
+                                        </p:attrNameLst>
+                                      </p:cBhvr>
+                                      <p:to>
+                                        <p:strVal val="visible"/>
+                                      </p:to>
+                                    </p:set>
+                                    <p:anim calcmode="lin" valueType="num">
+                                      <p:cBhvr>
+                                        <p:cTn id="12" dur="500" fill="hold"/>
+                                        <p:tgtEl>
+                                          <p:spTgt spid="3">
+                                            <p:txEl>
+                                              <p:pRg st="1" end="1"/>
+                                            </p:txEl>
+                                          </p:spTgt>
+                                        </p:tgtEl>
+                                        <p:attrNameLst>
+                                          <p:attrName>ppt_w</p:attrName>
+                                        </p:attrNameLst>
+                                      </p:cBhvr>
+                                      <p:tavLst>
+                                        <p:tav tm="0">
+                                          <p:val>
+                                            <p:fltVal val="0"/>
+                                          </p:val>
+                                        </p:tav>
+                                        <p:tav tm="100000">
+                                          <p:val>
+                                            <p:strVal val="#ppt_w"/>
+                                          </p:val>
+                                        </p:tav>
+                                      </p:tavLst>
+                                    </p:anim>
+                                    <p:anim calcmode="lin" valueType="num">
+                                      <p:cBhvr>
+                                        <p:cTn id="13" dur="500" fill="hold"/>
+                                        <p:tgtEl>
+                                          <p:spTgt spid="3">
+                                            <p:txEl>
+                                              <p:pRg st="1" end="1"/>
+                                            </p:txEl>
+                                          </p:spTgt>
+                                        </p:tgtEl>
+                                        <p:attrNameLst>
+                                          <p:attrName>ppt_h</p:attrName>
+                                        </p:attrNameLst>
+                                      </p:cBhvr>
+                                      <p:tavLst>
+                                        <p:tav tm="0">
+                                          <p:val>
+                                            <p:fltVal val="0"/>
+                                          </p:val>
+                                        </p:tav>
+                                        <p:tav tm="100000">
+                                          <p:val>
+                                            <p:strVal val="#ppt_h"/>
+                                          </p:val>
+                                        </p:tav>
+                                      </p:tavLst>
+                                    </p:anim>
+                                    <p:animEffect transition="in" filter="fade">
+                                      <p:cBhvr>
+                                        <p:cTn id="14" dur="500"/>
+                                        <p:tgtEl>
+                                          <p:spTgt spid="3">
+                                            <p:txEl>
+                                              <p:pRg st="1" end="1"/>
+                                            </p:txEl>
+                                          </p:spTgt>
+                                        </p:tgtEl>
+                                      </p:cBhvr>
+                                    </p:animEffect>
+                                  </p:childTnLst>
+                                </p:cTn>
+                              </p:par>
+                              <p:par>
+                                <p:cTn id="15" presetID="53" presetClass="entr" presetSubtype="16" fill="hold" grpId="0" nodeType="withEffect">
+                                  <p:stCondLst>
+                                    <p:cond delay="0"/>
+                                  </p:stCondLst>
+                                  <p:childTnLst>
+                                    <p:set>
+                                      <p:cBhvr>
+                                        <p:cTn id="16" dur="1" fill="hold">
+                                          <p:stCondLst>
+                                            <p:cond delay="0"/>
+                                          </p:stCondLst>
+                                        </p:cTn>
+                                        <p:tgtEl>
+                                          <p:spTgt spid="3">
+                                            <p:txEl>
+                                              <p:pRg st="2" end="2"/>
+                                            </p:txEl>
+                                          </p:spTgt>
+                                        </p:tgtEl>
+                                        <p:attrNameLst>
+                                          <p:attrName>style.visibility</p:attrName>
+                                        </p:attrNameLst>
+                                      </p:cBhvr>
+                                      <p:to>
+                                        <p:strVal val="visible"/>
+                                      </p:to>
+                                    </p:set>
+                                    <p:anim calcmode="lin" valueType="num">
+                                      <p:cBhvr>
+                                        <p:cTn id="17" dur="500" fill="hold"/>
+                                        <p:tgtEl>
+                                          <p:spTgt spid="3">
+                                            <p:txEl>
+                                              <p:pRg st="2" end="2"/>
+                                            </p:txEl>
+                                          </p:spTgt>
+                                        </p:tgtEl>
+                                        <p:attrNameLst>
+                                          <p:attrName>ppt_w</p:attrName>
+                                        </p:attrNameLst>
+                                      </p:cBhvr>
+                                      <p:tavLst>
+                                        <p:tav tm="0">
+                                          <p:val>
+                                            <p:fltVal val="0"/>
+                                          </p:val>
+                                        </p:tav>
+                                        <p:tav tm="100000">
+                                          <p:val>
+                                            <p:strVal val="#ppt_w"/>
+                                          </p:val>
+                                        </p:tav>
+                                      </p:tavLst>
+                                    </p:anim>
+                                    <p:anim calcmode="lin" valueType="num">
+                                      <p:cBhvr>
+                                        <p:cTn id="18" dur="500" fill="hold"/>
+                                        <p:tgtEl>
+                                          <p:spTgt spid="3">
+                                            <p:txEl>
+                                              <p:pRg st="2" end="2"/>
+                                            </p:txEl>
+                                          </p:spTgt>
+                                        </p:tgtEl>
+                                        <p:attrNameLst>
+                                          <p:attrName>ppt_h</p:attrName>
+                                        </p:attrNameLst>
+                                      </p:cBhvr>
+                                      <p:tavLst>
+                                        <p:tav tm="0">
+                                          <p:val>
+                                            <p:fltVal val="0"/>
+                                          </p:val>
+                                        </p:tav>
+                                        <p:tav tm="100000">
+                                          <p:val>
+                                            <p:strVal val="#ppt_h"/>
+                                          </p:val>
+                                        </p:tav>
+                                      </p:tavLst>
+                                    </p:anim>
+                                    <p:animEffect transition="in" filter="fade">
+                                      <p:cBhvr>
+                                        <p:cTn id="19" dur="500"/>
+                                        <p:tgtEl>
+                                          <p:spTgt spid="3">
+                                            <p:txEl>
+                                              <p:pRg st="2" end="2"/>
+                                            </p:txEl>
+                                          </p:spTgt>
+                                        </p:tgtEl>
+                                      </p:cBhvr>
+                                    </p:animEffect>
+                                  </p:childTnLst>
+                                </p:cTn>
+                              </p:par>
+                            </p:childTnLst>
+                          </p:cTn>
+                        </p:par>
+                      </p:childTnLst>
+                    </p:cTn>
+                  </p:par>
+                  <p:par>
+                    <p:cTn id="20" fill="hold">
+                      <p:stCondLst>
+                        <p:cond delay="indefinite"/>
+                      </p:stCondLst>
+                      <p:childTnLst>
+                        <p:par>
+                          <p:cTn id="21" fill="hold">
+                            <p:stCondLst>
+                              <p:cond delay="0"/>
+                            </p:stCondLst>
+                            <p:childTnLst>
+                              <p:par>
+                                <p:cTn id="22" presetID="53" presetClass="entr" presetSubtype="16" fill="hold" grpId="0" nodeType="clickEffect">
+                                  <p:stCondLst>
+                                    <p:cond delay="0"/>
+                                  </p:stCondLst>
+                                  <p:childTnLst>
+                                    <p:set>
+                                      <p:cBhvr>
+                                        <p:cTn id="23" dur="1" fill="hold">
+                                          <p:stCondLst>
+                                            <p:cond delay="0"/>
+                                          </p:stCondLst>
+                                        </p:cTn>
+                                        <p:tgtEl>
+                                          <p:spTgt spid="3">
+                                            <p:txEl>
+                                              <p:pRg st="3" end="3"/>
+                                            </p:txEl>
+                                          </p:spTgt>
+                                        </p:tgtEl>
+                                        <p:attrNameLst>
+                                          <p:attrName>style.visibility</p:attrName>
+                                        </p:attrNameLst>
+                                      </p:cBhvr>
+                                      <p:to>
+                                        <p:strVal val="visible"/>
+                                      </p:to>
+                                    </p:set>
+                                    <p:anim calcmode="lin" valueType="num">
+                                      <p:cBhvr>
+                                        <p:cTn id="24" dur="500" fill="hold"/>
+                                        <p:tgtEl>
+                                          <p:spTgt spid="3">
+                                            <p:txEl>
+                                              <p:pRg st="3" end="3"/>
+                                            </p:txEl>
+                                          </p:spTgt>
+                                        </p:tgtEl>
+                                        <p:attrNameLst>
+                                          <p:attrName>ppt_w</p:attrName>
+                                        </p:attrNameLst>
+                                      </p:cBhvr>
+                                      <p:tavLst>
+                                        <p:tav tm="0">
+                                          <p:val>
+                                            <p:fltVal val="0"/>
+                                          </p:val>
+                                        </p:tav>
+                                        <p:tav tm="100000">
+                                          <p:val>
+                                            <p:strVal val="#ppt_w"/>
+                                          </p:val>
+                                        </p:tav>
+                                      </p:tavLst>
+                                    </p:anim>
+                                    <p:anim calcmode="lin" valueType="num">
+                                      <p:cBhvr>
+                                        <p:cTn id="25" dur="500" fill="hold"/>
+                                        <p:tgtEl>
+                                          <p:spTgt spid="3">
+                                            <p:txEl>
+                                              <p:pRg st="3" end="3"/>
+                                            </p:txEl>
+                                          </p:spTgt>
+                                        </p:tgtEl>
+                                        <p:attrNameLst>
+                                          <p:attrName>ppt_h</p:attrName>
+                                        </p:attrNameLst>
+                                      </p:cBhvr>
+                                      <p:tavLst>
+                                        <p:tav tm="0">
+                                          <p:val>
+                                            <p:fltVal val="0"/>
+                                          </p:val>
+                                        </p:tav>
+                                        <p:tav tm="100000">
+                                          <p:val>
+                                            <p:strVal val="#ppt_h"/>
+                                          </p:val>
+                                        </p:tav>
+                                      </p:tavLst>
+                                    </p:anim>
+                                    <p:animEffect transition="in" filter="fade">
+                                      <p:cBhvr>
+                                        <p:cTn id="26" dur="500"/>
+                                        <p:tgtEl>
+                                          <p:spTgt spid="3">
+                                            <p:txEl>
+                                              <p:pRg st="3" end="3"/>
+                                            </p:txEl>
+                                          </p:spTgt>
+                                        </p:tgtEl>
+                                      </p:cBhvr>
+                                    </p:animEffect>
+                                  </p:childTnLst>
+                                </p:cTn>
+                              </p:par>
+                            </p:childTnLst>
+                          </p:cTn>
+                        </p:par>
+                      </p:childTnLst>
+                    </p:cTn>
+                  </p:par>
+                  <p:par>
+                    <p:cTn id="27" fill="hold">
+                      <p:stCondLst>
+                        <p:cond delay="indefinite"/>
+                      </p:stCondLst>
+                      <p:childTnLst>
+                        <p:par>
+                          <p:cTn id="28" fill="hold">
+                            <p:stCondLst>
+                              <p:cond delay="0"/>
+                            </p:stCondLst>
+                            <p:childTnLst>
+                              <p:par>
+                                <p:cTn id="29" presetID="53" presetClass="entr" presetSubtype="16" fill="hold" grpId="0" nodeType="clickEffect">
+                                  <p:stCondLst>
+                                    <p:cond delay="0"/>
+                                  </p:stCondLst>
+                                  <p:childTnLst>
+                                    <p:set>
+                                      <p:cBhvr>
+                                        <p:cTn id="30" dur="1" fill="hold">
+                                          <p:stCondLst>
+                                            <p:cond delay="0"/>
+                                          </p:stCondLst>
+                                        </p:cTn>
+                                        <p:tgtEl>
+                                          <p:spTgt spid="3">
+                                            <p:txEl>
+                                              <p:pRg st="4" end="4"/>
+                                            </p:txEl>
+                                          </p:spTgt>
+                                        </p:tgtEl>
+                                        <p:attrNameLst>
+                                          <p:attrName>style.visibility</p:attrName>
+                                        </p:attrNameLst>
+                                      </p:cBhvr>
+                                      <p:to>
+                                        <p:strVal val="visible"/>
+                                      </p:to>
+                                    </p:set>
+                                    <p:anim calcmode="lin" valueType="num">
+                                      <p:cBhvr>
+                                        <p:cTn id="31" dur="500" fill="hold"/>
+                                        <p:tgtEl>
+                                          <p:spTgt spid="3">
+                                            <p:txEl>
+                                              <p:pRg st="4" end="4"/>
+                                            </p:txEl>
+                                          </p:spTgt>
+                                        </p:tgtEl>
+                                        <p:attrNameLst>
+                                          <p:attrName>ppt_w</p:attrName>
+                                        </p:attrNameLst>
+                                      </p:cBhvr>
+                                      <p:tavLst>
+                                        <p:tav tm="0">
+                                          <p:val>
+                                            <p:fltVal val="0"/>
+                                          </p:val>
+                                        </p:tav>
+                                        <p:tav tm="100000">
+                                          <p:val>
+                                            <p:strVal val="#ppt_w"/>
+                                          </p:val>
+                                        </p:tav>
+                                      </p:tavLst>
+                                    </p:anim>
+                                    <p:anim calcmode="lin" valueType="num">
+                                      <p:cBhvr>
+                                        <p:cTn id="32" dur="500" fill="hold"/>
+                                        <p:tgtEl>
+                                          <p:spTgt spid="3">
+                                            <p:txEl>
+                                              <p:pRg st="4" end="4"/>
+                                            </p:txEl>
+                                          </p:spTgt>
+                                        </p:tgtEl>
+                                        <p:attrNameLst>
+                                          <p:attrName>ppt_h</p:attrName>
+                                        </p:attrNameLst>
+                                      </p:cBhvr>
+                                      <p:tavLst>
+                                        <p:tav tm="0">
+                                          <p:val>
+                                            <p:fltVal val="0"/>
+                                          </p:val>
+                                        </p:tav>
+                                        <p:tav tm="100000">
+                                          <p:val>
+                                            <p:strVal val="#ppt_h"/>
+                                          </p:val>
+                                        </p:tav>
+                                      </p:tavLst>
+                                    </p:anim>
+                                    <p:animEffect transition="in" filter="fade">
+                                      <p:cBhvr>
+                                        <p:cTn id="33" dur="500"/>
+                                        <p:tgtEl>
+                                          <p:spTgt spid="3">
+                                            <p:txEl>
+                                              <p:pRg st="4" end="4"/>
+                                            </p:txEl>
+                                          </p:spTgt>
+                                        </p:tgtEl>
+                                      </p:cBhvr>
+                                    </p:animEffect>
+                                  </p:childTnLst>
+                                </p:cTn>
+                              </p:par>
+                              <p:par>
+                                <p:cTn id="34" presetID="53" presetClass="entr" presetSubtype="16" fill="hold" grpId="0" nodeType="withEffect">
+                                  <p:stCondLst>
+                                    <p:cond delay="0"/>
+                                  </p:stCondLst>
+                                  <p:childTnLst>
+                                    <p:set>
+                                      <p:cBhvr>
+                                        <p:cTn id="35" dur="1" fill="hold">
+                                          <p:stCondLst>
+                                            <p:cond delay="0"/>
+                                          </p:stCondLst>
+                                        </p:cTn>
+                                        <p:tgtEl>
+                                          <p:spTgt spid="3">
+                                            <p:txEl>
+                                              <p:pRg st="5" end="5"/>
+                                            </p:txEl>
+                                          </p:spTgt>
+                                        </p:tgtEl>
+                                        <p:attrNameLst>
+                                          <p:attrName>style.visibility</p:attrName>
+                                        </p:attrNameLst>
+                                      </p:cBhvr>
+                                      <p:to>
+                                        <p:strVal val="visible"/>
+                                      </p:to>
+                                    </p:set>
+                                    <p:anim calcmode="lin" valueType="num">
+                                      <p:cBhvr>
+                                        <p:cTn id="36" dur="500" fill="hold"/>
+                                        <p:tgtEl>
+                                          <p:spTgt spid="3">
+                                            <p:txEl>
+                                              <p:pRg st="5" end="5"/>
+                                            </p:txEl>
+                                          </p:spTgt>
+                                        </p:tgtEl>
+                                        <p:attrNameLst>
+                                          <p:attrName>ppt_w</p:attrName>
+                                        </p:attrNameLst>
+                                      </p:cBhvr>
+                                      <p:tavLst>
+                                        <p:tav tm="0">
+                                          <p:val>
+                                            <p:fltVal val="0"/>
+                                          </p:val>
+                                        </p:tav>
+                                        <p:tav tm="100000">
+                                          <p:val>
+                                            <p:strVal val="#ppt_w"/>
+                                          </p:val>
+                                        </p:tav>
+                                      </p:tavLst>
+                                    </p:anim>
+                                    <p:anim calcmode="lin" valueType="num">
+                                      <p:cBhvr>
+                                        <p:cTn id="37" dur="500" fill="hold"/>
+                                        <p:tgtEl>
+                                          <p:spTgt spid="3">
+                                            <p:txEl>
+                                              <p:pRg st="5" end="5"/>
+                                            </p:txEl>
+                                          </p:spTgt>
+                                        </p:tgtEl>
+                                        <p:attrNameLst>
+                                          <p:attrName>ppt_h</p:attrName>
+                                        </p:attrNameLst>
+                                      </p:cBhvr>
+                                      <p:tavLst>
+                                        <p:tav tm="0">
+                                          <p:val>
+                                            <p:fltVal val="0"/>
+                                          </p:val>
+                                        </p:tav>
+                                        <p:tav tm="100000">
+                                          <p:val>
+                                            <p:strVal val="#ppt_h"/>
+                                          </p:val>
+                                        </p:tav>
+                                      </p:tavLst>
+                                    </p:anim>
+                                    <p:animEffect transition="in" filter="fade">
+                                      <p:cBhvr>
+                                        <p:cTn id="38" dur="500"/>
+                                        <p:tgtEl>
+                                          <p:spTgt spid="3">
+                                            <p:txEl>
+                                              <p:pRg st="5" end="5"/>
+                                            </p:txEl>
+                                          </p:spTgt>
+                                        </p:tgtEl>
+                                      </p:cBhvr>
+                                    </p:animEffect>
+                                  </p:childTnLst>
+                                </p:cTn>
+                              </p:par>
+                            </p:childTnLst>
+                          </p:cTn>
+                        </p:par>
+                      </p:childTnLst>
+                    </p:cTn>
+                  </p:par>
+                  <p:par>
+                    <p:cTn id="39" fill="hold">
+                      <p:stCondLst>
+                        <p:cond delay="indefinite"/>
+                      </p:stCondLst>
+                      <p:childTnLst>
+                        <p:par>
+                          <p:cTn id="40" fill="hold">
+                            <p:stCondLst>
+                              <p:cond delay="0"/>
+                            </p:stCondLst>
+                            <p:childTnLst>
+                              <p:par>
+                                <p:cTn id="41" presetID="53" presetClass="entr" presetSubtype="16" fill="hold" grpId="0" nodeType="clickEffect">
+                                  <p:stCondLst>
+                                    <p:cond delay="0"/>
+                                  </p:stCondLst>
+                                  <p:childTnLst>
+                                    <p:set>
+                                      <p:cBhvr>
+                                        <p:cTn id="42" dur="1" fill="hold">
+                                          <p:stCondLst>
+                                            <p:cond delay="0"/>
+                                          </p:stCondLst>
+                                        </p:cTn>
+                                        <p:tgtEl>
+                                          <p:spTgt spid="3">
+                                            <p:txEl>
+                                              <p:pRg st="6" end="6"/>
+                                            </p:txEl>
+                                          </p:spTgt>
+                                        </p:tgtEl>
+                                        <p:attrNameLst>
+                                          <p:attrName>style.visibility</p:attrName>
+                                        </p:attrNameLst>
+                                      </p:cBhvr>
+                                      <p:to>
+                                        <p:strVal val="visible"/>
+                                      </p:to>
+                                    </p:set>
+                                    <p:anim calcmode="lin" valueType="num">
+                                      <p:cBhvr>
+                                        <p:cTn id="43" dur="500" fill="hold"/>
+                                        <p:tgtEl>
+                                          <p:spTgt spid="3">
+                                            <p:txEl>
+                                              <p:pRg st="6" end="6"/>
+                                            </p:txEl>
+                                          </p:spTgt>
+                                        </p:tgtEl>
+                                        <p:attrNameLst>
+                                          <p:attrName>ppt_w</p:attrName>
+                                        </p:attrNameLst>
+                                      </p:cBhvr>
+                                      <p:tavLst>
+                                        <p:tav tm="0">
+                                          <p:val>
+                                            <p:fltVal val="0"/>
+                                          </p:val>
+                                        </p:tav>
+                                        <p:tav tm="100000">
+                                          <p:val>
+                                            <p:strVal val="#ppt_w"/>
+                                          </p:val>
+                                        </p:tav>
+                                      </p:tavLst>
+                                    </p:anim>
+                                    <p:anim calcmode="lin" valueType="num">
+                                      <p:cBhvr>
+                                        <p:cTn id="44" dur="500" fill="hold"/>
+                                        <p:tgtEl>
+                                          <p:spTgt spid="3">
+                                            <p:txEl>
+                                              <p:pRg st="6" end="6"/>
+                                            </p:txEl>
+                                          </p:spTgt>
+                                        </p:tgtEl>
+                                        <p:attrNameLst>
+                                          <p:attrName>ppt_h</p:attrName>
+                                        </p:attrNameLst>
+                                      </p:cBhvr>
+                                      <p:tavLst>
+                                        <p:tav tm="0">
+                                          <p:val>
+                                            <p:fltVal val="0"/>
+                                          </p:val>
+                                        </p:tav>
+                                        <p:tav tm="100000">
+                                          <p:val>
+                                            <p:strVal val="#ppt_h"/>
+                                          </p:val>
+                                        </p:tav>
+                                      </p:tavLst>
+                                    </p:anim>
+                                    <p:animEffect transition="in" filter="fade">
+                                      <p:cBhvr>
+                                        <p:cTn id="45" dur="500"/>
+                                        <p:tgtEl>
+                                          <p:spTgt spid="3">
+                                            <p:txEl>
+                                              <p:pRg st="6" end="6"/>
+                                            </p:txEl>
+                                          </p:spTgt>
+                                        </p:tgtEl>
+                                      </p:cBhvr>
+                                    </p:animEffect>
+                                  </p:childTnLst>
+                                </p:cTn>
+                              </p:par>
+                            </p:childTnLst>
+                          </p:cTn>
+                        </p:par>
+                      </p:childTnLst>
+                    </p:cTn>
+                  </p:par>
+                </p:childTnLst>
+              </p:cTn>
+              <p:prevCondLst>
+                <p:cond evt="onPrev" delay="0">
+                  <p:tgtEl>
+                    <p:sldTgt/>
+                  </p:tgtEl>
+                </p:cond>
+              </p:prevCondLst>
+              <p:nextCondLst>
+                <p:cond evt="onNext" delay="0">
+                  <p:tgtEl>
+                    <p:sldTgt/>
+                  </p:tgtEl>
+                </p:cond>
+              </p:nextCondLst>
+            </p:seq>
+          </p:childTnLst>
+        </p:cTn>
+      </p:par>
+    </p:tnLst>
+    <p:bldLst>
+      <p:bldP spid="3" grpId="0" build="p"/>
+    </p:bldLst>
+  </p:timing>
+</p:sld>
+</file>
+
+<file path=ppt/slides/slide16.xml><?xml version="1.0" encoding="utf-8"?>
+<p:sld xmlns:a="http://schemas.openxmlformats.org/drawingml/2006/main" xmlns:r="http://schemas.openxmlformats.org/officeDocument/2006/relationships" xmlns:p="http://schemas.openxmlformats.org/presentationml/2006/main">
+  <p:cSld>
+    <p:spTree>
+      <p:nvGrpSpPr>
+        <p:cNvPr id="1" name=""/>
+        <p:cNvGrpSpPr/>
+        <p:nvPr/>
+      </p:nvGrpSpPr>
+      <p:grpSpPr>
+        <a:xfrm>
+          <a:off x="0" y="0"/>
+          <a:ext cx="0" cy="0"/>
+          <a:chOff x="0" y="0"/>
+          <a:chExt cx="0" cy="0"/>
+        </a:xfrm>
+      </p:grpSpPr>
+      <p:sp>
+        <p:nvSpPr>
+          <p:cNvPr id="2" name="Title 1">
+            <a:extLst>
+              <a:ext uri="{FF2B5EF4-FFF2-40B4-BE49-F238E27FC236}">
+                <a16:creationId xmlns:a16="http://schemas.microsoft.com/office/drawing/2014/main" id="{52723FFA-EF16-4BA2-838D-1C630CA2D5ED}"/>
+              </a:ext>
+            </a:extLst>
+          </p:cNvPr>
+          <p:cNvSpPr>
+            <a:spLocks noGrp="1"/>
+          </p:cNvSpPr>
+          <p:nvPr>
+            <p:ph type="title"/>
+          </p:nvPr>
+        </p:nvSpPr>
+        <p:spPr>
+          <a:xfrm>
+            <a:off x="643192" y="609600"/>
+            <a:ext cx="3643674" cy="1905000"/>
+          </a:xfrm>
+        </p:spPr>
+        <p:txBody>
+          <a:bodyPr>
+            <a:normAutofit/>
+          </a:bodyPr>
+          <a:lstStyle/>
+          <a:p>
+            <a:r>
+              <a:rPr lang="en-US" sz="2800" dirty="0"/>
+              <a:t>Breweries per state</a:t>
+            </a:r>
+          </a:p>
+        </p:txBody>
+      </p:sp>
+      <p:sp>
+        <p:nvSpPr>
+          <p:cNvPr id="3" name="Content Placeholder 2">
+            <a:extLst>
+              <a:ext uri="{FF2B5EF4-FFF2-40B4-BE49-F238E27FC236}">
+                <a16:creationId xmlns:a16="http://schemas.microsoft.com/office/drawing/2014/main" id="{8CD6B72E-C7E0-48B0-8774-5D66900D57E5}"/>
+              </a:ext>
+            </a:extLst>
+          </p:cNvPr>
+          <p:cNvSpPr>
+            <a:spLocks noGrp="1"/>
+          </p:cNvSpPr>
+          <p:nvPr>
+            <p:ph idx="1"/>
+          </p:nvPr>
+        </p:nvSpPr>
+        <p:spPr>
+          <a:xfrm>
+            <a:off x="643192" y="1799304"/>
+            <a:ext cx="3643674" cy="4616244"/>
+          </a:xfrm>
+        </p:spPr>
+        <p:txBody>
+          <a:bodyPr>
+            <a:normAutofit/>
+          </a:bodyPr>
+          <a:lstStyle/>
+          <a:p>
+            <a:r>
+              <a:rPr lang="en-US" sz="1800" dirty="0"/>
+              <a:t>Colorado clearly wins</a:t>
+            </a:r>
+          </a:p>
+          <a:p>
+            <a:r>
+              <a:rPr lang="en-US" sz="1800" dirty="0"/>
+              <a:t>Other states with large numbers of craft breweries:</a:t>
+            </a:r>
+          </a:p>
+          <a:p>
+            <a:pPr lvl="1"/>
+            <a:r>
+              <a:rPr lang="en-US" sz="1600" dirty="0"/>
+              <a:t>California</a:t>
+            </a:r>
+          </a:p>
+          <a:p>
+            <a:pPr lvl="1"/>
+            <a:r>
+              <a:rPr lang="en-US" sz="1600" dirty="0"/>
+              <a:t>Texas</a:t>
+            </a:r>
+          </a:p>
+          <a:p>
+            <a:pPr lvl="1"/>
+            <a:r>
+              <a:rPr lang="en-US" sz="1600" dirty="0"/>
+              <a:t>Michigan</a:t>
+            </a:r>
+          </a:p>
+          <a:p>
+            <a:pPr lvl="1"/>
+            <a:r>
+              <a:rPr lang="en-US" sz="1600" dirty="0"/>
+              <a:t>Indiana</a:t>
+            </a:r>
+          </a:p>
+          <a:p>
+            <a:r>
+              <a:rPr lang="en-US" sz="1800" dirty="0"/>
+              <a:t>These states may have large numbers of breweries because they have larger populations</a:t>
+            </a:r>
+          </a:p>
+        </p:txBody>
+      </p:sp>
+      <p:pic>
+        <p:nvPicPr>
+          <p:cNvPr id="5" name="Picture 4">
+            <a:extLst>
+              <a:ext uri="{FF2B5EF4-FFF2-40B4-BE49-F238E27FC236}">
+                <a16:creationId xmlns:a16="http://schemas.microsoft.com/office/drawing/2014/main" id="{8E489EB8-B263-455F-8A9C-48E3B61ED0B5}"/>
+              </a:ext>
+            </a:extLst>
+          </p:cNvPr>
+          <p:cNvPicPr>
+            <a:picLocks noChangeAspect="1"/>
+          </p:cNvPicPr>
+          <p:nvPr/>
+        </p:nvPicPr>
+        <p:blipFill>
+          <a:blip r:embed="rId2"/>
+          <a:stretch>
+            <a:fillRect/>
+          </a:stretch>
+        </p:blipFill>
+        <p:spPr>
+          <a:xfrm>
+            <a:off x="4630994" y="1238865"/>
+            <a:ext cx="7538949" cy="3750627"/>
+          </a:xfrm>
+          <a:prstGeom prst="roundRect">
+            <a:avLst>
+              <a:gd name="adj" fmla="val 3517"/>
+            </a:avLst>
+          </a:prstGeom>
+          <a:ln w="38100">
+            <a:gradFill flip="none" rotWithShape="1">
+              <a:gsLst>
+                <a:gs pos="0">
+                  <a:srgbClr val="363D46"/>
+                </a:gs>
+                <a:gs pos="100000">
+                  <a:srgbClr val="363D46">
+                    <a:lumMod val="75000"/>
+                  </a:srgbClr>
+                </a:gs>
+              </a:gsLst>
+              <a:lin ang="5400000" scaled="0"/>
+              <a:tileRect/>
+            </a:gradFill>
+          </a:ln>
+          <a:effectLst>
+            <a:innerShdw blurRad="57150" dist="38100" dir="14460000">
+              <a:srgbClr val="000000">
+                <a:alpha val="70000"/>
+              </a:srgbClr>
+            </a:innerShdw>
+          </a:effectLst>
+        </p:spPr>
+      </p:pic>
+    </p:spTree>
+    <p:extLst>
+      <p:ext uri="{BB962C8B-B14F-4D97-AF65-F5344CB8AC3E}">
+        <p14:creationId xmlns:p14="http://schemas.microsoft.com/office/powerpoint/2010/main" val="1513195439"/>
+      </p:ext>
+    </p:extLst>
+  </p:cSld>
+  <p:clrMapOvr>
+    <a:masterClrMapping/>
+  </p:clrMapOvr>
+  <p:timing>
+    <p:tnLst>
+      <p:par>
+        <p:cTn id="1" dur="indefinite" restart="never" nodeType="tmRoot">
+          <p:childTnLst>
+            <p:seq concurrent="1" nextAc="seek">
+              <p:cTn id="2" dur="indefinite" nodeType="mainSeq">
+                <p:childTnLst>
+                  <p:par>
+                    <p:cTn id="3" fill="hold">
+                      <p:stCondLst>
+                        <p:cond delay="indefinite"/>
+                      </p:stCondLst>
+                      <p:childTnLst>
+                        <p:par>
+                          <p:cTn id="4" fill="hold">
+                            <p:stCondLst>
+                              <p:cond delay="0"/>
+                            </p:stCondLst>
+                            <p:childTnLst>
+                              <p:par>
+                                <p:cTn id="5" presetID="53" presetClass="entr" presetSubtype="16" fill="hold" grpId="0" nodeType="clickEffect">
+                                  <p:stCondLst>
+                                    <p:cond delay="0"/>
+                                  </p:stCondLst>
+                                  <p:childTnLst>
+                                    <p:set>
+                                      <p:cBhvr>
+                                        <p:cTn id="6" dur="1" fill="hold">
+                                          <p:stCondLst>
+                                            <p:cond delay="0"/>
+                                          </p:stCondLst>
+                                        </p:cTn>
+                                        <p:tgtEl>
+                                          <p:spTgt spid="3">
+                                            <p:txEl>
+                                              <p:pRg st="0" end="0"/>
+                                            </p:txEl>
+                                          </p:spTgt>
+                                        </p:tgtEl>
+                                        <p:attrNameLst>
+                                          <p:attrName>style.visibility</p:attrName>
+                                        </p:attrNameLst>
+                                      </p:cBhvr>
+                                      <p:to>
+                                        <p:strVal val="visible"/>
+                                      </p:to>
+                                    </p:set>
+                                    <p:anim calcmode="lin" valueType="num">
+                                      <p:cBhvr>
+                                        <p:cTn id="7" dur="500" fill="hold"/>
+                                        <p:tgtEl>
+                                          <p:spTgt spid="3">
+                                            <p:txEl>
+                                              <p:pRg st="0" end="0"/>
+                                            </p:txEl>
+                                          </p:spTgt>
+                                        </p:tgtEl>
+                                        <p:attrNameLst>
+                                          <p:attrName>ppt_w</p:attrName>
+                                        </p:attrNameLst>
+                                      </p:cBhvr>
+                                      <p:tavLst>
+                                        <p:tav tm="0">
+                                          <p:val>
+                                            <p:fltVal val="0"/>
+                                          </p:val>
+                                        </p:tav>
+                                        <p:tav tm="100000">
+                                          <p:val>
+                                            <p:strVal val="#ppt_w"/>
+                                          </p:val>
+                                        </p:tav>
+                                      </p:tavLst>
+                                    </p:anim>
+                                    <p:anim calcmode="lin" valueType="num">
+                                      <p:cBhvr>
+                                        <p:cTn id="8" dur="500" fill="hold"/>
+                                        <p:tgtEl>
+                                          <p:spTgt spid="3">
+                                            <p:txEl>
+                                              <p:pRg st="0" end="0"/>
+                                            </p:txEl>
+                                          </p:spTgt>
+                                        </p:tgtEl>
+                                        <p:attrNameLst>
+                                          <p:attrName>ppt_h</p:attrName>
+                                        </p:attrNameLst>
+                                      </p:cBhvr>
+                                      <p:tavLst>
+                                        <p:tav tm="0">
+                                          <p:val>
+                                            <p:fltVal val="0"/>
+                                          </p:val>
+                                        </p:tav>
+                                        <p:tav tm="100000">
+                                          <p:val>
+                                            <p:strVal val="#ppt_h"/>
+                                          </p:val>
+                                        </p:tav>
+                                      </p:tavLst>
+                                    </p:anim>
+                                    <p:animEffect transition="in" filter="fade">
+                                      <p:cBhvr>
+                                        <p:cTn id="9" dur="500"/>
+                                        <p:tgtEl>
+                                          <p:spTgt spid="3">
+                                            <p:txEl>
+                                              <p:pRg st="0" end="0"/>
+                                            </p:txEl>
+                                          </p:spTgt>
+                                        </p:tgtEl>
+                                      </p:cBhvr>
+                                    </p:animEffect>
+                                  </p:childTnLst>
+                                </p:cTn>
+                              </p:par>
+                            </p:childTnLst>
+                          </p:cTn>
+                        </p:par>
+                      </p:childTnLst>
+                    </p:cTn>
+                  </p:par>
+                  <p:par>
+                    <p:cTn id="10" fill="hold">
+                      <p:stCondLst>
+                        <p:cond delay="indefinite"/>
+                      </p:stCondLst>
+                      <p:childTnLst>
+                        <p:par>
+                          <p:cTn id="11" fill="hold">
+                            <p:stCondLst>
+                              <p:cond delay="0"/>
+                            </p:stCondLst>
+                            <p:childTnLst>
+                              <p:par>
+                                <p:cTn id="12" presetID="53" presetClass="entr" presetSubtype="16" fill="hold" grpId="0" nodeType="clickEffect">
+                                  <p:stCondLst>
+                                    <p:cond delay="0"/>
+                                  </p:stCondLst>
+                                  <p:childTnLst>
+                                    <p:set>
+                                      <p:cBhvr>
+                                        <p:cTn id="13" dur="1" fill="hold">
+                                          <p:stCondLst>
+                                            <p:cond delay="0"/>
+                                          </p:stCondLst>
+                                        </p:cTn>
+                                        <p:tgtEl>
+                                          <p:spTgt spid="3">
+                                            <p:txEl>
+                                              <p:pRg st="1" end="1"/>
+                                            </p:txEl>
+                                          </p:spTgt>
+                                        </p:tgtEl>
+                                        <p:attrNameLst>
+                                          <p:attrName>style.visibility</p:attrName>
+                                        </p:attrNameLst>
+                                      </p:cBhvr>
+                                      <p:to>
+                                        <p:strVal val="visible"/>
+                                      </p:to>
+                                    </p:set>
+                                    <p:anim calcmode="lin" valueType="num">
+                                      <p:cBhvr>
+                                        <p:cTn id="14" dur="500" fill="hold"/>
+                                        <p:tgtEl>
+                                          <p:spTgt spid="3">
+                                            <p:txEl>
+                                              <p:pRg st="1" end="1"/>
+                                            </p:txEl>
+                                          </p:spTgt>
+                                        </p:tgtEl>
+                                        <p:attrNameLst>
+                                          <p:attrName>ppt_w</p:attrName>
+                                        </p:attrNameLst>
+                                      </p:cBhvr>
+                                      <p:tavLst>
+                                        <p:tav tm="0">
+                                          <p:val>
+                                            <p:fltVal val="0"/>
+                                          </p:val>
+                                        </p:tav>
+                                        <p:tav tm="100000">
+                                          <p:val>
+                                            <p:strVal val="#ppt_w"/>
+                                          </p:val>
+                                        </p:tav>
+                                      </p:tavLst>
+                                    </p:anim>
+                                    <p:anim calcmode="lin" valueType="num">
+                                      <p:cBhvr>
+                                        <p:cTn id="15" dur="500" fill="hold"/>
+                                        <p:tgtEl>
+                                          <p:spTgt spid="3">
+                                            <p:txEl>
+                                              <p:pRg st="1" end="1"/>
+                                            </p:txEl>
+                                          </p:spTgt>
+                                        </p:tgtEl>
+                                        <p:attrNameLst>
+                                          <p:attrName>ppt_h</p:attrName>
+                                        </p:attrNameLst>
+                                      </p:cBhvr>
+                                      <p:tavLst>
+                                        <p:tav tm="0">
+                                          <p:val>
+                                            <p:fltVal val="0"/>
+                                          </p:val>
+                                        </p:tav>
+                                        <p:tav tm="100000">
+                                          <p:val>
+                                            <p:strVal val="#ppt_h"/>
+                                          </p:val>
+                                        </p:tav>
+                                      </p:tavLst>
+                                    </p:anim>
+                                    <p:animEffect transition="in" filter="fade">
+                                      <p:cBhvr>
+                                        <p:cTn id="16" dur="500"/>
+                                        <p:tgtEl>
+                                          <p:spTgt spid="3">
+                                            <p:txEl>
+                                              <p:pRg st="1" end="1"/>
+                                            </p:txEl>
+                                          </p:spTgt>
+                                        </p:tgtEl>
+                                      </p:cBhvr>
+                                    </p:animEffect>
+                                  </p:childTnLst>
+                                </p:cTn>
+                              </p:par>
+                              <p:par>
+                                <p:cTn id="17" presetID="53" presetClass="entr" presetSubtype="16" fill="hold" grpId="0" nodeType="withEffect">
+                                  <p:stCondLst>
+                                    <p:cond delay="0"/>
+                                  </p:stCondLst>
+                                  <p:childTnLst>
+                                    <p:set>
+                                      <p:cBhvr>
+                                        <p:cTn id="18" dur="1" fill="hold">
+                                          <p:stCondLst>
+                                            <p:cond delay="0"/>
+                                          </p:stCondLst>
+                                        </p:cTn>
+                                        <p:tgtEl>
+                                          <p:spTgt spid="3">
+                                            <p:txEl>
+                                              <p:pRg st="2" end="2"/>
+                                            </p:txEl>
+                                          </p:spTgt>
+                                        </p:tgtEl>
+                                        <p:attrNameLst>
+                                          <p:attrName>style.visibility</p:attrName>
+                                        </p:attrNameLst>
+                                      </p:cBhvr>
+                                      <p:to>
+                                        <p:strVal val="visible"/>
+                                      </p:to>
+                                    </p:set>
+                                    <p:anim calcmode="lin" valueType="num">
+                                      <p:cBhvr>
+                                        <p:cTn id="19" dur="500" fill="hold"/>
+                                        <p:tgtEl>
+                                          <p:spTgt spid="3">
+                                            <p:txEl>
+                                              <p:pRg st="2" end="2"/>
+                                            </p:txEl>
+                                          </p:spTgt>
+                                        </p:tgtEl>
+                                        <p:attrNameLst>
+                                          <p:attrName>ppt_w</p:attrName>
+                                        </p:attrNameLst>
+                                      </p:cBhvr>
+                                      <p:tavLst>
+                                        <p:tav tm="0">
+                                          <p:val>
+                                            <p:fltVal val="0"/>
+                                          </p:val>
+                                        </p:tav>
+                                        <p:tav tm="100000">
+                                          <p:val>
+                                            <p:strVal val="#ppt_w"/>
+                                          </p:val>
+                                        </p:tav>
+                                      </p:tavLst>
+                                    </p:anim>
+                                    <p:anim calcmode="lin" valueType="num">
+                                      <p:cBhvr>
+                                        <p:cTn id="20" dur="500" fill="hold"/>
+                                        <p:tgtEl>
+                                          <p:spTgt spid="3">
+                                            <p:txEl>
+                                              <p:pRg st="2" end="2"/>
+                                            </p:txEl>
+                                          </p:spTgt>
+                                        </p:tgtEl>
+                                        <p:attrNameLst>
+                                          <p:attrName>ppt_h</p:attrName>
+                                        </p:attrNameLst>
+                                      </p:cBhvr>
+                                      <p:tavLst>
+                                        <p:tav tm="0">
+                                          <p:val>
+                                            <p:fltVal val="0"/>
+                                          </p:val>
+                                        </p:tav>
+                                        <p:tav tm="100000">
+                                          <p:val>
+                                            <p:strVal val="#ppt_h"/>
+                                          </p:val>
+                                        </p:tav>
+                                      </p:tavLst>
+                                    </p:anim>
+                                    <p:animEffect transition="in" filter="fade">
+                                      <p:cBhvr>
+                                        <p:cTn id="21" dur="500"/>
+                                        <p:tgtEl>
+                                          <p:spTgt spid="3">
+                                            <p:txEl>
+                                              <p:pRg st="2" end="2"/>
+                                            </p:txEl>
+                                          </p:spTgt>
+                                        </p:tgtEl>
+                                      </p:cBhvr>
+                                    </p:animEffect>
+                                  </p:childTnLst>
+                                </p:cTn>
+                              </p:par>
+                              <p:par>
+                                <p:cTn id="22" presetID="53" presetClass="entr" presetSubtype="16" fill="hold" grpId="0" nodeType="withEffect">
+                                  <p:stCondLst>
+                                    <p:cond delay="0"/>
+                                  </p:stCondLst>
+                                  <p:childTnLst>
+                                    <p:set>
+                                      <p:cBhvr>
+                                        <p:cTn id="23" dur="1" fill="hold">
+                                          <p:stCondLst>
+                                            <p:cond delay="0"/>
+                                          </p:stCondLst>
+                                        </p:cTn>
+                                        <p:tgtEl>
+                                          <p:spTgt spid="3">
+                                            <p:txEl>
+                                              <p:pRg st="3" end="3"/>
+                                            </p:txEl>
+                                          </p:spTgt>
+                                        </p:tgtEl>
+                                        <p:attrNameLst>
+                                          <p:attrName>style.visibility</p:attrName>
+                                        </p:attrNameLst>
+                                      </p:cBhvr>
+                                      <p:to>
+                                        <p:strVal val="visible"/>
+                                      </p:to>
+                                    </p:set>
+                                    <p:anim calcmode="lin" valueType="num">
+                                      <p:cBhvr>
+                                        <p:cTn id="24" dur="500" fill="hold"/>
+                                        <p:tgtEl>
+                                          <p:spTgt spid="3">
+                                            <p:txEl>
+                                              <p:pRg st="3" end="3"/>
+                                            </p:txEl>
+                                          </p:spTgt>
+                                        </p:tgtEl>
+                                        <p:attrNameLst>
+                                          <p:attrName>ppt_w</p:attrName>
+                                        </p:attrNameLst>
+                                      </p:cBhvr>
+                                      <p:tavLst>
+                                        <p:tav tm="0">
+                                          <p:val>
+                                            <p:fltVal val="0"/>
+                                          </p:val>
+                                        </p:tav>
+                                        <p:tav tm="100000">
+                                          <p:val>
+                                            <p:strVal val="#ppt_w"/>
+                                          </p:val>
+                                        </p:tav>
+                                      </p:tavLst>
+                                    </p:anim>
+                                    <p:anim calcmode="lin" valueType="num">
+                                      <p:cBhvr>
+                                        <p:cTn id="25" dur="500" fill="hold"/>
+                                        <p:tgtEl>
+                                          <p:spTgt spid="3">
+                                            <p:txEl>
+                                              <p:pRg st="3" end="3"/>
+                                            </p:txEl>
+                                          </p:spTgt>
+                                        </p:tgtEl>
+                                        <p:attrNameLst>
+                                          <p:attrName>ppt_h</p:attrName>
+                                        </p:attrNameLst>
+                                      </p:cBhvr>
+                                      <p:tavLst>
+                                        <p:tav tm="0">
+                                          <p:val>
+                                            <p:fltVal val="0"/>
+                                          </p:val>
+                                        </p:tav>
+                                        <p:tav tm="100000">
+                                          <p:val>
+                                            <p:strVal val="#ppt_h"/>
+                                          </p:val>
+                                        </p:tav>
+                                      </p:tavLst>
+                                    </p:anim>
+                                    <p:animEffect transition="in" filter="fade">
+                                      <p:cBhvr>
+                                        <p:cTn id="26" dur="500"/>
+                                        <p:tgtEl>
+                                          <p:spTgt spid="3">
+                                            <p:txEl>
+                                              <p:pRg st="3" end="3"/>
+                                            </p:txEl>
+                                          </p:spTgt>
+                                        </p:tgtEl>
+                                      </p:cBhvr>
+                                    </p:animEffect>
+                                  </p:childTnLst>
+                                </p:cTn>
+                              </p:par>
+                              <p:par>
+                                <p:cTn id="27" presetID="53" presetClass="entr" presetSubtype="16" fill="hold" grpId="0" nodeType="withEffect">
+                                  <p:stCondLst>
+                                    <p:cond delay="0"/>
+                                  </p:stCondLst>
+                                  <p:childTnLst>
+                                    <p:set>
+                                      <p:cBhvr>
+                                        <p:cTn id="28" dur="1" fill="hold">
+                                          <p:stCondLst>
+                                            <p:cond delay="0"/>
+                                          </p:stCondLst>
+                                        </p:cTn>
+                                        <p:tgtEl>
+                                          <p:spTgt spid="3">
+                                            <p:txEl>
+                                              <p:pRg st="4" end="4"/>
+                                            </p:txEl>
+                                          </p:spTgt>
+                                        </p:tgtEl>
+                                        <p:attrNameLst>
+                                          <p:attrName>style.visibility</p:attrName>
+                                        </p:attrNameLst>
+                                      </p:cBhvr>
+                                      <p:to>
+                                        <p:strVal val="visible"/>
+                                      </p:to>
+                                    </p:set>
+                                    <p:anim calcmode="lin" valueType="num">
+                                      <p:cBhvr>
+                                        <p:cTn id="29" dur="500" fill="hold"/>
+                                        <p:tgtEl>
+                                          <p:spTgt spid="3">
+                                            <p:txEl>
+                                              <p:pRg st="4" end="4"/>
+                                            </p:txEl>
+                                          </p:spTgt>
+                                        </p:tgtEl>
+                                        <p:attrNameLst>
+                                          <p:attrName>ppt_w</p:attrName>
+                                        </p:attrNameLst>
+                                      </p:cBhvr>
+                                      <p:tavLst>
+                                        <p:tav tm="0">
+                                          <p:val>
+                                            <p:fltVal val="0"/>
+                                          </p:val>
+                                        </p:tav>
+                                        <p:tav tm="100000">
+                                          <p:val>
+                                            <p:strVal val="#ppt_w"/>
+                                          </p:val>
+                                        </p:tav>
+                                      </p:tavLst>
+                                    </p:anim>
+                                    <p:anim calcmode="lin" valueType="num">
+                                      <p:cBhvr>
+                                        <p:cTn id="30" dur="500" fill="hold"/>
+                                        <p:tgtEl>
+                                          <p:spTgt spid="3">
+                                            <p:txEl>
+                                              <p:pRg st="4" end="4"/>
+                                            </p:txEl>
+                                          </p:spTgt>
+                                        </p:tgtEl>
+                                        <p:attrNameLst>
+                                          <p:attrName>ppt_h</p:attrName>
+                                        </p:attrNameLst>
+                                      </p:cBhvr>
+                                      <p:tavLst>
+                                        <p:tav tm="0">
+                                          <p:val>
+                                            <p:fltVal val="0"/>
+                                          </p:val>
+                                        </p:tav>
+                                        <p:tav tm="100000">
+                                          <p:val>
+                                            <p:strVal val="#ppt_h"/>
+                                          </p:val>
+                                        </p:tav>
+                                      </p:tavLst>
+                                    </p:anim>
+                                    <p:animEffect transition="in" filter="fade">
+                                      <p:cBhvr>
+                                        <p:cTn id="31" dur="500"/>
+                                        <p:tgtEl>
+                                          <p:spTgt spid="3">
+                                            <p:txEl>
+                                              <p:pRg st="4" end="4"/>
+                                            </p:txEl>
+                                          </p:spTgt>
+                                        </p:tgtEl>
+                                      </p:cBhvr>
+                                    </p:animEffect>
+                                  </p:childTnLst>
+                                </p:cTn>
+                              </p:par>
+                              <p:par>
+                                <p:cTn id="32" presetID="53" presetClass="entr" presetSubtype="16" fill="hold" grpId="0" nodeType="withEffect">
+                                  <p:stCondLst>
+                                    <p:cond delay="0"/>
+                                  </p:stCondLst>
+                                  <p:childTnLst>
+                                    <p:set>
+                                      <p:cBhvr>
+                                        <p:cTn id="33" dur="1" fill="hold">
+                                          <p:stCondLst>
+                                            <p:cond delay="0"/>
+                                          </p:stCondLst>
+                                        </p:cTn>
+                                        <p:tgtEl>
+                                          <p:spTgt spid="3">
+                                            <p:txEl>
+                                              <p:pRg st="5" end="5"/>
+                                            </p:txEl>
+                                          </p:spTgt>
+                                        </p:tgtEl>
+                                        <p:attrNameLst>
+                                          <p:attrName>style.visibility</p:attrName>
+                                        </p:attrNameLst>
+                                      </p:cBhvr>
+                                      <p:to>
+                                        <p:strVal val="visible"/>
+                                      </p:to>
+                                    </p:set>
+                                    <p:anim calcmode="lin" valueType="num">
+                                      <p:cBhvr>
+                                        <p:cTn id="34" dur="500" fill="hold"/>
+                                        <p:tgtEl>
+                                          <p:spTgt spid="3">
+                                            <p:txEl>
+                                              <p:pRg st="5" end="5"/>
+                                            </p:txEl>
+                                          </p:spTgt>
+                                        </p:tgtEl>
+                                        <p:attrNameLst>
+                                          <p:attrName>ppt_w</p:attrName>
+                                        </p:attrNameLst>
+                                      </p:cBhvr>
+                                      <p:tavLst>
+                                        <p:tav tm="0">
+                                          <p:val>
+                                            <p:fltVal val="0"/>
+                                          </p:val>
+                                        </p:tav>
+                                        <p:tav tm="100000">
+                                          <p:val>
+                                            <p:strVal val="#ppt_w"/>
+                                          </p:val>
+                                        </p:tav>
+                                      </p:tavLst>
+                                    </p:anim>
+                                    <p:anim calcmode="lin" valueType="num">
+                                      <p:cBhvr>
+                                        <p:cTn id="35" dur="500" fill="hold"/>
+                                        <p:tgtEl>
+                                          <p:spTgt spid="3">
+                                            <p:txEl>
+                                              <p:pRg st="5" end="5"/>
+                                            </p:txEl>
+                                          </p:spTgt>
+                                        </p:tgtEl>
+                                        <p:attrNameLst>
+                                          <p:attrName>ppt_h</p:attrName>
+                                        </p:attrNameLst>
+                                      </p:cBhvr>
+                                      <p:tavLst>
+                                        <p:tav tm="0">
+                                          <p:val>
+                                            <p:fltVal val="0"/>
+                                          </p:val>
+                                        </p:tav>
+                                        <p:tav tm="100000">
+                                          <p:val>
+                                            <p:strVal val="#ppt_h"/>
+                                          </p:val>
+                                        </p:tav>
+                                      </p:tavLst>
+                                    </p:anim>
+                                    <p:animEffect transition="in" filter="fade">
+                                      <p:cBhvr>
+                                        <p:cTn id="36" dur="500"/>
+                                        <p:tgtEl>
+                                          <p:spTgt spid="3">
+                                            <p:txEl>
+                                              <p:pRg st="5" end="5"/>
+                                            </p:txEl>
+                                          </p:spTgt>
+                                        </p:tgtEl>
+                                      </p:cBhvr>
+                                    </p:animEffect>
+                                  </p:childTnLst>
+                                </p:cTn>
+                              </p:par>
+                            </p:childTnLst>
+                          </p:cTn>
+                        </p:par>
+                      </p:childTnLst>
+                    </p:cTn>
+                  </p:par>
+                  <p:par>
+                    <p:cTn id="37" fill="hold">
+                      <p:stCondLst>
+                        <p:cond delay="indefinite"/>
+                      </p:stCondLst>
+                      <p:childTnLst>
+                        <p:par>
+                          <p:cTn id="38" fill="hold">
+                            <p:stCondLst>
+                              <p:cond delay="0"/>
+                            </p:stCondLst>
+                            <p:childTnLst>
+                              <p:par>
+                                <p:cTn id="39" presetID="53" presetClass="entr" presetSubtype="16" fill="hold" grpId="0" nodeType="clickEffect">
+                                  <p:stCondLst>
+                                    <p:cond delay="0"/>
+                                  </p:stCondLst>
+                                  <p:childTnLst>
+                                    <p:set>
+                                      <p:cBhvr>
+                                        <p:cTn id="40" dur="1" fill="hold">
+                                          <p:stCondLst>
+                                            <p:cond delay="0"/>
+                                          </p:stCondLst>
+                                        </p:cTn>
+                                        <p:tgtEl>
+                                          <p:spTgt spid="3">
+                                            <p:txEl>
+                                              <p:pRg st="6" end="6"/>
+                                            </p:txEl>
+                                          </p:spTgt>
+                                        </p:tgtEl>
+                                        <p:attrNameLst>
+                                          <p:attrName>style.visibility</p:attrName>
+                                        </p:attrNameLst>
+                                      </p:cBhvr>
+                                      <p:to>
+                                        <p:strVal val="visible"/>
+                                      </p:to>
+                                    </p:set>
+                                    <p:anim calcmode="lin" valueType="num">
+                                      <p:cBhvr>
+                                        <p:cTn id="41" dur="500" fill="hold"/>
+                                        <p:tgtEl>
+                                          <p:spTgt spid="3">
+                                            <p:txEl>
+                                              <p:pRg st="6" end="6"/>
+                                            </p:txEl>
+                                          </p:spTgt>
+                                        </p:tgtEl>
+                                        <p:attrNameLst>
+                                          <p:attrName>ppt_w</p:attrName>
+                                        </p:attrNameLst>
+                                      </p:cBhvr>
+                                      <p:tavLst>
+                                        <p:tav tm="0">
+                                          <p:val>
+                                            <p:fltVal val="0"/>
+                                          </p:val>
+                                        </p:tav>
+                                        <p:tav tm="100000">
+                                          <p:val>
+                                            <p:strVal val="#ppt_w"/>
+                                          </p:val>
+                                        </p:tav>
+                                      </p:tavLst>
+                                    </p:anim>
+                                    <p:anim calcmode="lin" valueType="num">
+                                      <p:cBhvr>
+                                        <p:cTn id="42" dur="500" fill="hold"/>
+                                        <p:tgtEl>
+                                          <p:spTgt spid="3">
+                                            <p:txEl>
+                                              <p:pRg st="6" end="6"/>
+                                            </p:txEl>
+                                          </p:spTgt>
+                                        </p:tgtEl>
+                                        <p:attrNameLst>
+                                          <p:attrName>ppt_h</p:attrName>
+                                        </p:attrNameLst>
+                                      </p:cBhvr>
+                                      <p:tavLst>
+                                        <p:tav tm="0">
+                                          <p:val>
+                                            <p:fltVal val="0"/>
+                                          </p:val>
+                                        </p:tav>
+                                        <p:tav tm="100000">
+                                          <p:val>
+                                            <p:strVal val="#ppt_h"/>
+                                          </p:val>
+                                        </p:tav>
+                                      </p:tavLst>
+                                    </p:anim>
+                                    <p:animEffect transition="in" filter="fade">
+                                      <p:cBhvr>
+                                        <p:cTn id="43" dur="500"/>
+                                        <p:tgtEl>
+                                          <p:spTgt spid="3">
+                                            <p:txEl>
+                                              <p:pRg st="6" end="6"/>
+                                            </p:txEl>
+                                          </p:spTgt>
+                                        </p:tgtEl>
+                                      </p:cBhvr>
+                                    </p:animEffect>
+                                  </p:childTnLst>
+                                </p:cTn>
+                              </p:par>
+                            </p:childTnLst>
+                          </p:cTn>
+                        </p:par>
+                      </p:childTnLst>
+                    </p:cTn>
+                  </p:par>
+                </p:childTnLst>
+              </p:cTn>
+              <p:prevCondLst>
+                <p:cond evt="onPrev" delay="0">
+                  <p:tgtEl>
+                    <p:sldTgt/>
+                  </p:tgtEl>
+                </p:cond>
+              </p:prevCondLst>
+              <p:nextCondLst>
+                <p:cond evt="onNext" delay="0">
+                  <p:tgtEl>
+                    <p:sldTgt/>
+                  </p:tgtEl>
+                </p:cond>
+              </p:nextCondLst>
+            </p:seq>
+          </p:childTnLst>
+        </p:cTn>
+      </p:par>
+    </p:tnLst>
+    <p:bldLst>
+      <p:bldP spid="3" grpId="0" build="p"/>
+    </p:bldLst>
+  </p:timing>
+</p:sld>
+</file>
+
+<file path=ppt/slides/slide17.xml><?xml version="1.0" encoding="utf-8"?>
+<p:sld xmlns:a="http://schemas.openxmlformats.org/drawingml/2006/main" xmlns:r="http://schemas.openxmlformats.org/officeDocument/2006/relationships" xmlns:p="http://schemas.openxmlformats.org/presentationml/2006/main">
+  <p:cSld>
+    <p:spTree>
+      <p:nvGrpSpPr>
+        <p:cNvPr id="1" name=""/>
+        <p:cNvGrpSpPr/>
+        <p:nvPr/>
+      </p:nvGrpSpPr>
+      <p:grpSpPr>
+        <a:xfrm>
+          <a:off x="0" y="0"/>
+          <a:ext cx="0" cy="0"/>
+          <a:chOff x="0" y="0"/>
+          <a:chExt cx="0" cy="0"/>
+        </a:xfrm>
+      </p:grpSpPr>
+      <p:sp>
+        <p:nvSpPr>
+          <p:cNvPr id="2" name="Title 1">
+            <a:extLst>
+              <a:ext uri="{FF2B5EF4-FFF2-40B4-BE49-F238E27FC236}">
+                <a16:creationId xmlns:a16="http://schemas.microsoft.com/office/drawing/2014/main" id="{52723FFA-EF16-4BA2-838D-1C630CA2D5ED}"/>
+              </a:ext>
+            </a:extLst>
+          </p:cNvPr>
+          <p:cNvSpPr>
+            <a:spLocks noGrp="1"/>
+          </p:cNvSpPr>
+          <p:nvPr>
+            <p:ph type="title"/>
+          </p:nvPr>
+        </p:nvSpPr>
+        <p:spPr>
+          <a:xfrm>
+            <a:off x="678426" y="270387"/>
+            <a:ext cx="11026877" cy="1905000"/>
+          </a:xfrm>
+        </p:spPr>
+        <p:txBody>
+          <a:bodyPr>
+            <a:normAutofit/>
+          </a:bodyPr>
+          <a:lstStyle/>
+          <a:p>
+            <a:r>
+              <a:rPr lang="en-US" dirty="0"/>
+              <a:t>Where are craft breweries most competitive?</a:t>
+            </a:r>
+          </a:p>
+        </p:txBody>
+      </p:sp>
+      <p:sp>
+        <p:nvSpPr>
+          <p:cNvPr id="3" name="Content Placeholder 2">
+            <a:extLst>
+              <a:ext uri="{FF2B5EF4-FFF2-40B4-BE49-F238E27FC236}">
+                <a16:creationId xmlns:a16="http://schemas.microsoft.com/office/drawing/2014/main" id="{8CD6B72E-C7E0-48B0-8774-5D66900D57E5}"/>
+              </a:ext>
+            </a:extLst>
+          </p:cNvPr>
+          <p:cNvSpPr>
+            <a:spLocks noGrp="1"/>
+          </p:cNvSpPr>
+          <p:nvPr>
+            <p:ph idx="1"/>
+          </p:nvPr>
+        </p:nvSpPr>
+        <p:spPr>
+          <a:xfrm>
+            <a:off x="7027880" y="1667860"/>
+            <a:ext cx="5268541" cy="3216276"/>
+          </a:xfrm>
+        </p:spPr>
+        <p:txBody>
+          <a:bodyPr>
+            <a:normAutofit fontScale="92500" lnSpcReduction="10000"/>
+          </a:bodyPr>
+          <a:lstStyle/>
+          <a:p>
+            <a:r>
+              <a:rPr lang="en-US" dirty="0"/>
+              <a:t>Colorado still leads</a:t>
+            </a:r>
+          </a:p>
+          <a:p>
+            <a:pPr lvl="1"/>
+            <a:r>
+              <a:rPr lang="en-US" dirty="0"/>
+              <a:t>Colorado residents clearly support craft breweries!</a:t>
+            </a:r>
+          </a:p>
+          <a:p>
+            <a:r>
+              <a:rPr lang="en-US" dirty="0"/>
+              <a:t>Other states with large numbers of craft breweries:</a:t>
+            </a:r>
+          </a:p>
+          <a:p>
+            <a:pPr lvl="1"/>
+            <a:r>
+              <a:rPr lang="en-US" dirty="0"/>
+              <a:t>Vermont</a:t>
+            </a:r>
+          </a:p>
+          <a:p>
+            <a:pPr lvl="1"/>
+            <a:r>
+              <a:rPr lang="en-US" dirty="0"/>
+              <a:t>Montana</a:t>
+            </a:r>
+          </a:p>
+          <a:p>
+            <a:pPr lvl="1"/>
+            <a:r>
+              <a:rPr lang="en-US" dirty="0"/>
+              <a:t>Oregon</a:t>
+            </a:r>
+          </a:p>
+          <a:p>
+            <a:pPr lvl="1"/>
+            <a:r>
+              <a:rPr lang="en-US" dirty="0"/>
+              <a:t>Wyoming</a:t>
+            </a:r>
+          </a:p>
+        </p:txBody>
+      </p:sp>
+      <p:pic>
+        <p:nvPicPr>
+          <p:cNvPr id="4" name="Picture 3">
+            <a:extLst>
+              <a:ext uri="{FF2B5EF4-FFF2-40B4-BE49-F238E27FC236}">
+                <a16:creationId xmlns:a16="http://schemas.microsoft.com/office/drawing/2014/main" id="{D5BE3349-1354-42DF-85E4-1903CB123C7B}"/>
+              </a:ext>
+            </a:extLst>
+          </p:cNvPr>
+          <p:cNvPicPr>
+            <a:picLocks noChangeAspect="1"/>
+          </p:cNvPicPr>
+          <p:nvPr/>
+        </p:nvPicPr>
+        <p:blipFill>
+          <a:blip r:embed="rId2"/>
+          <a:stretch>
+            <a:fillRect/>
+          </a:stretch>
+        </p:blipFill>
+        <p:spPr>
+          <a:xfrm>
+            <a:off x="47606" y="1933331"/>
+            <a:ext cx="6980274" cy="3420334"/>
+          </a:xfrm>
+          <a:prstGeom prst="roundRect">
+            <a:avLst>
+              <a:gd name="adj" fmla="val 3517"/>
+            </a:avLst>
+          </a:prstGeom>
+          <a:ln w="38100">
+            <a:gradFill flip="none" rotWithShape="1">
+              <a:gsLst>
+                <a:gs pos="0">
+                  <a:srgbClr val="363D46"/>
+                </a:gs>
+                <a:gs pos="100000">
+                  <a:srgbClr val="363D46">
+                    <a:lumMod val="75000"/>
+                  </a:srgbClr>
+                </a:gs>
+              </a:gsLst>
+              <a:lin ang="5400000" scaled="0"/>
+              <a:tileRect/>
+            </a:gradFill>
+          </a:ln>
+          <a:effectLst>
+            <a:innerShdw blurRad="57150" dist="38100" dir="14460000">
+              <a:srgbClr val="000000">
+                <a:alpha val="70000"/>
+              </a:srgbClr>
+            </a:innerShdw>
+          </a:effectLst>
+        </p:spPr>
+      </p:pic>
+    </p:spTree>
+    <p:extLst>
+      <p:ext uri="{BB962C8B-B14F-4D97-AF65-F5344CB8AC3E}">
+        <p14:creationId xmlns:p14="http://schemas.microsoft.com/office/powerpoint/2010/main" val="3394228244"/>
+      </p:ext>
+    </p:extLst>
+  </p:cSld>
+  <p:clrMapOvr>
+    <a:masterClrMapping/>
+  </p:clrMapOvr>
+  <p:timing>
+    <p:tnLst>
+      <p:par>
+        <p:cTn id="1" dur="indefinite" restart="never" nodeType="tmRoot">
+          <p:childTnLst>
+            <p:seq concurrent="1" nextAc="seek">
+              <p:cTn id="2" dur="indefinite" nodeType="mainSeq">
+                <p:childTnLst>
+                  <p:par>
+                    <p:cTn id="3" fill="hold">
+                      <p:stCondLst>
+                        <p:cond delay="indefinite"/>
+                      </p:stCondLst>
+                      <p:childTnLst>
+                        <p:par>
+                          <p:cTn id="4" fill="hold">
+                            <p:stCondLst>
+                              <p:cond delay="0"/>
+                            </p:stCondLst>
+                            <p:childTnLst>
+                              <p:par>
+                                <p:cTn id="5" presetID="53" presetClass="entr" presetSubtype="16" fill="hold" grpId="0" nodeType="clickEffect">
+                                  <p:stCondLst>
+                                    <p:cond delay="0"/>
+                                  </p:stCondLst>
+                                  <p:childTnLst>
+                                    <p:set>
+                                      <p:cBhvr>
+                                        <p:cTn id="6" dur="1" fill="hold">
+                                          <p:stCondLst>
+                                            <p:cond delay="0"/>
+                                          </p:stCondLst>
+                                        </p:cTn>
+                                        <p:tgtEl>
+                                          <p:spTgt spid="3">
+                                            <p:txEl>
+                                              <p:pRg st="0" end="0"/>
+                                            </p:txEl>
+                                          </p:spTgt>
+                                        </p:tgtEl>
+                                        <p:attrNameLst>
+                                          <p:attrName>style.visibility</p:attrName>
+                                        </p:attrNameLst>
+                                      </p:cBhvr>
+                                      <p:to>
+                                        <p:strVal val="visible"/>
+                                      </p:to>
+                                    </p:set>
+                                    <p:anim calcmode="lin" valueType="num">
+                                      <p:cBhvr>
+                                        <p:cTn id="7" dur="500" fill="hold"/>
+                                        <p:tgtEl>
+                                          <p:spTgt spid="3">
+                                            <p:txEl>
+                                              <p:pRg st="0" end="0"/>
+                                            </p:txEl>
+                                          </p:spTgt>
+                                        </p:tgtEl>
+                                        <p:attrNameLst>
+                                          <p:attrName>ppt_w</p:attrName>
+                                        </p:attrNameLst>
+                                      </p:cBhvr>
+                                      <p:tavLst>
+                                        <p:tav tm="0">
+                                          <p:val>
+                                            <p:fltVal val="0"/>
+                                          </p:val>
+                                        </p:tav>
+                                        <p:tav tm="100000">
+                                          <p:val>
+                                            <p:strVal val="#ppt_w"/>
+                                          </p:val>
+                                        </p:tav>
+                                      </p:tavLst>
+                                    </p:anim>
+                                    <p:anim calcmode="lin" valueType="num">
+                                      <p:cBhvr>
+                                        <p:cTn id="8" dur="500" fill="hold"/>
+                                        <p:tgtEl>
+                                          <p:spTgt spid="3">
+                                            <p:txEl>
+                                              <p:pRg st="0" end="0"/>
+                                            </p:txEl>
+                                          </p:spTgt>
+                                        </p:tgtEl>
+                                        <p:attrNameLst>
+                                          <p:attrName>ppt_h</p:attrName>
+                                        </p:attrNameLst>
+                                      </p:cBhvr>
+                                      <p:tavLst>
+                                        <p:tav tm="0">
+                                          <p:val>
+                                            <p:fltVal val="0"/>
+                                          </p:val>
+                                        </p:tav>
+                                        <p:tav tm="100000">
+                                          <p:val>
+                                            <p:strVal val="#ppt_h"/>
+                                          </p:val>
+                                        </p:tav>
+                                      </p:tavLst>
+                                    </p:anim>
+                                    <p:animEffect transition="in" filter="fade">
+                                      <p:cBhvr>
+                                        <p:cTn id="9" dur="500"/>
+                                        <p:tgtEl>
+                                          <p:spTgt spid="3">
+                                            <p:txEl>
+                                              <p:pRg st="0" end="0"/>
+                                            </p:txEl>
+                                          </p:spTgt>
+                                        </p:tgtEl>
+                                      </p:cBhvr>
+                                    </p:animEffect>
+                                  </p:childTnLst>
+                                </p:cTn>
+                              </p:par>
+                              <p:par>
+                                <p:cTn id="10" presetID="53" presetClass="entr" presetSubtype="16" fill="hold" grpId="0" nodeType="withEffect">
+                                  <p:stCondLst>
+                                    <p:cond delay="0"/>
+                                  </p:stCondLst>
+                                  <p:childTnLst>
+                                    <p:set>
+                                      <p:cBhvr>
+                                        <p:cTn id="11" dur="1" fill="hold">
+                                          <p:stCondLst>
+                                            <p:cond delay="0"/>
+                                          </p:stCondLst>
+                                        </p:cTn>
+                                        <p:tgtEl>
+                                          <p:spTgt spid="3">
+                                            <p:txEl>
+                                              <p:pRg st="1" end="1"/>
+                                            </p:txEl>
+                                          </p:spTgt>
+                                        </p:tgtEl>
+                                        <p:attrNameLst>
+                                          <p:attrName>style.visibility</p:attrName>
+                                        </p:attrNameLst>
+                                      </p:cBhvr>
+                                      <p:to>
+                                        <p:strVal val="visible"/>
+                                      </p:to>
+                                    </p:set>
+                                    <p:anim calcmode="lin" valueType="num">
+                                      <p:cBhvr>
+                                        <p:cTn id="12" dur="500" fill="hold"/>
+                                        <p:tgtEl>
+                                          <p:spTgt spid="3">
+                                            <p:txEl>
+                                              <p:pRg st="1" end="1"/>
+                                            </p:txEl>
+                                          </p:spTgt>
+                                        </p:tgtEl>
+                                        <p:attrNameLst>
+                                          <p:attrName>ppt_w</p:attrName>
+                                        </p:attrNameLst>
+                                      </p:cBhvr>
+                                      <p:tavLst>
+                                        <p:tav tm="0">
+                                          <p:val>
+                                            <p:fltVal val="0"/>
+                                          </p:val>
+                                        </p:tav>
+                                        <p:tav tm="100000">
+                                          <p:val>
+                                            <p:strVal val="#ppt_w"/>
+                                          </p:val>
+                                        </p:tav>
+                                      </p:tavLst>
+                                    </p:anim>
+                                    <p:anim calcmode="lin" valueType="num">
+                                      <p:cBhvr>
+                                        <p:cTn id="13" dur="500" fill="hold"/>
+                                        <p:tgtEl>
+                                          <p:spTgt spid="3">
+                                            <p:txEl>
+                                              <p:pRg st="1" end="1"/>
+                                            </p:txEl>
+                                          </p:spTgt>
+                                        </p:tgtEl>
+                                        <p:attrNameLst>
+                                          <p:attrName>ppt_h</p:attrName>
+                                        </p:attrNameLst>
+                                      </p:cBhvr>
+                                      <p:tavLst>
+                                        <p:tav tm="0">
+                                          <p:val>
+                                            <p:fltVal val="0"/>
+                                          </p:val>
+                                        </p:tav>
+                                        <p:tav tm="100000">
+                                          <p:val>
+                                            <p:strVal val="#ppt_h"/>
+                                          </p:val>
+                                        </p:tav>
+                                      </p:tavLst>
+                                    </p:anim>
+                                    <p:animEffect transition="in" filter="fade">
+                                      <p:cBhvr>
+                                        <p:cTn id="14" dur="500"/>
+                                        <p:tgtEl>
+                                          <p:spTgt spid="3">
+                                            <p:txEl>
+                                              <p:pRg st="1" end="1"/>
+                                            </p:txEl>
+                                          </p:spTgt>
+                                        </p:tgtEl>
+                                      </p:cBhvr>
+                                    </p:animEffect>
+                                  </p:childTnLst>
+                                </p:cTn>
+                              </p:par>
+                            </p:childTnLst>
+                          </p:cTn>
+                        </p:par>
+                      </p:childTnLst>
+                    </p:cTn>
+                  </p:par>
+                  <p:par>
+                    <p:cTn id="15" fill="hold">
+                      <p:stCondLst>
+                        <p:cond delay="indefinite"/>
+                      </p:stCondLst>
+                      <p:childTnLst>
+                        <p:par>
+                          <p:cTn id="16" fill="hold">
+                            <p:stCondLst>
+                              <p:cond delay="0"/>
+                            </p:stCondLst>
+                            <p:childTnLst>
+                              <p:par>
+                                <p:cTn id="17" presetID="53" presetClass="entr" presetSubtype="16" fill="hold" grpId="0" nodeType="clickEffect">
+                                  <p:stCondLst>
+                                    <p:cond delay="0"/>
+                                  </p:stCondLst>
+                                  <p:childTnLst>
+                                    <p:set>
+                                      <p:cBhvr>
+                                        <p:cTn id="18" dur="1" fill="hold">
+                                          <p:stCondLst>
+                                            <p:cond delay="0"/>
+                                          </p:stCondLst>
+                                        </p:cTn>
+                                        <p:tgtEl>
+                                          <p:spTgt spid="3">
+                                            <p:txEl>
+                                              <p:pRg st="2" end="2"/>
+                                            </p:txEl>
+                                          </p:spTgt>
+                                        </p:tgtEl>
+                                        <p:attrNameLst>
+                                          <p:attrName>style.visibility</p:attrName>
+                                        </p:attrNameLst>
+                                      </p:cBhvr>
+                                      <p:to>
+                                        <p:strVal val="visible"/>
+                                      </p:to>
+                                    </p:set>
+                                    <p:anim calcmode="lin" valueType="num">
+                                      <p:cBhvr>
+                                        <p:cTn id="19" dur="500" fill="hold"/>
+                                        <p:tgtEl>
+                                          <p:spTgt spid="3">
+                                            <p:txEl>
+                                              <p:pRg st="2" end="2"/>
+                                            </p:txEl>
+                                          </p:spTgt>
+                                        </p:tgtEl>
+                                        <p:attrNameLst>
+                                          <p:attrName>ppt_w</p:attrName>
+                                        </p:attrNameLst>
+                                      </p:cBhvr>
+                                      <p:tavLst>
+                                        <p:tav tm="0">
+                                          <p:val>
+                                            <p:fltVal val="0"/>
+                                          </p:val>
+                                        </p:tav>
+                                        <p:tav tm="100000">
+                                          <p:val>
+                                            <p:strVal val="#ppt_w"/>
+                                          </p:val>
+                                        </p:tav>
+                                      </p:tavLst>
+                                    </p:anim>
+                                    <p:anim calcmode="lin" valueType="num">
+                                      <p:cBhvr>
+                                        <p:cTn id="20" dur="500" fill="hold"/>
+                                        <p:tgtEl>
+                                          <p:spTgt spid="3">
+                                            <p:txEl>
+                                              <p:pRg st="2" end="2"/>
+                                            </p:txEl>
+                                          </p:spTgt>
+                                        </p:tgtEl>
+                                        <p:attrNameLst>
+                                          <p:attrName>ppt_h</p:attrName>
+                                        </p:attrNameLst>
+                                      </p:cBhvr>
+                                      <p:tavLst>
+                                        <p:tav tm="0">
+                                          <p:val>
+                                            <p:fltVal val="0"/>
+                                          </p:val>
+                                        </p:tav>
+                                        <p:tav tm="100000">
+                                          <p:val>
+                                            <p:strVal val="#ppt_h"/>
+                                          </p:val>
+                                        </p:tav>
+                                      </p:tavLst>
+                                    </p:anim>
+                                    <p:animEffect transition="in" filter="fade">
+                                      <p:cBhvr>
+                                        <p:cTn id="21" dur="500"/>
+                                        <p:tgtEl>
+                                          <p:spTgt spid="3">
+                                            <p:txEl>
+                                              <p:pRg st="2" end="2"/>
+                                            </p:txEl>
+                                          </p:spTgt>
+                                        </p:tgtEl>
+                                      </p:cBhvr>
+                                    </p:animEffect>
+                                  </p:childTnLst>
+                                </p:cTn>
+                              </p:par>
+                              <p:par>
+                                <p:cTn id="22" presetID="53" presetClass="entr" presetSubtype="16" fill="hold" grpId="0" nodeType="withEffect">
+                                  <p:stCondLst>
+                                    <p:cond delay="0"/>
+                                  </p:stCondLst>
+                                  <p:childTnLst>
+                                    <p:set>
+                                      <p:cBhvr>
+                                        <p:cTn id="23" dur="1" fill="hold">
+                                          <p:stCondLst>
+                                            <p:cond delay="0"/>
+                                          </p:stCondLst>
+                                        </p:cTn>
+                                        <p:tgtEl>
+                                          <p:spTgt spid="3">
+                                            <p:txEl>
+                                              <p:pRg st="3" end="3"/>
+                                            </p:txEl>
+                                          </p:spTgt>
+                                        </p:tgtEl>
+                                        <p:attrNameLst>
+                                          <p:attrName>style.visibility</p:attrName>
+                                        </p:attrNameLst>
+                                      </p:cBhvr>
+                                      <p:to>
+                                        <p:strVal val="visible"/>
+                                      </p:to>
+                                    </p:set>
+                                    <p:anim calcmode="lin" valueType="num">
+                                      <p:cBhvr>
+                                        <p:cTn id="24" dur="500" fill="hold"/>
+                                        <p:tgtEl>
+                                          <p:spTgt spid="3">
+                                            <p:txEl>
+                                              <p:pRg st="3" end="3"/>
+                                            </p:txEl>
+                                          </p:spTgt>
+                                        </p:tgtEl>
+                                        <p:attrNameLst>
+                                          <p:attrName>ppt_w</p:attrName>
+                                        </p:attrNameLst>
+                                      </p:cBhvr>
+                                      <p:tavLst>
+                                        <p:tav tm="0">
+                                          <p:val>
+                                            <p:fltVal val="0"/>
+                                          </p:val>
+                                        </p:tav>
+                                        <p:tav tm="100000">
+                                          <p:val>
+                                            <p:strVal val="#ppt_w"/>
+                                          </p:val>
+                                        </p:tav>
+                                      </p:tavLst>
+                                    </p:anim>
+                                    <p:anim calcmode="lin" valueType="num">
+                                      <p:cBhvr>
+                                        <p:cTn id="25" dur="500" fill="hold"/>
+                                        <p:tgtEl>
+                                          <p:spTgt spid="3">
+                                            <p:txEl>
+                                              <p:pRg st="3" end="3"/>
+                                            </p:txEl>
+                                          </p:spTgt>
+                                        </p:tgtEl>
+                                        <p:attrNameLst>
+                                          <p:attrName>ppt_h</p:attrName>
+                                        </p:attrNameLst>
+                                      </p:cBhvr>
+                                      <p:tavLst>
+                                        <p:tav tm="0">
+                                          <p:val>
+                                            <p:fltVal val="0"/>
+                                          </p:val>
+                                        </p:tav>
+                                        <p:tav tm="100000">
+                                          <p:val>
+                                            <p:strVal val="#ppt_h"/>
+                                          </p:val>
+                                        </p:tav>
+                                      </p:tavLst>
+                                    </p:anim>
+                                    <p:animEffect transition="in" filter="fade">
+                                      <p:cBhvr>
+                                        <p:cTn id="26" dur="500"/>
+                                        <p:tgtEl>
+                                          <p:spTgt spid="3">
+                                            <p:txEl>
+                                              <p:pRg st="3" end="3"/>
+                                            </p:txEl>
+                                          </p:spTgt>
+                                        </p:tgtEl>
+                                      </p:cBhvr>
+                                    </p:animEffect>
+                                  </p:childTnLst>
+                                </p:cTn>
+                              </p:par>
+                              <p:par>
+                                <p:cTn id="27" presetID="53" presetClass="entr" presetSubtype="16" fill="hold" grpId="0" nodeType="withEffect">
+                                  <p:stCondLst>
+                                    <p:cond delay="0"/>
+                                  </p:stCondLst>
+                                  <p:childTnLst>
+                                    <p:set>
+                                      <p:cBhvr>
+                                        <p:cTn id="28" dur="1" fill="hold">
+                                          <p:stCondLst>
+                                            <p:cond delay="0"/>
+                                          </p:stCondLst>
+                                        </p:cTn>
+                                        <p:tgtEl>
+                                          <p:spTgt spid="3">
+                                            <p:txEl>
+                                              <p:pRg st="4" end="4"/>
+                                            </p:txEl>
+                                          </p:spTgt>
+                                        </p:tgtEl>
+                                        <p:attrNameLst>
+                                          <p:attrName>style.visibility</p:attrName>
+                                        </p:attrNameLst>
+                                      </p:cBhvr>
+                                      <p:to>
+                                        <p:strVal val="visible"/>
+                                      </p:to>
+                                    </p:set>
+                                    <p:anim calcmode="lin" valueType="num">
+                                      <p:cBhvr>
+                                        <p:cTn id="29" dur="500" fill="hold"/>
+                                        <p:tgtEl>
+                                          <p:spTgt spid="3">
+                                            <p:txEl>
+                                              <p:pRg st="4" end="4"/>
+                                            </p:txEl>
+                                          </p:spTgt>
+                                        </p:tgtEl>
+                                        <p:attrNameLst>
+                                          <p:attrName>ppt_w</p:attrName>
+                                        </p:attrNameLst>
+                                      </p:cBhvr>
+                                      <p:tavLst>
+                                        <p:tav tm="0">
+                                          <p:val>
+                                            <p:fltVal val="0"/>
+                                          </p:val>
+                                        </p:tav>
+                                        <p:tav tm="100000">
+                                          <p:val>
+                                            <p:strVal val="#ppt_w"/>
+                                          </p:val>
+                                        </p:tav>
+                                      </p:tavLst>
+                                    </p:anim>
+                                    <p:anim calcmode="lin" valueType="num">
+                                      <p:cBhvr>
+                                        <p:cTn id="30" dur="500" fill="hold"/>
+                                        <p:tgtEl>
+                                          <p:spTgt spid="3">
+                                            <p:txEl>
+                                              <p:pRg st="4" end="4"/>
+                                            </p:txEl>
+                                          </p:spTgt>
+                                        </p:tgtEl>
+                                        <p:attrNameLst>
+                                          <p:attrName>ppt_h</p:attrName>
+                                        </p:attrNameLst>
+                                      </p:cBhvr>
+                                      <p:tavLst>
+                                        <p:tav tm="0">
+                                          <p:val>
+                                            <p:fltVal val="0"/>
+                                          </p:val>
+                                        </p:tav>
+                                        <p:tav tm="100000">
+                                          <p:val>
+                                            <p:strVal val="#ppt_h"/>
+                                          </p:val>
+                                        </p:tav>
+                                      </p:tavLst>
+                                    </p:anim>
+                                    <p:animEffect transition="in" filter="fade">
+                                      <p:cBhvr>
+                                        <p:cTn id="31" dur="500"/>
+                                        <p:tgtEl>
+                                          <p:spTgt spid="3">
+                                            <p:txEl>
+                                              <p:pRg st="4" end="4"/>
+                                            </p:txEl>
+                                          </p:spTgt>
+                                        </p:tgtEl>
+                                      </p:cBhvr>
+                                    </p:animEffect>
+                                  </p:childTnLst>
+                                </p:cTn>
+                              </p:par>
+                              <p:par>
+                                <p:cTn id="32" presetID="53" presetClass="entr" presetSubtype="16" fill="hold" grpId="0" nodeType="withEffect">
+                                  <p:stCondLst>
+                                    <p:cond delay="0"/>
+                                  </p:stCondLst>
+                                  <p:childTnLst>
+                                    <p:set>
+                                      <p:cBhvr>
+                                        <p:cTn id="33" dur="1" fill="hold">
+                                          <p:stCondLst>
+                                            <p:cond delay="0"/>
+                                          </p:stCondLst>
+                                        </p:cTn>
+                                        <p:tgtEl>
+                                          <p:spTgt spid="3">
+                                            <p:txEl>
+                                              <p:pRg st="5" end="5"/>
+                                            </p:txEl>
+                                          </p:spTgt>
+                                        </p:tgtEl>
+                                        <p:attrNameLst>
+                                          <p:attrName>style.visibility</p:attrName>
+                                        </p:attrNameLst>
+                                      </p:cBhvr>
+                                      <p:to>
+                                        <p:strVal val="visible"/>
+                                      </p:to>
+                                    </p:set>
+                                    <p:anim calcmode="lin" valueType="num">
+                                      <p:cBhvr>
+                                        <p:cTn id="34" dur="500" fill="hold"/>
+                                        <p:tgtEl>
+                                          <p:spTgt spid="3">
+                                            <p:txEl>
+                                              <p:pRg st="5" end="5"/>
+                                            </p:txEl>
+                                          </p:spTgt>
+                                        </p:tgtEl>
+                                        <p:attrNameLst>
+                                          <p:attrName>ppt_w</p:attrName>
+                                        </p:attrNameLst>
+                                      </p:cBhvr>
+                                      <p:tavLst>
+                                        <p:tav tm="0">
+                                          <p:val>
+                                            <p:fltVal val="0"/>
+                                          </p:val>
+                                        </p:tav>
+                                        <p:tav tm="100000">
+                                          <p:val>
+                                            <p:strVal val="#ppt_w"/>
+                                          </p:val>
+                                        </p:tav>
+                                      </p:tavLst>
+                                    </p:anim>
+                                    <p:anim calcmode="lin" valueType="num">
+                                      <p:cBhvr>
+                                        <p:cTn id="35" dur="500" fill="hold"/>
+                                        <p:tgtEl>
+                                          <p:spTgt spid="3">
+                                            <p:txEl>
+                                              <p:pRg st="5" end="5"/>
+                                            </p:txEl>
+                                          </p:spTgt>
+                                        </p:tgtEl>
+                                        <p:attrNameLst>
+                                          <p:attrName>ppt_h</p:attrName>
+                                        </p:attrNameLst>
+                                      </p:cBhvr>
+                                      <p:tavLst>
+                                        <p:tav tm="0">
+                                          <p:val>
+                                            <p:fltVal val="0"/>
+                                          </p:val>
+                                        </p:tav>
+                                        <p:tav tm="100000">
+                                          <p:val>
+                                            <p:strVal val="#ppt_h"/>
+                                          </p:val>
+                                        </p:tav>
+                                      </p:tavLst>
+                                    </p:anim>
+                                    <p:animEffect transition="in" filter="fade">
+                                      <p:cBhvr>
+                                        <p:cTn id="36" dur="500"/>
+                                        <p:tgtEl>
+                                          <p:spTgt spid="3">
+                                            <p:txEl>
+                                              <p:pRg st="5" end="5"/>
+                                            </p:txEl>
+                                          </p:spTgt>
+                                        </p:tgtEl>
+                                      </p:cBhvr>
+                                    </p:animEffect>
+                                  </p:childTnLst>
+                                </p:cTn>
+                              </p:par>
+                              <p:par>
+                                <p:cTn id="37" presetID="53" presetClass="entr" presetSubtype="16" fill="hold" grpId="0" nodeType="withEffect">
+                                  <p:stCondLst>
+                                    <p:cond delay="0"/>
+                                  </p:stCondLst>
+                                  <p:childTnLst>
+                                    <p:set>
+                                      <p:cBhvr>
+                                        <p:cTn id="38" dur="1" fill="hold">
+                                          <p:stCondLst>
+                                            <p:cond delay="0"/>
+                                          </p:stCondLst>
+                                        </p:cTn>
+                                        <p:tgtEl>
+                                          <p:spTgt spid="3">
+                                            <p:txEl>
+                                              <p:pRg st="6" end="6"/>
+                                            </p:txEl>
+                                          </p:spTgt>
+                                        </p:tgtEl>
+                                        <p:attrNameLst>
+                                          <p:attrName>style.visibility</p:attrName>
+                                        </p:attrNameLst>
+                                      </p:cBhvr>
+                                      <p:to>
+                                        <p:strVal val="visible"/>
+                                      </p:to>
+                                    </p:set>
+                                    <p:anim calcmode="lin" valueType="num">
+                                      <p:cBhvr>
+                                        <p:cTn id="39" dur="500" fill="hold"/>
+                                        <p:tgtEl>
+                                          <p:spTgt spid="3">
+                                            <p:txEl>
+                                              <p:pRg st="6" end="6"/>
+                                            </p:txEl>
+                                          </p:spTgt>
+                                        </p:tgtEl>
+                                        <p:attrNameLst>
+                                          <p:attrName>ppt_w</p:attrName>
+                                        </p:attrNameLst>
+                                      </p:cBhvr>
+                                      <p:tavLst>
+                                        <p:tav tm="0">
+                                          <p:val>
+                                            <p:fltVal val="0"/>
+                                          </p:val>
+                                        </p:tav>
+                                        <p:tav tm="100000">
+                                          <p:val>
+                                            <p:strVal val="#ppt_w"/>
+                                          </p:val>
+                                        </p:tav>
+                                      </p:tavLst>
+                                    </p:anim>
+                                    <p:anim calcmode="lin" valueType="num">
+                                      <p:cBhvr>
+                                        <p:cTn id="40" dur="500" fill="hold"/>
+                                        <p:tgtEl>
+                                          <p:spTgt spid="3">
+                                            <p:txEl>
+                                              <p:pRg st="6" end="6"/>
+                                            </p:txEl>
+                                          </p:spTgt>
+                                        </p:tgtEl>
+                                        <p:attrNameLst>
+                                          <p:attrName>ppt_h</p:attrName>
+                                        </p:attrNameLst>
+                                      </p:cBhvr>
+                                      <p:tavLst>
+                                        <p:tav tm="0">
+                                          <p:val>
+                                            <p:fltVal val="0"/>
+                                          </p:val>
+                                        </p:tav>
+                                        <p:tav tm="100000">
+                                          <p:val>
+                                            <p:strVal val="#ppt_h"/>
+                                          </p:val>
+                                        </p:tav>
+                                      </p:tavLst>
+                                    </p:anim>
+                                    <p:animEffect transition="in" filter="fade">
+                                      <p:cBhvr>
+                                        <p:cTn id="41" dur="500"/>
+                                        <p:tgtEl>
+                                          <p:spTgt spid="3">
+                                            <p:txEl>
+                                              <p:pRg st="6" end="6"/>
+                                            </p:txEl>
+                                          </p:spTgt>
+                                        </p:tgtEl>
+                                      </p:cBhvr>
+                                    </p:animEffect>
+                                  </p:childTnLst>
+                                </p:cTn>
+                              </p:par>
+                            </p:childTnLst>
+                          </p:cTn>
+                        </p:par>
+                      </p:childTnLst>
+                    </p:cTn>
+                  </p:par>
+                </p:childTnLst>
+              </p:cTn>
+              <p:prevCondLst>
+                <p:cond evt="onPrev" delay="0">
+                  <p:tgtEl>
+                    <p:sldTgt/>
+                  </p:tgtEl>
+                </p:cond>
+              </p:prevCondLst>
+              <p:nextCondLst>
+                <p:cond evt="onNext" delay="0">
+                  <p:tgtEl>
+                    <p:sldTgt/>
+                  </p:tgtEl>
+                </p:cond>
+              </p:nextCondLst>
+            </p:seq>
+          </p:childTnLst>
+        </p:cTn>
+      </p:par>
+    </p:tnLst>
+    <p:bldLst>
+      <p:bldP spid="3" grpId="0" build="p"/>
+    </p:bldLst>
+  </p:timing>
+</p:sld>
+</file>
+
+<file path=ppt/slides/slide18.xml><?xml version="1.0" encoding="utf-8"?>
+<p:sld xmlns:a="http://schemas.openxmlformats.org/drawingml/2006/main" xmlns:r="http://schemas.openxmlformats.org/officeDocument/2006/relationships" xmlns:p="http://schemas.openxmlformats.org/presentationml/2006/main">
+  <p:cSld>
+    <p:spTree>
+      <p:nvGrpSpPr>
+        <p:cNvPr id="1" name=""/>
+        <p:cNvGrpSpPr/>
+        <p:nvPr/>
+      </p:nvGrpSpPr>
+      <p:grpSpPr>
+        <a:xfrm>
+          <a:off x="0" y="0"/>
+          <a:ext cx="0" cy="0"/>
+          <a:chOff x="0" y="0"/>
+          <a:chExt cx="0" cy="0"/>
+        </a:xfrm>
+      </p:grpSpPr>
+      <p:sp>
+        <p:nvSpPr>
+          <p:cNvPr id="2" name="Title 1">
+            <a:extLst>
+              <a:ext uri="{FF2B5EF4-FFF2-40B4-BE49-F238E27FC236}">
+                <a16:creationId xmlns:a16="http://schemas.microsoft.com/office/drawing/2014/main" id="{38E044BD-4C8D-433F-B895-BFF2064330DA}"/>
+              </a:ext>
+            </a:extLst>
+          </p:cNvPr>
+          <p:cNvSpPr>
+            <a:spLocks noGrp="1"/>
+          </p:cNvSpPr>
+          <p:nvPr>
+            <p:ph type="title"/>
+          </p:nvPr>
+        </p:nvSpPr>
+        <p:spPr>
+          <a:xfrm>
+            <a:off x="6096000" y="609599"/>
+            <a:ext cx="5435760" cy="2009775"/>
+          </a:xfrm>
+        </p:spPr>
+        <p:txBody>
+          <a:bodyPr>
+            <a:normAutofit/>
+          </a:bodyPr>
+          <a:lstStyle/>
+          <a:p>
+            <a:pPr algn="ctr"/>
+            <a:r>
+              <a:rPr lang="en-US"/>
+              <a:t>Alcohol Content</a:t>
+            </a:r>
+          </a:p>
+        </p:txBody>
+      </p:sp>
+      <p:pic>
+        <p:nvPicPr>
+          <p:cNvPr id="4" name="Picture 3">
+            <a:extLst>
+              <a:ext uri="{FF2B5EF4-FFF2-40B4-BE49-F238E27FC236}">
+                <a16:creationId xmlns:a16="http://schemas.microsoft.com/office/drawing/2014/main" id="{57DA117C-35B0-4583-9159-452BD82D280E}"/>
+              </a:ext>
+            </a:extLst>
+          </p:cNvPr>
+          <p:cNvPicPr>
+            <a:picLocks noChangeAspect="1"/>
+          </p:cNvPicPr>
+          <p:nvPr/>
+        </p:nvPicPr>
+        <p:blipFill>
+          <a:blip r:embed="rId2"/>
+          <a:stretch>
+            <a:fillRect/>
+          </a:stretch>
+        </p:blipFill>
+        <p:spPr>
+          <a:xfrm>
+            <a:off x="514177" y="3536853"/>
+            <a:ext cx="5118286" cy="2738284"/>
+          </a:xfrm>
+          <a:custGeom>
+            <a:avLst/>
+            <a:gdLst>
+              <a:gd name="connsiteX0" fmla="*/ 120172 w 3416888"/>
+              <a:gd name="connsiteY0" fmla="*/ 0 h 2057399"/>
+              <a:gd name="connsiteX1" fmla="*/ 3296716 w 3416888"/>
+              <a:gd name="connsiteY1" fmla="*/ 0 h 2057399"/>
+              <a:gd name="connsiteX2" fmla="*/ 3416888 w 3416888"/>
+              <a:gd name="connsiteY2" fmla="*/ 120172 h 2057399"/>
+              <a:gd name="connsiteX3" fmla="*/ 3416888 w 3416888"/>
+              <a:gd name="connsiteY3" fmla="*/ 2057399 h 2057399"/>
+              <a:gd name="connsiteX4" fmla="*/ 0 w 3416888"/>
+              <a:gd name="connsiteY4" fmla="*/ 2057399 h 2057399"/>
+              <a:gd name="connsiteX5" fmla="*/ 0 w 3416888"/>
+              <a:gd name="connsiteY5" fmla="*/ 120172 h 2057399"/>
+              <a:gd name="connsiteX6" fmla="*/ 120172 w 3416888"/>
+              <a:gd name="connsiteY6" fmla="*/ 0 h 2057399"/>
+            </a:gdLst>
+            <a:ahLst/>
+            <a:cxnLst>
+              <a:cxn ang="0">
+                <a:pos x="connsiteX0" y="connsiteY0"/>
+              </a:cxn>
+              <a:cxn ang="0">
+                <a:pos x="connsiteX1" y="connsiteY1"/>
+              </a:cxn>
+              <a:cxn ang="0">
+                <a:pos x="connsiteX2" y="connsiteY2"/>
+              </a:cxn>
+              <a:cxn ang="0">
+                <a:pos x="connsiteX3" y="connsiteY3"/>
+              </a:cxn>
+              <a:cxn ang="0">
+                <a:pos x="connsiteX4" y="connsiteY4"/>
+              </a:cxn>
+              <a:cxn ang="0">
+                <a:pos x="connsiteX5" y="connsiteY5"/>
+              </a:cxn>
+              <a:cxn ang="0">
+                <a:pos x="connsiteX6" y="connsiteY6"/>
+              </a:cxn>
+            </a:cxnLst>
+            <a:rect l="l" t="t" r="r" b="b"/>
+            <a:pathLst>
+              <a:path w="3416888" h="2057399">
+                <a:moveTo>
+                  <a:pt x="120172" y="0"/>
+                </a:moveTo>
+                <a:lnTo>
+                  <a:pt x="3296716" y="0"/>
+                </a:lnTo>
+                <a:cubicBezTo>
+                  <a:pt x="3363085" y="0"/>
+                  <a:pt x="3416888" y="53803"/>
+                  <a:pt x="3416888" y="120172"/>
+                </a:cubicBezTo>
+                <a:lnTo>
+                  <a:pt x="3416888" y="2057399"/>
+                </a:lnTo>
+                <a:lnTo>
+                  <a:pt x="0" y="2057399"/>
+                </a:lnTo>
+                <a:lnTo>
+                  <a:pt x="0" y="120172"/>
+                </a:lnTo>
+                <a:cubicBezTo>
+                  <a:pt x="0" y="53803"/>
+                  <a:pt x="53803" y="0"/>
+                  <a:pt x="120172" y="0"/>
+                </a:cubicBezTo>
+                <a:close/>
+              </a:path>
+            </a:pathLst>
+          </a:custGeom>
+          <a:ln w="38100">
+            <a:gradFill flip="none" rotWithShape="1">
+              <a:gsLst>
+                <a:gs pos="0">
+                  <a:srgbClr val="363D46"/>
+                </a:gs>
+                <a:gs pos="100000">
+                  <a:srgbClr val="363D46">
+                    <a:lumMod val="75000"/>
+                  </a:srgbClr>
+                </a:gs>
+              </a:gsLst>
+              <a:lin ang="5400000" scaled="0"/>
+              <a:tileRect/>
+            </a:gradFill>
+          </a:ln>
+          <a:effectLst>
+            <a:innerShdw blurRad="57150" dist="38100" dir="14460000">
+              <a:srgbClr val="000000">
+                <a:alpha val="70000"/>
+              </a:srgbClr>
+            </a:innerShdw>
+          </a:effectLst>
+        </p:spPr>
+      </p:pic>
+      <p:pic>
+        <p:nvPicPr>
+          <p:cNvPr id="5" name="Picture 4">
+            <a:extLst>
+              <a:ext uri="{FF2B5EF4-FFF2-40B4-BE49-F238E27FC236}">
+                <a16:creationId xmlns:a16="http://schemas.microsoft.com/office/drawing/2014/main" id="{B5074603-1EA5-432E-B4D8-82BE8C9CC9FE}"/>
+              </a:ext>
+            </a:extLst>
+          </p:cNvPr>
+          <p:cNvPicPr>
+            <a:picLocks noChangeAspect="1"/>
+          </p:cNvPicPr>
+          <p:nvPr/>
+        </p:nvPicPr>
+        <p:blipFill>
+          <a:blip r:embed="rId3"/>
+          <a:stretch>
+            <a:fillRect/>
+          </a:stretch>
+        </p:blipFill>
+        <p:spPr>
+          <a:xfrm>
+            <a:off x="873894" y="398053"/>
+            <a:ext cx="4398851" cy="2738284"/>
+          </a:xfrm>
+          <a:custGeom>
+            <a:avLst/>
+            <a:gdLst>
+              <a:gd name="connsiteX0" fmla="*/ 0 w 3416888"/>
+              <a:gd name="connsiteY0" fmla="*/ 0 h 3240120"/>
+              <a:gd name="connsiteX1" fmla="*/ 3416888 w 3416888"/>
+              <a:gd name="connsiteY1" fmla="*/ 0 h 3240120"/>
+              <a:gd name="connsiteX2" fmla="*/ 3416888 w 3416888"/>
+              <a:gd name="connsiteY2" fmla="*/ 3119948 h 3240120"/>
+              <a:gd name="connsiteX3" fmla="*/ 3296716 w 3416888"/>
+              <a:gd name="connsiteY3" fmla="*/ 3240120 h 3240120"/>
+              <a:gd name="connsiteX4" fmla="*/ 120172 w 3416888"/>
+              <a:gd name="connsiteY4" fmla="*/ 3240120 h 3240120"/>
+              <a:gd name="connsiteX5" fmla="*/ 0 w 3416888"/>
+              <a:gd name="connsiteY5" fmla="*/ 3119948 h 3240120"/>
+            </a:gdLst>
+            <a:ahLst/>
+            <a:cxnLst>
+              <a:cxn ang="0">
+                <a:pos x="connsiteX0" y="connsiteY0"/>
+              </a:cxn>
+              <a:cxn ang="0">
+                <a:pos x="connsiteX1" y="connsiteY1"/>
+              </a:cxn>
+              <a:cxn ang="0">
+                <a:pos x="connsiteX2" y="connsiteY2"/>
+              </a:cxn>
+              <a:cxn ang="0">
+                <a:pos x="connsiteX3" y="connsiteY3"/>
+              </a:cxn>
+              <a:cxn ang="0">
+                <a:pos x="connsiteX4" y="connsiteY4"/>
+              </a:cxn>
+              <a:cxn ang="0">
+                <a:pos x="connsiteX5" y="connsiteY5"/>
+              </a:cxn>
+            </a:cxnLst>
+            <a:rect l="l" t="t" r="r" b="b"/>
+            <a:pathLst>
+              <a:path w="3416888" h="3240120">
+                <a:moveTo>
+                  <a:pt x="0" y="0"/>
+                </a:moveTo>
+                <a:lnTo>
+                  <a:pt x="3416888" y="0"/>
+                </a:lnTo>
+                <a:lnTo>
+                  <a:pt x="3416888" y="3119948"/>
+                </a:lnTo>
+                <a:cubicBezTo>
+                  <a:pt x="3416888" y="3186317"/>
+                  <a:pt x="3363085" y="3240120"/>
+                  <a:pt x="3296716" y="3240120"/>
+                </a:cubicBezTo>
+                <a:lnTo>
+                  <a:pt x="120172" y="3240120"/>
+                </a:lnTo>
+                <a:cubicBezTo>
+                  <a:pt x="53803" y="3240120"/>
+                  <a:pt x="0" y="3186317"/>
+                  <a:pt x="0" y="3119948"/>
+                </a:cubicBezTo>
+                <a:close/>
+              </a:path>
+            </a:pathLst>
+          </a:custGeom>
+          <a:ln w="38100">
+            <a:gradFill flip="none" rotWithShape="1">
+              <a:gsLst>
+                <a:gs pos="0">
+                  <a:srgbClr val="363D46"/>
+                </a:gs>
+                <a:gs pos="100000">
+                  <a:srgbClr val="363D46">
+                    <a:lumMod val="75000"/>
+                  </a:srgbClr>
+                </a:gs>
+              </a:gsLst>
+              <a:lin ang="5400000" scaled="0"/>
+              <a:tileRect/>
+            </a:gradFill>
+          </a:ln>
+          <a:effectLst>
+            <a:innerShdw blurRad="57150" dist="38100" dir="14460000">
+              <a:srgbClr val="000000">
+                <a:alpha val="70000"/>
+              </a:srgbClr>
+            </a:innerShdw>
+          </a:effectLst>
+        </p:spPr>
+      </p:pic>
+      <p:sp>
+        <p:nvSpPr>
+          <p:cNvPr id="3" name="Content Placeholder 2">
+            <a:extLst>
+              <a:ext uri="{FF2B5EF4-FFF2-40B4-BE49-F238E27FC236}">
+                <a16:creationId xmlns:a16="http://schemas.microsoft.com/office/drawing/2014/main" id="{BB083750-92E6-47F2-A2C5-DEE1F1738182}"/>
+              </a:ext>
+            </a:extLst>
+          </p:cNvPr>
+          <p:cNvSpPr>
+            <a:spLocks noGrp="1"/>
+          </p:cNvSpPr>
+          <p:nvPr>
+            <p:ph idx="1"/>
+          </p:nvPr>
+        </p:nvSpPr>
+        <p:spPr>
+          <a:xfrm>
+            <a:off x="6096000" y="2774425"/>
+            <a:ext cx="5435760" cy="3288445"/>
+          </a:xfrm>
+        </p:spPr>
+        <p:txBody>
+          <a:bodyPr>
+            <a:normAutofit/>
+          </a:bodyPr>
+          <a:lstStyle/>
+          <a:p>
+            <a:pPr>
+              <a:lnSpc>
+                <a:spcPct val="90000"/>
+              </a:lnSpc>
+            </a:pPr>
+            <a:r>
+              <a:rPr lang="en-US" dirty="0"/>
+              <a:t>Highest alcohol content</a:t>
+            </a:r>
+          </a:p>
+          <a:p>
+            <a:pPr lvl="1">
+              <a:lnSpc>
+                <a:spcPct val="90000"/>
+              </a:lnSpc>
+            </a:pPr>
+            <a:r>
+              <a:rPr lang="en-US" dirty="0"/>
+              <a:t>Washington, DC</a:t>
+            </a:r>
+          </a:p>
+          <a:p>
+            <a:pPr lvl="1">
+              <a:lnSpc>
+                <a:spcPct val="90000"/>
+              </a:lnSpc>
+            </a:pPr>
+            <a:r>
+              <a:rPr lang="en-US" dirty="0"/>
+              <a:t>Kentucky</a:t>
+            </a:r>
+          </a:p>
+          <a:p>
+            <a:pPr lvl="1">
+              <a:lnSpc>
+                <a:spcPct val="90000"/>
+              </a:lnSpc>
+            </a:pPr>
+            <a:r>
+              <a:rPr lang="en-US" dirty="0"/>
+              <a:t>Michigan</a:t>
+            </a:r>
+          </a:p>
+          <a:p>
+            <a:pPr>
+              <a:lnSpc>
+                <a:spcPct val="90000"/>
+              </a:lnSpc>
+            </a:pPr>
+            <a:r>
+              <a:rPr lang="en-US" dirty="0"/>
+              <a:t>Lowest alcohol content</a:t>
+            </a:r>
+          </a:p>
+          <a:p>
+            <a:pPr lvl="1">
+              <a:lnSpc>
+                <a:spcPct val="90000"/>
+              </a:lnSpc>
+            </a:pPr>
+            <a:r>
+              <a:rPr lang="en-US" dirty="0"/>
+              <a:t>Wyoming</a:t>
+            </a:r>
+          </a:p>
+          <a:p>
+            <a:pPr lvl="1">
+              <a:lnSpc>
+                <a:spcPct val="90000"/>
+              </a:lnSpc>
+            </a:pPr>
+            <a:r>
+              <a:rPr lang="en-US" dirty="0"/>
+              <a:t>New Jersey</a:t>
+            </a:r>
+          </a:p>
+          <a:p>
+            <a:pPr lvl="1">
+              <a:lnSpc>
+                <a:spcPct val="90000"/>
+              </a:lnSpc>
+            </a:pPr>
+            <a:r>
+              <a:rPr lang="en-US" dirty="0"/>
+              <a:t>Utah</a:t>
+            </a:r>
+          </a:p>
+          <a:p>
+            <a:pPr lvl="1">
+              <a:lnSpc>
+                <a:spcPct val="90000"/>
+              </a:lnSpc>
+            </a:pPr>
+            <a:endParaRPr lang="en-US" dirty="0"/>
+          </a:p>
+        </p:txBody>
+      </p:sp>
+    </p:spTree>
+    <p:extLst>
+      <p:ext uri="{BB962C8B-B14F-4D97-AF65-F5344CB8AC3E}">
+        <p14:creationId xmlns:p14="http://schemas.microsoft.com/office/powerpoint/2010/main" val="508286633"/>
+      </p:ext>
+    </p:extLst>
+  </p:cSld>
+  <p:clrMapOvr>
+    <a:masterClrMapping/>
+  </p:clrMapOvr>
+  <p:timing>
+    <p:tnLst>
+      <p:par>
+        <p:cTn id="1" dur="indefinite" restart="never" nodeType="tmRoot">
+          <p:childTnLst>
+            <p:seq concurrent="1" nextAc="seek">
+              <p:cTn id="2" dur="indefinite" nodeType="mainSeq">
+                <p:childTnLst>
+                  <p:par>
+                    <p:cTn id="3" fill="hold">
+                      <p:stCondLst>
+                        <p:cond delay="indefinite"/>
+                      </p:stCondLst>
+                      <p:childTnLst>
+                        <p:par>
+                          <p:cTn id="4" fill="hold">
+                            <p:stCondLst>
+                              <p:cond delay="0"/>
+                            </p:stCondLst>
+                            <p:childTnLst>
+                              <p:par>
+                                <p:cTn id="5" presetID="53" presetClass="entr" presetSubtype="16" fill="hold" grpId="0" nodeType="clickEffect">
+                                  <p:stCondLst>
+                                    <p:cond delay="0"/>
+                                  </p:stCondLst>
+                                  <p:childTnLst>
+                                    <p:set>
+                                      <p:cBhvr>
+                                        <p:cTn id="6" dur="1" fill="hold">
+                                          <p:stCondLst>
+                                            <p:cond delay="0"/>
+                                          </p:stCondLst>
+                                        </p:cTn>
+                                        <p:tgtEl>
+                                          <p:spTgt spid="3">
+                                            <p:txEl>
+                                              <p:pRg st="0" end="0"/>
+                                            </p:txEl>
+                                          </p:spTgt>
+                                        </p:tgtEl>
+                                        <p:attrNameLst>
+                                          <p:attrName>style.visibility</p:attrName>
+                                        </p:attrNameLst>
+                                      </p:cBhvr>
+                                      <p:to>
+                                        <p:strVal val="visible"/>
+                                      </p:to>
+                                    </p:set>
+                                    <p:anim calcmode="lin" valueType="num">
+                                      <p:cBhvr>
+                                        <p:cTn id="7" dur="500" fill="hold"/>
+                                        <p:tgtEl>
+                                          <p:spTgt spid="3">
+                                            <p:txEl>
+                                              <p:pRg st="0" end="0"/>
+                                            </p:txEl>
+                                          </p:spTgt>
+                                        </p:tgtEl>
+                                        <p:attrNameLst>
+                                          <p:attrName>ppt_w</p:attrName>
+                                        </p:attrNameLst>
+                                      </p:cBhvr>
+                                      <p:tavLst>
+                                        <p:tav tm="0">
+                                          <p:val>
+                                            <p:fltVal val="0"/>
+                                          </p:val>
+                                        </p:tav>
+                                        <p:tav tm="100000">
+                                          <p:val>
+                                            <p:strVal val="#ppt_w"/>
+                                          </p:val>
+                                        </p:tav>
+                                      </p:tavLst>
+                                    </p:anim>
+                                    <p:anim calcmode="lin" valueType="num">
+                                      <p:cBhvr>
+                                        <p:cTn id="8" dur="500" fill="hold"/>
+                                        <p:tgtEl>
+                                          <p:spTgt spid="3">
+                                            <p:txEl>
+                                              <p:pRg st="0" end="0"/>
+                                            </p:txEl>
+                                          </p:spTgt>
+                                        </p:tgtEl>
+                                        <p:attrNameLst>
+                                          <p:attrName>ppt_h</p:attrName>
+                                        </p:attrNameLst>
+                                      </p:cBhvr>
+                                      <p:tavLst>
+                                        <p:tav tm="0">
+                                          <p:val>
+                                            <p:fltVal val="0"/>
+                                          </p:val>
+                                        </p:tav>
+                                        <p:tav tm="100000">
+                                          <p:val>
+                                            <p:strVal val="#ppt_h"/>
+                                          </p:val>
+                                        </p:tav>
+                                      </p:tavLst>
+                                    </p:anim>
+                                    <p:animEffect transition="in" filter="fade">
+                                      <p:cBhvr>
+                                        <p:cTn id="9" dur="500"/>
+                                        <p:tgtEl>
+                                          <p:spTgt spid="3">
+                                            <p:txEl>
+                                              <p:pRg st="0" end="0"/>
+                                            </p:txEl>
+                                          </p:spTgt>
+                                        </p:tgtEl>
+                                      </p:cBhvr>
+                                    </p:animEffect>
+                                  </p:childTnLst>
+                                </p:cTn>
+                              </p:par>
+                              <p:par>
+                                <p:cTn id="10" presetID="53" presetClass="entr" presetSubtype="16" fill="hold" grpId="0" nodeType="withEffect">
+                                  <p:stCondLst>
+                                    <p:cond delay="0"/>
+                                  </p:stCondLst>
+                                  <p:childTnLst>
+                                    <p:set>
+                                      <p:cBhvr>
+                                        <p:cTn id="11" dur="1" fill="hold">
+                                          <p:stCondLst>
+                                            <p:cond delay="0"/>
+                                          </p:stCondLst>
+                                        </p:cTn>
+                                        <p:tgtEl>
+                                          <p:spTgt spid="3">
+                                            <p:txEl>
+                                              <p:pRg st="1" end="1"/>
+                                            </p:txEl>
+                                          </p:spTgt>
+                                        </p:tgtEl>
+                                        <p:attrNameLst>
+                                          <p:attrName>style.visibility</p:attrName>
+                                        </p:attrNameLst>
+                                      </p:cBhvr>
+                                      <p:to>
+                                        <p:strVal val="visible"/>
+                                      </p:to>
+                                    </p:set>
+                                    <p:anim calcmode="lin" valueType="num">
+                                      <p:cBhvr>
+                                        <p:cTn id="12" dur="500" fill="hold"/>
+                                        <p:tgtEl>
+                                          <p:spTgt spid="3">
+                                            <p:txEl>
+                                              <p:pRg st="1" end="1"/>
+                                            </p:txEl>
+                                          </p:spTgt>
+                                        </p:tgtEl>
+                                        <p:attrNameLst>
+                                          <p:attrName>ppt_w</p:attrName>
+                                        </p:attrNameLst>
+                                      </p:cBhvr>
+                                      <p:tavLst>
+                                        <p:tav tm="0">
+                                          <p:val>
+                                            <p:fltVal val="0"/>
+                                          </p:val>
+                                        </p:tav>
+                                        <p:tav tm="100000">
+                                          <p:val>
+                                            <p:strVal val="#ppt_w"/>
+                                          </p:val>
+                                        </p:tav>
+                                      </p:tavLst>
+                                    </p:anim>
+                                    <p:anim calcmode="lin" valueType="num">
+                                      <p:cBhvr>
+                                        <p:cTn id="13" dur="500" fill="hold"/>
+                                        <p:tgtEl>
+                                          <p:spTgt spid="3">
+                                            <p:txEl>
+                                              <p:pRg st="1" end="1"/>
+                                            </p:txEl>
+                                          </p:spTgt>
+                                        </p:tgtEl>
+                                        <p:attrNameLst>
+                                          <p:attrName>ppt_h</p:attrName>
+                                        </p:attrNameLst>
+                                      </p:cBhvr>
+                                      <p:tavLst>
+                                        <p:tav tm="0">
+                                          <p:val>
+                                            <p:fltVal val="0"/>
+                                          </p:val>
+                                        </p:tav>
+                                        <p:tav tm="100000">
+                                          <p:val>
+                                            <p:strVal val="#ppt_h"/>
+                                          </p:val>
+                                        </p:tav>
+                                      </p:tavLst>
+                                    </p:anim>
+                                    <p:animEffect transition="in" filter="fade">
+                                      <p:cBhvr>
+                                        <p:cTn id="14" dur="500"/>
+                                        <p:tgtEl>
+                                          <p:spTgt spid="3">
+                                            <p:txEl>
+                                              <p:pRg st="1" end="1"/>
+                                            </p:txEl>
+                                          </p:spTgt>
+                                        </p:tgtEl>
+                                      </p:cBhvr>
+                                    </p:animEffect>
+                                  </p:childTnLst>
+                                </p:cTn>
+                              </p:par>
+                              <p:par>
+                                <p:cTn id="15" presetID="53" presetClass="entr" presetSubtype="16" fill="hold" grpId="0" nodeType="withEffect">
+                                  <p:stCondLst>
+                                    <p:cond delay="0"/>
+                                  </p:stCondLst>
+                                  <p:childTnLst>
+                                    <p:set>
+                                      <p:cBhvr>
+                                        <p:cTn id="16" dur="1" fill="hold">
+                                          <p:stCondLst>
+                                            <p:cond delay="0"/>
+                                          </p:stCondLst>
+                                        </p:cTn>
+                                        <p:tgtEl>
+                                          <p:spTgt spid="3">
+                                            <p:txEl>
+                                              <p:pRg st="2" end="2"/>
+                                            </p:txEl>
+                                          </p:spTgt>
+                                        </p:tgtEl>
+                                        <p:attrNameLst>
+                                          <p:attrName>style.visibility</p:attrName>
+                                        </p:attrNameLst>
+                                      </p:cBhvr>
+                                      <p:to>
+                                        <p:strVal val="visible"/>
+                                      </p:to>
+                                    </p:set>
+                                    <p:anim calcmode="lin" valueType="num">
+                                      <p:cBhvr>
+                                        <p:cTn id="17" dur="500" fill="hold"/>
+                                        <p:tgtEl>
+                                          <p:spTgt spid="3">
+                                            <p:txEl>
+                                              <p:pRg st="2" end="2"/>
+                                            </p:txEl>
+                                          </p:spTgt>
+                                        </p:tgtEl>
+                                        <p:attrNameLst>
+                                          <p:attrName>ppt_w</p:attrName>
+                                        </p:attrNameLst>
+                                      </p:cBhvr>
+                                      <p:tavLst>
+                                        <p:tav tm="0">
+                                          <p:val>
+                                            <p:fltVal val="0"/>
+                                          </p:val>
+                                        </p:tav>
+                                        <p:tav tm="100000">
+                                          <p:val>
+                                            <p:strVal val="#ppt_w"/>
+                                          </p:val>
+                                        </p:tav>
+                                      </p:tavLst>
+                                    </p:anim>
+                                    <p:anim calcmode="lin" valueType="num">
+                                      <p:cBhvr>
+                                        <p:cTn id="18" dur="500" fill="hold"/>
+                                        <p:tgtEl>
+                                          <p:spTgt spid="3">
+                                            <p:txEl>
+                                              <p:pRg st="2" end="2"/>
+                                            </p:txEl>
+                                          </p:spTgt>
+                                        </p:tgtEl>
+                                        <p:attrNameLst>
+                                          <p:attrName>ppt_h</p:attrName>
+                                        </p:attrNameLst>
+                                      </p:cBhvr>
+                                      <p:tavLst>
+                                        <p:tav tm="0">
+                                          <p:val>
+                                            <p:fltVal val="0"/>
+                                          </p:val>
+                                        </p:tav>
+                                        <p:tav tm="100000">
+                                          <p:val>
+                                            <p:strVal val="#ppt_h"/>
+                                          </p:val>
+                                        </p:tav>
+                                      </p:tavLst>
+                                    </p:anim>
+                                    <p:animEffect transition="in" filter="fade">
+                                      <p:cBhvr>
+                                        <p:cTn id="19" dur="500"/>
+                                        <p:tgtEl>
+                                          <p:spTgt spid="3">
+                                            <p:txEl>
+                                              <p:pRg st="2" end="2"/>
+                                            </p:txEl>
+                                          </p:spTgt>
+                                        </p:tgtEl>
+                                      </p:cBhvr>
+                                    </p:animEffect>
+                                  </p:childTnLst>
+                                </p:cTn>
+                              </p:par>
+                              <p:par>
+                                <p:cTn id="20" presetID="53" presetClass="entr" presetSubtype="16" fill="hold" grpId="0" nodeType="withEffect">
+                                  <p:stCondLst>
+                                    <p:cond delay="0"/>
+                                  </p:stCondLst>
+                                  <p:childTnLst>
+                                    <p:set>
+                                      <p:cBhvr>
+                                        <p:cTn id="21" dur="1" fill="hold">
+                                          <p:stCondLst>
+                                            <p:cond delay="0"/>
+                                          </p:stCondLst>
+                                        </p:cTn>
+                                        <p:tgtEl>
+                                          <p:spTgt spid="3">
+                                            <p:txEl>
+                                              <p:pRg st="3" end="3"/>
+                                            </p:txEl>
+                                          </p:spTgt>
+                                        </p:tgtEl>
+                                        <p:attrNameLst>
+                                          <p:attrName>style.visibility</p:attrName>
+                                        </p:attrNameLst>
+                                      </p:cBhvr>
+                                      <p:to>
+                                        <p:strVal val="visible"/>
+                                      </p:to>
+                                    </p:set>
+                                    <p:anim calcmode="lin" valueType="num">
+                                      <p:cBhvr>
+                                        <p:cTn id="22" dur="500" fill="hold"/>
+                                        <p:tgtEl>
+                                          <p:spTgt spid="3">
+                                            <p:txEl>
+                                              <p:pRg st="3" end="3"/>
+                                            </p:txEl>
+                                          </p:spTgt>
+                                        </p:tgtEl>
+                                        <p:attrNameLst>
+                                          <p:attrName>ppt_w</p:attrName>
+                                        </p:attrNameLst>
+                                      </p:cBhvr>
+                                      <p:tavLst>
+                                        <p:tav tm="0">
+                                          <p:val>
+                                            <p:fltVal val="0"/>
+                                          </p:val>
+                                        </p:tav>
+                                        <p:tav tm="100000">
+                                          <p:val>
+                                            <p:strVal val="#ppt_w"/>
+                                          </p:val>
+                                        </p:tav>
+                                      </p:tavLst>
+                                    </p:anim>
+                                    <p:anim calcmode="lin" valueType="num">
+                                      <p:cBhvr>
+                                        <p:cTn id="23" dur="500" fill="hold"/>
+                                        <p:tgtEl>
+                                          <p:spTgt spid="3">
+                                            <p:txEl>
+                                              <p:pRg st="3" end="3"/>
+                                            </p:txEl>
+                                          </p:spTgt>
+                                        </p:tgtEl>
+                                        <p:attrNameLst>
+                                          <p:attrName>ppt_h</p:attrName>
+                                        </p:attrNameLst>
+                                      </p:cBhvr>
+                                      <p:tavLst>
+                                        <p:tav tm="0">
+                                          <p:val>
+                                            <p:fltVal val="0"/>
+                                          </p:val>
+                                        </p:tav>
+                                        <p:tav tm="100000">
+                                          <p:val>
+                                            <p:strVal val="#ppt_h"/>
+                                          </p:val>
+                                        </p:tav>
+                                      </p:tavLst>
+                                    </p:anim>
+                                    <p:animEffect transition="in" filter="fade">
+                                      <p:cBhvr>
+                                        <p:cTn id="24" dur="500"/>
+                                        <p:tgtEl>
+                                          <p:spTgt spid="3">
+                                            <p:txEl>
+                                              <p:pRg st="3" end="3"/>
+                                            </p:txEl>
+                                          </p:spTgt>
+                                        </p:tgtEl>
+                                      </p:cBhvr>
+                                    </p:animEffect>
+                                  </p:childTnLst>
+                                </p:cTn>
+                              </p:par>
+                            </p:childTnLst>
+                          </p:cTn>
+                        </p:par>
+                      </p:childTnLst>
+                    </p:cTn>
+                  </p:par>
+                  <p:par>
+                    <p:cTn id="25" fill="hold">
+                      <p:stCondLst>
+                        <p:cond delay="indefinite"/>
+                      </p:stCondLst>
+                      <p:childTnLst>
+                        <p:par>
+                          <p:cTn id="26" fill="hold">
+                            <p:stCondLst>
+                              <p:cond delay="0"/>
+                            </p:stCondLst>
+                            <p:childTnLst>
+                              <p:par>
+                                <p:cTn id="27" presetID="53" presetClass="entr" presetSubtype="16" fill="hold" grpId="0" nodeType="clickEffect">
+                                  <p:stCondLst>
+                                    <p:cond delay="0"/>
+                                  </p:stCondLst>
+                                  <p:childTnLst>
+                                    <p:set>
+                                      <p:cBhvr>
+                                        <p:cTn id="28" dur="1" fill="hold">
+                                          <p:stCondLst>
+                                            <p:cond delay="0"/>
+                                          </p:stCondLst>
+                                        </p:cTn>
+                                        <p:tgtEl>
+                                          <p:spTgt spid="3">
+                                            <p:txEl>
+                                              <p:pRg st="4" end="4"/>
+                                            </p:txEl>
+                                          </p:spTgt>
+                                        </p:tgtEl>
+                                        <p:attrNameLst>
+                                          <p:attrName>style.visibility</p:attrName>
+                                        </p:attrNameLst>
+                                      </p:cBhvr>
+                                      <p:to>
+                                        <p:strVal val="visible"/>
+                                      </p:to>
+                                    </p:set>
+                                    <p:anim calcmode="lin" valueType="num">
+                                      <p:cBhvr>
+                                        <p:cTn id="29" dur="500" fill="hold"/>
+                                        <p:tgtEl>
+                                          <p:spTgt spid="3">
+                                            <p:txEl>
+                                              <p:pRg st="4" end="4"/>
+                                            </p:txEl>
+                                          </p:spTgt>
+                                        </p:tgtEl>
+                                        <p:attrNameLst>
+                                          <p:attrName>ppt_w</p:attrName>
+                                        </p:attrNameLst>
+                                      </p:cBhvr>
+                                      <p:tavLst>
+                                        <p:tav tm="0">
+                                          <p:val>
+                                            <p:fltVal val="0"/>
+                                          </p:val>
+                                        </p:tav>
+                                        <p:tav tm="100000">
+                                          <p:val>
+                                            <p:strVal val="#ppt_w"/>
+                                          </p:val>
+                                        </p:tav>
+                                      </p:tavLst>
+                                    </p:anim>
+                                    <p:anim calcmode="lin" valueType="num">
+                                      <p:cBhvr>
+                                        <p:cTn id="30" dur="500" fill="hold"/>
+                                        <p:tgtEl>
+                                          <p:spTgt spid="3">
+                                            <p:txEl>
+                                              <p:pRg st="4" end="4"/>
+                                            </p:txEl>
+                                          </p:spTgt>
+                                        </p:tgtEl>
+                                        <p:attrNameLst>
+                                          <p:attrName>ppt_h</p:attrName>
+                                        </p:attrNameLst>
+                                      </p:cBhvr>
+                                      <p:tavLst>
+                                        <p:tav tm="0">
+                                          <p:val>
+                                            <p:fltVal val="0"/>
+                                          </p:val>
+                                        </p:tav>
+                                        <p:tav tm="100000">
+                                          <p:val>
+                                            <p:strVal val="#ppt_h"/>
+                                          </p:val>
+                                        </p:tav>
+                                      </p:tavLst>
+                                    </p:anim>
+                                    <p:animEffect transition="in" filter="fade">
+                                      <p:cBhvr>
+                                        <p:cTn id="31" dur="500"/>
+                                        <p:tgtEl>
+                                          <p:spTgt spid="3">
+                                            <p:txEl>
+                                              <p:pRg st="4" end="4"/>
+                                            </p:txEl>
+                                          </p:spTgt>
+                                        </p:tgtEl>
+                                      </p:cBhvr>
+                                    </p:animEffect>
+                                  </p:childTnLst>
+                                </p:cTn>
+                              </p:par>
+                              <p:par>
+                                <p:cTn id="32" presetID="53" presetClass="entr" presetSubtype="16" fill="hold" grpId="0" nodeType="withEffect">
+                                  <p:stCondLst>
+                                    <p:cond delay="0"/>
+                                  </p:stCondLst>
+                                  <p:childTnLst>
+                                    <p:set>
+                                      <p:cBhvr>
+                                        <p:cTn id="33" dur="1" fill="hold">
+                                          <p:stCondLst>
+                                            <p:cond delay="0"/>
+                                          </p:stCondLst>
+                                        </p:cTn>
+                                        <p:tgtEl>
+                                          <p:spTgt spid="3">
+                                            <p:txEl>
+                                              <p:pRg st="5" end="5"/>
+                                            </p:txEl>
+                                          </p:spTgt>
+                                        </p:tgtEl>
+                                        <p:attrNameLst>
+                                          <p:attrName>style.visibility</p:attrName>
+                                        </p:attrNameLst>
+                                      </p:cBhvr>
+                                      <p:to>
+                                        <p:strVal val="visible"/>
+                                      </p:to>
+                                    </p:set>
+                                    <p:anim calcmode="lin" valueType="num">
+                                      <p:cBhvr>
+                                        <p:cTn id="34" dur="500" fill="hold"/>
+                                        <p:tgtEl>
+                                          <p:spTgt spid="3">
+                                            <p:txEl>
+                                              <p:pRg st="5" end="5"/>
+                                            </p:txEl>
+                                          </p:spTgt>
+                                        </p:tgtEl>
+                                        <p:attrNameLst>
+                                          <p:attrName>ppt_w</p:attrName>
+                                        </p:attrNameLst>
+                                      </p:cBhvr>
+                                      <p:tavLst>
+                                        <p:tav tm="0">
+                                          <p:val>
+                                            <p:fltVal val="0"/>
+                                          </p:val>
+                                        </p:tav>
+                                        <p:tav tm="100000">
+                                          <p:val>
+                                            <p:strVal val="#ppt_w"/>
+                                          </p:val>
+                                        </p:tav>
+                                      </p:tavLst>
+                                    </p:anim>
+                                    <p:anim calcmode="lin" valueType="num">
+                                      <p:cBhvr>
+                                        <p:cTn id="35" dur="500" fill="hold"/>
+                                        <p:tgtEl>
+                                          <p:spTgt spid="3">
+                                            <p:txEl>
+                                              <p:pRg st="5" end="5"/>
+                                            </p:txEl>
+                                          </p:spTgt>
+                                        </p:tgtEl>
+                                        <p:attrNameLst>
+                                          <p:attrName>ppt_h</p:attrName>
+                                        </p:attrNameLst>
+                                      </p:cBhvr>
+                                      <p:tavLst>
+                                        <p:tav tm="0">
+                                          <p:val>
+                                            <p:fltVal val="0"/>
+                                          </p:val>
+                                        </p:tav>
+                                        <p:tav tm="100000">
+                                          <p:val>
+                                            <p:strVal val="#ppt_h"/>
+                                          </p:val>
+                                        </p:tav>
+                                      </p:tavLst>
+                                    </p:anim>
+                                    <p:animEffect transition="in" filter="fade">
+                                      <p:cBhvr>
+                                        <p:cTn id="36" dur="500"/>
+                                        <p:tgtEl>
+                                          <p:spTgt spid="3">
+                                            <p:txEl>
+                                              <p:pRg st="5" end="5"/>
+                                            </p:txEl>
+                                          </p:spTgt>
+                                        </p:tgtEl>
+                                      </p:cBhvr>
+                                    </p:animEffect>
+                                  </p:childTnLst>
+                                </p:cTn>
+                              </p:par>
+                              <p:par>
+                                <p:cTn id="37" presetID="53" presetClass="entr" presetSubtype="16" fill="hold" grpId="0" nodeType="withEffect">
+                                  <p:stCondLst>
+                                    <p:cond delay="0"/>
+                                  </p:stCondLst>
+                                  <p:childTnLst>
+                                    <p:set>
+                                      <p:cBhvr>
+                                        <p:cTn id="38" dur="1" fill="hold">
+                                          <p:stCondLst>
+                                            <p:cond delay="0"/>
+                                          </p:stCondLst>
+                                        </p:cTn>
+                                        <p:tgtEl>
+                                          <p:spTgt spid="3">
+                                            <p:txEl>
+                                              <p:pRg st="6" end="6"/>
+                                            </p:txEl>
+                                          </p:spTgt>
+                                        </p:tgtEl>
+                                        <p:attrNameLst>
+                                          <p:attrName>style.visibility</p:attrName>
+                                        </p:attrNameLst>
+                                      </p:cBhvr>
+                                      <p:to>
+                                        <p:strVal val="visible"/>
+                                      </p:to>
+                                    </p:set>
+                                    <p:anim calcmode="lin" valueType="num">
+                                      <p:cBhvr>
+                                        <p:cTn id="39" dur="500" fill="hold"/>
+                                        <p:tgtEl>
+                                          <p:spTgt spid="3">
+                                            <p:txEl>
+                                              <p:pRg st="6" end="6"/>
+                                            </p:txEl>
+                                          </p:spTgt>
+                                        </p:tgtEl>
+                                        <p:attrNameLst>
+                                          <p:attrName>ppt_w</p:attrName>
+                                        </p:attrNameLst>
+                                      </p:cBhvr>
+                                      <p:tavLst>
+                                        <p:tav tm="0">
+                                          <p:val>
+                                            <p:fltVal val="0"/>
+                                          </p:val>
+                                        </p:tav>
+                                        <p:tav tm="100000">
+                                          <p:val>
+                                            <p:strVal val="#ppt_w"/>
+                                          </p:val>
+                                        </p:tav>
+                                      </p:tavLst>
+                                    </p:anim>
+                                    <p:anim calcmode="lin" valueType="num">
+                                      <p:cBhvr>
+                                        <p:cTn id="40" dur="500" fill="hold"/>
+                                        <p:tgtEl>
+                                          <p:spTgt spid="3">
+                                            <p:txEl>
+                                              <p:pRg st="6" end="6"/>
+                                            </p:txEl>
+                                          </p:spTgt>
+                                        </p:tgtEl>
+                                        <p:attrNameLst>
+                                          <p:attrName>ppt_h</p:attrName>
+                                        </p:attrNameLst>
+                                      </p:cBhvr>
+                                      <p:tavLst>
+                                        <p:tav tm="0">
+                                          <p:val>
+                                            <p:fltVal val="0"/>
+                                          </p:val>
+                                        </p:tav>
+                                        <p:tav tm="100000">
+                                          <p:val>
+                                            <p:strVal val="#ppt_h"/>
+                                          </p:val>
+                                        </p:tav>
+                                      </p:tavLst>
+                                    </p:anim>
+                                    <p:animEffect transition="in" filter="fade">
+                                      <p:cBhvr>
+                                        <p:cTn id="41" dur="500"/>
+                                        <p:tgtEl>
+                                          <p:spTgt spid="3">
+                                            <p:txEl>
+                                              <p:pRg st="6" end="6"/>
+                                            </p:txEl>
+                                          </p:spTgt>
+                                        </p:tgtEl>
+                                      </p:cBhvr>
+                                    </p:animEffect>
+                                  </p:childTnLst>
+                                </p:cTn>
+                              </p:par>
+                              <p:par>
+                                <p:cTn id="42" presetID="53" presetClass="entr" presetSubtype="16" fill="hold" grpId="0" nodeType="withEffect">
+                                  <p:stCondLst>
+                                    <p:cond delay="0"/>
+                                  </p:stCondLst>
+                                  <p:childTnLst>
+                                    <p:set>
+                                      <p:cBhvr>
+                                        <p:cTn id="43" dur="1" fill="hold">
+                                          <p:stCondLst>
+                                            <p:cond delay="0"/>
+                                          </p:stCondLst>
+                                        </p:cTn>
+                                        <p:tgtEl>
+                                          <p:spTgt spid="3">
+                                            <p:txEl>
+                                              <p:pRg st="7" end="7"/>
+                                            </p:txEl>
+                                          </p:spTgt>
+                                        </p:tgtEl>
+                                        <p:attrNameLst>
+                                          <p:attrName>style.visibility</p:attrName>
+                                        </p:attrNameLst>
+                                      </p:cBhvr>
+                                      <p:to>
+                                        <p:strVal val="visible"/>
+                                      </p:to>
+                                    </p:set>
+                                    <p:anim calcmode="lin" valueType="num">
+                                      <p:cBhvr>
+                                        <p:cTn id="44" dur="500" fill="hold"/>
+                                        <p:tgtEl>
+                                          <p:spTgt spid="3">
+                                            <p:txEl>
+                                              <p:pRg st="7" end="7"/>
+                                            </p:txEl>
+                                          </p:spTgt>
+                                        </p:tgtEl>
+                                        <p:attrNameLst>
+                                          <p:attrName>ppt_w</p:attrName>
+                                        </p:attrNameLst>
+                                      </p:cBhvr>
+                                      <p:tavLst>
+                                        <p:tav tm="0">
+                                          <p:val>
+                                            <p:fltVal val="0"/>
+                                          </p:val>
+                                        </p:tav>
+                                        <p:tav tm="100000">
+                                          <p:val>
+                                            <p:strVal val="#ppt_w"/>
+                                          </p:val>
+                                        </p:tav>
+                                      </p:tavLst>
+                                    </p:anim>
+                                    <p:anim calcmode="lin" valueType="num">
+                                      <p:cBhvr>
+                                        <p:cTn id="45" dur="500" fill="hold"/>
+                                        <p:tgtEl>
+                                          <p:spTgt spid="3">
+                                            <p:txEl>
+                                              <p:pRg st="7" end="7"/>
+                                            </p:txEl>
+                                          </p:spTgt>
+                                        </p:tgtEl>
+                                        <p:attrNameLst>
+                                          <p:attrName>ppt_h</p:attrName>
+                                        </p:attrNameLst>
+                                      </p:cBhvr>
+                                      <p:tavLst>
+                                        <p:tav tm="0">
+                                          <p:val>
+                                            <p:fltVal val="0"/>
+                                          </p:val>
+                                        </p:tav>
+                                        <p:tav tm="100000">
+                                          <p:val>
+                                            <p:strVal val="#ppt_h"/>
+                                          </p:val>
+                                        </p:tav>
+                                      </p:tavLst>
+                                    </p:anim>
+                                    <p:animEffect transition="in" filter="fade">
+                                      <p:cBhvr>
+                                        <p:cTn id="46" dur="500"/>
+                                        <p:tgtEl>
+                                          <p:spTgt spid="3">
+                                            <p:txEl>
+                                              <p:pRg st="7" end="7"/>
+                                            </p:txEl>
+                                          </p:spTgt>
+                                        </p:tgtEl>
+                                      </p:cBhvr>
+                                    </p:animEffect>
+                                  </p:childTnLst>
+                                </p:cTn>
+                              </p:par>
+                            </p:childTnLst>
+                          </p:cTn>
+                        </p:par>
+                      </p:childTnLst>
+                    </p:cTn>
+                  </p:par>
+                </p:childTnLst>
+              </p:cTn>
+              <p:prevCondLst>
+                <p:cond evt="onPrev" delay="0">
+                  <p:tgtEl>
+                    <p:sldTgt/>
+                  </p:tgtEl>
+                </p:cond>
+              </p:prevCondLst>
+              <p:nextCondLst>
+                <p:cond evt="onNext" delay="0">
+                  <p:tgtEl>
+                    <p:sldTgt/>
+                  </p:tgtEl>
+                </p:cond>
+              </p:nextCondLst>
+            </p:seq>
+          </p:childTnLst>
+        </p:cTn>
+      </p:par>
+    </p:tnLst>
+    <p:bldLst>
+      <p:bldP spid="3" grpId="0" build="p"/>
+    </p:bldLst>
+  </p:timing>
+</p:sld>
+</file>
+
+<file path=ppt/slides/slide19.xml><?xml version="1.0" encoding="utf-8"?>
+<p:sld xmlns:a="http://schemas.openxmlformats.org/drawingml/2006/main" xmlns:r="http://schemas.openxmlformats.org/officeDocument/2006/relationships" xmlns:p="http://schemas.openxmlformats.org/presentationml/2006/main">
+  <p:cSld>
+    <p:spTree>
+      <p:nvGrpSpPr>
+        <p:cNvPr id="1" name=""/>
+        <p:cNvGrpSpPr/>
+        <p:nvPr/>
+      </p:nvGrpSpPr>
+      <p:grpSpPr>
+        <a:xfrm>
+          <a:off x="0" y="0"/>
+          <a:ext cx="0" cy="0"/>
+          <a:chOff x="0" y="0"/>
+          <a:chExt cx="0" cy="0"/>
+        </a:xfrm>
+      </p:grpSpPr>
+      <p:sp>
+        <p:nvSpPr>
+          <p:cNvPr id="2" name="Title 1">
+            <a:extLst>
+              <a:ext uri="{FF2B5EF4-FFF2-40B4-BE49-F238E27FC236}">
+                <a16:creationId xmlns:a16="http://schemas.microsoft.com/office/drawing/2014/main" id="{38E044BD-4C8D-433F-B895-BFF2064330DA}"/>
+              </a:ext>
+            </a:extLst>
+          </p:cNvPr>
+          <p:cNvSpPr>
+            <a:spLocks noGrp="1"/>
+          </p:cNvSpPr>
+          <p:nvPr>
+            <p:ph type="title"/>
+          </p:nvPr>
+        </p:nvSpPr>
+        <p:spPr>
+          <a:xfrm>
+            <a:off x="6096000" y="609599"/>
+            <a:ext cx="5435760" cy="2009775"/>
+          </a:xfrm>
+        </p:spPr>
+        <p:txBody>
+          <a:bodyPr>
+            <a:normAutofit/>
+          </a:bodyPr>
+          <a:lstStyle/>
+          <a:p>
+            <a:pPr algn="ctr"/>
+            <a:r>
+              <a:rPr lang="en-US" dirty="0"/>
+              <a:t>Bitterness</a:t>
+            </a:r>
+          </a:p>
+        </p:txBody>
+      </p:sp>
+      <p:pic>
+        <p:nvPicPr>
+          <p:cNvPr id="5" name="Picture 4">
+            <a:extLst>
+              <a:ext uri="{FF2B5EF4-FFF2-40B4-BE49-F238E27FC236}">
+                <a16:creationId xmlns:a16="http://schemas.microsoft.com/office/drawing/2014/main" id="{E19AD3D0-62D1-45FA-BF26-4360B8A48EBF}"/>
+              </a:ext>
+            </a:extLst>
+          </p:cNvPr>
+          <p:cNvPicPr>
+            <a:picLocks noChangeAspect="1"/>
+          </p:cNvPicPr>
+          <p:nvPr/>
+        </p:nvPicPr>
+        <p:blipFill>
+          <a:blip r:embed="rId2"/>
+          <a:stretch>
+            <a:fillRect/>
+          </a:stretch>
+        </p:blipFill>
+        <p:spPr>
+          <a:xfrm>
+            <a:off x="947413" y="609600"/>
+            <a:ext cx="4286248" cy="2057399"/>
+          </a:xfrm>
+          <a:custGeom>
+            <a:avLst/>
+            <a:gdLst>
+              <a:gd name="connsiteX0" fmla="*/ 120172 w 3416888"/>
+              <a:gd name="connsiteY0" fmla="*/ 0 h 2057399"/>
+              <a:gd name="connsiteX1" fmla="*/ 3296716 w 3416888"/>
+              <a:gd name="connsiteY1" fmla="*/ 0 h 2057399"/>
+              <a:gd name="connsiteX2" fmla="*/ 3416888 w 3416888"/>
+              <a:gd name="connsiteY2" fmla="*/ 120172 h 2057399"/>
+              <a:gd name="connsiteX3" fmla="*/ 3416888 w 3416888"/>
+              <a:gd name="connsiteY3" fmla="*/ 2057399 h 2057399"/>
+              <a:gd name="connsiteX4" fmla="*/ 0 w 3416888"/>
+              <a:gd name="connsiteY4" fmla="*/ 2057399 h 2057399"/>
+              <a:gd name="connsiteX5" fmla="*/ 0 w 3416888"/>
+              <a:gd name="connsiteY5" fmla="*/ 120172 h 2057399"/>
+              <a:gd name="connsiteX6" fmla="*/ 120172 w 3416888"/>
+              <a:gd name="connsiteY6" fmla="*/ 0 h 2057399"/>
+            </a:gdLst>
+            <a:ahLst/>
+            <a:cxnLst>
+              <a:cxn ang="0">
+                <a:pos x="connsiteX0" y="connsiteY0"/>
+              </a:cxn>
+              <a:cxn ang="0">
+                <a:pos x="connsiteX1" y="connsiteY1"/>
+              </a:cxn>
+              <a:cxn ang="0">
+                <a:pos x="connsiteX2" y="connsiteY2"/>
+              </a:cxn>
+              <a:cxn ang="0">
+                <a:pos x="connsiteX3" y="connsiteY3"/>
+              </a:cxn>
+              <a:cxn ang="0">
+                <a:pos x="connsiteX4" y="connsiteY4"/>
+              </a:cxn>
+              <a:cxn ang="0">
+                <a:pos x="connsiteX5" y="connsiteY5"/>
+              </a:cxn>
+              <a:cxn ang="0">
+                <a:pos x="connsiteX6" y="connsiteY6"/>
+              </a:cxn>
+            </a:cxnLst>
+            <a:rect l="l" t="t" r="r" b="b"/>
+            <a:pathLst>
+              <a:path w="3416888" h="2057399">
+                <a:moveTo>
+                  <a:pt x="120172" y="0"/>
+                </a:moveTo>
+                <a:lnTo>
+                  <a:pt x="3296716" y="0"/>
+                </a:lnTo>
+                <a:cubicBezTo>
+                  <a:pt x="3363085" y="0"/>
+                  <a:pt x="3416888" y="53803"/>
+                  <a:pt x="3416888" y="120172"/>
+                </a:cubicBezTo>
+                <a:lnTo>
+                  <a:pt x="3416888" y="2057399"/>
+                </a:lnTo>
+                <a:lnTo>
+                  <a:pt x="0" y="2057399"/>
+                </a:lnTo>
+                <a:lnTo>
+                  <a:pt x="0" y="120172"/>
+                </a:lnTo>
+                <a:cubicBezTo>
+                  <a:pt x="0" y="53803"/>
+                  <a:pt x="53803" y="0"/>
+                  <a:pt x="120172" y="0"/>
+                </a:cubicBezTo>
+                <a:close/>
+              </a:path>
+            </a:pathLst>
+          </a:custGeom>
+          <a:ln w="38100">
+            <a:gradFill flip="none" rotWithShape="1">
+              <a:gsLst>
+                <a:gs pos="0">
+                  <a:srgbClr val="363D46"/>
+                </a:gs>
+                <a:gs pos="100000">
+                  <a:srgbClr val="363D46">
+                    <a:lumMod val="75000"/>
+                  </a:srgbClr>
+                </a:gs>
+              </a:gsLst>
+              <a:lin ang="5400000" scaled="0"/>
+              <a:tileRect/>
+            </a:gradFill>
+          </a:ln>
+          <a:effectLst>
+            <a:innerShdw blurRad="57150" dist="38100" dir="14460000">
+              <a:srgbClr val="000000">
+                <a:alpha val="70000"/>
+              </a:srgbClr>
+            </a:innerShdw>
+          </a:effectLst>
+        </p:spPr>
+      </p:pic>
+      <p:pic>
+        <p:nvPicPr>
+          <p:cNvPr id="4" name="Picture 3">
+            <a:extLst>
+              <a:ext uri="{FF2B5EF4-FFF2-40B4-BE49-F238E27FC236}">
+                <a16:creationId xmlns:a16="http://schemas.microsoft.com/office/drawing/2014/main" id="{F8DA7BC4-5DBE-43CA-82F9-622B47EDC4ED}"/>
+              </a:ext>
+            </a:extLst>
+          </p:cNvPr>
+          <p:cNvPicPr>
+            <a:picLocks noChangeAspect="1"/>
+          </p:cNvPicPr>
+          <p:nvPr/>
+        </p:nvPicPr>
+        <p:blipFill>
+          <a:blip r:embed="rId3"/>
+          <a:stretch>
+            <a:fillRect/>
+          </a:stretch>
+        </p:blipFill>
+        <p:spPr>
+          <a:xfrm>
+            <a:off x="707739" y="2947481"/>
+            <a:ext cx="4765597" cy="2954670"/>
+          </a:xfrm>
+          <a:custGeom>
+            <a:avLst/>
+            <a:gdLst>
+              <a:gd name="connsiteX0" fmla="*/ 0 w 3416888"/>
+              <a:gd name="connsiteY0" fmla="*/ 0 h 3240120"/>
+              <a:gd name="connsiteX1" fmla="*/ 3416888 w 3416888"/>
+              <a:gd name="connsiteY1" fmla="*/ 0 h 3240120"/>
+              <a:gd name="connsiteX2" fmla="*/ 3416888 w 3416888"/>
+              <a:gd name="connsiteY2" fmla="*/ 3119948 h 3240120"/>
+              <a:gd name="connsiteX3" fmla="*/ 3296716 w 3416888"/>
+              <a:gd name="connsiteY3" fmla="*/ 3240120 h 3240120"/>
+              <a:gd name="connsiteX4" fmla="*/ 120172 w 3416888"/>
+              <a:gd name="connsiteY4" fmla="*/ 3240120 h 3240120"/>
+              <a:gd name="connsiteX5" fmla="*/ 0 w 3416888"/>
+              <a:gd name="connsiteY5" fmla="*/ 3119948 h 3240120"/>
+            </a:gdLst>
+            <a:ahLst/>
+            <a:cxnLst>
+              <a:cxn ang="0">
+                <a:pos x="connsiteX0" y="connsiteY0"/>
+              </a:cxn>
+              <a:cxn ang="0">
+                <a:pos x="connsiteX1" y="connsiteY1"/>
+              </a:cxn>
+              <a:cxn ang="0">
+                <a:pos x="connsiteX2" y="connsiteY2"/>
+              </a:cxn>
+              <a:cxn ang="0">
+                <a:pos x="connsiteX3" y="connsiteY3"/>
+              </a:cxn>
+              <a:cxn ang="0">
+                <a:pos x="connsiteX4" y="connsiteY4"/>
+              </a:cxn>
+              <a:cxn ang="0">
+                <a:pos x="connsiteX5" y="connsiteY5"/>
+              </a:cxn>
+            </a:cxnLst>
+            <a:rect l="l" t="t" r="r" b="b"/>
+            <a:pathLst>
+              <a:path w="3416888" h="3240120">
+                <a:moveTo>
+                  <a:pt x="0" y="0"/>
+                </a:moveTo>
+                <a:lnTo>
+                  <a:pt x="3416888" y="0"/>
+                </a:lnTo>
+                <a:lnTo>
+                  <a:pt x="3416888" y="3119948"/>
+                </a:lnTo>
+                <a:cubicBezTo>
+                  <a:pt x="3416888" y="3186317"/>
+                  <a:pt x="3363085" y="3240120"/>
+                  <a:pt x="3296716" y="3240120"/>
+                </a:cubicBezTo>
+                <a:lnTo>
+                  <a:pt x="120172" y="3240120"/>
+                </a:lnTo>
+                <a:cubicBezTo>
+                  <a:pt x="53803" y="3240120"/>
+                  <a:pt x="0" y="3186317"/>
+                  <a:pt x="0" y="3119948"/>
+                </a:cubicBezTo>
+                <a:close/>
+              </a:path>
+            </a:pathLst>
+          </a:custGeom>
+          <a:ln w="38100">
+            <a:gradFill flip="none" rotWithShape="1">
+              <a:gsLst>
+                <a:gs pos="0">
+                  <a:srgbClr val="363D46"/>
+                </a:gs>
+                <a:gs pos="100000">
+                  <a:srgbClr val="363D46">
+                    <a:lumMod val="75000"/>
+                  </a:srgbClr>
+                </a:gs>
+              </a:gsLst>
+              <a:lin ang="5400000" scaled="0"/>
+              <a:tileRect/>
+            </a:gradFill>
+          </a:ln>
+          <a:effectLst>
+            <a:innerShdw blurRad="57150" dist="38100" dir="14460000">
+              <a:srgbClr val="000000">
+                <a:alpha val="70000"/>
+              </a:srgbClr>
+            </a:innerShdw>
+          </a:effectLst>
+        </p:spPr>
+      </p:pic>
+      <p:sp>
+        <p:nvSpPr>
+          <p:cNvPr id="3" name="Content Placeholder 2">
+            <a:extLst>
+              <a:ext uri="{FF2B5EF4-FFF2-40B4-BE49-F238E27FC236}">
+                <a16:creationId xmlns:a16="http://schemas.microsoft.com/office/drawing/2014/main" id="{BB083750-92E6-47F2-A2C5-DEE1F1738182}"/>
+              </a:ext>
+            </a:extLst>
+          </p:cNvPr>
+          <p:cNvSpPr>
+            <a:spLocks noGrp="1"/>
+          </p:cNvSpPr>
+          <p:nvPr>
+            <p:ph idx="1"/>
+          </p:nvPr>
+        </p:nvSpPr>
+        <p:spPr>
+          <a:xfrm>
+            <a:off x="6096000" y="2081251"/>
+            <a:ext cx="5435760" cy="3288445"/>
+          </a:xfrm>
+        </p:spPr>
+        <p:txBody>
+          <a:bodyPr>
+            <a:normAutofit/>
+          </a:bodyPr>
+          <a:lstStyle/>
+          <a:p>
+            <a:pPr>
+              <a:lnSpc>
+                <a:spcPct val="90000"/>
+              </a:lnSpc>
+            </a:pPr>
+            <a:r>
+              <a:rPr lang="en-US" dirty="0"/>
+              <a:t>Most Bitter</a:t>
+            </a:r>
+          </a:p>
+          <a:p>
+            <a:pPr lvl="1">
+              <a:lnSpc>
+                <a:spcPct val="90000"/>
+              </a:lnSpc>
+            </a:pPr>
+            <a:r>
+              <a:rPr lang="en-US" dirty="0"/>
+              <a:t>Maine</a:t>
+            </a:r>
+          </a:p>
+          <a:p>
+            <a:pPr lvl="1">
+              <a:lnSpc>
+                <a:spcPct val="90000"/>
+              </a:lnSpc>
+            </a:pPr>
+            <a:r>
+              <a:rPr lang="en-US" dirty="0"/>
+              <a:t>West Virginia</a:t>
+            </a:r>
+          </a:p>
+          <a:p>
+            <a:pPr lvl="1">
+              <a:lnSpc>
+                <a:spcPct val="90000"/>
+              </a:lnSpc>
+            </a:pPr>
+            <a:r>
+              <a:rPr lang="en-US" dirty="0"/>
+              <a:t>Florida </a:t>
+            </a:r>
+          </a:p>
+          <a:p>
+            <a:pPr>
+              <a:lnSpc>
+                <a:spcPct val="90000"/>
+              </a:lnSpc>
+            </a:pPr>
+            <a:r>
+              <a:rPr lang="en-US" dirty="0"/>
+              <a:t>Least Bitter</a:t>
+            </a:r>
+          </a:p>
+          <a:p>
+            <a:pPr lvl="1">
+              <a:lnSpc>
+                <a:spcPct val="90000"/>
+              </a:lnSpc>
+            </a:pPr>
+            <a:r>
+              <a:rPr lang="en-US" dirty="0"/>
+              <a:t>Wisconsin</a:t>
+            </a:r>
+          </a:p>
+          <a:p>
+            <a:pPr lvl="1">
+              <a:lnSpc>
+                <a:spcPct val="90000"/>
+              </a:lnSpc>
+            </a:pPr>
+            <a:r>
+              <a:rPr lang="en-US" dirty="0"/>
+              <a:t>Kansas</a:t>
+            </a:r>
+          </a:p>
+          <a:p>
+            <a:pPr lvl="1">
+              <a:lnSpc>
+                <a:spcPct val="90000"/>
+              </a:lnSpc>
+            </a:pPr>
+            <a:r>
+              <a:rPr lang="en-US" dirty="0"/>
+              <a:t>Arizona</a:t>
+            </a:r>
+          </a:p>
+          <a:p>
+            <a:pPr lvl="1">
+              <a:lnSpc>
+                <a:spcPct val="90000"/>
+              </a:lnSpc>
+            </a:pPr>
+            <a:endParaRPr lang="en-US" dirty="0"/>
+          </a:p>
+        </p:txBody>
+      </p:sp>
+    </p:spTree>
+    <p:extLst>
+      <p:ext uri="{BB962C8B-B14F-4D97-AF65-F5344CB8AC3E}">
+        <p14:creationId xmlns:p14="http://schemas.microsoft.com/office/powerpoint/2010/main" val="2834540227"/>
+      </p:ext>
+    </p:extLst>
+  </p:cSld>
+  <p:clrMapOvr>
+    <a:masterClrMapping/>
+  </p:clrMapOvr>
+  <p:timing>
+    <p:tnLst>
+      <p:par>
+        <p:cTn id="1" dur="indefinite" restart="never" nodeType="tmRoot">
+          <p:childTnLst>
+            <p:seq concurrent="1" nextAc="seek">
+              <p:cTn id="2" dur="indefinite" nodeType="mainSeq">
+                <p:childTnLst>
+                  <p:par>
+                    <p:cTn id="3" fill="hold">
+                      <p:stCondLst>
+                        <p:cond delay="indefinite"/>
+                      </p:stCondLst>
+                      <p:childTnLst>
+                        <p:par>
+                          <p:cTn id="4" fill="hold">
+                            <p:stCondLst>
+                              <p:cond delay="0"/>
+                            </p:stCondLst>
+                            <p:childTnLst>
+                              <p:par>
+                                <p:cTn id="5" presetID="53" presetClass="entr" presetSubtype="16" fill="hold" grpId="0" nodeType="clickEffect">
+                                  <p:stCondLst>
+                                    <p:cond delay="0"/>
+                                  </p:stCondLst>
+                                  <p:childTnLst>
+                                    <p:set>
+                                      <p:cBhvr>
+                                        <p:cTn id="6" dur="1" fill="hold">
+                                          <p:stCondLst>
+                                            <p:cond delay="0"/>
+                                          </p:stCondLst>
+                                        </p:cTn>
+                                        <p:tgtEl>
+                                          <p:spTgt spid="3">
+                                            <p:txEl>
+                                              <p:pRg st="0" end="0"/>
+                                            </p:txEl>
+                                          </p:spTgt>
+                                        </p:tgtEl>
+                                        <p:attrNameLst>
+                                          <p:attrName>style.visibility</p:attrName>
+                                        </p:attrNameLst>
+                                      </p:cBhvr>
+                                      <p:to>
+                                        <p:strVal val="visible"/>
+                                      </p:to>
+                                    </p:set>
+                                    <p:anim calcmode="lin" valueType="num">
+                                      <p:cBhvr>
+                                        <p:cTn id="7" dur="500" fill="hold"/>
+                                        <p:tgtEl>
+                                          <p:spTgt spid="3">
+                                            <p:txEl>
+                                              <p:pRg st="0" end="0"/>
+                                            </p:txEl>
+                                          </p:spTgt>
+                                        </p:tgtEl>
+                                        <p:attrNameLst>
+                                          <p:attrName>ppt_w</p:attrName>
+                                        </p:attrNameLst>
+                                      </p:cBhvr>
+                                      <p:tavLst>
+                                        <p:tav tm="0">
+                                          <p:val>
+                                            <p:fltVal val="0"/>
+                                          </p:val>
+                                        </p:tav>
+                                        <p:tav tm="100000">
+                                          <p:val>
+                                            <p:strVal val="#ppt_w"/>
+                                          </p:val>
+                                        </p:tav>
+                                      </p:tavLst>
+                                    </p:anim>
+                                    <p:anim calcmode="lin" valueType="num">
+                                      <p:cBhvr>
+                                        <p:cTn id="8" dur="500" fill="hold"/>
+                                        <p:tgtEl>
+                                          <p:spTgt spid="3">
+                                            <p:txEl>
+                                              <p:pRg st="0" end="0"/>
+                                            </p:txEl>
+                                          </p:spTgt>
+                                        </p:tgtEl>
+                                        <p:attrNameLst>
+                                          <p:attrName>ppt_h</p:attrName>
+                                        </p:attrNameLst>
+                                      </p:cBhvr>
+                                      <p:tavLst>
+                                        <p:tav tm="0">
+                                          <p:val>
+                                            <p:fltVal val="0"/>
+                                          </p:val>
+                                        </p:tav>
+                                        <p:tav tm="100000">
+                                          <p:val>
+                                            <p:strVal val="#ppt_h"/>
+                                          </p:val>
+                                        </p:tav>
+                                      </p:tavLst>
+                                    </p:anim>
+                                    <p:animEffect transition="in" filter="fade">
+                                      <p:cBhvr>
+                                        <p:cTn id="9" dur="500"/>
+                                        <p:tgtEl>
+                                          <p:spTgt spid="3">
+                                            <p:txEl>
+                                              <p:pRg st="0" end="0"/>
+                                            </p:txEl>
+                                          </p:spTgt>
+                                        </p:tgtEl>
+                                      </p:cBhvr>
+                                    </p:animEffect>
+                                  </p:childTnLst>
+                                </p:cTn>
+                              </p:par>
+                              <p:par>
+                                <p:cTn id="10" presetID="53" presetClass="entr" presetSubtype="16" fill="hold" grpId="0" nodeType="withEffect">
+                                  <p:stCondLst>
+                                    <p:cond delay="0"/>
+                                  </p:stCondLst>
+                                  <p:childTnLst>
+                                    <p:set>
+                                      <p:cBhvr>
+                                        <p:cTn id="11" dur="1" fill="hold">
+                                          <p:stCondLst>
+                                            <p:cond delay="0"/>
+                                          </p:stCondLst>
+                                        </p:cTn>
+                                        <p:tgtEl>
+                                          <p:spTgt spid="3">
+                                            <p:txEl>
+                                              <p:pRg st="1" end="1"/>
+                                            </p:txEl>
+                                          </p:spTgt>
+                                        </p:tgtEl>
+                                        <p:attrNameLst>
+                                          <p:attrName>style.visibility</p:attrName>
+                                        </p:attrNameLst>
+                                      </p:cBhvr>
+                                      <p:to>
+                                        <p:strVal val="visible"/>
+                                      </p:to>
+                                    </p:set>
+                                    <p:anim calcmode="lin" valueType="num">
+                                      <p:cBhvr>
+                                        <p:cTn id="12" dur="500" fill="hold"/>
+                                        <p:tgtEl>
+                                          <p:spTgt spid="3">
+                                            <p:txEl>
+                                              <p:pRg st="1" end="1"/>
+                                            </p:txEl>
+                                          </p:spTgt>
+                                        </p:tgtEl>
+                                        <p:attrNameLst>
+                                          <p:attrName>ppt_w</p:attrName>
+                                        </p:attrNameLst>
+                                      </p:cBhvr>
+                                      <p:tavLst>
+                                        <p:tav tm="0">
+                                          <p:val>
+                                            <p:fltVal val="0"/>
+                                          </p:val>
+                                        </p:tav>
+                                        <p:tav tm="100000">
+                                          <p:val>
+                                            <p:strVal val="#ppt_w"/>
+                                          </p:val>
+                                        </p:tav>
+                                      </p:tavLst>
+                                    </p:anim>
+                                    <p:anim calcmode="lin" valueType="num">
+                                      <p:cBhvr>
+                                        <p:cTn id="13" dur="500" fill="hold"/>
+                                        <p:tgtEl>
+                                          <p:spTgt spid="3">
+                                            <p:txEl>
+                                              <p:pRg st="1" end="1"/>
+                                            </p:txEl>
+                                          </p:spTgt>
+                                        </p:tgtEl>
+                                        <p:attrNameLst>
+                                          <p:attrName>ppt_h</p:attrName>
+                                        </p:attrNameLst>
+                                      </p:cBhvr>
+                                      <p:tavLst>
+                                        <p:tav tm="0">
+                                          <p:val>
+                                            <p:fltVal val="0"/>
+                                          </p:val>
+                                        </p:tav>
+                                        <p:tav tm="100000">
+                                          <p:val>
+                                            <p:strVal val="#ppt_h"/>
+                                          </p:val>
+                                        </p:tav>
+                                      </p:tavLst>
+                                    </p:anim>
+                                    <p:animEffect transition="in" filter="fade">
+                                      <p:cBhvr>
+                                        <p:cTn id="14" dur="500"/>
+                                        <p:tgtEl>
+                                          <p:spTgt spid="3">
+                                            <p:txEl>
+                                              <p:pRg st="1" end="1"/>
+                                            </p:txEl>
+                                          </p:spTgt>
+                                        </p:tgtEl>
+                                      </p:cBhvr>
+                                    </p:animEffect>
+                                  </p:childTnLst>
+                                </p:cTn>
+                              </p:par>
+                              <p:par>
+                                <p:cTn id="15" presetID="53" presetClass="entr" presetSubtype="16" fill="hold" grpId="0" nodeType="withEffect">
+                                  <p:stCondLst>
+                                    <p:cond delay="0"/>
+                                  </p:stCondLst>
+                                  <p:childTnLst>
+                                    <p:set>
+                                      <p:cBhvr>
+                                        <p:cTn id="16" dur="1" fill="hold">
+                                          <p:stCondLst>
+                                            <p:cond delay="0"/>
+                                          </p:stCondLst>
+                                        </p:cTn>
+                                        <p:tgtEl>
+                                          <p:spTgt spid="3">
+                                            <p:txEl>
+                                              <p:pRg st="2" end="2"/>
+                                            </p:txEl>
+                                          </p:spTgt>
+                                        </p:tgtEl>
+                                        <p:attrNameLst>
+                                          <p:attrName>style.visibility</p:attrName>
+                                        </p:attrNameLst>
+                                      </p:cBhvr>
+                                      <p:to>
+                                        <p:strVal val="visible"/>
+                                      </p:to>
+                                    </p:set>
+                                    <p:anim calcmode="lin" valueType="num">
+                                      <p:cBhvr>
+                                        <p:cTn id="17" dur="500" fill="hold"/>
+                                        <p:tgtEl>
+                                          <p:spTgt spid="3">
+                                            <p:txEl>
+                                              <p:pRg st="2" end="2"/>
+                                            </p:txEl>
+                                          </p:spTgt>
+                                        </p:tgtEl>
+                                        <p:attrNameLst>
+                                          <p:attrName>ppt_w</p:attrName>
+                                        </p:attrNameLst>
+                                      </p:cBhvr>
+                                      <p:tavLst>
+                                        <p:tav tm="0">
+                                          <p:val>
+                                            <p:fltVal val="0"/>
+                                          </p:val>
+                                        </p:tav>
+                                        <p:tav tm="100000">
+                                          <p:val>
+                                            <p:strVal val="#ppt_w"/>
+                                          </p:val>
+                                        </p:tav>
+                                      </p:tavLst>
+                                    </p:anim>
+                                    <p:anim calcmode="lin" valueType="num">
+                                      <p:cBhvr>
+                                        <p:cTn id="18" dur="500" fill="hold"/>
+                                        <p:tgtEl>
+                                          <p:spTgt spid="3">
+                                            <p:txEl>
+                                              <p:pRg st="2" end="2"/>
+                                            </p:txEl>
+                                          </p:spTgt>
+                                        </p:tgtEl>
+                                        <p:attrNameLst>
+                                          <p:attrName>ppt_h</p:attrName>
+                                        </p:attrNameLst>
+                                      </p:cBhvr>
+                                      <p:tavLst>
+                                        <p:tav tm="0">
+                                          <p:val>
+                                            <p:fltVal val="0"/>
+                                          </p:val>
+                                        </p:tav>
+                                        <p:tav tm="100000">
+                                          <p:val>
+                                            <p:strVal val="#ppt_h"/>
+                                          </p:val>
+                                        </p:tav>
+                                      </p:tavLst>
+                                    </p:anim>
+                                    <p:animEffect transition="in" filter="fade">
+                                      <p:cBhvr>
+                                        <p:cTn id="19" dur="500"/>
+                                        <p:tgtEl>
+                                          <p:spTgt spid="3">
+                                            <p:txEl>
+                                              <p:pRg st="2" end="2"/>
+                                            </p:txEl>
+                                          </p:spTgt>
+                                        </p:tgtEl>
+                                      </p:cBhvr>
+                                    </p:animEffect>
+                                  </p:childTnLst>
+                                </p:cTn>
+                              </p:par>
+                              <p:par>
+                                <p:cTn id="20" presetID="53" presetClass="entr" presetSubtype="16" fill="hold" grpId="0" nodeType="withEffect">
+                                  <p:stCondLst>
+                                    <p:cond delay="0"/>
+                                  </p:stCondLst>
+                                  <p:childTnLst>
+                                    <p:set>
+                                      <p:cBhvr>
+                                        <p:cTn id="21" dur="1" fill="hold">
+                                          <p:stCondLst>
+                                            <p:cond delay="0"/>
+                                          </p:stCondLst>
+                                        </p:cTn>
+                                        <p:tgtEl>
+                                          <p:spTgt spid="3">
+                                            <p:txEl>
+                                              <p:pRg st="3" end="3"/>
+                                            </p:txEl>
+                                          </p:spTgt>
+                                        </p:tgtEl>
+                                        <p:attrNameLst>
+                                          <p:attrName>style.visibility</p:attrName>
+                                        </p:attrNameLst>
+                                      </p:cBhvr>
+                                      <p:to>
+                                        <p:strVal val="visible"/>
+                                      </p:to>
+                                    </p:set>
+                                    <p:anim calcmode="lin" valueType="num">
+                                      <p:cBhvr>
+                                        <p:cTn id="22" dur="500" fill="hold"/>
+                                        <p:tgtEl>
+                                          <p:spTgt spid="3">
+                                            <p:txEl>
+                                              <p:pRg st="3" end="3"/>
+                                            </p:txEl>
+                                          </p:spTgt>
+                                        </p:tgtEl>
+                                        <p:attrNameLst>
+                                          <p:attrName>ppt_w</p:attrName>
+                                        </p:attrNameLst>
+                                      </p:cBhvr>
+                                      <p:tavLst>
+                                        <p:tav tm="0">
+                                          <p:val>
+                                            <p:fltVal val="0"/>
+                                          </p:val>
+                                        </p:tav>
+                                        <p:tav tm="100000">
+                                          <p:val>
+                                            <p:strVal val="#ppt_w"/>
+                                          </p:val>
+                                        </p:tav>
+                                      </p:tavLst>
+                                    </p:anim>
+                                    <p:anim calcmode="lin" valueType="num">
+                                      <p:cBhvr>
+                                        <p:cTn id="23" dur="500" fill="hold"/>
+                                        <p:tgtEl>
+                                          <p:spTgt spid="3">
+                                            <p:txEl>
+                                              <p:pRg st="3" end="3"/>
+                                            </p:txEl>
+                                          </p:spTgt>
+                                        </p:tgtEl>
+                                        <p:attrNameLst>
+                                          <p:attrName>ppt_h</p:attrName>
+                                        </p:attrNameLst>
+                                      </p:cBhvr>
+                                      <p:tavLst>
+                                        <p:tav tm="0">
+                                          <p:val>
+                                            <p:fltVal val="0"/>
+                                          </p:val>
+                                        </p:tav>
+                                        <p:tav tm="100000">
+                                          <p:val>
+                                            <p:strVal val="#ppt_h"/>
+                                          </p:val>
+                                        </p:tav>
+                                      </p:tavLst>
+                                    </p:anim>
+                                    <p:animEffect transition="in" filter="fade">
+                                      <p:cBhvr>
+                                        <p:cTn id="24" dur="500"/>
+                                        <p:tgtEl>
+                                          <p:spTgt spid="3">
+                                            <p:txEl>
+                                              <p:pRg st="3" end="3"/>
+                                            </p:txEl>
+                                          </p:spTgt>
+                                        </p:tgtEl>
+                                      </p:cBhvr>
+                                    </p:animEffect>
+                                  </p:childTnLst>
+                                </p:cTn>
+                              </p:par>
+                            </p:childTnLst>
+                          </p:cTn>
+                        </p:par>
+                      </p:childTnLst>
+                    </p:cTn>
+                  </p:par>
+                  <p:par>
+                    <p:cTn id="25" fill="hold">
+                      <p:stCondLst>
+                        <p:cond delay="indefinite"/>
+                      </p:stCondLst>
+                      <p:childTnLst>
+                        <p:par>
+                          <p:cTn id="26" fill="hold">
+                            <p:stCondLst>
+                              <p:cond delay="0"/>
+                            </p:stCondLst>
+                            <p:childTnLst>
+                              <p:par>
+                                <p:cTn id="27" presetID="53" presetClass="entr" presetSubtype="16" fill="hold" grpId="0" nodeType="clickEffect">
+                                  <p:stCondLst>
+                                    <p:cond delay="0"/>
+                                  </p:stCondLst>
+                                  <p:childTnLst>
+                                    <p:set>
+                                      <p:cBhvr>
+                                        <p:cTn id="28" dur="1" fill="hold">
+                                          <p:stCondLst>
+                                            <p:cond delay="0"/>
+                                          </p:stCondLst>
+                                        </p:cTn>
+                                        <p:tgtEl>
+                                          <p:spTgt spid="3">
+                                            <p:txEl>
+                                              <p:pRg st="4" end="4"/>
+                                            </p:txEl>
+                                          </p:spTgt>
+                                        </p:tgtEl>
+                                        <p:attrNameLst>
+                                          <p:attrName>style.visibility</p:attrName>
+                                        </p:attrNameLst>
+                                      </p:cBhvr>
+                                      <p:to>
+                                        <p:strVal val="visible"/>
+                                      </p:to>
+                                    </p:set>
+                                    <p:anim calcmode="lin" valueType="num">
+                                      <p:cBhvr>
+                                        <p:cTn id="29" dur="500" fill="hold"/>
+                                        <p:tgtEl>
+                                          <p:spTgt spid="3">
+                                            <p:txEl>
+                                              <p:pRg st="4" end="4"/>
+                                            </p:txEl>
+                                          </p:spTgt>
+                                        </p:tgtEl>
+                                        <p:attrNameLst>
+                                          <p:attrName>ppt_w</p:attrName>
+                                        </p:attrNameLst>
+                                      </p:cBhvr>
+                                      <p:tavLst>
+                                        <p:tav tm="0">
+                                          <p:val>
+                                            <p:fltVal val="0"/>
+                                          </p:val>
+                                        </p:tav>
+                                        <p:tav tm="100000">
+                                          <p:val>
+                                            <p:strVal val="#ppt_w"/>
+                                          </p:val>
+                                        </p:tav>
+                                      </p:tavLst>
+                                    </p:anim>
+                                    <p:anim calcmode="lin" valueType="num">
+                                      <p:cBhvr>
+                                        <p:cTn id="30" dur="500" fill="hold"/>
+                                        <p:tgtEl>
+                                          <p:spTgt spid="3">
+                                            <p:txEl>
+                                              <p:pRg st="4" end="4"/>
+                                            </p:txEl>
+                                          </p:spTgt>
+                                        </p:tgtEl>
+                                        <p:attrNameLst>
+                                          <p:attrName>ppt_h</p:attrName>
+                                        </p:attrNameLst>
+                                      </p:cBhvr>
+                                      <p:tavLst>
+                                        <p:tav tm="0">
+                                          <p:val>
+                                            <p:fltVal val="0"/>
+                                          </p:val>
+                                        </p:tav>
+                                        <p:tav tm="100000">
+                                          <p:val>
+                                            <p:strVal val="#ppt_h"/>
+                                          </p:val>
+                                        </p:tav>
+                                      </p:tavLst>
+                                    </p:anim>
+                                    <p:animEffect transition="in" filter="fade">
+                                      <p:cBhvr>
+                                        <p:cTn id="31" dur="500"/>
+                                        <p:tgtEl>
+                                          <p:spTgt spid="3">
+                                            <p:txEl>
+                                              <p:pRg st="4" end="4"/>
+                                            </p:txEl>
+                                          </p:spTgt>
+                                        </p:tgtEl>
+                                      </p:cBhvr>
+                                    </p:animEffect>
+                                  </p:childTnLst>
+                                </p:cTn>
+                              </p:par>
+                              <p:par>
+                                <p:cTn id="32" presetID="53" presetClass="entr" presetSubtype="16" fill="hold" grpId="0" nodeType="withEffect">
+                                  <p:stCondLst>
+                                    <p:cond delay="0"/>
+                                  </p:stCondLst>
+                                  <p:childTnLst>
+                                    <p:set>
+                                      <p:cBhvr>
+                                        <p:cTn id="33" dur="1" fill="hold">
+                                          <p:stCondLst>
+                                            <p:cond delay="0"/>
+                                          </p:stCondLst>
+                                        </p:cTn>
+                                        <p:tgtEl>
+                                          <p:spTgt spid="3">
+                                            <p:txEl>
+                                              <p:pRg st="5" end="5"/>
+                                            </p:txEl>
+                                          </p:spTgt>
+                                        </p:tgtEl>
+                                        <p:attrNameLst>
+                                          <p:attrName>style.visibility</p:attrName>
+                                        </p:attrNameLst>
+                                      </p:cBhvr>
+                                      <p:to>
+                                        <p:strVal val="visible"/>
+                                      </p:to>
+                                    </p:set>
+                                    <p:anim calcmode="lin" valueType="num">
+                                      <p:cBhvr>
+                                        <p:cTn id="34" dur="500" fill="hold"/>
+                                        <p:tgtEl>
+                                          <p:spTgt spid="3">
+                                            <p:txEl>
+                                              <p:pRg st="5" end="5"/>
+                                            </p:txEl>
+                                          </p:spTgt>
+                                        </p:tgtEl>
+                                        <p:attrNameLst>
+                                          <p:attrName>ppt_w</p:attrName>
+                                        </p:attrNameLst>
+                                      </p:cBhvr>
+                                      <p:tavLst>
+                                        <p:tav tm="0">
+                                          <p:val>
+                                            <p:fltVal val="0"/>
+                                          </p:val>
+                                        </p:tav>
+                                        <p:tav tm="100000">
+                                          <p:val>
+                                            <p:strVal val="#ppt_w"/>
+                                          </p:val>
+                                        </p:tav>
+                                      </p:tavLst>
+                                    </p:anim>
+                                    <p:anim calcmode="lin" valueType="num">
+                                      <p:cBhvr>
+                                        <p:cTn id="35" dur="500" fill="hold"/>
+                                        <p:tgtEl>
+                                          <p:spTgt spid="3">
+                                            <p:txEl>
+                                              <p:pRg st="5" end="5"/>
+                                            </p:txEl>
+                                          </p:spTgt>
+                                        </p:tgtEl>
+                                        <p:attrNameLst>
+                                          <p:attrName>ppt_h</p:attrName>
+                                        </p:attrNameLst>
+                                      </p:cBhvr>
+                                      <p:tavLst>
+                                        <p:tav tm="0">
+                                          <p:val>
+                                            <p:fltVal val="0"/>
+                                          </p:val>
+                                        </p:tav>
+                                        <p:tav tm="100000">
+                                          <p:val>
+                                            <p:strVal val="#ppt_h"/>
+                                          </p:val>
+                                        </p:tav>
+                                      </p:tavLst>
+                                    </p:anim>
+                                    <p:animEffect transition="in" filter="fade">
+                                      <p:cBhvr>
+                                        <p:cTn id="36" dur="500"/>
+                                        <p:tgtEl>
+                                          <p:spTgt spid="3">
+                                            <p:txEl>
+                                              <p:pRg st="5" end="5"/>
+                                            </p:txEl>
+                                          </p:spTgt>
+                                        </p:tgtEl>
+                                      </p:cBhvr>
+                                    </p:animEffect>
+                                  </p:childTnLst>
+                                </p:cTn>
+                              </p:par>
+                              <p:par>
+                                <p:cTn id="37" presetID="53" presetClass="entr" presetSubtype="16" fill="hold" grpId="0" nodeType="withEffect">
+                                  <p:stCondLst>
+                                    <p:cond delay="0"/>
+                                  </p:stCondLst>
+                                  <p:childTnLst>
+                                    <p:set>
+                                      <p:cBhvr>
+                                        <p:cTn id="38" dur="1" fill="hold">
+                                          <p:stCondLst>
+                                            <p:cond delay="0"/>
+                                          </p:stCondLst>
+                                        </p:cTn>
+                                        <p:tgtEl>
+                                          <p:spTgt spid="3">
+                                            <p:txEl>
+                                              <p:pRg st="6" end="6"/>
+                                            </p:txEl>
+                                          </p:spTgt>
+                                        </p:tgtEl>
+                                        <p:attrNameLst>
+                                          <p:attrName>style.visibility</p:attrName>
+                                        </p:attrNameLst>
+                                      </p:cBhvr>
+                                      <p:to>
+                                        <p:strVal val="visible"/>
+                                      </p:to>
+                                    </p:set>
+                                    <p:anim calcmode="lin" valueType="num">
+                                      <p:cBhvr>
+                                        <p:cTn id="39" dur="500" fill="hold"/>
+                                        <p:tgtEl>
+                                          <p:spTgt spid="3">
+                                            <p:txEl>
+                                              <p:pRg st="6" end="6"/>
+                                            </p:txEl>
+                                          </p:spTgt>
+                                        </p:tgtEl>
+                                        <p:attrNameLst>
+                                          <p:attrName>ppt_w</p:attrName>
+                                        </p:attrNameLst>
+                                      </p:cBhvr>
+                                      <p:tavLst>
+                                        <p:tav tm="0">
+                                          <p:val>
+                                            <p:fltVal val="0"/>
+                                          </p:val>
+                                        </p:tav>
+                                        <p:tav tm="100000">
+                                          <p:val>
+                                            <p:strVal val="#ppt_w"/>
+                                          </p:val>
+                                        </p:tav>
+                                      </p:tavLst>
+                                    </p:anim>
+                                    <p:anim calcmode="lin" valueType="num">
+                                      <p:cBhvr>
+                                        <p:cTn id="40" dur="500" fill="hold"/>
+                                        <p:tgtEl>
+                                          <p:spTgt spid="3">
+                                            <p:txEl>
+                                              <p:pRg st="6" end="6"/>
+                                            </p:txEl>
+                                          </p:spTgt>
+                                        </p:tgtEl>
+                                        <p:attrNameLst>
+                                          <p:attrName>ppt_h</p:attrName>
+                                        </p:attrNameLst>
+                                      </p:cBhvr>
+                                      <p:tavLst>
+                                        <p:tav tm="0">
+                                          <p:val>
+                                            <p:fltVal val="0"/>
+                                          </p:val>
+                                        </p:tav>
+                                        <p:tav tm="100000">
+                                          <p:val>
+                                            <p:strVal val="#ppt_h"/>
+                                          </p:val>
+                                        </p:tav>
+                                      </p:tavLst>
+                                    </p:anim>
+                                    <p:animEffect transition="in" filter="fade">
+                                      <p:cBhvr>
+                                        <p:cTn id="41" dur="500"/>
+                                        <p:tgtEl>
+                                          <p:spTgt spid="3">
+                                            <p:txEl>
+                                              <p:pRg st="6" end="6"/>
+                                            </p:txEl>
+                                          </p:spTgt>
+                                        </p:tgtEl>
+                                      </p:cBhvr>
+                                    </p:animEffect>
+                                  </p:childTnLst>
+                                </p:cTn>
+                              </p:par>
+                              <p:par>
+                                <p:cTn id="42" presetID="53" presetClass="entr" presetSubtype="16" fill="hold" grpId="0" nodeType="withEffect">
+                                  <p:stCondLst>
+                                    <p:cond delay="0"/>
+                                  </p:stCondLst>
+                                  <p:childTnLst>
+                                    <p:set>
+                                      <p:cBhvr>
+                                        <p:cTn id="43" dur="1" fill="hold">
+                                          <p:stCondLst>
+                                            <p:cond delay="0"/>
+                                          </p:stCondLst>
+                                        </p:cTn>
+                                        <p:tgtEl>
+                                          <p:spTgt spid="3">
+                                            <p:txEl>
+                                              <p:pRg st="7" end="7"/>
+                                            </p:txEl>
+                                          </p:spTgt>
+                                        </p:tgtEl>
+                                        <p:attrNameLst>
+                                          <p:attrName>style.visibility</p:attrName>
+                                        </p:attrNameLst>
+                                      </p:cBhvr>
+                                      <p:to>
+                                        <p:strVal val="visible"/>
+                                      </p:to>
+                                    </p:set>
+                                    <p:anim calcmode="lin" valueType="num">
+                                      <p:cBhvr>
+                                        <p:cTn id="44" dur="500" fill="hold"/>
+                                        <p:tgtEl>
+                                          <p:spTgt spid="3">
+                                            <p:txEl>
+                                              <p:pRg st="7" end="7"/>
+                                            </p:txEl>
+                                          </p:spTgt>
+                                        </p:tgtEl>
+                                        <p:attrNameLst>
+                                          <p:attrName>ppt_w</p:attrName>
+                                        </p:attrNameLst>
+                                      </p:cBhvr>
+                                      <p:tavLst>
+                                        <p:tav tm="0">
+                                          <p:val>
+                                            <p:fltVal val="0"/>
+                                          </p:val>
+                                        </p:tav>
+                                        <p:tav tm="100000">
+                                          <p:val>
+                                            <p:strVal val="#ppt_w"/>
+                                          </p:val>
+                                        </p:tav>
+                                      </p:tavLst>
+                                    </p:anim>
+                                    <p:anim calcmode="lin" valueType="num">
+                                      <p:cBhvr>
+                                        <p:cTn id="45" dur="500" fill="hold"/>
+                                        <p:tgtEl>
+                                          <p:spTgt spid="3">
+                                            <p:txEl>
+                                              <p:pRg st="7" end="7"/>
+                                            </p:txEl>
+                                          </p:spTgt>
+                                        </p:tgtEl>
+                                        <p:attrNameLst>
+                                          <p:attrName>ppt_h</p:attrName>
+                                        </p:attrNameLst>
+                                      </p:cBhvr>
+                                      <p:tavLst>
+                                        <p:tav tm="0">
+                                          <p:val>
+                                            <p:fltVal val="0"/>
+                                          </p:val>
+                                        </p:tav>
+                                        <p:tav tm="100000">
+                                          <p:val>
+                                            <p:strVal val="#ppt_h"/>
+                                          </p:val>
+                                        </p:tav>
+                                      </p:tavLst>
+                                    </p:anim>
+                                    <p:animEffect transition="in" filter="fade">
+                                      <p:cBhvr>
+                                        <p:cTn id="46" dur="500"/>
+                                        <p:tgtEl>
+                                          <p:spTgt spid="3">
+                                            <p:txEl>
+                                              <p:pRg st="7" end="7"/>
+                                            </p:txEl>
+                                          </p:spTgt>
+                                        </p:tgtEl>
+                                      </p:cBhvr>
+                                    </p:animEffect>
+                                  </p:childTnLst>
+                                </p:cTn>
+                              </p:par>
+                            </p:childTnLst>
+                          </p:cTn>
+                        </p:par>
+                      </p:childTnLst>
+                    </p:cTn>
+                  </p:par>
+                </p:childTnLst>
+              </p:cTn>
+              <p:prevCondLst>
+                <p:cond evt="onPrev" delay="0">
+                  <p:tgtEl>
+                    <p:sldTgt/>
+                  </p:tgtEl>
+                </p:cond>
+              </p:prevCondLst>
+              <p:nextCondLst>
+                <p:cond evt="onNext" delay="0">
+                  <p:tgtEl>
+                    <p:sldTgt/>
+                  </p:tgtEl>
+                </p:cond>
+              </p:nextCondLst>
+            </p:seq>
+          </p:childTnLst>
+        </p:cTn>
+      </p:par>
+    </p:tnLst>
+    <p:bldLst>
+      <p:bldP spid="3" grpId="0" build="p"/>
+    </p:bldLst>
+  </p:timing>
+</p:sld>
+</file>
+
 <file path=ppt/slides/slide2.xml><?xml version="1.0" encoding="utf-8"?>
 <p:sld xmlns:a="http://schemas.openxmlformats.org/drawingml/2006/main" xmlns:r="http://schemas.openxmlformats.org/officeDocument/2006/relationships" xmlns:p="http://schemas.openxmlformats.org/presentationml/2006/main">
   <p:cSld>
@@ -7502,6 +13144,3774 @@
     <p:extLst>
       <p:ext uri="{BB962C8B-B14F-4D97-AF65-F5344CB8AC3E}">
         <p14:creationId xmlns:p14="http://schemas.microsoft.com/office/powerpoint/2010/main" val="3777514450"/>
+      </p:ext>
+    </p:extLst>
+  </p:cSld>
+  <p:clrMapOvr>
+    <a:masterClrMapping/>
+  </p:clrMapOvr>
+</p:sld>
+</file>
+
+<file path=ppt/slides/slide20.xml><?xml version="1.0" encoding="utf-8"?>
+<p:sld xmlns:a="http://schemas.openxmlformats.org/drawingml/2006/main" xmlns:r="http://schemas.openxmlformats.org/officeDocument/2006/relationships" xmlns:p="http://schemas.openxmlformats.org/presentationml/2006/main">
+  <p:cSld>
+    <p:spTree>
+      <p:nvGrpSpPr>
+        <p:cNvPr id="1" name=""/>
+        <p:cNvGrpSpPr/>
+        <p:nvPr/>
+      </p:nvGrpSpPr>
+      <p:grpSpPr>
+        <a:xfrm>
+          <a:off x="0" y="0"/>
+          <a:ext cx="0" cy="0"/>
+          <a:chOff x="0" y="0"/>
+          <a:chExt cx="0" cy="0"/>
+        </a:xfrm>
+      </p:grpSpPr>
+      <p:sp>
+        <p:nvSpPr>
+          <p:cNvPr id="2" name="Title 1">
+            <a:extLst>
+              <a:ext uri="{FF2B5EF4-FFF2-40B4-BE49-F238E27FC236}">
+                <a16:creationId xmlns:a16="http://schemas.microsoft.com/office/drawing/2014/main" id="{D9006747-D2BE-4B0A-976F-C1A0B9F6251E}"/>
+              </a:ext>
+            </a:extLst>
+          </p:cNvPr>
+          <p:cNvSpPr>
+            <a:spLocks noGrp="1"/>
+          </p:cNvSpPr>
+          <p:nvPr>
+            <p:ph type="title"/>
+          </p:nvPr>
+        </p:nvSpPr>
+        <p:spPr>
+          <a:xfrm>
+            <a:off x="643192" y="609600"/>
+            <a:ext cx="3643674" cy="1130710"/>
+          </a:xfrm>
+        </p:spPr>
+        <p:txBody>
+          <a:bodyPr>
+            <a:normAutofit/>
+          </a:bodyPr>
+          <a:lstStyle/>
+          <a:p>
+            <a:r>
+              <a:rPr lang="en-US" sz="2800" dirty="0"/>
+              <a:t>Regional taste preferences</a:t>
+            </a:r>
+          </a:p>
+        </p:txBody>
+      </p:sp>
+      <p:sp>
+        <p:nvSpPr>
+          <p:cNvPr id="3" name="Content Placeholder 2">
+            <a:extLst>
+              <a:ext uri="{FF2B5EF4-FFF2-40B4-BE49-F238E27FC236}">
+                <a16:creationId xmlns:a16="http://schemas.microsoft.com/office/drawing/2014/main" id="{C583497C-ADB4-46BD-B75B-2B783975C24D}"/>
+              </a:ext>
+            </a:extLst>
+          </p:cNvPr>
+          <p:cNvSpPr>
+            <a:spLocks noGrp="1"/>
+          </p:cNvSpPr>
+          <p:nvPr>
+            <p:ph idx="1"/>
+          </p:nvPr>
+        </p:nvSpPr>
+        <p:spPr>
+          <a:xfrm>
+            <a:off x="221226" y="1740310"/>
+            <a:ext cx="4065640" cy="4142965"/>
+          </a:xfrm>
+        </p:spPr>
+        <p:txBody>
+          <a:bodyPr>
+            <a:normAutofit fontScale="92500"/>
+          </a:bodyPr>
+          <a:lstStyle/>
+          <a:p>
+            <a:r>
+              <a:rPr lang="en-US" sz="1800" dirty="0"/>
+              <a:t>Midwestern states prefer lower median bitterness than other regions. </a:t>
+            </a:r>
+          </a:p>
+          <a:p>
+            <a:r>
+              <a:rPr lang="en-US" sz="1800" dirty="0"/>
+              <a:t>West Coast breweries appear to consistently produce beers in the medium bitterness range</a:t>
+            </a:r>
+          </a:p>
+          <a:p>
+            <a:r>
+              <a:rPr lang="en-US" sz="1800" dirty="0"/>
+              <a:t>Bitterness varies widely on the East Coast. </a:t>
+            </a:r>
+          </a:p>
+          <a:p>
+            <a:pPr lvl="1"/>
+            <a:r>
+              <a:rPr lang="en-US" sz="1600" dirty="0"/>
+              <a:t>The East Coast does contain 3 of the states with the highest median bitterness</a:t>
+            </a:r>
+            <a:endParaRPr lang="en-US" sz="1800" dirty="0"/>
+          </a:p>
+          <a:p>
+            <a:pPr>
+              <a:lnSpc>
+                <a:spcPct val="90000"/>
+              </a:lnSpc>
+            </a:pPr>
+            <a:r>
+              <a:rPr lang="en-US" sz="1800" dirty="0"/>
+              <a:t>North Dakota is grey?</a:t>
+            </a:r>
+          </a:p>
+          <a:p>
+            <a:pPr lvl="1">
+              <a:lnSpc>
+                <a:spcPct val="90000"/>
+              </a:lnSpc>
+            </a:pPr>
+            <a:r>
+              <a:rPr lang="en-US" sz="1600" dirty="0"/>
+              <a:t>No bitterness ratings were available from breweries in that state.</a:t>
+            </a:r>
+          </a:p>
+        </p:txBody>
+      </p:sp>
+      <p:pic>
+        <p:nvPicPr>
+          <p:cNvPr id="4" name="Picture 3">
+            <a:extLst>
+              <a:ext uri="{FF2B5EF4-FFF2-40B4-BE49-F238E27FC236}">
+                <a16:creationId xmlns:a16="http://schemas.microsoft.com/office/drawing/2014/main" id="{6BCC1E45-AEAD-4E2F-BAA0-7871DFB930BB}"/>
+              </a:ext>
+            </a:extLst>
+          </p:cNvPr>
+          <p:cNvPicPr>
+            <a:picLocks noChangeAspect="1"/>
+          </p:cNvPicPr>
+          <p:nvPr/>
+        </p:nvPicPr>
+        <p:blipFill>
+          <a:blip r:embed="rId2"/>
+          <a:stretch>
+            <a:fillRect/>
+          </a:stretch>
+        </p:blipFill>
+        <p:spPr>
+          <a:xfrm>
+            <a:off x="4630994" y="1608988"/>
+            <a:ext cx="6916633" cy="3319983"/>
+          </a:xfrm>
+          <a:prstGeom prst="roundRect">
+            <a:avLst>
+              <a:gd name="adj" fmla="val 3517"/>
+            </a:avLst>
+          </a:prstGeom>
+          <a:ln w="38100">
+            <a:gradFill flip="none" rotWithShape="1">
+              <a:gsLst>
+                <a:gs pos="0">
+                  <a:srgbClr val="363D46"/>
+                </a:gs>
+                <a:gs pos="100000">
+                  <a:srgbClr val="363D46">
+                    <a:lumMod val="75000"/>
+                  </a:srgbClr>
+                </a:gs>
+              </a:gsLst>
+              <a:lin ang="5400000" scaled="0"/>
+              <a:tileRect/>
+            </a:gradFill>
+          </a:ln>
+          <a:effectLst>
+            <a:innerShdw blurRad="57150" dist="38100" dir="14460000">
+              <a:srgbClr val="000000">
+                <a:alpha val="70000"/>
+              </a:srgbClr>
+            </a:innerShdw>
+          </a:effectLst>
+        </p:spPr>
+      </p:pic>
+    </p:spTree>
+    <p:extLst>
+      <p:ext uri="{BB962C8B-B14F-4D97-AF65-F5344CB8AC3E}">
+        <p14:creationId xmlns:p14="http://schemas.microsoft.com/office/powerpoint/2010/main" val="3739318958"/>
+      </p:ext>
+    </p:extLst>
+  </p:cSld>
+  <p:clrMapOvr>
+    <a:masterClrMapping/>
+  </p:clrMapOvr>
+  <p:timing>
+    <p:tnLst>
+      <p:par>
+        <p:cTn id="1" dur="indefinite" restart="never" nodeType="tmRoot">
+          <p:childTnLst>
+            <p:seq concurrent="1" nextAc="seek">
+              <p:cTn id="2" dur="indefinite" nodeType="mainSeq">
+                <p:childTnLst>
+                  <p:par>
+                    <p:cTn id="3" fill="hold">
+                      <p:stCondLst>
+                        <p:cond delay="indefinite"/>
+                      </p:stCondLst>
+                      <p:childTnLst>
+                        <p:par>
+                          <p:cTn id="4" fill="hold">
+                            <p:stCondLst>
+                              <p:cond delay="0"/>
+                            </p:stCondLst>
+                            <p:childTnLst>
+                              <p:par>
+                                <p:cTn id="5" presetID="53" presetClass="entr" presetSubtype="16" fill="hold" grpId="0" nodeType="clickEffect">
+                                  <p:stCondLst>
+                                    <p:cond delay="0"/>
+                                  </p:stCondLst>
+                                  <p:childTnLst>
+                                    <p:set>
+                                      <p:cBhvr>
+                                        <p:cTn id="6" dur="1" fill="hold">
+                                          <p:stCondLst>
+                                            <p:cond delay="0"/>
+                                          </p:stCondLst>
+                                        </p:cTn>
+                                        <p:tgtEl>
+                                          <p:spTgt spid="3">
+                                            <p:txEl>
+                                              <p:pRg st="0" end="0"/>
+                                            </p:txEl>
+                                          </p:spTgt>
+                                        </p:tgtEl>
+                                        <p:attrNameLst>
+                                          <p:attrName>style.visibility</p:attrName>
+                                        </p:attrNameLst>
+                                      </p:cBhvr>
+                                      <p:to>
+                                        <p:strVal val="visible"/>
+                                      </p:to>
+                                    </p:set>
+                                    <p:anim calcmode="lin" valueType="num">
+                                      <p:cBhvr>
+                                        <p:cTn id="7" dur="500" fill="hold"/>
+                                        <p:tgtEl>
+                                          <p:spTgt spid="3">
+                                            <p:txEl>
+                                              <p:pRg st="0" end="0"/>
+                                            </p:txEl>
+                                          </p:spTgt>
+                                        </p:tgtEl>
+                                        <p:attrNameLst>
+                                          <p:attrName>ppt_w</p:attrName>
+                                        </p:attrNameLst>
+                                      </p:cBhvr>
+                                      <p:tavLst>
+                                        <p:tav tm="0">
+                                          <p:val>
+                                            <p:fltVal val="0"/>
+                                          </p:val>
+                                        </p:tav>
+                                        <p:tav tm="100000">
+                                          <p:val>
+                                            <p:strVal val="#ppt_w"/>
+                                          </p:val>
+                                        </p:tav>
+                                      </p:tavLst>
+                                    </p:anim>
+                                    <p:anim calcmode="lin" valueType="num">
+                                      <p:cBhvr>
+                                        <p:cTn id="8" dur="500" fill="hold"/>
+                                        <p:tgtEl>
+                                          <p:spTgt spid="3">
+                                            <p:txEl>
+                                              <p:pRg st="0" end="0"/>
+                                            </p:txEl>
+                                          </p:spTgt>
+                                        </p:tgtEl>
+                                        <p:attrNameLst>
+                                          <p:attrName>ppt_h</p:attrName>
+                                        </p:attrNameLst>
+                                      </p:cBhvr>
+                                      <p:tavLst>
+                                        <p:tav tm="0">
+                                          <p:val>
+                                            <p:fltVal val="0"/>
+                                          </p:val>
+                                        </p:tav>
+                                        <p:tav tm="100000">
+                                          <p:val>
+                                            <p:strVal val="#ppt_h"/>
+                                          </p:val>
+                                        </p:tav>
+                                      </p:tavLst>
+                                    </p:anim>
+                                    <p:animEffect transition="in" filter="fade">
+                                      <p:cBhvr>
+                                        <p:cTn id="9" dur="500"/>
+                                        <p:tgtEl>
+                                          <p:spTgt spid="3">
+                                            <p:txEl>
+                                              <p:pRg st="0" end="0"/>
+                                            </p:txEl>
+                                          </p:spTgt>
+                                        </p:tgtEl>
+                                      </p:cBhvr>
+                                    </p:animEffect>
+                                  </p:childTnLst>
+                                </p:cTn>
+                              </p:par>
+                            </p:childTnLst>
+                          </p:cTn>
+                        </p:par>
+                      </p:childTnLst>
+                    </p:cTn>
+                  </p:par>
+                  <p:par>
+                    <p:cTn id="10" fill="hold">
+                      <p:stCondLst>
+                        <p:cond delay="indefinite"/>
+                      </p:stCondLst>
+                      <p:childTnLst>
+                        <p:par>
+                          <p:cTn id="11" fill="hold">
+                            <p:stCondLst>
+                              <p:cond delay="0"/>
+                            </p:stCondLst>
+                            <p:childTnLst>
+                              <p:par>
+                                <p:cTn id="12" presetID="53" presetClass="entr" presetSubtype="16" fill="hold" grpId="0" nodeType="clickEffect">
+                                  <p:stCondLst>
+                                    <p:cond delay="0"/>
+                                  </p:stCondLst>
+                                  <p:childTnLst>
+                                    <p:set>
+                                      <p:cBhvr>
+                                        <p:cTn id="13" dur="1" fill="hold">
+                                          <p:stCondLst>
+                                            <p:cond delay="0"/>
+                                          </p:stCondLst>
+                                        </p:cTn>
+                                        <p:tgtEl>
+                                          <p:spTgt spid="3">
+                                            <p:txEl>
+                                              <p:pRg st="1" end="1"/>
+                                            </p:txEl>
+                                          </p:spTgt>
+                                        </p:tgtEl>
+                                        <p:attrNameLst>
+                                          <p:attrName>style.visibility</p:attrName>
+                                        </p:attrNameLst>
+                                      </p:cBhvr>
+                                      <p:to>
+                                        <p:strVal val="visible"/>
+                                      </p:to>
+                                    </p:set>
+                                    <p:anim calcmode="lin" valueType="num">
+                                      <p:cBhvr>
+                                        <p:cTn id="14" dur="500" fill="hold"/>
+                                        <p:tgtEl>
+                                          <p:spTgt spid="3">
+                                            <p:txEl>
+                                              <p:pRg st="1" end="1"/>
+                                            </p:txEl>
+                                          </p:spTgt>
+                                        </p:tgtEl>
+                                        <p:attrNameLst>
+                                          <p:attrName>ppt_w</p:attrName>
+                                        </p:attrNameLst>
+                                      </p:cBhvr>
+                                      <p:tavLst>
+                                        <p:tav tm="0">
+                                          <p:val>
+                                            <p:fltVal val="0"/>
+                                          </p:val>
+                                        </p:tav>
+                                        <p:tav tm="100000">
+                                          <p:val>
+                                            <p:strVal val="#ppt_w"/>
+                                          </p:val>
+                                        </p:tav>
+                                      </p:tavLst>
+                                    </p:anim>
+                                    <p:anim calcmode="lin" valueType="num">
+                                      <p:cBhvr>
+                                        <p:cTn id="15" dur="500" fill="hold"/>
+                                        <p:tgtEl>
+                                          <p:spTgt spid="3">
+                                            <p:txEl>
+                                              <p:pRg st="1" end="1"/>
+                                            </p:txEl>
+                                          </p:spTgt>
+                                        </p:tgtEl>
+                                        <p:attrNameLst>
+                                          <p:attrName>ppt_h</p:attrName>
+                                        </p:attrNameLst>
+                                      </p:cBhvr>
+                                      <p:tavLst>
+                                        <p:tav tm="0">
+                                          <p:val>
+                                            <p:fltVal val="0"/>
+                                          </p:val>
+                                        </p:tav>
+                                        <p:tav tm="100000">
+                                          <p:val>
+                                            <p:strVal val="#ppt_h"/>
+                                          </p:val>
+                                        </p:tav>
+                                      </p:tavLst>
+                                    </p:anim>
+                                    <p:animEffect transition="in" filter="fade">
+                                      <p:cBhvr>
+                                        <p:cTn id="16" dur="500"/>
+                                        <p:tgtEl>
+                                          <p:spTgt spid="3">
+                                            <p:txEl>
+                                              <p:pRg st="1" end="1"/>
+                                            </p:txEl>
+                                          </p:spTgt>
+                                        </p:tgtEl>
+                                      </p:cBhvr>
+                                    </p:animEffect>
+                                  </p:childTnLst>
+                                </p:cTn>
+                              </p:par>
+                            </p:childTnLst>
+                          </p:cTn>
+                        </p:par>
+                      </p:childTnLst>
+                    </p:cTn>
+                  </p:par>
+                  <p:par>
+                    <p:cTn id="17" fill="hold">
+                      <p:stCondLst>
+                        <p:cond delay="indefinite"/>
+                      </p:stCondLst>
+                      <p:childTnLst>
+                        <p:par>
+                          <p:cTn id="18" fill="hold">
+                            <p:stCondLst>
+                              <p:cond delay="0"/>
+                            </p:stCondLst>
+                            <p:childTnLst>
+                              <p:par>
+                                <p:cTn id="19" presetID="53" presetClass="entr" presetSubtype="16" fill="hold" grpId="0" nodeType="clickEffect">
+                                  <p:stCondLst>
+                                    <p:cond delay="0"/>
+                                  </p:stCondLst>
+                                  <p:childTnLst>
+                                    <p:set>
+                                      <p:cBhvr>
+                                        <p:cTn id="20" dur="1" fill="hold">
+                                          <p:stCondLst>
+                                            <p:cond delay="0"/>
+                                          </p:stCondLst>
+                                        </p:cTn>
+                                        <p:tgtEl>
+                                          <p:spTgt spid="3">
+                                            <p:txEl>
+                                              <p:pRg st="2" end="2"/>
+                                            </p:txEl>
+                                          </p:spTgt>
+                                        </p:tgtEl>
+                                        <p:attrNameLst>
+                                          <p:attrName>style.visibility</p:attrName>
+                                        </p:attrNameLst>
+                                      </p:cBhvr>
+                                      <p:to>
+                                        <p:strVal val="visible"/>
+                                      </p:to>
+                                    </p:set>
+                                    <p:anim calcmode="lin" valueType="num">
+                                      <p:cBhvr>
+                                        <p:cTn id="21" dur="500" fill="hold"/>
+                                        <p:tgtEl>
+                                          <p:spTgt spid="3">
+                                            <p:txEl>
+                                              <p:pRg st="2" end="2"/>
+                                            </p:txEl>
+                                          </p:spTgt>
+                                        </p:tgtEl>
+                                        <p:attrNameLst>
+                                          <p:attrName>ppt_w</p:attrName>
+                                        </p:attrNameLst>
+                                      </p:cBhvr>
+                                      <p:tavLst>
+                                        <p:tav tm="0">
+                                          <p:val>
+                                            <p:fltVal val="0"/>
+                                          </p:val>
+                                        </p:tav>
+                                        <p:tav tm="100000">
+                                          <p:val>
+                                            <p:strVal val="#ppt_w"/>
+                                          </p:val>
+                                        </p:tav>
+                                      </p:tavLst>
+                                    </p:anim>
+                                    <p:anim calcmode="lin" valueType="num">
+                                      <p:cBhvr>
+                                        <p:cTn id="22" dur="500" fill="hold"/>
+                                        <p:tgtEl>
+                                          <p:spTgt spid="3">
+                                            <p:txEl>
+                                              <p:pRg st="2" end="2"/>
+                                            </p:txEl>
+                                          </p:spTgt>
+                                        </p:tgtEl>
+                                        <p:attrNameLst>
+                                          <p:attrName>ppt_h</p:attrName>
+                                        </p:attrNameLst>
+                                      </p:cBhvr>
+                                      <p:tavLst>
+                                        <p:tav tm="0">
+                                          <p:val>
+                                            <p:fltVal val="0"/>
+                                          </p:val>
+                                        </p:tav>
+                                        <p:tav tm="100000">
+                                          <p:val>
+                                            <p:strVal val="#ppt_h"/>
+                                          </p:val>
+                                        </p:tav>
+                                      </p:tavLst>
+                                    </p:anim>
+                                    <p:animEffect transition="in" filter="fade">
+                                      <p:cBhvr>
+                                        <p:cTn id="23" dur="500"/>
+                                        <p:tgtEl>
+                                          <p:spTgt spid="3">
+                                            <p:txEl>
+                                              <p:pRg st="2" end="2"/>
+                                            </p:txEl>
+                                          </p:spTgt>
+                                        </p:tgtEl>
+                                      </p:cBhvr>
+                                    </p:animEffect>
+                                  </p:childTnLst>
+                                </p:cTn>
+                              </p:par>
+                              <p:par>
+                                <p:cTn id="24" presetID="53" presetClass="entr" presetSubtype="16" fill="hold" grpId="0" nodeType="withEffect">
+                                  <p:stCondLst>
+                                    <p:cond delay="0"/>
+                                  </p:stCondLst>
+                                  <p:childTnLst>
+                                    <p:set>
+                                      <p:cBhvr>
+                                        <p:cTn id="25" dur="1" fill="hold">
+                                          <p:stCondLst>
+                                            <p:cond delay="0"/>
+                                          </p:stCondLst>
+                                        </p:cTn>
+                                        <p:tgtEl>
+                                          <p:spTgt spid="3">
+                                            <p:txEl>
+                                              <p:pRg st="3" end="3"/>
+                                            </p:txEl>
+                                          </p:spTgt>
+                                        </p:tgtEl>
+                                        <p:attrNameLst>
+                                          <p:attrName>style.visibility</p:attrName>
+                                        </p:attrNameLst>
+                                      </p:cBhvr>
+                                      <p:to>
+                                        <p:strVal val="visible"/>
+                                      </p:to>
+                                    </p:set>
+                                    <p:anim calcmode="lin" valueType="num">
+                                      <p:cBhvr>
+                                        <p:cTn id="26" dur="500" fill="hold"/>
+                                        <p:tgtEl>
+                                          <p:spTgt spid="3">
+                                            <p:txEl>
+                                              <p:pRg st="3" end="3"/>
+                                            </p:txEl>
+                                          </p:spTgt>
+                                        </p:tgtEl>
+                                        <p:attrNameLst>
+                                          <p:attrName>ppt_w</p:attrName>
+                                        </p:attrNameLst>
+                                      </p:cBhvr>
+                                      <p:tavLst>
+                                        <p:tav tm="0">
+                                          <p:val>
+                                            <p:fltVal val="0"/>
+                                          </p:val>
+                                        </p:tav>
+                                        <p:tav tm="100000">
+                                          <p:val>
+                                            <p:strVal val="#ppt_w"/>
+                                          </p:val>
+                                        </p:tav>
+                                      </p:tavLst>
+                                    </p:anim>
+                                    <p:anim calcmode="lin" valueType="num">
+                                      <p:cBhvr>
+                                        <p:cTn id="27" dur="500" fill="hold"/>
+                                        <p:tgtEl>
+                                          <p:spTgt spid="3">
+                                            <p:txEl>
+                                              <p:pRg st="3" end="3"/>
+                                            </p:txEl>
+                                          </p:spTgt>
+                                        </p:tgtEl>
+                                        <p:attrNameLst>
+                                          <p:attrName>ppt_h</p:attrName>
+                                        </p:attrNameLst>
+                                      </p:cBhvr>
+                                      <p:tavLst>
+                                        <p:tav tm="0">
+                                          <p:val>
+                                            <p:fltVal val="0"/>
+                                          </p:val>
+                                        </p:tav>
+                                        <p:tav tm="100000">
+                                          <p:val>
+                                            <p:strVal val="#ppt_h"/>
+                                          </p:val>
+                                        </p:tav>
+                                      </p:tavLst>
+                                    </p:anim>
+                                    <p:animEffect transition="in" filter="fade">
+                                      <p:cBhvr>
+                                        <p:cTn id="28" dur="500"/>
+                                        <p:tgtEl>
+                                          <p:spTgt spid="3">
+                                            <p:txEl>
+                                              <p:pRg st="3" end="3"/>
+                                            </p:txEl>
+                                          </p:spTgt>
+                                        </p:tgtEl>
+                                      </p:cBhvr>
+                                    </p:animEffect>
+                                  </p:childTnLst>
+                                </p:cTn>
+                              </p:par>
+                            </p:childTnLst>
+                          </p:cTn>
+                        </p:par>
+                      </p:childTnLst>
+                    </p:cTn>
+                  </p:par>
+                  <p:par>
+                    <p:cTn id="29" fill="hold">
+                      <p:stCondLst>
+                        <p:cond delay="indefinite"/>
+                      </p:stCondLst>
+                      <p:childTnLst>
+                        <p:par>
+                          <p:cTn id="30" fill="hold">
+                            <p:stCondLst>
+                              <p:cond delay="0"/>
+                            </p:stCondLst>
+                            <p:childTnLst>
+                              <p:par>
+                                <p:cTn id="31" presetID="53" presetClass="entr" presetSubtype="16" fill="hold" grpId="0" nodeType="clickEffect">
+                                  <p:stCondLst>
+                                    <p:cond delay="0"/>
+                                  </p:stCondLst>
+                                  <p:childTnLst>
+                                    <p:set>
+                                      <p:cBhvr>
+                                        <p:cTn id="32" dur="1" fill="hold">
+                                          <p:stCondLst>
+                                            <p:cond delay="0"/>
+                                          </p:stCondLst>
+                                        </p:cTn>
+                                        <p:tgtEl>
+                                          <p:spTgt spid="3">
+                                            <p:txEl>
+                                              <p:pRg st="4" end="4"/>
+                                            </p:txEl>
+                                          </p:spTgt>
+                                        </p:tgtEl>
+                                        <p:attrNameLst>
+                                          <p:attrName>style.visibility</p:attrName>
+                                        </p:attrNameLst>
+                                      </p:cBhvr>
+                                      <p:to>
+                                        <p:strVal val="visible"/>
+                                      </p:to>
+                                    </p:set>
+                                    <p:anim calcmode="lin" valueType="num">
+                                      <p:cBhvr>
+                                        <p:cTn id="33" dur="500" fill="hold"/>
+                                        <p:tgtEl>
+                                          <p:spTgt spid="3">
+                                            <p:txEl>
+                                              <p:pRg st="4" end="4"/>
+                                            </p:txEl>
+                                          </p:spTgt>
+                                        </p:tgtEl>
+                                        <p:attrNameLst>
+                                          <p:attrName>ppt_w</p:attrName>
+                                        </p:attrNameLst>
+                                      </p:cBhvr>
+                                      <p:tavLst>
+                                        <p:tav tm="0">
+                                          <p:val>
+                                            <p:fltVal val="0"/>
+                                          </p:val>
+                                        </p:tav>
+                                        <p:tav tm="100000">
+                                          <p:val>
+                                            <p:strVal val="#ppt_w"/>
+                                          </p:val>
+                                        </p:tav>
+                                      </p:tavLst>
+                                    </p:anim>
+                                    <p:anim calcmode="lin" valueType="num">
+                                      <p:cBhvr>
+                                        <p:cTn id="34" dur="500" fill="hold"/>
+                                        <p:tgtEl>
+                                          <p:spTgt spid="3">
+                                            <p:txEl>
+                                              <p:pRg st="4" end="4"/>
+                                            </p:txEl>
+                                          </p:spTgt>
+                                        </p:tgtEl>
+                                        <p:attrNameLst>
+                                          <p:attrName>ppt_h</p:attrName>
+                                        </p:attrNameLst>
+                                      </p:cBhvr>
+                                      <p:tavLst>
+                                        <p:tav tm="0">
+                                          <p:val>
+                                            <p:fltVal val="0"/>
+                                          </p:val>
+                                        </p:tav>
+                                        <p:tav tm="100000">
+                                          <p:val>
+                                            <p:strVal val="#ppt_h"/>
+                                          </p:val>
+                                        </p:tav>
+                                      </p:tavLst>
+                                    </p:anim>
+                                    <p:animEffect transition="in" filter="fade">
+                                      <p:cBhvr>
+                                        <p:cTn id="35" dur="500"/>
+                                        <p:tgtEl>
+                                          <p:spTgt spid="3">
+                                            <p:txEl>
+                                              <p:pRg st="4" end="4"/>
+                                            </p:txEl>
+                                          </p:spTgt>
+                                        </p:tgtEl>
+                                      </p:cBhvr>
+                                    </p:animEffect>
+                                  </p:childTnLst>
+                                </p:cTn>
+                              </p:par>
+                              <p:par>
+                                <p:cTn id="36" presetID="53" presetClass="entr" presetSubtype="16" fill="hold" grpId="0" nodeType="withEffect">
+                                  <p:stCondLst>
+                                    <p:cond delay="0"/>
+                                  </p:stCondLst>
+                                  <p:childTnLst>
+                                    <p:set>
+                                      <p:cBhvr>
+                                        <p:cTn id="37" dur="1" fill="hold">
+                                          <p:stCondLst>
+                                            <p:cond delay="0"/>
+                                          </p:stCondLst>
+                                        </p:cTn>
+                                        <p:tgtEl>
+                                          <p:spTgt spid="3">
+                                            <p:txEl>
+                                              <p:pRg st="5" end="5"/>
+                                            </p:txEl>
+                                          </p:spTgt>
+                                        </p:tgtEl>
+                                        <p:attrNameLst>
+                                          <p:attrName>style.visibility</p:attrName>
+                                        </p:attrNameLst>
+                                      </p:cBhvr>
+                                      <p:to>
+                                        <p:strVal val="visible"/>
+                                      </p:to>
+                                    </p:set>
+                                    <p:anim calcmode="lin" valueType="num">
+                                      <p:cBhvr>
+                                        <p:cTn id="38" dur="500" fill="hold"/>
+                                        <p:tgtEl>
+                                          <p:spTgt spid="3">
+                                            <p:txEl>
+                                              <p:pRg st="5" end="5"/>
+                                            </p:txEl>
+                                          </p:spTgt>
+                                        </p:tgtEl>
+                                        <p:attrNameLst>
+                                          <p:attrName>ppt_w</p:attrName>
+                                        </p:attrNameLst>
+                                      </p:cBhvr>
+                                      <p:tavLst>
+                                        <p:tav tm="0">
+                                          <p:val>
+                                            <p:fltVal val="0"/>
+                                          </p:val>
+                                        </p:tav>
+                                        <p:tav tm="100000">
+                                          <p:val>
+                                            <p:strVal val="#ppt_w"/>
+                                          </p:val>
+                                        </p:tav>
+                                      </p:tavLst>
+                                    </p:anim>
+                                    <p:anim calcmode="lin" valueType="num">
+                                      <p:cBhvr>
+                                        <p:cTn id="39" dur="500" fill="hold"/>
+                                        <p:tgtEl>
+                                          <p:spTgt spid="3">
+                                            <p:txEl>
+                                              <p:pRg st="5" end="5"/>
+                                            </p:txEl>
+                                          </p:spTgt>
+                                        </p:tgtEl>
+                                        <p:attrNameLst>
+                                          <p:attrName>ppt_h</p:attrName>
+                                        </p:attrNameLst>
+                                      </p:cBhvr>
+                                      <p:tavLst>
+                                        <p:tav tm="0">
+                                          <p:val>
+                                            <p:fltVal val="0"/>
+                                          </p:val>
+                                        </p:tav>
+                                        <p:tav tm="100000">
+                                          <p:val>
+                                            <p:strVal val="#ppt_h"/>
+                                          </p:val>
+                                        </p:tav>
+                                      </p:tavLst>
+                                    </p:anim>
+                                    <p:animEffect transition="in" filter="fade">
+                                      <p:cBhvr>
+                                        <p:cTn id="40" dur="500"/>
+                                        <p:tgtEl>
+                                          <p:spTgt spid="3">
+                                            <p:txEl>
+                                              <p:pRg st="5" end="5"/>
+                                            </p:txEl>
+                                          </p:spTgt>
+                                        </p:tgtEl>
+                                      </p:cBhvr>
+                                    </p:animEffect>
+                                  </p:childTnLst>
+                                </p:cTn>
+                              </p:par>
+                            </p:childTnLst>
+                          </p:cTn>
+                        </p:par>
+                      </p:childTnLst>
+                    </p:cTn>
+                  </p:par>
+                </p:childTnLst>
+              </p:cTn>
+              <p:prevCondLst>
+                <p:cond evt="onPrev" delay="0">
+                  <p:tgtEl>
+                    <p:sldTgt/>
+                  </p:tgtEl>
+                </p:cond>
+              </p:prevCondLst>
+              <p:nextCondLst>
+                <p:cond evt="onNext" delay="0">
+                  <p:tgtEl>
+                    <p:sldTgt/>
+                  </p:tgtEl>
+                </p:cond>
+              </p:nextCondLst>
+            </p:seq>
+          </p:childTnLst>
+        </p:cTn>
+      </p:par>
+    </p:tnLst>
+    <p:bldLst>
+      <p:bldP spid="3" grpId="0" build="p"/>
+    </p:bldLst>
+  </p:timing>
+</p:sld>
+</file>
+
+<file path=ppt/slides/slide21.xml><?xml version="1.0" encoding="utf-8"?>
+<p:sld xmlns:a="http://schemas.openxmlformats.org/drawingml/2006/main" xmlns:r="http://schemas.openxmlformats.org/officeDocument/2006/relationships" xmlns:p="http://schemas.openxmlformats.org/presentationml/2006/main">
+  <p:cSld>
+    <p:spTree>
+      <p:nvGrpSpPr>
+        <p:cNvPr id="1" name=""/>
+        <p:cNvGrpSpPr/>
+        <p:nvPr/>
+      </p:nvGrpSpPr>
+      <p:grpSpPr>
+        <a:xfrm>
+          <a:off x="0" y="0"/>
+          <a:ext cx="0" cy="0"/>
+          <a:chOff x="0" y="0"/>
+          <a:chExt cx="0" cy="0"/>
+        </a:xfrm>
+      </p:grpSpPr>
+      <p:pic>
+        <p:nvPicPr>
+          <p:cNvPr id="4" name="Picture 3">
+            <a:extLst>
+              <a:ext uri="{FF2B5EF4-FFF2-40B4-BE49-F238E27FC236}">
+                <a16:creationId xmlns:a16="http://schemas.microsoft.com/office/drawing/2014/main" id="{6BCC1E45-AEAD-4E2F-BAA0-7871DFB930BB}"/>
+              </a:ext>
+            </a:extLst>
+          </p:cNvPr>
+          <p:cNvPicPr>
+            <a:picLocks noChangeAspect="1"/>
+          </p:cNvPicPr>
+          <p:nvPr/>
+        </p:nvPicPr>
+        <p:blipFill rotWithShape="1">
+          <a:blip r:embed="rId2">
+            <a:alphaModFix amt="15000"/>
+          </a:blip>
+          <a:srcRect l="211" r="14456" b="1"/>
+          <a:stretch/>
+        </p:blipFill>
+        <p:spPr>
+          <a:xfrm>
+            <a:off x="20" y="10"/>
+            <a:ext cx="12191980" cy="6857990"/>
+          </a:xfrm>
+          <a:prstGeom prst="rect">
+            <a:avLst/>
+          </a:prstGeom>
+        </p:spPr>
+      </p:pic>
+      <p:sp>
+        <p:nvSpPr>
+          <p:cNvPr id="2" name="Title 1">
+            <a:extLst>
+              <a:ext uri="{FF2B5EF4-FFF2-40B4-BE49-F238E27FC236}">
+                <a16:creationId xmlns:a16="http://schemas.microsoft.com/office/drawing/2014/main" id="{D9006747-D2BE-4B0A-976F-C1A0B9F6251E}"/>
+              </a:ext>
+            </a:extLst>
+          </p:cNvPr>
+          <p:cNvSpPr>
+            <a:spLocks noGrp="1"/>
+          </p:cNvSpPr>
+          <p:nvPr>
+            <p:ph type="title"/>
+          </p:nvPr>
+        </p:nvSpPr>
+        <p:spPr>
+          <a:xfrm>
+            <a:off x="1141413" y="609600"/>
+            <a:ext cx="9905998" cy="1905000"/>
+          </a:xfrm>
+        </p:spPr>
+        <p:txBody>
+          <a:bodyPr>
+            <a:normAutofit/>
+          </a:bodyPr>
+          <a:lstStyle/>
+          <a:p>
+            <a:r>
+              <a:rPr lang="en-US" dirty="0"/>
+              <a:t>Conclusions</a:t>
+            </a:r>
+          </a:p>
+        </p:txBody>
+      </p:sp>
+      <p:sp>
+        <p:nvSpPr>
+          <p:cNvPr id="3" name="Content Placeholder 2">
+            <a:extLst>
+              <a:ext uri="{FF2B5EF4-FFF2-40B4-BE49-F238E27FC236}">
+                <a16:creationId xmlns:a16="http://schemas.microsoft.com/office/drawing/2014/main" id="{C583497C-ADB4-46BD-B75B-2B783975C24D}"/>
+              </a:ext>
+            </a:extLst>
+          </p:cNvPr>
+          <p:cNvSpPr>
+            <a:spLocks noGrp="1"/>
+          </p:cNvSpPr>
+          <p:nvPr>
+            <p:ph idx="1"/>
+          </p:nvPr>
+        </p:nvSpPr>
+        <p:spPr>
+          <a:xfrm>
+            <a:off x="324464" y="1932039"/>
+            <a:ext cx="11577483" cy="3859161"/>
+          </a:xfrm>
+        </p:spPr>
+        <p:txBody>
+          <a:bodyPr>
+            <a:normAutofit/>
+          </a:bodyPr>
+          <a:lstStyle/>
+          <a:p>
+            <a:pPr>
+              <a:lnSpc>
+                <a:spcPct val="90000"/>
+              </a:lnSpc>
+            </a:pPr>
+            <a:r>
+              <a:rPr lang="en-US" sz="2800" dirty="0"/>
+              <a:t>Hard to make definitive conclusions </a:t>
+            </a:r>
+          </a:p>
+          <a:p>
+            <a:pPr lvl="1">
+              <a:lnSpc>
+                <a:spcPct val="90000"/>
+              </a:lnSpc>
+            </a:pPr>
+            <a:r>
+              <a:rPr lang="en-US" sz="2600" dirty="0"/>
+              <a:t>44% beers have no reported bitterness (1005 out of 2305)</a:t>
+            </a:r>
+          </a:p>
+          <a:p>
+            <a:pPr lvl="1">
+              <a:lnSpc>
+                <a:spcPct val="90000"/>
+              </a:lnSpc>
+            </a:pPr>
+            <a:r>
+              <a:rPr lang="en-US" sz="2800" dirty="0"/>
+              <a:t>breweries that have reported their bitterness ratings may have a significant influence on the available data. </a:t>
+            </a:r>
+            <a:endParaRPr lang="en-US" sz="2600" dirty="0"/>
+          </a:p>
+          <a:p>
+            <a:pPr>
+              <a:lnSpc>
+                <a:spcPct val="90000"/>
+              </a:lnSpc>
+            </a:pPr>
+            <a:r>
+              <a:rPr lang="en-US" sz="2800" dirty="0"/>
+              <a:t>wide variance among states (except for the West Coast)</a:t>
+            </a:r>
+          </a:p>
+          <a:p>
+            <a:pPr lvl="1">
+              <a:lnSpc>
+                <a:spcPct val="90000"/>
+              </a:lnSpc>
+            </a:pPr>
+            <a:r>
+              <a:rPr lang="en-US" sz="2400" dirty="0"/>
+              <a:t>breweries specializing in bitter beers make a significant impact on the dataset</a:t>
+            </a:r>
+          </a:p>
+          <a:p>
+            <a:pPr lvl="1">
+              <a:lnSpc>
+                <a:spcPct val="90000"/>
+              </a:lnSpc>
+            </a:pPr>
+            <a:r>
+              <a:rPr lang="en-US" sz="2400" dirty="0"/>
+              <a:t>could be significantly impacting the taste preferences of their entire state.</a:t>
+            </a:r>
+          </a:p>
+        </p:txBody>
+      </p:sp>
+    </p:spTree>
+    <p:extLst>
+      <p:ext uri="{BB962C8B-B14F-4D97-AF65-F5344CB8AC3E}">
+        <p14:creationId xmlns:p14="http://schemas.microsoft.com/office/powerpoint/2010/main" val="750070674"/>
+      </p:ext>
+    </p:extLst>
+  </p:cSld>
+  <p:clrMapOvr>
+    <a:masterClrMapping/>
+  </p:clrMapOvr>
+</p:sld>
+</file>
+
+<file path=ppt/slides/slide22.xml><?xml version="1.0" encoding="utf-8"?>
+<p:sld xmlns:a="http://schemas.openxmlformats.org/drawingml/2006/main" xmlns:r="http://schemas.openxmlformats.org/officeDocument/2006/relationships" xmlns:p="http://schemas.openxmlformats.org/presentationml/2006/main">
+  <p:cSld>
+    <p:spTree>
+      <p:nvGrpSpPr>
+        <p:cNvPr id="1" name=""/>
+        <p:cNvGrpSpPr/>
+        <p:nvPr/>
+      </p:nvGrpSpPr>
+      <p:grpSpPr>
+        <a:xfrm>
+          <a:off x="0" y="0"/>
+          <a:ext cx="0" cy="0"/>
+          <a:chOff x="0" y="0"/>
+          <a:chExt cx="0" cy="0"/>
+        </a:xfrm>
+      </p:grpSpPr>
+      <p:sp>
+        <p:nvSpPr>
+          <p:cNvPr id="2" name="Title 1">
+            <a:extLst>
+              <a:ext uri="{FF2B5EF4-FFF2-40B4-BE49-F238E27FC236}">
+                <a16:creationId xmlns:a16="http://schemas.microsoft.com/office/drawing/2014/main" id="{92200071-A29A-684B-A069-8F0DC785531B}"/>
+              </a:ext>
+            </a:extLst>
+          </p:cNvPr>
+          <p:cNvSpPr>
+            <a:spLocks noGrp="1"/>
+          </p:cNvSpPr>
+          <p:nvPr>
+            <p:ph type="title"/>
+          </p:nvPr>
+        </p:nvSpPr>
+        <p:spPr>
+          <a:xfrm>
+            <a:off x="2670399" y="87973"/>
+            <a:ext cx="6450370" cy="1077818"/>
+          </a:xfrm>
+        </p:spPr>
+        <p:txBody>
+          <a:bodyPr/>
+          <a:lstStyle/>
+          <a:p>
+            <a:pPr algn="ctr"/>
+            <a:r>
+              <a:rPr lang="en-US" dirty="0"/>
+              <a:t>Summary Statistics for ABV</a:t>
+            </a:r>
+          </a:p>
+        </p:txBody>
+      </p:sp>
+      <p:graphicFrame>
+        <p:nvGraphicFramePr>
+          <p:cNvPr id="9" name="Table 8">
+            <a:extLst>
+              <a:ext uri="{FF2B5EF4-FFF2-40B4-BE49-F238E27FC236}">
+                <a16:creationId xmlns:a16="http://schemas.microsoft.com/office/drawing/2014/main" id="{B445A2F1-87E4-7F4E-8D4D-C60ED50961AE}"/>
+              </a:ext>
+            </a:extLst>
+          </p:cNvPr>
+          <p:cNvGraphicFramePr>
+            <a:graphicFrameLocks noGrp="1"/>
+          </p:cNvGraphicFramePr>
+          <p:nvPr/>
+        </p:nvGraphicFramePr>
+        <p:xfrm>
+          <a:off x="1831584" y="5780181"/>
+          <a:ext cx="8128001" cy="741680"/>
+        </p:xfrm>
+        <a:graphic>
+          <a:graphicData uri="http://schemas.openxmlformats.org/drawingml/2006/table">
+            <a:tbl>
+              <a:tblPr firstRow="1" bandRow="1">
+                <a:tableStyleId>{5C22544A-7EE6-4342-B048-85BDC9FD1C3A}</a:tableStyleId>
+              </a:tblPr>
+              <a:tblGrid>
+                <a:gridCol w="1161143">
+                  <a:extLst>
+                    <a:ext uri="{9D8B030D-6E8A-4147-A177-3AD203B41FA5}">
+                      <a16:colId xmlns:a16="http://schemas.microsoft.com/office/drawing/2014/main" val="1234244298"/>
+                    </a:ext>
+                  </a:extLst>
+                </a:gridCol>
+                <a:gridCol w="1161143">
+                  <a:extLst>
+                    <a:ext uri="{9D8B030D-6E8A-4147-A177-3AD203B41FA5}">
+                      <a16:colId xmlns:a16="http://schemas.microsoft.com/office/drawing/2014/main" val="4049351996"/>
+                    </a:ext>
+                  </a:extLst>
+                </a:gridCol>
+                <a:gridCol w="1161143">
+                  <a:extLst>
+                    <a:ext uri="{9D8B030D-6E8A-4147-A177-3AD203B41FA5}">
+                      <a16:colId xmlns:a16="http://schemas.microsoft.com/office/drawing/2014/main" val="50068365"/>
+                    </a:ext>
+                  </a:extLst>
+                </a:gridCol>
+                <a:gridCol w="1161143">
+                  <a:extLst>
+                    <a:ext uri="{9D8B030D-6E8A-4147-A177-3AD203B41FA5}">
+                      <a16:colId xmlns:a16="http://schemas.microsoft.com/office/drawing/2014/main" val="953446260"/>
+                    </a:ext>
+                  </a:extLst>
+                </a:gridCol>
+                <a:gridCol w="1161143">
+                  <a:extLst>
+                    <a:ext uri="{9D8B030D-6E8A-4147-A177-3AD203B41FA5}">
+                      <a16:colId xmlns:a16="http://schemas.microsoft.com/office/drawing/2014/main" val="2727217826"/>
+                    </a:ext>
+                  </a:extLst>
+                </a:gridCol>
+                <a:gridCol w="1161143">
+                  <a:extLst>
+                    <a:ext uri="{9D8B030D-6E8A-4147-A177-3AD203B41FA5}">
+                      <a16:colId xmlns:a16="http://schemas.microsoft.com/office/drawing/2014/main" val="2537475592"/>
+                    </a:ext>
+                  </a:extLst>
+                </a:gridCol>
+                <a:gridCol w="1161143">
+                  <a:extLst>
+                    <a:ext uri="{9D8B030D-6E8A-4147-A177-3AD203B41FA5}">
+                      <a16:colId xmlns:a16="http://schemas.microsoft.com/office/drawing/2014/main" val="596408170"/>
+                    </a:ext>
+                  </a:extLst>
+                </a:gridCol>
+              </a:tblGrid>
+              <a:tr h="370840">
+                <a:tc>
+                  <a:txBody>
+                    <a:bodyPr/>
+                    <a:lstStyle/>
+                    <a:p>
+                      <a:pPr algn="ctr"/>
+                      <a:r>
+                        <a:rPr lang="en-US" dirty="0"/>
+                        <a:t>Min.</a:t>
+                      </a:r>
+                    </a:p>
+                  </a:txBody>
+                  <a:tcPr/>
+                </a:tc>
+                <a:tc>
+                  <a:txBody>
+                    <a:bodyPr/>
+                    <a:lstStyle/>
+                    <a:p>
+                      <a:pPr algn="ctr"/>
+                      <a:r>
+                        <a:rPr lang="en-US" dirty="0"/>
+                        <a:t>1</a:t>
+                      </a:r>
+                      <a:r>
+                        <a:rPr lang="en-US" baseline="30000" dirty="0"/>
+                        <a:t>st</a:t>
+                      </a:r>
+                      <a:r>
+                        <a:rPr lang="en-US" dirty="0"/>
+                        <a:t> Qu.</a:t>
+                      </a:r>
+                    </a:p>
+                  </a:txBody>
+                  <a:tcPr/>
+                </a:tc>
+                <a:tc>
+                  <a:txBody>
+                    <a:bodyPr/>
+                    <a:lstStyle/>
+                    <a:p>
+                      <a:pPr algn="ctr"/>
+                      <a:r>
+                        <a:rPr lang="en-US" dirty="0"/>
+                        <a:t>Median</a:t>
+                      </a:r>
+                    </a:p>
+                  </a:txBody>
+                  <a:tcPr/>
+                </a:tc>
+                <a:tc>
+                  <a:txBody>
+                    <a:bodyPr/>
+                    <a:lstStyle/>
+                    <a:p>
+                      <a:pPr algn="ctr"/>
+                      <a:r>
+                        <a:rPr lang="en-US" dirty="0"/>
+                        <a:t>Mean</a:t>
+                      </a:r>
+                    </a:p>
+                  </a:txBody>
+                  <a:tcPr/>
+                </a:tc>
+                <a:tc>
+                  <a:txBody>
+                    <a:bodyPr/>
+                    <a:lstStyle/>
+                    <a:p>
+                      <a:pPr algn="ctr"/>
+                      <a:r>
+                        <a:rPr lang="en-US" dirty="0"/>
+                        <a:t>3</a:t>
+                      </a:r>
+                      <a:r>
+                        <a:rPr lang="en-US" baseline="30000" dirty="0"/>
+                        <a:t>rd</a:t>
+                      </a:r>
+                      <a:r>
+                        <a:rPr lang="en-US" dirty="0"/>
+                        <a:t> Qu.</a:t>
+                      </a:r>
+                    </a:p>
+                  </a:txBody>
+                  <a:tcPr/>
+                </a:tc>
+                <a:tc>
+                  <a:txBody>
+                    <a:bodyPr/>
+                    <a:lstStyle/>
+                    <a:p>
+                      <a:pPr algn="ctr"/>
+                      <a:r>
+                        <a:rPr lang="en-US" dirty="0"/>
+                        <a:t>Max.</a:t>
+                      </a:r>
+                    </a:p>
+                  </a:txBody>
+                  <a:tcPr/>
+                </a:tc>
+                <a:tc>
+                  <a:txBody>
+                    <a:bodyPr/>
+                    <a:lstStyle/>
+                    <a:p>
+                      <a:pPr algn="ctr"/>
+                      <a:r>
+                        <a:rPr lang="en-US" dirty="0"/>
+                        <a:t>NA’s</a:t>
+                      </a:r>
+                    </a:p>
+                  </a:txBody>
+                  <a:tcPr/>
+                </a:tc>
+                <a:extLst>
+                  <a:ext uri="{0D108BD9-81ED-4DB2-BD59-A6C34878D82A}">
+                    <a16:rowId xmlns:a16="http://schemas.microsoft.com/office/drawing/2014/main" val="3230369297"/>
+                  </a:ext>
+                </a:extLst>
+              </a:tr>
+              <a:tr h="370840">
+                <a:tc>
+                  <a:txBody>
+                    <a:bodyPr/>
+                    <a:lstStyle/>
+                    <a:p>
+                      <a:pPr algn="ctr"/>
+                      <a:r>
+                        <a:rPr lang="en-US" dirty="0"/>
+                        <a:t>0.00100</a:t>
+                      </a:r>
+                    </a:p>
+                  </a:txBody>
+                  <a:tcPr/>
+                </a:tc>
+                <a:tc>
+                  <a:txBody>
+                    <a:bodyPr/>
+                    <a:lstStyle/>
+                    <a:p>
+                      <a:pPr algn="ctr"/>
+                      <a:r>
+                        <a:rPr lang="en-US" dirty="0"/>
+                        <a:t>0.05000</a:t>
+                      </a:r>
+                    </a:p>
+                  </a:txBody>
+                  <a:tcPr/>
+                </a:tc>
+                <a:tc>
+                  <a:txBody>
+                    <a:bodyPr/>
+                    <a:lstStyle/>
+                    <a:p>
+                      <a:pPr algn="ctr"/>
+                      <a:r>
+                        <a:rPr lang="en-US" dirty="0"/>
+                        <a:t>0.05600</a:t>
+                      </a:r>
+                    </a:p>
+                  </a:txBody>
+                  <a:tcPr/>
+                </a:tc>
+                <a:tc>
+                  <a:txBody>
+                    <a:bodyPr/>
+                    <a:lstStyle/>
+                    <a:p>
+                      <a:pPr algn="ctr"/>
+                      <a:r>
+                        <a:rPr lang="en-US" dirty="0"/>
+                        <a:t>0.05977</a:t>
+                      </a:r>
+                    </a:p>
+                  </a:txBody>
+                  <a:tcPr/>
+                </a:tc>
+                <a:tc>
+                  <a:txBody>
+                    <a:bodyPr/>
+                    <a:lstStyle/>
+                    <a:p>
+                      <a:pPr algn="ctr"/>
+                      <a:r>
+                        <a:rPr lang="en-US" dirty="0"/>
+                        <a:t>0.06700</a:t>
+                      </a:r>
+                    </a:p>
+                  </a:txBody>
+                  <a:tcPr/>
+                </a:tc>
+                <a:tc>
+                  <a:txBody>
+                    <a:bodyPr/>
+                    <a:lstStyle/>
+                    <a:p>
+                      <a:pPr algn="ctr"/>
+                      <a:r>
+                        <a:rPr lang="en-US" dirty="0"/>
+                        <a:t>0.12800</a:t>
+                      </a:r>
+                    </a:p>
+                  </a:txBody>
+                  <a:tcPr/>
+                </a:tc>
+                <a:tc>
+                  <a:txBody>
+                    <a:bodyPr/>
+                    <a:lstStyle/>
+                    <a:p>
+                      <a:pPr algn="ctr"/>
+                      <a:r>
+                        <a:rPr lang="en-US" dirty="0"/>
+                        <a:t>62</a:t>
+                      </a:r>
+                    </a:p>
+                  </a:txBody>
+                  <a:tcPr/>
+                </a:tc>
+                <a:extLst>
+                  <a:ext uri="{0D108BD9-81ED-4DB2-BD59-A6C34878D82A}">
+                    <a16:rowId xmlns:a16="http://schemas.microsoft.com/office/drawing/2014/main" val="3124002802"/>
+                  </a:ext>
+                </a:extLst>
+              </a:tr>
+            </a:tbl>
+          </a:graphicData>
+        </a:graphic>
+      </p:graphicFrame>
+      <p:pic>
+        <p:nvPicPr>
+          <p:cNvPr id="7" name="Content Placeholder 6">
+            <a:extLst>
+              <a:ext uri="{FF2B5EF4-FFF2-40B4-BE49-F238E27FC236}">
+                <a16:creationId xmlns:a16="http://schemas.microsoft.com/office/drawing/2014/main" id="{331D3CB2-99B1-FB47-85D1-03572BE26949}"/>
+              </a:ext>
+            </a:extLst>
+          </p:cNvPr>
+          <p:cNvPicPr>
+            <a:picLocks noGrp="1" noChangeAspect="1"/>
+          </p:cNvPicPr>
+          <p:nvPr>
+            <p:ph idx="1"/>
+          </p:nvPr>
+        </p:nvPicPr>
+        <p:blipFill>
+          <a:blip r:embed="rId2"/>
+          <a:stretch>
+            <a:fillRect/>
+          </a:stretch>
+        </p:blipFill>
+        <p:spPr>
+          <a:xfrm>
+            <a:off x="2294250" y="1165791"/>
+            <a:ext cx="7021620" cy="4131365"/>
+          </a:xfrm>
+        </p:spPr>
+      </p:pic>
+    </p:spTree>
+    <p:extLst>
+      <p:ext uri="{BB962C8B-B14F-4D97-AF65-F5344CB8AC3E}">
+        <p14:creationId xmlns:p14="http://schemas.microsoft.com/office/powerpoint/2010/main" val="2358877752"/>
+      </p:ext>
+    </p:extLst>
+  </p:cSld>
+  <p:clrMapOvr>
+    <a:masterClrMapping/>
+  </p:clrMapOvr>
+</p:sld>
+</file>
+
+<file path=ppt/slides/slide23.xml><?xml version="1.0" encoding="utf-8"?>
+<p:sld xmlns:a="http://schemas.openxmlformats.org/drawingml/2006/main" xmlns:r="http://schemas.openxmlformats.org/officeDocument/2006/relationships" xmlns:p="http://schemas.openxmlformats.org/presentationml/2006/main">
+  <p:cSld>
+    <p:spTree>
+      <p:nvGrpSpPr>
+        <p:cNvPr id="1" name=""/>
+        <p:cNvGrpSpPr/>
+        <p:nvPr/>
+      </p:nvGrpSpPr>
+      <p:grpSpPr>
+        <a:xfrm>
+          <a:off x="0" y="0"/>
+          <a:ext cx="0" cy="0"/>
+          <a:chOff x="0" y="0"/>
+          <a:chExt cx="0" cy="0"/>
+        </a:xfrm>
+      </p:grpSpPr>
+      <p:sp>
+        <p:nvSpPr>
+          <p:cNvPr id="2" name="Title 1">
+            <a:extLst>
+              <a:ext uri="{FF2B5EF4-FFF2-40B4-BE49-F238E27FC236}">
+                <a16:creationId xmlns:a16="http://schemas.microsoft.com/office/drawing/2014/main" id="{61BFDC9E-778B-8D46-AD92-7A8A84F2831D}"/>
+              </a:ext>
+            </a:extLst>
+          </p:cNvPr>
+          <p:cNvSpPr>
+            <a:spLocks noGrp="1"/>
+          </p:cNvSpPr>
+          <p:nvPr>
+            <p:ph type="title"/>
+          </p:nvPr>
+        </p:nvSpPr>
+        <p:spPr>
+          <a:xfrm>
+            <a:off x="2426063" y="-157369"/>
+            <a:ext cx="7259804" cy="1905000"/>
+          </a:xfrm>
+        </p:spPr>
+        <p:txBody>
+          <a:bodyPr/>
+          <a:lstStyle/>
+          <a:p>
+            <a:pPr algn="ctr"/>
+            <a:r>
+              <a:rPr lang="en-US" dirty="0"/>
+              <a:t>Maximum alcohol content  </a:t>
+            </a:r>
+          </a:p>
+        </p:txBody>
+      </p:sp>
+      <p:sp>
+        <p:nvSpPr>
+          <p:cNvPr id="10" name="Content Placeholder 2">
+            <a:extLst>
+              <a:ext uri="{FF2B5EF4-FFF2-40B4-BE49-F238E27FC236}">
+                <a16:creationId xmlns:a16="http://schemas.microsoft.com/office/drawing/2014/main" id="{579BF4C9-E394-5345-B9A5-C705EAD7373D}"/>
+              </a:ext>
+            </a:extLst>
+          </p:cNvPr>
+          <p:cNvSpPr txBox="1">
+            <a:spLocks/>
+          </p:cNvSpPr>
+          <p:nvPr/>
+        </p:nvSpPr>
+        <p:spPr>
+          <a:xfrm>
+            <a:off x="7274807" y="2030260"/>
+            <a:ext cx="4804871" cy="4321320"/>
+          </a:xfrm>
+          <a:prstGeom prst="rect">
+            <a:avLst/>
+          </a:prstGeom>
+        </p:spPr>
+        <p:txBody>
+          <a:bodyPr vert="horz" lIns="91440" tIns="45720" rIns="91440" bIns="45720" rtlCol="0" anchor="ctr">
+            <a:normAutofit fontScale="92500" lnSpcReduction="10000"/>
+          </a:bodyPr>
+          <a:lstStyle>
+            <a:lvl1pPr marL="285750" indent="-285750" algn="l" defTabSz="457200" rtl="0" eaLnBrk="1" latinLnBrk="0" hangingPunct="1">
+              <a:spcBef>
+                <a:spcPct val="20000"/>
+              </a:spcBef>
+              <a:spcAft>
+                <a:spcPts val="600"/>
+              </a:spcAft>
+              <a:buClr>
+                <a:schemeClr val="accent1"/>
+              </a:buClr>
+              <a:buSzPct val="100000"/>
+              <a:buFont typeface="Arial"/>
+              <a:buChar char="•"/>
+              <a:defRPr sz="2000" kern="1200" cap="small">
+                <a:solidFill>
+                  <a:schemeClr val="tx1"/>
+                </a:solidFill>
+                <a:effectLst>
+                  <a:glow rad="38100">
+                    <a:schemeClr val="bg1">
+                      <a:lumMod val="50000"/>
+                      <a:lumOff val="50000"/>
+                      <a:alpha val="20000"/>
+                    </a:schemeClr>
+                  </a:glow>
+                  <a:outerShdw blurRad="44450" dist="12700" dir="13860000" algn="tl" rotWithShape="0">
+                    <a:srgbClr val="000000">
+                      <a:alpha val="20000"/>
+                    </a:srgbClr>
+                  </a:outerShdw>
+                </a:effectLst>
+                <a:latin typeface="+mn-lt"/>
+                <a:ea typeface="+mn-ea"/>
+                <a:cs typeface="+mn-cs"/>
+              </a:defRPr>
+            </a:lvl1pPr>
+            <a:lvl2pPr marL="742950" indent="-285750" algn="l" defTabSz="457200" rtl="0" eaLnBrk="1" latinLnBrk="0" hangingPunct="1">
+              <a:spcBef>
+                <a:spcPct val="20000"/>
+              </a:spcBef>
+              <a:spcAft>
+                <a:spcPts val="600"/>
+              </a:spcAft>
+              <a:buClr>
+                <a:schemeClr val="accent1"/>
+              </a:buClr>
+              <a:buSzPct val="100000"/>
+              <a:buFont typeface="Arial"/>
+              <a:buChar char="•"/>
+              <a:defRPr sz="1800" kern="1200" cap="small">
+                <a:solidFill>
+                  <a:schemeClr val="tx1"/>
+                </a:solidFill>
+                <a:effectLst>
+                  <a:glow rad="38100">
+                    <a:schemeClr val="bg1">
+                      <a:lumMod val="50000"/>
+                      <a:lumOff val="50000"/>
+                      <a:alpha val="20000"/>
+                    </a:schemeClr>
+                  </a:glow>
+                  <a:outerShdw blurRad="44450" dist="12700" dir="13860000" algn="tl" rotWithShape="0">
+                    <a:srgbClr val="000000">
+                      <a:alpha val="20000"/>
+                    </a:srgbClr>
+                  </a:outerShdw>
+                </a:effectLst>
+                <a:latin typeface="+mn-lt"/>
+                <a:ea typeface="+mn-ea"/>
+                <a:cs typeface="+mn-cs"/>
+              </a:defRPr>
+            </a:lvl2pPr>
+            <a:lvl3pPr marL="1200150" indent="-285750" algn="l" defTabSz="457200" rtl="0" eaLnBrk="1" latinLnBrk="0" hangingPunct="1">
+              <a:spcBef>
+                <a:spcPct val="20000"/>
+              </a:spcBef>
+              <a:spcAft>
+                <a:spcPts val="600"/>
+              </a:spcAft>
+              <a:buClr>
+                <a:schemeClr val="accent1"/>
+              </a:buClr>
+              <a:buSzPct val="100000"/>
+              <a:buFont typeface="Arial"/>
+              <a:buChar char="•"/>
+              <a:defRPr sz="1600" kern="1200" cap="small">
+                <a:solidFill>
+                  <a:schemeClr val="tx1"/>
+                </a:solidFill>
+                <a:effectLst>
+                  <a:glow rad="38100">
+                    <a:schemeClr val="bg1">
+                      <a:lumMod val="50000"/>
+                      <a:lumOff val="50000"/>
+                      <a:alpha val="20000"/>
+                    </a:schemeClr>
+                  </a:glow>
+                  <a:outerShdw blurRad="44450" dist="12700" dir="13860000" algn="tl" rotWithShape="0">
+                    <a:srgbClr val="000000">
+                      <a:alpha val="20000"/>
+                    </a:srgbClr>
+                  </a:outerShdw>
+                </a:effectLst>
+                <a:latin typeface="+mn-lt"/>
+                <a:ea typeface="+mn-ea"/>
+                <a:cs typeface="+mn-cs"/>
+              </a:defRPr>
+            </a:lvl3pPr>
+            <a:lvl4pPr marL="1543050" indent="-171450" algn="l" defTabSz="457200" rtl="0" eaLnBrk="1" latinLnBrk="0" hangingPunct="1">
+              <a:spcBef>
+                <a:spcPct val="20000"/>
+              </a:spcBef>
+              <a:spcAft>
+                <a:spcPts val="600"/>
+              </a:spcAft>
+              <a:buClr>
+                <a:schemeClr val="accent1"/>
+              </a:buClr>
+              <a:buSzPct val="100000"/>
+              <a:buFont typeface="Arial"/>
+              <a:buChar char="•"/>
+              <a:defRPr sz="1400" kern="1200" cap="small">
+                <a:solidFill>
+                  <a:schemeClr val="tx1"/>
+                </a:solidFill>
+                <a:effectLst>
+                  <a:glow rad="38100">
+                    <a:schemeClr val="bg1">
+                      <a:lumMod val="50000"/>
+                      <a:lumOff val="50000"/>
+                      <a:alpha val="20000"/>
+                    </a:schemeClr>
+                  </a:glow>
+                  <a:outerShdw blurRad="44450" dist="12700" dir="13860000" algn="tl" rotWithShape="0">
+                    <a:srgbClr val="000000">
+                      <a:alpha val="20000"/>
+                    </a:srgbClr>
+                  </a:outerShdw>
+                </a:effectLst>
+                <a:latin typeface="+mn-lt"/>
+                <a:ea typeface="+mn-ea"/>
+                <a:cs typeface="+mn-cs"/>
+              </a:defRPr>
+            </a:lvl4pPr>
+            <a:lvl5pPr marL="2000250" indent="-171450" algn="l" defTabSz="457200" rtl="0" eaLnBrk="1" latinLnBrk="0" hangingPunct="1">
+              <a:spcBef>
+                <a:spcPct val="20000"/>
+              </a:spcBef>
+              <a:spcAft>
+                <a:spcPts val="600"/>
+              </a:spcAft>
+              <a:buClr>
+                <a:schemeClr val="accent1"/>
+              </a:buClr>
+              <a:buSzPct val="100000"/>
+              <a:buFont typeface="Arial"/>
+              <a:buChar char="•"/>
+              <a:defRPr sz="1400" kern="1200" cap="small">
+                <a:solidFill>
+                  <a:schemeClr val="tx1"/>
+                </a:solidFill>
+                <a:effectLst>
+                  <a:glow rad="38100">
+                    <a:schemeClr val="bg1">
+                      <a:lumMod val="50000"/>
+                      <a:lumOff val="50000"/>
+                      <a:alpha val="20000"/>
+                    </a:schemeClr>
+                  </a:glow>
+                  <a:outerShdw blurRad="44450" dist="12700" dir="13860000" algn="tl" rotWithShape="0">
+                    <a:srgbClr val="000000">
+                      <a:alpha val="20000"/>
+                    </a:srgbClr>
+                  </a:outerShdw>
+                </a:effectLst>
+                <a:latin typeface="+mn-lt"/>
+                <a:ea typeface="+mn-ea"/>
+                <a:cs typeface="+mn-cs"/>
+              </a:defRPr>
+            </a:lvl5pPr>
+            <a:lvl6pPr marL="2514600" indent="-228600" algn="l" defTabSz="457200" rtl="0" eaLnBrk="1" latinLnBrk="0" hangingPunct="1">
+              <a:spcBef>
+                <a:spcPct val="20000"/>
+              </a:spcBef>
+              <a:spcAft>
+                <a:spcPts val="600"/>
+              </a:spcAft>
+              <a:buClr>
+                <a:schemeClr val="accent1"/>
+              </a:buClr>
+              <a:buSzPct val="100000"/>
+              <a:buFont typeface="Arial"/>
+              <a:buChar char="•"/>
+              <a:defRPr sz="1200" kern="1200" cap="small">
+                <a:solidFill>
+                  <a:schemeClr val="tx1"/>
+                </a:solidFill>
+                <a:effectLst>
+                  <a:glow rad="38100">
+                    <a:schemeClr val="bg1">
+                      <a:lumMod val="50000"/>
+                      <a:lumOff val="50000"/>
+                      <a:alpha val="20000"/>
+                    </a:schemeClr>
+                  </a:glow>
+                  <a:outerShdw blurRad="44450" dist="12700" dir="13860000" algn="tl" rotWithShape="0">
+                    <a:srgbClr val="000000">
+                      <a:alpha val="20000"/>
+                    </a:srgbClr>
+                  </a:outerShdw>
+                </a:effectLst>
+                <a:latin typeface="+mn-lt"/>
+                <a:ea typeface="+mn-ea"/>
+                <a:cs typeface="+mn-cs"/>
+              </a:defRPr>
+            </a:lvl6pPr>
+            <a:lvl7pPr marL="2971800" indent="-228600" algn="l" defTabSz="457200" rtl="0" eaLnBrk="1" latinLnBrk="0" hangingPunct="1">
+              <a:spcBef>
+                <a:spcPct val="20000"/>
+              </a:spcBef>
+              <a:spcAft>
+                <a:spcPts val="600"/>
+              </a:spcAft>
+              <a:buClr>
+                <a:schemeClr val="accent1"/>
+              </a:buClr>
+              <a:buSzPct val="100000"/>
+              <a:buFont typeface="Arial"/>
+              <a:buChar char="•"/>
+              <a:defRPr sz="1200" kern="1200" cap="small">
+                <a:solidFill>
+                  <a:schemeClr val="tx1"/>
+                </a:solidFill>
+                <a:effectLst>
+                  <a:glow rad="38100">
+                    <a:schemeClr val="bg1">
+                      <a:lumMod val="50000"/>
+                      <a:lumOff val="50000"/>
+                      <a:alpha val="20000"/>
+                    </a:schemeClr>
+                  </a:glow>
+                  <a:outerShdw blurRad="44450" dist="12700" dir="13860000" algn="tl" rotWithShape="0">
+                    <a:srgbClr val="000000">
+                      <a:alpha val="20000"/>
+                    </a:srgbClr>
+                  </a:outerShdw>
+                </a:effectLst>
+                <a:latin typeface="+mn-lt"/>
+                <a:ea typeface="+mn-ea"/>
+                <a:cs typeface="+mn-cs"/>
+              </a:defRPr>
+            </a:lvl7pPr>
+            <a:lvl8pPr marL="3429000" indent="-228600" algn="l" defTabSz="457200" rtl="0" eaLnBrk="1" latinLnBrk="0" hangingPunct="1">
+              <a:spcBef>
+                <a:spcPct val="20000"/>
+              </a:spcBef>
+              <a:spcAft>
+                <a:spcPts val="600"/>
+              </a:spcAft>
+              <a:buClr>
+                <a:schemeClr val="accent1"/>
+              </a:buClr>
+              <a:buSzPct val="100000"/>
+              <a:buFont typeface="Arial"/>
+              <a:buChar char="•"/>
+              <a:defRPr sz="1200" kern="1200" cap="small">
+                <a:solidFill>
+                  <a:schemeClr val="tx1"/>
+                </a:solidFill>
+                <a:effectLst>
+                  <a:glow rad="38100">
+                    <a:schemeClr val="bg1">
+                      <a:lumMod val="50000"/>
+                      <a:lumOff val="50000"/>
+                      <a:alpha val="20000"/>
+                    </a:schemeClr>
+                  </a:glow>
+                  <a:outerShdw blurRad="44450" dist="12700" dir="13860000" algn="tl" rotWithShape="0">
+                    <a:srgbClr val="000000">
+                      <a:alpha val="20000"/>
+                    </a:srgbClr>
+                  </a:outerShdw>
+                </a:effectLst>
+                <a:latin typeface="+mn-lt"/>
+                <a:ea typeface="+mn-ea"/>
+                <a:cs typeface="+mn-cs"/>
+              </a:defRPr>
+            </a:lvl8pPr>
+            <a:lvl9pPr marL="3886200" indent="-228600" algn="l" defTabSz="457200" rtl="0" eaLnBrk="1" latinLnBrk="0" hangingPunct="1">
+              <a:spcBef>
+                <a:spcPct val="20000"/>
+              </a:spcBef>
+              <a:spcAft>
+                <a:spcPts val="600"/>
+              </a:spcAft>
+              <a:buClr>
+                <a:schemeClr val="accent1"/>
+              </a:buClr>
+              <a:buSzPct val="100000"/>
+              <a:buFont typeface="Arial"/>
+              <a:buChar char="•"/>
+              <a:defRPr sz="1200" kern="1200" cap="small">
+                <a:solidFill>
+                  <a:schemeClr val="tx1"/>
+                </a:solidFill>
+                <a:effectLst>
+                  <a:glow rad="38100">
+                    <a:schemeClr val="bg1">
+                      <a:lumMod val="50000"/>
+                      <a:lumOff val="50000"/>
+                      <a:alpha val="20000"/>
+                    </a:schemeClr>
+                  </a:glow>
+                  <a:outerShdw blurRad="44450" dist="12700" dir="13860000" algn="tl" rotWithShape="0">
+                    <a:srgbClr val="000000">
+                      <a:alpha val="20000"/>
+                    </a:srgbClr>
+                  </a:outerShdw>
+                </a:effectLst>
+                <a:latin typeface="+mn-lt"/>
+                <a:ea typeface="+mn-ea"/>
+                <a:cs typeface="+mn-cs"/>
+              </a:defRPr>
+            </a:lvl9pPr>
+          </a:lstStyle>
+          <a:p>
+            <a:pPr marL="0" indent="0">
+              <a:lnSpc>
+                <a:spcPct val="90000"/>
+              </a:lnSpc>
+              <a:buNone/>
+            </a:pPr>
+            <a:r>
+              <a:rPr lang="en-US" b="1" u="sng" dirty="0"/>
+              <a:t>MAXIMUM ABV</a:t>
+            </a:r>
+          </a:p>
+          <a:p>
+            <a:pPr>
+              <a:lnSpc>
+                <a:spcPct val="90000"/>
+              </a:lnSpc>
+            </a:pPr>
+            <a:r>
+              <a:rPr lang="en-US" dirty="0"/>
+              <a:t>LOCATION: </a:t>
+            </a:r>
+          </a:p>
+          <a:p>
+            <a:pPr marL="0" indent="0">
+              <a:lnSpc>
+                <a:spcPct val="90000"/>
+              </a:lnSpc>
+              <a:buNone/>
+            </a:pPr>
+            <a:r>
+              <a:rPr lang="en-US" dirty="0"/>
+              <a:t>	BOULDER, COLORADO</a:t>
+            </a:r>
+          </a:p>
+          <a:p>
+            <a:pPr>
+              <a:lnSpc>
+                <a:spcPct val="90000"/>
+              </a:lnSpc>
+            </a:pPr>
+            <a:r>
+              <a:rPr lang="en-US" dirty="0"/>
+              <a:t>ABV: </a:t>
+            </a:r>
+          </a:p>
+          <a:p>
+            <a:pPr marL="0" indent="0">
+              <a:lnSpc>
+                <a:spcPct val="90000"/>
+              </a:lnSpc>
+              <a:buNone/>
+            </a:pPr>
+            <a:r>
+              <a:rPr lang="en-US" dirty="0"/>
+              <a:t>	.128</a:t>
+            </a:r>
+          </a:p>
+          <a:p>
+            <a:pPr>
+              <a:lnSpc>
+                <a:spcPct val="90000"/>
+              </a:lnSpc>
+            </a:pPr>
+            <a:r>
+              <a:rPr lang="en-US" dirty="0"/>
+              <a:t>BEER NAME: </a:t>
+            </a:r>
+          </a:p>
+          <a:p>
+            <a:pPr marL="0" indent="0">
+              <a:lnSpc>
+                <a:spcPct val="90000"/>
+              </a:lnSpc>
+              <a:buNone/>
+            </a:pPr>
+            <a:r>
+              <a:rPr lang="en-US" dirty="0">
+                <a:effectLst/>
+              </a:rPr>
+              <a:t>	LEE HILL SERIES VOL. 5</a:t>
+            </a:r>
+          </a:p>
+          <a:p>
+            <a:pPr>
+              <a:lnSpc>
+                <a:spcPct val="90000"/>
+              </a:lnSpc>
+            </a:pPr>
+            <a:r>
+              <a:rPr lang="en-US" dirty="0"/>
+              <a:t>BREWERY NAME:</a:t>
+            </a:r>
+          </a:p>
+          <a:p>
+            <a:pPr marL="0" indent="0">
+              <a:lnSpc>
+                <a:spcPct val="90000"/>
+              </a:lnSpc>
+              <a:buNone/>
+            </a:pPr>
+            <a:r>
+              <a:rPr lang="en-US" dirty="0"/>
+              <a:t>	UPSLOPE BREWING COMPANY</a:t>
+            </a:r>
+          </a:p>
+          <a:p>
+            <a:pPr>
+              <a:lnSpc>
+                <a:spcPct val="90000"/>
+              </a:lnSpc>
+            </a:pPr>
+            <a:r>
+              <a:rPr lang="en-US" dirty="0"/>
+              <a:t>BEER STYLE: </a:t>
+            </a:r>
+          </a:p>
+          <a:p>
+            <a:pPr marL="0" indent="0">
+              <a:lnSpc>
+                <a:spcPct val="90000"/>
+              </a:lnSpc>
+              <a:buNone/>
+            </a:pPr>
+            <a:r>
+              <a:rPr lang="en-US" dirty="0"/>
+              <a:t>	BELGIAN STYLE QUADRUPEL ALE</a:t>
+            </a:r>
+          </a:p>
+          <a:p>
+            <a:pPr lvl="1">
+              <a:lnSpc>
+                <a:spcPct val="90000"/>
+              </a:lnSpc>
+            </a:pPr>
+            <a:endParaRPr lang="en-US" dirty="0"/>
+          </a:p>
+        </p:txBody>
+      </p:sp>
+      <p:pic>
+        <p:nvPicPr>
+          <p:cNvPr id="13" name="Picture 12">
+            <a:extLst>
+              <a:ext uri="{FF2B5EF4-FFF2-40B4-BE49-F238E27FC236}">
+                <a16:creationId xmlns:a16="http://schemas.microsoft.com/office/drawing/2014/main" id="{F4D2894F-79A8-9A49-8D13-C4B4ED860533}"/>
+              </a:ext>
+            </a:extLst>
+          </p:cNvPr>
+          <p:cNvPicPr>
+            <a:picLocks noChangeAspect="1"/>
+          </p:cNvPicPr>
+          <p:nvPr/>
+        </p:nvPicPr>
+        <p:blipFill>
+          <a:blip r:embed="rId2"/>
+          <a:stretch>
+            <a:fillRect/>
+          </a:stretch>
+        </p:blipFill>
+        <p:spPr>
+          <a:xfrm>
+            <a:off x="2184400" y="2267327"/>
+            <a:ext cx="3454400" cy="3276338"/>
+          </a:xfrm>
+          <a:prstGeom prst="rect">
+            <a:avLst/>
+          </a:prstGeom>
+        </p:spPr>
+      </p:pic>
+    </p:spTree>
+    <p:extLst>
+      <p:ext uri="{BB962C8B-B14F-4D97-AF65-F5344CB8AC3E}">
+        <p14:creationId xmlns:p14="http://schemas.microsoft.com/office/powerpoint/2010/main" val="319715529"/>
+      </p:ext>
+    </p:extLst>
+  </p:cSld>
+  <p:clrMapOvr>
+    <a:masterClrMapping/>
+  </p:clrMapOvr>
+  <p:timing>
+    <p:tnLst>
+      <p:par>
+        <p:cTn id="1" dur="indefinite" restart="never" nodeType="tmRoot">
+          <p:childTnLst>
+            <p:seq concurrent="1" nextAc="seek">
+              <p:cTn id="2" dur="indefinite" nodeType="mainSeq">
+                <p:childTnLst>
+                  <p:par>
+                    <p:cTn id="3" fill="hold">
+                      <p:stCondLst>
+                        <p:cond delay="indefinite"/>
+                      </p:stCondLst>
+                      <p:childTnLst>
+                        <p:par>
+                          <p:cTn id="4" fill="hold">
+                            <p:stCondLst>
+                              <p:cond delay="0"/>
+                            </p:stCondLst>
+                            <p:childTnLst>
+                              <p:par>
+                                <p:cTn id="5" presetID="53" presetClass="entr" presetSubtype="16" fill="hold" grpId="0" nodeType="clickEffect">
+                                  <p:stCondLst>
+                                    <p:cond delay="0"/>
+                                  </p:stCondLst>
+                                  <p:childTnLst>
+                                    <p:set>
+                                      <p:cBhvr>
+                                        <p:cTn id="6" dur="1" fill="hold">
+                                          <p:stCondLst>
+                                            <p:cond delay="0"/>
+                                          </p:stCondLst>
+                                        </p:cTn>
+                                        <p:tgtEl>
+                                          <p:spTgt spid="10"/>
+                                        </p:tgtEl>
+                                        <p:attrNameLst>
+                                          <p:attrName>style.visibility</p:attrName>
+                                        </p:attrNameLst>
+                                      </p:cBhvr>
+                                      <p:to>
+                                        <p:strVal val="visible"/>
+                                      </p:to>
+                                    </p:set>
+                                    <p:anim calcmode="lin" valueType="num">
+                                      <p:cBhvr>
+                                        <p:cTn id="7" dur="500" fill="hold"/>
+                                        <p:tgtEl>
+                                          <p:spTgt spid="10"/>
+                                        </p:tgtEl>
+                                        <p:attrNameLst>
+                                          <p:attrName>ppt_w</p:attrName>
+                                        </p:attrNameLst>
+                                      </p:cBhvr>
+                                      <p:tavLst>
+                                        <p:tav tm="0">
+                                          <p:val>
+                                            <p:fltVal val="0"/>
+                                          </p:val>
+                                        </p:tav>
+                                        <p:tav tm="100000">
+                                          <p:val>
+                                            <p:strVal val="#ppt_w"/>
+                                          </p:val>
+                                        </p:tav>
+                                      </p:tavLst>
+                                    </p:anim>
+                                    <p:anim calcmode="lin" valueType="num">
+                                      <p:cBhvr>
+                                        <p:cTn id="8" dur="500" fill="hold"/>
+                                        <p:tgtEl>
+                                          <p:spTgt spid="10"/>
+                                        </p:tgtEl>
+                                        <p:attrNameLst>
+                                          <p:attrName>ppt_h</p:attrName>
+                                        </p:attrNameLst>
+                                      </p:cBhvr>
+                                      <p:tavLst>
+                                        <p:tav tm="0">
+                                          <p:val>
+                                            <p:fltVal val="0"/>
+                                          </p:val>
+                                        </p:tav>
+                                        <p:tav tm="100000">
+                                          <p:val>
+                                            <p:strVal val="#ppt_h"/>
+                                          </p:val>
+                                        </p:tav>
+                                      </p:tavLst>
+                                    </p:anim>
+                                    <p:animEffect transition="in" filter="fade">
+                                      <p:cBhvr>
+                                        <p:cTn id="9" dur="500"/>
+                                        <p:tgtEl>
+                                          <p:spTgt spid="10"/>
+                                        </p:tgtEl>
+                                      </p:cBhvr>
+                                    </p:animEffect>
+                                  </p:childTnLst>
+                                </p:cTn>
+                              </p:par>
+                            </p:childTnLst>
+                          </p:cTn>
+                        </p:par>
+                      </p:childTnLst>
+                    </p:cTn>
+                  </p:par>
+                </p:childTnLst>
+              </p:cTn>
+              <p:prevCondLst>
+                <p:cond evt="onPrev" delay="0">
+                  <p:tgtEl>
+                    <p:sldTgt/>
+                  </p:tgtEl>
+                </p:cond>
+              </p:prevCondLst>
+              <p:nextCondLst>
+                <p:cond evt="onNext" delay="0">
+                  <p:tgtEl>
+                    <p:sldTgt/>
+                  </p:tgtEl>
+                </p:cond>
+              </p:nextCondLst>
+            </p:seq>
+          </p:childTnLst>
+        </p:cTn>
+      </p:par>
+    </p:tnLst>
+    <p:bldLst>
+      <p:bldP spid="10" grpId="0"/>
+    </p:bldLst>
+  </p:timing>
+</p:sld>
+</file>
+
+<file path=ppt/slides/slide24.xml><?xml version="1.0" encoding="utf-8"?>
+<p:sld xmlns:a="http://schemas.openxmlformats.org/drawingml/2006/main" xmlns:r="http://schemas.openxmlformats.org/officeDocument/2006/relationships" xmlns:p="http://schemas.openxmlformats.org/presentationml/2006/main">
+  <p:cSld>
+    <p:spTree>
+      <p:nvGrpSpPr>
+        <p:cNvPr id="1" name=""/>
+        <p:cNvGrpSpPr/>
+        <p:nvPr/>
+      </p:nvGrpSpPr>
+      <p:grpSpPr>
+        <a:xfrm>
+          <a:off x="0" y="0"/>
+          <a:ext cx="0" cy="0"/>
+          <a:chOff x="0" y="0"/>
+          <a:chExt cx="0" cy="0"/>
+        </a:xfrm>
+      </p:grpSpPr>
+      <p:sp>
+        <p:nvSpPr>
+          <p:cNvPr id="2" name="Title 1">
+            <a:extLst>
+              <a:ext uri="{FF2B5EF4-FFF2-40B4-BE49-F238E27FC236}">
+                <a16:creationId xmlns:a16="http://schemas.microsoft.com/office/drawing/2014/main" id="{61BFDC9E-778B-8D46-AD92-7A8A84F2831D}"/>
+              </a:ext>
+            </a:extLst>
+          </p:cNvPr>
+          <p:cNvSpPr>
+            <a:spLocks noGrp="1"/>
+          </p:cNvSpPr>
+          <p:nvPr>
+            <p:ph type="title"/>
+          </p:nvPr>
+        </p:nvSpPr>
+        <p:spPr>
+          <a:xfrm>
+            <a:off x="2426063" y="-157369"/>
+            <a:ext cx="6530047" cy="1905000"/>
+          </a:xfrm>
+        </p:spPr>
+        <p:txBody>
+          <a:bodyPr/>
+          <a:lstStyle/>
+          <a:p>
+            <a:pPr algn="ctr"/>
+            <a:r>
+              <a:rPr lang="en-US" dirty="0"/>
+              <a:t>MAXIMUM BITTERNESS (IBU)</a:t>
+            </a:r>
+          </a:p>
+        </p:txBody>
+      </p:sp>
+      <p:sp>
+        <p:nvSpPr>
+          <p:cNvPr id="10" name="Content Placeholder 2">
+            <a:extLst>
+              <a:ext uri="{FF2B5EF4-FFF2-40B4-BE49-F238E27FC236}">
+                <a16:creationId xmlns:a16="http://schemas.microsoft.com/office/drawing/2014/main" id="{579BF4C9-E394-5345-B9A5-C705EAD7373D}"/>
+              </a:ext>
+            </a:extLst>
+          </p:cNvPr>
+          <p:cNvSpPr txBox="1">
+            <a:spLocks/>
+          </p:cNvSpPr>
+          <p:nvPr/>
+        </p:nvSpPr>
+        <p:spPr>
+          <a:xfrm>
+            <a:off x="1490133" y="1722231"/>
+            <a:ext cx="9763059" cy="4321320"/>
+          </a:xfrm>
+          <a:prstGeom prst="rect">
+            <a:avLst/>
+          </a:prstGeom>
+        </p:spPr>
+        <p:txBody>
+          <a:bodyPr vert="horz" lIns="91440" tIns="45720" rIns="91440" bIns="45720" rtlCol="0" anchor="ctr">
+            <a:normAutofit lnSpcReduction="10000"/>
+          </a:bodyPr>
+          <a:lstStyle>
+            <a:lvl1pPr marL="285750" indent="-285750" algn="l" defTabSz="457200" rtl="0" eaLnBrk="1" latinLnBrk="0" hangingPunct="1">
+              <a:spcBef>
+                <a:spcPct val="20000"/>
+              </a:spcBef>
+              <a:spcAft>
+                <a:spcPts val="600"/>
+              </a:spcAft>
+              <a:buClr>
+                <a:schemeClr val="accent1"/>
+              </a:buClr>
+              <a:buSzPct val="100000"/>
+              <a:buFont typeface="Arial"/>
+              <a:buChar char="•"/>
+              <a:defRPr sz="2000" kern="1200" cap="small">
+                <a:solidFill>
+                  <a:schemeClr val="tx1"/>
+                </a:solidFill>
+                <a:effectLst>
+                  <a:glow rad="38100">
+                    <a:schemeClr val="bg1">
+                      <a:lumMod val="50000"/>
+                      <a:lumOff val="50000"/>
+                      <a:alpha val="20000"/>
+                    </a:schemeClr>
+                  </a:glow>
+                  <a:outerShdw blurRad="44450" dist="12700" dir="13860000" algn="tl" rotWithShape="0">
+                    <a:srgbClr val="000000">
+                      <a:alpha val="20000"/>
+                    </a:srgbClr>
+                  </a:outerShdw>
+                </a:effectLst>
+                <a:latin typeface="+mn-lt"/>
+                <a:ea typeface="+mn-ea"/>
+                <a:cs typeface="+mn-cs"/>
+              </a:defRPr>
+            </a:lvl1pPr>
+            <a:lvl2pPr marL="742950" indent="-285750" algn="l" defTabSz="457200" rtl="0" eaLnBrk="1" latinLnBrk="0" hangingPunct="1">
+              <a:spcBef>
+                <a:spcPct val="20000"/>
+              </a:spcBef>
+              <a:spcAft>
+                <a:spcPts val="600"/>
+              </a:spcAft>
+              <a:buClr>
+                <a:schemeClr val="accent1"/>
+              </a:buClr>
+              <a:buSzPct val="100000"/>
+              <a:buFont typeface="Arial"/>
+              <a:buChar char="•"/>
+              <a:defRPr sz="1800" kern="1200" cap="small">
+                <a:solidFill>
+                  <a:schemeClr val="tx1"/>
+                </a:solidFill>
+                <a:effectLst>
+                  <a:glow rad="38100">
+                    <a:schemeClr val="bg1">
+                      <a:lumMod val="50000"/>
+                      <a:lumOff val="50000"/>
+                      <a:alpha val="20000"/>
+                    </a:schemeClr>
+                  </a:glow>
+                  <a:outerShdw blurRad="44450" dist="12700" dir="13860000" algn="tl" rotWithShape="0">
+                    <a:srgbClr val="000000">
+                      <a:alpha val="20000"/>
+                    </a:srgbClr>
+                  </a:outerShdw>
+                </a:effectLst>
+                <a:latin typeface="+mn-lt"/>
+                <a:ea typeface="+mn-ea"/>
+                <a:cs typeface="+mn-cs"/>
+              </a:defRPr>
+            </a:lvl2pPr>
+            <a:lvl3pPr marL="1200150" indent="-285750" algn="l" defTabSz="457200" rtl="0" eaLnBrk="1" latinLnBrk="0" hangingPunct="1">
+              <a:spcBef>
+                <a:spcPct val="20000"/>
+              </a:spcBef>
+              <a:spcAft>
+                <a:spcPts val="600"/>
+              </a:spcAft>
+              <a:buClr>
+                <a:schemeClr val="accent1"/>
+              </a:buClr>
+              <a:buSzPct val="100000"/>
+              <a:buFont typeface="Arial"/>
+              <a:buChar char="•"/>
+              <a:defRPr sz="1600" kern="1200" cap="small">
+                <a:solidFill>
+                  <a:schemeClr val="tx1"/>
+                </a:solidFill>
+                <a:effectLst>
+                  <a:glow rad="38100">
+                    <a:schemeClr val="bg1">
+                      <a:lumMod val="50000"/>
+                      <a:lumOff val="50000"/>
+                      <a:alpha val="20000"/>
+                    </a:schemeClr>
+                  </a:glow>
+                  <a:outerShdw blurRad="44450" dist="12700" dir="13860000" algn="tl" rotWithShape="0">
+                    <a:srgbClr val="000000">
+                      <a:alpha val="20000"/>
+                    </a:srgbClr>
+                  </a:outerShdw>
+                </a:effectLst>
+                <a:latin typeface="+mn-lt"/>
+                <a:ea typeface="+mn-ea"/>
+                <a:cs typeface="+mn-cs"/>
+              </a:defRPr>
+            </a:lvl3pPr>
+            <a:lvl4pPr marL="1543050" indent="-171450" algn="l" defTabSz="457200" rtl="0" eaLnBrk="1" latinLnBrk="0" hangingPunct="1">
+              <a:spcBef>
+                <a:spcPct val="20000"/>
+              </a:spcBef>
+              <a:spcAft>
+                <a:spcPts val="600"/>
+              </a:spcAft>
+              <a:buClr>
+                <a:schemeClr val="accent1"/>
+              </a:buClr>
+              <a:buSzPct val="100000"/>
+              <a:buFont typeface="Arial"/>
+              <a:buChar char="•"/>
+              <a:defRPr sz="1400" kern="1200" cap="small">
+                <a:solidFill>
+                  <a:schemeClr val="tx1"/>
+                </a:solidFill>
+                <a:effectLst>
+                  <a:glow rad="38100">
+                    <a:schemeClr val="bg1">
+                      <a:lumMod val="50000"/>
+                      <a:lumOff val="50000"/>
+                      <a:alpha val="20000"/>
+                    </a:schemeClr>
+                  </a:glow>
+                  <a:outerShdw blurRad="44450" dist="12700" dir="13860000" algn="tl" rotWithShape="0">
+                    <a:srgbClr val="000000">
+                      <a:alpha val="20000"/>
+                    </a:srgbClr>
+                  </a:outerShdw>
+                </a:effectLst>
+                <a:latin typeface="+mn-lt"/>
+                <a:ea typeface="+mn-ea"/>
+                <a:cs typeface="+mn-cs"/>
+              </a:defRPr>
+            </a:lvl4pPr>
+            <a:lvl5pPr marL="2000250" indent="-171450" algn="l" defTabSz="457200" rtl="0" eaLnBrk="1" latinLnBrk="0" hangingPunct="1">
+              <a:spcBef>
+                <a:spcPct val="20000"/>
+              </a:spcBef>
+              <a:spcAft>
+                <a:spcPts val="600"/>
+              </a:spcAft>
+              <a:buClr>
+                <a:schemeClr val="accent1"/>
+              </a:buClr>
+              <a:buSzPct val="100000"/>
+              <a:buFont typeface="Arial"/>
+              <a:buChar char="•"/>
+              <a:defRPr sz="1400" kern="1200" cap="small">
+                <a:solidFill>
+                  <a:schemeClr val="tx1"/>
+                </a:solidFill>
+                <a:effectLst>
+                  <a:glow rad="38100">
+                    <a:schemeClr val="bg1">
+                      <a:lumMod val="50000"/>
+                      <a:lumOff val="50000"/>
+                      <a:alpha val="20000"/>
+                    </a:schemeClr>
+                  </a:glow>
+                  <a:outerShdw blurRad="44450" dist="12700" dir="13860000" algn="tl" rotWithShape="0">
+                    <a:srgbClr val="000000">
+                      <a:alpha val="20000"/>
+                    </a:srgbClr>
+                  </a:outerShdw>
+                </a:effectLst>
+                <a:latin typeface="+mn-lt"/>
+                <a:ea typeface="+mn-ea"/>
+                <a:cs typeface="+mn-cs"/>
+              </a:defRPr>
+            </a:lvl5pPr>
+            <a:lvl6pPr marL="2514600" indent="-228600" algn="l" defTabSz="457200" rtl="0" eaLnBrk="1" latinLnBrk="0" hangingPunct="1">
+              <a:spcBef>
+                <a:spcPct val="20000"/>
+              </a:spcBef>
+              <a:spcAft>
+                <a:spcPts val="600"/>
+              </a:spcAft>
+              <a:buClr>
+                <a:schemeClr val="accent1"/>
+              </a:buClr>
+              <a:buSzPct val="100000"/>
+              <a:buFont typeface="Arial"/>
+              <a:buChar char="•"/>
+              <a:defRPr sz="1200" kern="1200" cap="small">
+                <a:solidFill>
+                  <a:schemeClr val="tx1"/>
+                </a:solidFill>
+                <a:effectLst>
+                  <a:glow rad="38100">
+                    <a:schemeClr val="bg1">
+                      <a:lumMod val="50000"/>
+                      <a:lumOff val="50000"/>
+                      <a:alpha val="20000"/>
+                    </a:schemeClr>
+                  </a:glow>
+                  <a:outerShdw blurRad="44450" dist="12700" dir="13860000" algn="tl" rotWithShape="0">
+                    <a:srgbClr val="000000">
+                      <a:alpha val="20000"/>
+                    </a:srgbClr>
+                  </a:outerShdw>
+                </a:effectLst>
+                <a:latin typeface="+mn-lt"/>
+                <a:ea typeface="+mn-ea"/>
+                <a:cs typeface="+mn-cs"/>
+              </a:defRPr>
+            </a:lvl6pPr>
+            <a:lvl7pPr marL="2971800" indent="-228600" algn="l" defTabSz="457200" rtl="0" eaLnBrk="1" latinLnBrk="0" hangingPunct="1">
+              <a:spcBef>
+                <a:spcPct val="20000"/>
+              </a:spcBef>
+              <a:spcAft>
+                <a:spcPts val="600"/>
+              </a:spcAft>
+              <a:buClr>
+                <a:schemeClr val="accent1"/>
+              </a:buClr>
+              <a:buSzPct val="100000"/>
+              <a:buFont typeface="Arial"/>
+              <a:buChar char="•"/>
+              <a:defRPr sz="1200" kern="1200" cap="small">
+                <a:solidFill>
+                  <a:schemeClr val="tx1"/>
+                </a:solidFill>
+                <a:effectLst>
+                  <a:glow rad="38100">
+                    <a:schemeClr val="bg1">
+                      <a:lumMod val="50000"/>
+                      <a:lumOff val="50000"/>
+                      <a:alpha val="20000"/>
+                    </a:schemeClr>
+                  </a:glow>
+                  <a:outerShdw blurRad="44450" dist="12700" dir="13860000" algn="tl" rotWithShape="0">
+                    <a:srgbClr val="000000">
+                      <a:alpha val="20000"/>
+                    </a:srgbClr>
+                  </a:outerShdw>
+                </a:effectLst>
+                <a:latin typeface="+mn-lt"/>
+                <a:ea typeface="+mn-ea"/>
+                <a:cs typeface="+mn-cs"/>
+              </a:defRPr>
+            </a:lvl7pPr>
+            <a:lvl8pPr marL="3429000" indent="-228600" algn="l" defTabSz="457200" rtl="0" eaLnBrk="1" latinLnBrk="0" hangingPunct="1">
+              <a:spcBef>
+                <a:spcPct val="20000"/>
+              </a:spcBef>
+              <a:spcAft>
+                <a:spcPts val="600"/>
+              </a:spcAft>
+              <a:buClr>
+                <a:schemeClr val="accent1"/>
+              </a:buClr>
+              <a:buSzPct val="100000"/>
+              <a:buFont typeface="Arial"/>
+              <a:buChar char="•"/>
+              <a:defRPr sz="1200" kern="1200" cap="small">
+                <a:solidFill>
+                  <a:schemeClr val="tx1"/>
+                </a:solidFill>
+                <a:effectLst>
+                  <a:glow rad="38100">
+                    <a:schemeClr val="bg1">
+                      <a:lumMod val="50000"/>
+                      <a:lumOff val="50000"/>
+                      <a:alpha val="20000"/>
+                    </a:schemeClr>
+                  </a:glow>
+                  <a:outerShdw blurRad="44450" dist="12700" dir="13860000" algn="tl" rotWithShape="0">
+                    <a:srgbClr val="000000">
+                      <a:alpha val="20000"/>
+                    </a:srgbClr>
+                  </a:outerShdw>
+                </a:effectLst>
+                <a:latin typeface="+mn-lt"/>
+                <a:ea typeface="+mn-ea"/>
+                <a:cs typeface="+mn-cs"/>
+              </a:defRPr>
+            </a:lvl8pPr>
+            <a:lvl9pPr marL="3886200" indent="-228600" algn="l" defTabSz="457200" rtl="0" eaLnBrk="1" latinLnBrk="0" hangingPunct="1">
+              <a:spcBef>
+                <a:spcPct val="20000"/>
+              </a:spcBef>
+              <a:spcAft>
+                <a:spcPts val="600"/>
+              </a:spcAft>
+              <a:buClr>
+                <a:schemeClr val="accent1"/>
+              </a:buClr>
+              <a:buSzPct val="100000"/>
+              <a:buFont typeface="Arial"/>
+              <a:buChar char="•"/>
+              <a:defRPr sz="1200" kern="1200" cap="small">
+                <a:solidFill>
+                  <a:schemeClr val="tx1"/>
+                </a:solidFill>
+                <a:effectLst>
+                  <a:glow rad="38100">
+                    <a:schemeClr val="bg1">
+                      <a:lumMod val="50000"/>
+                      <a:lumOff val="50000"/>
+                      <a:alpha val="20000"/>
+                    </a:schemeClr>
+                  </a:glow>
+                  <a:outerShdw blurRad="44450" dist="12700" dir="13860000" algn="tl" rotWithShape="0">
+                    <a:srgbClr val="000000">
+                      <a:alpha val="20000"/>
+                    </a:srgbClr>
+                  </a:outerShdw>
+                </a:effectLst>
+                <a:latin typeface="+mn-lt"/>
+                <a:ea typeface="+mn-ea"/>
+                <a:cs typeface="+mn-cs"/>
+              </a:defRPr>
+            </a:lvl9pPr>
+          </a:lstStyle>
+          <a:p>
+            <a:pPr marL="0" indent="0">
+              <a:lnSpc>
+                <a:spcPct val="90000"/>
+              </a:lnSpc>
+              <a:buNone/>
+            </a:pPr>
+            <a:r>
+              <a:rPr lang="en-US" b="1" u="sng" dirty="0"/>
+              <a:t>MAXIMUM IBU</a:t>
+            </a:r>
+          </a:p>
+          <a:p>
+            <a:pPr>
+              <a:lnSpc>
+                <a:spcPct val="90000"/>
+              </a:lnSpc>
+            </a:pPr>
+            <a:r>
+              <a:rPr lang="en-US" dirty="0"/>
+              <a:t>LOCATION: </a:t>
+            </a:r>
+          </a:p>
+          <a:p>
+            <a:pPr marL="0" indent="0">
+              <a:lnSpc>
+                <a:spcPct val="90000"/>
+              </a:lnSpc>
+              <a:buNone/>
+            </a:pPr>
+            <a:r>
+              <a:rPr lang="en-US" dirty="0"/>
+              <a:t>	ASTORIA, OR</a:t>
+            </a:r>
+          </a:p>
+          <a:p>
+            <a:pPr>
+              <a:lnSpc>
+                <a:spcPct val="90000"/>
+              </a:lnSpc>
+            </a:pPr>
+            <a:r>
+              <a:rPr lang="en-US" dirty="0" err="1"/>
+              <a:t>ibu</a:t>
+            </a:r>
+            <a:r>
+              <a:rPr lang="en-US" dirty="0"/>
+              <a:t>: </a:t>
+            </a:r>
+          </a:p>
+          <a:p>
+            <a:pPr marL="0" indent="0">
+              <a:lnSpc>
+                <a:spcPct val="90000"/>
+              </a:lnSpc>
+              <a:buNone/>
+            </a:pPr>
+            <a:r>
+              <a:rPr lang="en-US" dirty="0"/>
+              <a:t>	138</a:t>
+            </a:r>
+          </a:p>
+          <a:p>
+            <a:pPr>
+              <a:lnSpc>
+                <a:spcPct val="90000"/>
+              </a:lnSpc>
+            </a:pPr>
+            <a:r>
+              <a:rPr lang="en-US" dirty="0"/>
+              <a:t>BEER NAME: </a:t>
+            </a:r>
+          </a:p>
+          <a:p>
+            <a:pPr marL="0" indent="0">
+              <a:lnSpc>
+                <a:spcPct val="90000"/>
+              </a:lnSpc>
+              <a:buNone/>
+            </a:pPr>
+            <a:r>
+              <a:rPr lang="en-US" dirty="0">
+                <a:effectLst/>
+              </a:rPr>
+              <a:t>	 BITTER BITCH IMPERIAL IPA</a:t>
+            </a:r>
+          </a:p>
+          <a:p>
+            <a:pPr>
+              <a:lnSpc>
+                <a:spcPct val="90000"/>
+              </a:lnSpc>
+            </a:pPr>
+            <a:r>
+              <a:rPr lang="en-US" dirty="0"/>
+              <a:t>BREWERY NAME:</a:t>
+            </a:r>
+          </a:p>
+          <a:p>
+            <a:pPr marL="0" indent="0">
+              <a:lnSpc>
+                <a:spcPct val="90000"/>
+              </a:lnSpc>
+              <a:buNone/>
+            </a:pPr>
+            <a:r>
+              <a:rPr lang="en-US" dirty="0"/>
+              <a:t>	ASTORIA BREWING COMPANY</a:t>
+            </a:r>
+          </a:p>
+          <a:p>
+            <a:pPr>
+              <a:lnSpc>
+                <a:spcPct val="90000"/>
+              </a:lnSpc>
+            </a:pPr>
+            <a:r>
+              <a:rPr lang="en-US" dirty="0"/>
+              <a:t>BEER STYLE: </a:t>
+            </a:r>
+          </a:p>
+          <a:p>
+            <a:pPr marL="0" indent="0">
+              <a:lnSpc>
+                <a:spcPct val="90000"/>
+              </a:lnSpc>
+              <a:buNone/>
+            </a:pPr>
+            <a:r>
+              <a:rPr lang="en-US" dirty="0"/>
+              <a:t>	</a:t>
+            </a:r>
+            <a:r>
+              <a:rPr lang="en-US" dirty="0">
+                <a:effectLst/>
+              </a:rPr>
+              <a:t> American Double / Imperial IPA</a:t>
+            </a:r>
+            <a:endParaRPr lang="en-US" dirty="0"/>
+          </a:p>
+        </p:txBody>
+      </p:sp>
+      <p:pic>
+        <p:nvPicPr>
+          <p:cNvPr id="6" name="Picture 5">
+            <a:extLst>
+              <a:ext uri="{FF2B5EF4-FFF2-40B4-BE49-F238E27FC236}">
+                <a16:creationId xmlns:a16="http://schemas.microsoft.com/office/drawing/2014/main" id="{A0BFEAF1-A010-CD42-883F-65DECE52E15D}"/>
+              </a:ext>
+            </a:extLst>
+          </p:cNvPr>
+          <p:cNvPicPr>
+            <a:picLocks noChangeAspect="1"/>
+          </p:cNvPicPr>
+          <p:nvPr/>
+        </p:nvPicPr>
+        <p:blipFill>
+          <a:blip r:embed="rId2"/>
+          <a:stretch>
+            <a:fillRect/>
+          </a:stretch>
+        </p:blipFill>
+        <p:spPr>
+          <a:xfrm>
+            <a:off x="7004108" y="2252133"/>
+            <a:ext cx="3162184" cy="2997200"/>
+          </a:xfrm>
+          <a:prstGeom prst="rect">
+            <a:avLst/>
+          </a:prstGeom>
+        </p:spPr>
+      </p:pic>
+    </p:spTree>
+    <p:extLst>
+      <p:ext uri="{BB962C8B-B14F-4D97-AF65-F5344CB8AC3E}">
+        <p14:creationId xmlns:p14="http://schemas.microsoft.com/office/powerpoint/2010/main" val="962003885"/>
+      </p:ext>
+    </p:extLst>
+  </p:cSld>
+  <p:clrMapOvr>
+    <a:masterClrMapping/>
+  </p:clrMapOvr>
+  <p:timing>
+    <p:tnLst>
+      <p:par>
+        <p:cTn id="1" dur="indefinite" restart="never" nodeType="tmRoot">
+          <p:childTnLst>
+            <p:seq concurrent="1" nextAc="seek">
+              <p:cTn id="2" dur="indefinite" nodeType="mainSeq">
+                <p:childTnLst>
+                  <p:par>
+                    <p:cTn id="3" fill="hold">
+                      <p:stCondLst>
+                        <p:cond delay="indefinite"/>
+                      </p:stCondLst>
+                      <p:childTnLst>
+                        <p:par>
+                          <p:cTn id="4" fill="hold">
+                            <p:stCondLst>
+                              <p:cond delay="0"/>
+                            </p:stCondLst>
+                            <p:childTnLst>
+                              <p:par>
+                                <p:cTn id="5" presetID="53" presetClass="entr" presetSubtype="16" fill="hold" grpId="0" nodeType="clickEffect">
+                                  <p:stCondLst>
+                                    <p:cond delay="0"/>
+                                  </p:stCondLst>
+                                  <p:childTnLst>
+                                    <p:set>
+                                      <p:cBhvr>
+                                        <p:cTn id="6" dur="1" fill="hold">
+                                          <p:stCondLst>
+                                            <p:cond delay="0"/>
+                                          </p:stCondLst>
+                                        </p:cTn>
+                                        <p:tgtEl>
+                                          <p:spTgt spid="10"/>
+                                        </p:tgtEl>
+                                        <p:attrNameLst>
+                                          <p:attrName>style.visibility</p:attrName>
+                                        </p:attrNameLst>
+                                      </p:cBhvr>
+                                      <p:to>
+                                        <p:strVal val="visible"/>
+                                      </p:to>
+                                    </p:set>
+                                    <p:anim calcmode="lin" valueType="num">
+                                      <p:cBhvr>
+                                        <p:cTn id="7" dur="500" fill="hold"/>
+                                        <p:tgtEl>
+                                          <p:spTgt spid="10"/>
+                                        </p:tgtEl>
+                                        <p:attrNameLst>
+                                          <p:attrName>ppt_w</p:attrName>
+                                        </p:attrNameLst>
+                                      </p:cBhvr>
+                                      <p:tavLst>
+                                        <p:tav tm="0">
+                                          <p:val>
+                                            <p:fltVal val="0"/>
+                                          </p:val>
+                                        </p:tav>
+                                        <p:tav tm="100000">
+                                          <p:val>
+                                            <p:strVal val="#ppt_w"/>
+                                          </p:val>
+                                        </p:tav>
+                                      </p:tavLst>
+                                    </p:anim>
+                                    <p:anim calcmode="lin" valueType="num">
+                                      <p:cBhvr>
+                                        <p:cTn id="8" dur="500" fill="hold"/>
+                                        <p:tgtEl>
+                                          <p:spTgt spid="10"/>
+                                        </p:tgtEl>
+                                        <p:attrNameLst>
+                                          <p:attrName>ppt_h</p:attrName>
+                                        </p:attrNameLst>
+                                      </p:cBhvr>
+                                      <p:tavLst>
+                                        <p:tav tm="0">
+                                          <p:val>
+                                            <p:fltVal val="0"/>
+                                          </p:val>
+                                        </p:tav>
+                                        <p:tav tm="100000">
+                                          <p:val>
+                                            <p:strVal val="#ppt_h"/>
+                                          </p:val>
+                                        </p:tav>
+                                      </p:tavLst>
+                                    </p:anim>
+                                    <p:animEffect transition="in" filter="fade">
+                                      <p:cBhvr>
+                                        <p:cTn id="9" dur="500"/>
+                                        <p:tgtEl>
+                                          <p:spTgt spid="10"/>
+                                        </p:tgtEl>
+                                      </p:cBhvr>
+                                    </p:animEffect>
+                                  </p:childTnLst>
+                                </p:cTn>
+                              </p:par>
+                            </p:childTnLst>
+                          </p:cTn>
+                        </p:par>
+                      </p:childTnLst>
+                    </p:cTn>
+                  </p:par>
+                </p:childTnLst>
+              </p:cTn>
+              <p:prevCondLst>
+                <p:cond evt="onPrev" delay="0">
+                  <p:tgtEl>
+                    <p:sldTgt/>
+                  </p:tgtEl>
+                </p:cond>
+              </p:prevCondLst>
+              <p:nextCondLst>
+                <p:cond evt="onNext" delay="0">
+                  <p:tgtEl>
+                    <p:sldTgt/>
+                  </p:tgtEl>
+                </p:cond>
+              </p:nextCondLst>
+            </p:seq>
+          </p:childTnLst>
+        </p:cTn>
+      </p:par>
+    </p:tnLst>
+    <p:bldLst>
+      <p:bldP spid="10" grpId="0"/>
+    </p:bldLst>
+  </p:timing>
+</p:sld>
+</file>
+
+<file path=ppt/slides/slide25.xml><?xml version="1.0" encoding="utf-8"?>
+<p:sld xmlns:a="http://schemas.openxmlformats.org/drawingml/2006/main" xmlns:r="http://schemas.openxmlformats.org/officeDocument/2006/relationships" xmlns:p="http://schemas.openxmlformats.org/presentationml/2006/main">
+  <p:cSld>
+    <p:spTree>
+      <p:nvGrpSpPr>
+        <p:cNvPr id="1" name=""/>
+        <p:cNvGrpSpPr/>
+        <p:nvPr/>
+      </p:nvGrpSpPr>
+      <p:grpSpPr>
+        <a:xfrm>
+          <a:off x="0" y="0"/>
+          <a:ext cx="0" cy="0"/>
+          <a:chOff x="0" y="0"/>
+          <a:chExt cx="0" cy="0"/>
+        </a:xfrm>
+      </p:grpSpPr>
+      <p:sp>
+        <p:nvSpPr>
+          <p:cNvPr id="2" name="Title 1">
+            <a:extLst>
+              <a:ext uri="{FF2B5EF4-FFF2-40B4-BE49-F238E27FC236}">
+                <a16:creationId xmlns:a16="http://schemas.microsoft.com/office/drawing/2014/main" id="{EB256D71-ACDB-954E-BA6C-17A0B4A3D0E3}"/>
+              </a:ext>
+            </a:extLst>
+          </p:cNvPr>
+          <p:cNvSpPr>
+            <a:spLocks noGrp="1"/>
+          </p:cNvSpPr>
+          <p:nvPr>
+            <p:ph type="title"/>
+          </p:nvPr>
+        </p:nvSpPr>
+        <p:spPr>
+          <a:xfrm>
+            <a:off x="989556" y="0"/>
+            <a:ext cx="10059443" cy="1728592"/>
+          </a:xfrm>
+        </p:spPr>
+        <p:txBody>
+          <a:bodyPr/>
+          <a:lstStyle/>
+          <a:p>
+            <a:pPr algn="ctr"/>
+            <a:r>
+              <a:rPr lang="en-US" dirty="0"/>
+              <a:t>Possible Correlation between bitterness and alcohol content</a:t>
+            </a:r>
+          </a:p>
+        </p:txBody>
+      </p:sp>
+      <p:pic>
+        <p:nvPicPr>
+          <p:cNvPr id="5" name="Content Placeholder 4">
+            <a:extLst>
+              <a:ext uri="{FF2B5EF4-FFF2-40B4-BE49-F238E27FC236}">
+                <a16:creationId xmlns:a16="http://schemas.microsoft.com/office/drawing/2014/main" id="{5BC73247-052A-024E-85E5-F385D94D9D6F}"/>
+              </a:ext>
+            </a:extLst>
+          </p:cNvPr>
+          <p:cNvPicPr>
+            <a:picLocks noGrp="1" noChangeAspect="1"/>
+          </p:cNvPicPr>
+          <p:nvPr>
+            <p:ph idx="1"/>
+          </p:nvPr>
+        </p:nvPicPr>
+        <p:blipFill>
+          <a:blip r:embed="rId2"/>
+          <a:stretch>
+            <a:fillRect/>
+          </a:stretch>
+        </p:blipFill>
+        <p:spPr>
+          <a:xfrm>
+            <a:off x="2706600" y="1567090"/>
+            <a:ext cx="6625354" cy="4003336"/>
+          </a:xfrm>
+        </p:spPr>
+      </p:pic>
+    </p:spTree>
+    <p:extLst>
+      <p:ext uri="{BB962C8B-B14F-4D97-AF65-F5344CB8AC3E}">
+        <p14:creationId xmlns:p14="http://schemas.microsoft.com/office/powerpoint/2010/main" val="3522627089"/>
+      </p:ext>
+    </p:extLst>
+  </p:cSld>
+  <p:clrMapOvr>
+    <a:masterClrMapping/>
+  </p:clrMapOvr>
+</p:sld>
+</file>
+
+<file path=ppt/slides/slide26.xml><?xml version="1.0" encoding="utf-8"?>
+<p:sld xmlns:a="http://schemas.openxmlformats.org/drawingml/2006/main" xmlns:r="http://schemas.openxmlformats.org/officeDocument/2006/relationships" xmlns:p="http://schemas.openxmlformats.org/presentationml/2006/main">
+  <p:cSld>
+    <p:spTree>
+      <p:nvGrpSpPr>
+        <p:cNvPr id="1" name=""/>
+        <p:cNvGrpSpPr/>
+        <p:nvPr/>
+      </p:nvGrpSpPr>
+      <p:grpSpPr>
+        <a:xfrm>
+          <a:off x="0" y="0"/>
+          <a:ext cx="0" cy="0"/>
+          <a:chOff x="0" y="0"/>
+          <a:chExt cx="0" cy="0"/>
+        </a:xfrm>
+      </p:grpSpPr>
+      <p:sp>
+        <p:nvSpPr>
+          <p:cNvPr id="2" name="Title 1">
+            <a:extLst>
+              <a:ext uri="{FF2B5EF4-FFF2-40B4-BE49-F238E27FC236}">
+                <a16:creationId xmlns:a16="http://schemas.microsoft.com/office/drawing/2014/main" id="{69F40B8D-BC05-4FED-B650-1448546B8404}"/>
+              </a:ext>
+            </a:extLst>
+          </p:cNvPr>
+          <p:cNvSpPr>
+            <a:spLocks noGrp="1"/>
+          </p:cNvSpPr>
+          <p:nvPr>
+            <p:ph type="title"/>
+          </p:nvPr>
+        </p:nvSpPr>
+        <p:spPr>
+          <a:xfrm>
+            <a:off x="201923" y="57824"/>
+            <a:ext cx="6669868" cy="1549750"/>
+          </a:xfrm>
+        </p:spPr>
+        <p:txBody>
+          <a:bodyPr/>
+          <a:lstStyle/>
+          <a:p>
+            <a:r>
+              <a:rPr lang="en-US" dirty="0"/>
+              <a:t>Parallels</a:t>
+            </a:r>
+          </a:p>
+        </p:txBody>
+      </p:sp>
+      <p:sp>
+        <p:nvSpPr>
+          <p:cNvPr id="3" name="Content Placeholder 2">
+            <a:extLst>
+              <a:ext uri="{FF2B5EF4-FFF2-40B4-BE49-F238E27FC236}">
+                <a16:creationId xmlns:a16="http://schemas.microsoft.com/office/drawing/2014/main" id="{63C3F493-3814-47F6-92C0-1B7D5BE9C9F3}"/>
+              </a:ext>
+            </a:extLst>
+          </p:cNvPr>
+          <p:cNvSpPr>
+            <a:spLocks noGrp="1"/>
+          </p:cNvSpPr>
+          <p:nvPr>
+            <p:ph idx="1"/>
+          </p:nvPr>
+        </p:nvSpPr>
+        <p:spPr>
+          <a:xfrm>
+            <a:off x="0" y="1819721"/>
+            <a:ext cx="6871791" cy="3971480"/>
+          </a:xfrm>
+        </p:spPr>
+        <p:txBody>
+          <a:bodyPr/>
+          <a:lstStyle/>
+          <a:p>
+            <a:r>
+              <a:rPr lang="en-US" dirty="0"/>
+              <a:t>The maps also indicate a correlation between median bitterness and alcohol content</a:t>
+            </a:r>
+          </a:p>
+          <a:p>
+            <a:pPr marL="0" indent="0">
+              <a:buNone/>
+            </a:pPr>
+            <a:endParaRPr lang="en-US" dirty="0"/>
+          </a:p>
+          <a:p>
+            <a:r>
+              <a:rPr lang="en-US" dirty="0"/>
+              <a:t>State laws limiting alcohol content have an impact on median bitterness from state to state</a:t>
+            </a:r>
+          </a:p>
+          <a:p>
+            <a:pPr lvl="1"/>
+            <a:r>
+              <a:rPr lang="en-US" dirty="0"/>
+              <a:t>States that restrict alcohol content of beer will tend to  have lower median IBU</a:t>
+            </a:r>
+          </a:p>
+          <a:p>
+            <a:pPr lvl="1"/>
+            <a:endParaRPr lang="en-US" dirty="0"/>
+          </a:p>
+        </p:txBody>
+      </p:sp>
+      <p:pic>
+        <p:nvPicPr>
+          <p:cNvPr id="4" name="Picture 3">
+            <a:extLst>
+              <a:ext uri="{FF2B5EF4-FFF2-40B4-BE49-F238E27FC236}">
+                <a16:creationId xmlns:a16="http://schemas.microsoft.com/office/drawing/2014/main" id="{CAC81C28-5D54-47EC-AEBB-E28838FFDB19}"/>
+              </a:ext>
+            </a:extLst>
+          </p:cNvPr>
+          <p:cNvPicPr>
+            <a:picLocks noChangeAspect="1"/>
+          </p:cNvPicPr>
+          <p:nvPr/>
+        </p:nvPicPr>
+        <p:blipFill>
+          <a:blip r:embed="rId2"/>
+          <a:stretch>
+            <a:fillRect/>
+          </a:stretch>
+        </p:blipFill>
+        <p:spPr>
+          <a:xfrm>
+            <a:off x="6871792" y="795996"/>
+            <a:ext cx="5118285" cy="2456776"/>
+          </a:xfrm>
+          <a:prstGeom prst="roundRect">
+            <a:avLst>
+              <a:gd name="adj" fmla="val 3517"/>
+            </a:avLst>
+          </a:prstGeom>
+          <a:ln w="38100">
+            <a:gradFill flip="none" rotWithShape="1">
+              <a:gsLst>
+                <a:gs pos="0">
+                  <a:srgbClr val="363D46"/>
+                </a:gs>
+                <a:gs pos="100000">
+                  <a:srgbClr val="363D46">
+                    <a:lumMod val="75000"/>
+                  </a:srgbClr>
+                </a:gs>
+              </a:gsLst>
+              <a:lin ang="5400000" scaled="0"/>
+              <a:tileRect/>
+            </a:gradFill>
+          </a:ln>
+          <a:effectLst>
+            <a:innerShdw blurRad="57150" dist="38100" dir="14460000">
+              <a:srgbClr val="000000">
+                <a:alpha val="70000"/>
+              </a:srgbClr>
+            </a:innerShdw>
+          </a:effectLst>
+        </p:spPr>
+      </p:pic>
+      <p:pic>
+        <p:nvPicPr>
+          <p:cNvPr id="5" name="Picture 4">
+            <a:extLst>
+              <a:ext uri="{FF2B5EF4-FFF2-40B4-BE49-F238E27FC236}">
+                <a16:creationId xmlns:a16="http://schemas.microsoft.com/office/drawing/2014/main" id="{1F3DE822-1F21-4B9E-B104-A4DB6B124BB2}"/>
+              </a:ext>
+            </a:extLst>
+          </p:cNvPr>
+          <p:cNvPicPr>
+            <a:picLocks noChangeAspect="1"/>
+          </p:cNvPicPr>
+          <p:nvPr/>
+        </p:nvPicPr>
+        <p:blipFill>
+          <a:blip r:embed="rId3"/>
+          <a:stretch>
+            <a:fillRect/>
+          </a:stretch>
+        </p:blipFill>
+        <p:spPr>
+          <a:xfrm>
+            <a:off x="6871791" y="3464918"/>
+            <a:ext cx="5118286" cy="2738284"/>
+          </a:xfrm>
+          <a:custGeom>
+            <a:avLst/>
+            <a:gdLst>
+              <a:gd name="connsiteX0" fmla="*/ 120172 w 3416888"/>
+              <a:gd name="connsiteY0" fmla="*/ 0 h 2057399"/>
+              <a:gd name="connsiteX1" fmla="*/ 3296716 w 3416888"/>
+              <a:gd name="connsiteY1" fmla="*/ 0 h 2057399"/>
+              <a:gd name="connsiteX2" fmla="*/ 3416888 w 3416888"/>
+              <a:gd name="connsiteY2" fmla="*/ 120172 h 2057399"/>
+              <a:gd name="connsiteX3" fmla="*/ 3416888 w 3416888"/>
+              <a:gd name="connsiteY3" fmla="*/ 2057399 h 2057399"/>
+              <a:gd name="connsiteX4" fmla="*/ 0 w 3416888"/>
+              <a:gd name="connsiteY4" fmla="*/ 2057399 h 2057399"/>
+              <a:gd name="connsiteX5" fmla="*/ 0 w 3416888"/>
+              <a:gd name="connsiteY5" fmla="*/ 120172 h 2057399"/>
+              <a:gd name="connsiteX6" fmla="*/ 120172 w 3416888"/>
+              <a:gd name="connsiteY6" fmla="*/ 0 h 2057399"/>
+            </a:gdLst>
+            <a:ahLst/>
+            <a:cxnLst>
+              <a:cxn ang="0">
+                <a:pos x="connsiteX0" y="connsiteY0"/>
+              </a:cxn>
+              <a:cxn ang="0">
+                <a:pos x="connsiteX1" y="connsiteY1"/>
+              </a:cxn>
+              <a:cxn ang="0">
+                <a:pos x="connsiteX2" y="connsiteY2"/>
+              </a:cxn>
+              <a:cxn ang="0">
+                <a:pos x="connsiteX3" y="connsiteY3"/>
+              </a:cxn>
+              <a:cxn ang="0">
+                <a:pos x="connsiteX4" y="connsiteY4"/>
+              </a:cxn>
+              <a:cxn ang="0">
+                <a:pos x="connsiteX5" y="connsiteY5"/>
+              </a:cxn>
+              <a:cxn ang="0">
+                <a:pos x="connsiteX6" y="connsiteY6"/>
+              </a:cxn>
+            </a:cxnLst>
+            <a:rect l="l" t="t" r="r" b="b"/>
+            <a:pathLst>
+              <a:path w="3416888" h="2057399">
+                <a:moveTo>
+                  <a:pt x="120172" y="0"/>
+                </a:moveTo>
+                <a:lnTo>
+                  <a:pt x="3296716" y="0"/>
+                </a:lnTo>
+                <a:cubicBezTo>
+                  <a:pt x="3363085" y="0"/>
+                  <a:pt x="3416888" y="53803"/>
+                  <a:pt x="3416888" y="120172"/>
+                </a:cubicBezTo>
+                <a:lnTo>
+                  <a:pt x="3416888" y="2057399"/>
+                </a:lnTo>
+                <a:lnTo>
+                  <a:pt x="0" y="2057399"/>
+                </a:lnTo>
+                <a:lnTo>
+                  <a:pt x="0" y="120172"/>
+                </a:lnTo>
+                <a:cubicBezTo>
+                  <a:pt x="0" y="53803"/>
+                  <a:pt x="53803" y="0"/>
+                  <a:pt x="120172" y="0"/>
+                </a:cubicBezTo>
+                <a:close/>
+              </a:path>
+            </a:pathLst>
+          </a:custGeom>
+          <a:ln w="38100">
+            <a:gradFill flip="none" rotWithShape="1">
+              <a:gsLst>
+                <a:gs pos="0">
+                  <a:srgbClr val="363D46"/>
+                </a:gs>
+                <a:gs pos="100000">
+                  <a:srgbClr val="363D46">
+                    <a:lumMod val="75000"/>
+                  </a:srgbClr>
+                </a:gs>
+              </a:gsLst>
+              <a:lin ang="5400000" scaled="0"/>
+              <a:tileRect/>
+            </a:gradFill>
+          </a:ln>
+          <a:effectLst>
+            <a:innerShdw blurRad="57150" dist="38100" dir="14460000">
+              <a:srgbClr val="000000">
+                <a:alpha val="70000"/>
+              </a:srgbClr>
+            </a:innerShdw>
+          </a:effectLst>
+        </p:spPr>
+      </p:pic>
+    </p:spTree>
+    <p:extLst>
+      <p:ext uri="{BB962C8B-B14F-4D97-AF65-F5344CB8AC3E}">
+        <p14:creationId xmlns:p14="http://schemas.microsoft.com/office/powerpoint/2010/main" val="3071512888"/>
+      </p:ext>
+    </p:extLst>
+  </p:cSld>
+  <p:clrMapOvr>
+    <a:masterClrMapping/>
+  </p:clrMapOvr>
+  <p:timing>
+    <p:tnLst>
+      <p:par>
+        <p:cTn id="1" dur="indefinite" restart="never" nodeType="tmRoot">
+          <p:childTnLst>
+            <p:seq concurrent="1" nextAc="seek">
+              <p:cTn id="2" dur="indefinite" nodeType="mainSeq">
+                <p:childTnLst>
+                  <p:par>
+                    <p:cTn id="3" fill="hold">
+                      <p:stCondLst>
+                        <p:cond delay="indefinite"/>
+                      </p:stCondLst>
+                      <p:childTnLst>
+                        <p:par>
+                          <p:cTn id="4" fill="hold">
+                            <p:stCondLst>
+                              <p:cond delay="0"/>
+                            </p:stCondLst>
+                            <p:childTnLst>
+                              <p:par>
+                                <p:cTn id="5" presetID="53" presetClass="entr" presetSubtype="16" fill="hold" grpId="0" nodeType="clickEffect">
+                                  <p:stCondLst>
+                                    <p:cond delay="0"/>
+                                  </p:stCondLst>
+                                  <p:childTnLst>
+                                    <p:set>
+                                      <p:cBhvr>
+                                        <p:cTn id="6" dur="1" fill="hold">
+                                          <p:stCondLst>
+                                            <p:cond delay="0"/>
+                                          </p:stCondLst>
+                                        </p:cTn>
+                                        <p:tgtEl>
+                                          <p:spTgt spid="3">
+                                            <p:txEl>
+                                              <p:pRg st="0" end="0"/>
+                                            </p:txEl>
+                                          </p:spTgt>
+                                        </p:tgtEl>
+                                        <p:attrNameLst>
+                                          <p:attrName>style.visibility</p:attrName>
+                                        </p:attrNameLst>
+                                      </p:cBhvr>
+                                      <p:to>
+                                        <p:strVal val="visible"/>
+                                      </p:to>
+                                    </p:set>
+                                    <p:anim calcmode="lin" valueType="num">
+                                      <p:cBhvr>
+                                        <p:cTn id="7" dur="500" fill="hold"/>
+                                        <p:tgtEl>
+                                          <p:spTgt spid="3">
+                                            <p:txEl>
+                                              <p:pRg st="0" end="0"/>
+                                            </p:txEl>
+                                          </p:spTgt>
+                                        </p:tgtEl>
+                                        <p:attrNameLst>
+                                          <p:attrName>ppt_w</p:attrName>
+                                        </p:attrNameLst>
+                                      </p:cBhvr>
+                                      <p:tavLst>
+                                        <p:tav tm="0">
+                                          <p:val>
+                                            <p:fltVal val="0"/>
+                                          </p:val>
+                                        </p:tav>
+                                        <p:tav tm="100000">
+                                          <p:val>
+                                            <p:strVal val="#ppt_w"/>
+                                          </p:val>
+                                        </p:tav>
+                                      </p:tavLst>
+                                    </p:anim>
+                                    <p:anim calcmode="lin" valueType="num">
+                                      <p:cBhvr>
+                                        <p:cTn id="8" dur="500" fill="hold"/>
+                                        <p:tgtEl>
+                                          <p:spTgt spid="3">
+                                            <p:txEl>
+                                              <p:pRg st="0" end="0"/>
+                                            </p:txEl>
+                                          </p:spTgt>
+                                        </p:tgtEl>
+                                        <p:attrNameLst>
+                                          <p:attrName>ppt_h</p:attrName>
+                                        </p:attrNameLst>
+                                      </p:cBhvr>
+                                      <p:tavLst>
+                                        <p:tav tm="0">
+                                          <p:val>
+                                            <p:fltVal val="0"/>
+                                          </p:val>
+                                        </p:tav>
+                                        <p:tav tm="100000">
+                                          <p:val>
+                                            <p:strVal val="#ppt_h"/>
+                                          </p:val>
+                                        </p:tav>
+                                      </p:tavLst>
+                                    </p:anim>
+                                    <p:animEffect transition="in" filter="fade">
+                                      <p:cBhvr>
+                                        <p:cTn id="9" dur="500"/>
+                                        <p:tgtEl>
+                                          <p:spTgt spid="3">
+                                            <p:txEl>
+                                              <p:pRg st="0" end="0"/>
+                                            </p:txEl>
+                                          </p:spTgt>
+                                        </p:tgtEl>
+                                      </p:cBhvr>
+                                    </p:animEffect>
+                                  </p:childTnLst>
+                                </p:cTn>
+                              </p:par>
+                            </p:childTnLst>
+                          </p:cTn>
+                        </p:par>
+                      </p:childTnLst>
+                    </p:cTn>
+                  </p:par>
+                  <p:par>
+                    <p:cTn id="10" fill="hold">
+                      <p:stCondLst>
+                        <p:cond delay="indefinite"/>
+                      </p:stCondLst>
+                      <p:childTnLst>
+                        <p:par>
+                          <p:cTn id="11" fill="hold">
+                            <p:stCondLst>
+                              <p:cond delay="0"/>
+                            </p:stCondLst>
+                            <p:childTnLst>
+                              <p:par>
+                                <p:cTn id="12" presetID="53" presetClass="entr" presetSubtype="16" fill="hold" grpId="0" nodeType="clickEffect">
+                                  <p:stCondLst>
+                                    <p:cond delay="0"/>
+                                  </p:stCondLst>
+                                  <p:childTnLst>
+                                    <p:set>
+                                      <p:cBhvr>
+                                        <p:cTn id="13" dur="1" fill="hold">
+                                          <p:stCondLst>
+                                            <p:cond delay="0"/>
+                                          </p:stCondLst>
+                                        </p:cTn>
+                                        <p:tgtEl>
+                                          <p:spTgt spid="3">
+                                            <p:txEl>
+                                              <p:pRg st="2" end="2"/>
+                                            </p:txEl>
+                                          </p:spTgt>
+                                        </p:tgtEl>
+                                        <p:attrNameLst>
+                                          <p:attrName>style.visibility</p:attrName>
+                                        </p:attrNameLst>
+                                      </p:cBhvr>
+                                      <p:to>
+                                        <p:strVal val="visible"/>
+                                      </p:to>
+                                    </p:set>
+                                    <p:anim calcmode="lin" valueType="num">
+                                      <p:cBhvr>
+                                        <p:cTn id="14" dur="500" fill="hold"/>
+                                        <p:tgtEl>
+                                          <p:spTgt spid="3">
+                                            <p:txEl>
+                                              <p:pRg st="2" end="2"/>
+                                            </p:txEl>
+                                          </p:spTgt>
+                                        </p:tgtEl>
+                                        <p:attrNameLst>
+                                          <p:attrName>ppt_w</p:attrName>
+                                        </p:attrNameLst>
+                                      </p:cBhvr>
+                                      <p:tavLst>
+                                        <p:tav tm="0">
+                                          <p:val>
+                                            <p:fltVal val="0"/>
+                                          </p:val>
+                                        </p:tav>
+                                        <p:tav tm="100000">
+                                          <p:val>
+                                            <p:strVal val="#ppt_w"/>
+                                          </p:val>
+                                        </p:tav>
+                                      </p:tavLst>
+                                    </p:anim>
+                                    <p:anim calcmode="lin" valueType="num">
+                                      <p:cBhvr>
+                                        <p:cTn id="15" dur="500" fill="hold"/>
+                                        <p:tgtEl>
+                                          <p:spTgt spid="3">
+                                            <p:txEl>
+                                              <p:pRg st="2" end="2"/>
+                                            </p:txEl>
+                                          </p:spTgt>
+                                        </p:tgtEl>
+                                        <p:attrNameLst>
+                                          <p:attrName>ppt_h</p:attrName>
+                                        </p:attrNameLst>
+                                      </p:cBhvr>
+                                      <p:tavLst>
+                                        <p:tav tm="0">
+                                          <p:val>
+                                            <p:fltVal val="0"/>
+                                          </p:val>
+                                        </p:tav>
+                                        <p:tav tm="100000">
+                                          <p:val>
+                                            <p:strVal val="#ppt_h"/>
+                                          </p:val>
+                                        </p:tav>
+                                      </p:tavLst>
+                                    </p:anim>
+                                    <p:animEffect transition="in" filter="fade">
+                                      <p:cBhvr>
+                                        <p:cTn id="16" dur="500"/>
+                                        <p:tgtEl>
+                                          <p:spTgt spid="3">
+                                            <p:txEl>
+                                              <p:pRg st="2" end="2"/>
+                                            </p:txEl>
+                                          </p:spTgt>
+                                        </p:tgtEl>
+                                      </p:cBhvr>
+                                    </p:animEffect>
+                                  </p:childTnLst>
+                                </p:cTn>
+                              </p:par>
+                              <p:par>
+                                <p:cTn id="17" presetID="53" presetClass="entr" presetSubtype="16" fill="hold" grpId="0" nodeType="withEffect">
+                                  <p:stCondLst>
+                                    <p:cond delay="0"/>
+                                  </p:stCondLst>
+                                  <p:childTnLst>
+                                    <p:set>
+                                      <p:cBhvr>
+                                        <p:cTn id="18" dur="1" fill="hold">
+                                          <p:stCondLst>
+                                            <p:cond delay="0"/>
+                                          </p:stCondLst>
+                                        </p:cTn>
+                                        <p:tgtEl>
+                                          <p:spTgt spid="3">
+                                            <p:txEl>
+                                              <p:pRg st="3" end="3"/>
+                                            </p:txEl>
+                                          </p:spTgt>
+                                        </p:tgtEl>
+                                        <p:attrNameLst>
+                                          <p:attrName>style.visibility</p:attrName>
+                                        </p:attrNameLst>
+                                      </p:cBhvr>
+                                      <p:to>
+                                        <p:strVal val="visible"/>
+                                      </p:to>
+                                    </p:set>
+                                    <p:anim calcmode="lin" valueType="num">
+                                      <p:cBhvr>
+                                        <p:cTn id="19" dur="500" fill="hold"/>
+                                        <p:tgtEl>
+                                          <p:spTgt spid="3">
+                                            <p:txEl>
+                                              <p:pRg st="3" end="3"/>
+                                            </p:txEl>
+                                          </p:spTgt>
+                                        </p:tgtEl>
+                                        <p:attrNameLst>
+                                          <p:attrName>ppt_w</p:attrName>
+                                        </p:attrNameLst>
+                                      </p:cBhvr>
+                                      <p:tavLst>
+                                        <p:tav tm="0">
+                                          <p:val>
+                                            <p:fltVal val="0"/>
+                                          </p:val>
+                                        </p:tav>
+                                        <p:tav tm="100000">
+                                          <p:val>
+                                            <p:strVal val="#ppt_w"/>
+                                          </p:val>
+                                        </p:tav>
+                                      </p:tavLst>
+                                    </p:anim>
+                                    <p:anim calcmode="lin" valueType="num">
+                                      <p:cBhvr>
+                                        <p:cTn id="20" dur="500" fill="hold"/>
+                                        <p:tgtEl>
+                                          <p:spTgt spid="3">
+                                            <p:txEl>
+                                              <p:pRg st="3" end="3"/>
+                                            </p:txEl>
+                                          </p:spTgt>
+                                        </p:tgtEl>
+                                        <p:attrNameLst>
+                                          <p:attrName>ppt_h</p:attrName>
+                                        </p:attrNameLst>
+                                      </p:cBhvr>
+                                      <p:tavLst>
+                                        <p:tav tm="0">
+                                          <p:val>
+                                            <p:fltVal val="0"/>
+                                          </p:val>
+                                        </p:tav>
+                                        <p:tav tm="100000">
+                                          <p:val>
+                                            <p:strVal val="#ppt_h"/>
+                                          </p:val>
+                                        </p:tav>
+                                      </p:tavLst>
+                                    </p:anim>
+                                    <p:animEffect transition="in" filter="fade">
+                                      <p:cBhvr>
+                                        <p:cTn id="21" dur="500"/>
+                                        <p:tgtEl>
+                                          <p:spTgt spid="3">
+                                            <p:txEl>
+                                              <p:pRg st="3" end="3"/>
+                                            </p:txEl>
+                                          </p:spTgt>
+                                        </p:tgtEl>
+                                      </p:cBhvr>
+                                    </p:animEffect>
+                                  </p:childTnLst>
+                                </p:cTn>
+                              </p:par>
+                            </p:childTnLst>
+                          </p:cTn>
+                        </p:par>
+                      </p:childTnLst>
+                    </p:cTn>
+                  </p:par>
+                </p:childTnLst>
+              </p:cTn>
+              <p:prevCondLst>
+                <p:cond evt="onPrev" delay="0">
+                  <p:tgtEl>
+                    <p:sldTgt/>
+                  </p:tgtEl>
+                </p:cond>
+              </p:prevCondLst>
+              <p:nextCondLst>
+                <p:cond evt="onNext" delay="0">
+                  <p:tgtEl>
+                    <p:sldTgt/>
+                  </p:tgtEl>
+                </p:cond>
+              </p:nextCondLst>
+            </p:seq>
+          </p:childTnLst>
+        </p:cTn>
+      </p:par>
+    </p:tnLst>
+    <p:bldLst>
+      <p:bldP spid="3" grpId="0" build="p"/>
+    </p:bldLst>
+  </p:timing>
+</p:sld>
+</file>
+
+<file path=ppt/slides/slide27.xml><?xml version="1.0" encoding="utf-8"?>
+<p:sld xmlns:a="http://schemas.openxmlformats.org/drawingml/2006/main" xmlns:r="http://schemas.openxmlformats.org/officeDocument/2006/relationships" xmlns:p="http://schemas.openxmlformats.org/presentationml/2006/main">
+  <p:cSld>
+    <p:spTree>
+      <p:nvGrpSpPr>
+        <p:cNvPr id="1" name=""/>
+        <p:cNvGrpSpPr/>
+        <p:nvPr/>
+      </p:nvGrpSpPr>
+      <p:grpSpPr>
+        <a:xfrm>
+          <a:off x="0" y="0"/>
+          <a:ext cx="0" cy="0"/>
+          <a:chOff x="0" y="0"/>
+          <a:chExt cx="0" cy="0"/>
+        </a:xfrm>
+      </p:grpSpPr>
+      <p:sp>
+        <p:nvSpPr>
+          <p:cNvPr id="2" name="Title 1">
+            <a:extLst>
+              <a:ext uri="{FF2B5EF4-FFF2-40B4-BE49-F238E27FC236}">
+                <a16:creationId xmlns:a16="http://schemas.microsoft.com/office/drawing/2014/main" id="{4FA9DAF9-C2C3-7347-91AD-02D3E853E965}"/>
+              </a:ext>
+            </a:extLst>
+          </p:cNvPr>
+          <p:cNvSpPr>
+            <a:spLocks noGrp="1"/>
+          </p:cNvSpPr>
+          <p:nvPr>
+            <p:ph type="title"/>
+          </p:nvPr>
+        </p:nvSpPr>
+        <p:spPr>
+          <a:xfrm>
+            <a:off x="1141413" y="1166191"/>
+            <a:ext cx="9905998" cy="1905000"/>
+          </a:xfrm>
+        </p:spPr>
+        <p:txBody>
+          <a:bodyPr>
+            <a:normAutofit/>
+          </a:bodyPr>
+          <a:lstStyle/>
+          <a:p>
+            <a:pPr algn="ctr"/>
+            <a:r>
+              <a:rPr lang="en-US" sz="4800" dirty="0"/>
+              <a:t>Thank you.</a:t>
+            </a:r>
+          </a:p>
+        </p:txBody>
+      </p:sp>
+      <p:sp>
+        <p:nvSpPr>
+          <p:cNvPr id="3" name="Content Placeholder 2">
+            <a:extLst>
+              <a:ext uri="{FF2B5EF4-FFF2-40B4-BE49-F238E27FC236}">
+                <a16:creationId xmlns:a16="http://schemas.microsoft.com/office/drawing/2014/main" id="{B04DE6D5-2EA3-704A-922F-C9A622C590F2}"/>
+              </a:ext>
+            </a:extLst>
+          </p:cNvPr>
+          <p:cNvSpPr>
+            <a:spLocks noGrp="1"/>
+          </p:cNvSpPr>
+          <p:nvPr>
+            <p:ph idx="1"/>
+          </p:nvPr>
+        </p:nvSpPr>
+        <p:spPr>
+          <a:xfrm>
+            <a:off x="1141413" y="2993334"/>
+            <a:ext cx="9905998" cy="871331"/>
+          </a:xfrm>
+        </p:spPr>
+        <p:txBody>
+          <a:bodyPr>
+            <a:normAutofit/>
+          </a:bodyPr>
+          <a:lstStyle/>
+          <a:p>
+            <a:pPr marL="0" indent="0" algn="ctr">
+              <a:buNone/>
+            </a:pPr>
+            <a:r>
+              <a:rPr lang="en-US" sz="3600" dirty="0"/>
+              <a:t>Questions?</a:t>
+            </a:r>
+          </a:p>
+        </p:txBody>
+      </p:sp>
+    </p:spTree>
+    <p:extLst>
+      <p:ext uri="{BB962C8B-B14F-4D97-AF65-F5344CB8AC3E}">
+        <p14:creationId xmlns:p14="http://schemas.microsoft.com/office/powerpoint/2010/main" val="2163879827"/>
       </p:ext>
     </p:extLst>
   </p:cSld>

--- a/EDA – Beer Sales.pptx
+++ b/EDA – Beer Sales.pptx
@@ -5,33 +5,20 @@
     <p:sldMasterId id="2147483648" r:id="rId1"/>
   </p:sldMasterIdLst>
   <p:sldIdLst>
-    <p:sldId id="256" r:id="rId2"/>
-    <p:sldId id="266" r:id="rId3"/>
-    <p:sldId id="257" r:id="rId4"/>
-    <p:sldId id="263" r:id="rId5"/>
-    <p:sldId id="258" r:id="rId6"/>
-    <p:sldId id="260" r:id="rId7"/>
-    <p:sldId id="264" r:id="rId8"/>
-    <p:sldId id="265" r:id="rId9"/>
-    <p:sldId id="267" r:id="rId10"/>
-    <p:sldId id="268" r:id="rId11"/>
-    <p:sldId id="269" r:id="rId12"/>
-    <p:sldId id="262" r:id="rId13"/>
-    <p:sldId id="270" r:id="rId14"/>
-    <p:sldId id="271" r:id="rId15"/>
-    <p:sldId id="272" r:id="rId16"/>
-    <p:sldId id="273" r:id="rId17"/>
-    <p:sldId id="274" r:id="rId18"/>
-    <p:sldId id="275" r:id="rId19"/>
-    <p:sldId id="276" r:id="rId20"/>
-    <p:sldId id="277" r:id="rId21"/>
-    <p:sldId id="278" r:id="rId22"/>
-    <p:sldId id="279" r:id="rId23"/>
-    <p:sldId id="280" r:id="rId24"/>
-    <p:sldId id="281" r:id="rId25"/>
-    <p:sldId id="282" r:id="rId26"/>
-    <p:sldId id="283" r:id="rId27"/>
-    <p:sldId id="284" r:id="rId28"/>
+    <p:sldId id="271" r:id="rId2"/>
+    <p:sldId id="272" r:id="rId3"/>
+    <p:sldId id="273" r:id="rId4"/>
+    <p:sldId id="274" r:id="rId5"/>
+    <p:sldId id="275" r:id="rId6"/>
+    <p:sldId id="276" r:id="rId7"/>
+    <p:sldId id="277" r:id="rId8"/>
+    <p:sldId id="278" r:id="rId9"/>
+    <p:sldId id="279" r:id="rId10"/>
+    <p:sldId id="280" r:id="rId11"/>
+    <p:sldId id="281" r:id="rId12"/>
+    <p:sldId id="282" r:id="rId13"/>
+    <p:sldId id="283" r:id="rId14"/>
+    <p:sldId id="284" r:id="rId15"/>
   </p:sldIdLst>
   <p:sldSz cx="12192000" cy="6858000"/>
   <p:notesSz cx="6858000" cy="9144000"/>
@@ -5667,10 +5654,10 @@
       </p:sp>
       <p:sp>
         <p:nvSpPr>
-          <p:cNvPr id="3" name="Subtitle 2">
+          <p:cNvPr id="4" name="Subtitle 3">
             <a:extLst>
               <a:ext uri="{FF2B5EF4-FFF2-40B4-BE49-F238E27FC236}">
-                <a16:creationId xmlns:a16="http://schemas.microsoft.com/office/drawing/2014/main" id="{61EFE1B1-8A8E-4432-BAB6-D9A45EE1F557}"/>
+                <a16:creationId xmlns:a16="http://schemas.microsoft.com/office/drawing/2014/main" id="{4AB3281D-5016-394C-8615-2D81C9249373}"/>
               </a:ext>
             </a:extLst>
           </p:cNvPr>
@@ -5683,9 +5670,80 @@
         </p:nvSpPr>
         <p:spPr/>
         <p:txBody>
-          <a:bodyPr/>
+          <a:bodyPr>
+            <a:normAutofit fontScale="92500" lnSpcReduction="20000"/>
+          </a:bodyPr>
           <a:lstStyle/>
           <a:p>
+            <a:pPr algn="l">
+              <a:spcAft>
+                <a:spcPts val="0"/>
+              </a:spcAft>
+            </a:pPr>
+            <a:endParaRPr lang="en-US" dirty="0"/>
+          </a:p>
+          <a:p>
+            <a:pPr algn="l">
+              <a:spcAft>
+                <a:spcPts val="0"/>
+              </a:spcAft>
+            </a:pPr>
+            <a:r>
+              <a:rPr lang="en-US" dirty="0"/>
+              <a:t>Justin </a:t>
+            </a:r>
+            <a:r>
+              <a:rPr lang="en-US" dirty="0" err="1"/>
+              <a:t>howard</a:t>
+            </a:r>
+            <a:endParaRPr lang="en-US" dirty="0"/>
+          </a:p>
+          <a:p>
+            <a:pPr algn="l">
+              <a:spcAft>
+                <a:spcPts val="0"/>
+              </a:spcAft>
+            </a:pPr>
+            <a:r>
+              <a:rPr lang="en-US" dirty="0" err="1"/>
+              <a:t>Justinhoward@mail.smu.edu</a:t>
+            </a:r>
+            <a:endParaRPr lang="en-US" dirty="0"/>
+          </a:p>
+          <a:p>
+            <a:pPr algn="l">
+              <a:spcAft>
+                <a:spcPts val="0"/>
+              </a:spcAft>
+            </a:pPr>
+            <a:endParaRPr lang="en-US" dirty="0"/>
+          </a:p>
+          <a:p>
+            <a:pPr algn="l">
+              <a:spcAft>
+                <a:spcPts val="0"/>
+              </a:spcAft>
+            </a:pPr>
+            <a:r>
+              <a:rPr lang="en-US" dirty="0"/>
+              <a:t>Amber </a:t>
+            </a:r>
+            <a:r>
+              <a:rPr lang="en-US" dirty="0" err="1"/>
+              <a:t>burnett</a:t>
+            </a:r>
+            <a:endParaRPr lang="en-US" dirty="0"/>
+          </a:p>
+          <a:p>
+            <a:pPr algn="l">
+              <a:spcAft>
+                <a:spcPts val="0"/>
+              </a:spcAft>
+            </a:pPr>
+            <a:r>
+              <a:rPr lang="en-US" dirty="0" err="1"/>
+              <a:t>aburnett@mail.smu.edu</a:t>
+            </a:r>
             <a:endParaRPr lang="en-US" dirty="0"/>
           </a:p>
         </p:txBody>
@@ -5693,13 +5751,21 @@
     </p:spTree>
     <p:extLst>
       <p:ext uri="{BB962C8B-B14F-4D97-AF65-F5344CB8AC3E}">
-        <p14:creationId xmlns:p14="http://schemas.microsoft.com/office/powerpoint/2010/main" val="3405041055"/>
+        <p14:creationId xmlns:p14="http://schemas.microsoft.com/office/powerpoint/2010/main" val="1879711249"/>
       </p:ext>
     </p:extLst>
   </p:cSld>
   <p:clrMapOvr>
     <a:masterClrMapping/>
   </p:clrMapOvr>
+  <mc:AlternateContent xmlns:mc="http://schemas.openxmlformats.org/markup-compatibility/2006">
+    <mc:Choice xmlns:p14="http://schemas.microsoft.com/office/powerpoint/2010/main" Requires="p14">
+      <p:transition spd="slow" p14:dur="2000" advTm="4061"/>
+    </mc:Choice>
+    <mc:Fallback>
+      <p:transition spd="slow" advTm="4061"/>
+    </mc:Fallback>
+  </mc:AlternateContent>
 </p:sld>
 </file>
 
@@ -6261,7 +6327,7 @@
           <p:nvPr/>
         </p:nvPicPr>
         <p:blipFill>
-          <a:blip r:embed="rId2"/>
+          <a:blip r:embed="rId3"/>
           <a:stretch>
             <a:fillRect/>
           </a:stretch>
@@ -6277,15 +6343,158 @@
         </p:spPr>
       </p:pic>
     </p:spTree>
+    <p:custDataLst>
+      <p:tags r:id="rId1"/>
+    </p:custDataLst>
     <p:extLst>
       <p:ext uri="{BB962C8B-B14F-4D97-AF65-F5344CB8AC3E}">
-        <p14:creationId xmlns:p14="http://schemas.microsoft.com/office/powerpoint/2010/main" val="1964507737"/>
+        <p14:creationId xmlns:p14="http://schemas.microsoft.com/office/powerpoint/2010/main" val="319715529"/>
       </p:ext>
     </p:extLst>
   </p:cSld>
   <p:clrMapOvr>
     <a:masterClrMapping/>
   </p:clrMapOvr>
+  <mc:AlternateContent xmlns:mc="http://schemas.openxmlformats.org/markup-compatibility/2006">
+    <mc:Choice xmlns:p14="http://schemas.microsoft.com/office/powerpoint/2010/main" Requires="p14">
+      <p:transition spd="slow" p14:dur="2000" advTm="16946"/>
+    </mc:Choice>
+    <mc:Fallback>
+      <p:transition spd="slow" advTm="16946"/>
+    </mc:Fallback>
+  </mc:AlternateContent>
+  <p:timing>
+    <p:tnLst>
+      <p:par>
+        <p:cTn id="1" dur="indefinite" restart="never" nodeType="tmRoot">
+          <p:childTnLst>
+            <p:seq concurrent="1" nextAc="seek">
+              <p:cTn id="2" dur="indefinite" nodeType="mainSeq">
+                <p:childTnLst>
+                  <p:par>
+                    <p:cTn id="3" fill="hold">
+                      <p:stCondLst>
+                        <p:cond delay="indefinite"/>
+                      </p:stCondLst>
+                      <p:childTnLst>
+                        <p:par>
+                          <p:cTn id="4" fill="hold">
+                            <p:stCondLst>
+                              <p:cond delay="0"/>
+                            </p:stCondLst>
+                            <p:childTnLst>
+                              <p:par>
+                                <p:cTn id="5" presetID="53" presetClass="entr" presetSubtype="16" fill="hold" grpId="0" nodeType="clickEffect">
+                                  <p:stCondLst>
+                                    <p:cond delay="0"/>
+                                  </p:stCondLst>
+                                  <p:childTnLst>
+                                    <p:set>
+                                      <p:cBhvr>
+                                        <p:cTn id="6" dur="1" fill="hold">
+                                          <p:stCondLst>
+                                            <p:cond delay="0"/>
+                                          </p:stCondLst>
+                                        </p:cTn>
+                                        <p:tgtEl>
+                                          <p:spTgt spid="10"/>
+                                        </p:tgtEl>
+                                        <p:attrNameLst>
+                                          <p:attrName>style.visibility</p:attrName>
+                                        </p:attrNameLst>
+                                      </p:cBhvr>
+                                      <p:to>
+                                        <p:strVal val="visible"/>
+                                      </p:to>
+                                    </p:set>
+                                    <p:anim calcmode="lin" valueType="num">
+                                      <p:cBhvr>
+                                        <p:cTn id="7" dur="500" fill="hold"/>
+                                        <p:tgtEl>
+                                          <p:spTgt spid="10"/>
+                                        </p:tgtEl>
+                                        <p:attrNameLst>
+                                          <p:attrName>ppt_w</p:attrName>
+                                        </p:attrNameLst>
+                                      </p:cBhvr>
+                                      <p:tavLst>
+                                        <p:tav tm="0">
+                                          <p:val>
+                                            <p:fltVal val="0"/>
+                                          </p:val>
+                                        </p:tav>
+                                        <p:tav tm="100000">
+                                          <p:val>
+                                            <p:strVal val="#ppt_w"/>
+                                          </p:val>
+                                        </p:tav>
+                                      </p:tavLst>
+                                    </p:anim>
+                                    <p:anim calcmode="lin" valueType="num">
+                                      <p:cBhvr>
+                                        <p:cTn id="8" dur="500" fill="hold"/>
+                                        <p:tgtEl>
+                                          <p:spTgt spid="10"/>
+                                        </p:tgtEl>
+                                        <p:attrNameLst>
+                                          <p:attrName>ppt_h</p:attrName>
+                                        </p:attrNameLst>
+                                      </p:cBhvr>
+                                      <p:tavLst>
+                                        <p:tav tm="0">
+                                          <p:val>
+                                            <p:fltVal val="0"/>
+                                          </p:val>
+                                        </p:tav>
+                                        <p:tav tm="100000">
+                                          <p:val>
+                                            <p:strVal val="#ppt_h"/>
+                                          </p:val>
+                                        </p:tav>
+                                      </p:tavLst>
+                                    </p:anim>
+                                    <p:animEffect transition="in" filter="fade">
+                                      <p:cBhvr>
+                                        <p:cTn id="9" dur="500"/>
+                                        <p:tgtEl>
+                                          <p:spTgt spid="10"/>
+                                        </p:tgtEl>
+                                      </p:cBhvr>
+                                    </p:animEffect>
+                                  </p:childTnLst>
+                                </p:cTn>
+                              </p:par>
+                            </p:childTnLst>
+                          </p:cTn>
+                        </p:par>
+                      </p:childTnLst>
+                    </p:cTn>
+                  </p:par>
+                </p:childTnLst>
+              </p:cTn>
+              <p:prevCondLst>
+                <p:cond evt="onPrev" delay="0">
+                  <p:tgtEl>
+                    <p:sldTgt/>
+                  </p:tgtEl>
+                </p:cond>
+              </p:prevCondLst>
+              <p:nextCondLst>
+                <p:cond evt="onNext" delay="0">
+                  <p:tgtEl>
+                    <p:sldTgt/>
+                  </p:tgtEl>
+                </p:cond>
+              </p:nextCondLst>
+            </p:seq>
+          </p:childTnLst>
+        </p:cTn>
+      </p:par>
+    </p:tnLst>
+    <p:bldLst>
+      <p:bldP spid="10" grpId="0"/>
+    </p:bldLst>
+  </p:timing>
 </p:sld>
 </file>
 
@@ -6850,7 +7059,7 @@
           <p:nvPr/>
         </p:nvPicPr>
         <p:blipFill>
-          <a:blip r:embed="rId2"/>
+          <a:blip r:embed="rId3"/>
           <a:stretch>
             <a:fillRect/>
           </a:stretch>
@@ -6866,15 +7075,158 @@
         </p:spPr>
       </p:pic>
     </p:spTree>
+    <p:custDataLst>
+      <p:tags r:id="rId1"/>
+    </p:custDataLst>
     <p:extLst>
       <p:ext uri="{BB962C8B-B14F-4D97-AF65-F5344CB8AC3E}">
-        <p14:creationId xmlns:p14="http://schemas.microsoft.com/office/powerpoint/2010/main" val="3826656270"/>
+        <p14:creationId xmlns:p14="http://schemas.microsoft.com/office/powerpoint/2010/main" val="962003885"/>
       </p:ext>
     </p:extLst>
   </p:cSld>
   <p:clrMapOvr>
     <a:masterClrMapping/>
   </p:clrMapOvr>
+  <mc:AlternateContent xmlns:mc="http://schemas.openxmlformats.org/markup-compatibility/2006">
+    <mc:Choice xmlns:p14="http://schemas.microsoft.com/office/powerpoint/2010/main" Requires="p14">
+      <p:transition spd="slow" p14:dur="2000" advTm="17168"/>
+    </mc:Choice>
+    <mc:Fallback>
+      <p:transition spd="slow" advTm="17168"/>
+    </mc:Fallback>
+  </mc:AlternateContent>
+  <p:timing>
+    <p:tnLst>
+      <p:par>
+        <p:cTn id="1" dur="indefinite" restart="never" nodeType="tmRoot">
+          <p:childTnLst>
+            <p:seq concurrent="1" nextAc="seek">
+              <p:cTn id="2" dur="indefinite" nodeType="mainSeq">
+                <p:childTnLst>
+                  <p:par>
+                    <p:cTn id="3" fill="hold">
+                      <p:stCondLst>
+                        <p:cond delay="indefinite"/>
+                      </p:stCondLst>
+                      <p:childTnLst>
+                        <p:par>
+                          <p:cTn id="4" fill="hold">
+                            <p:stCondLst>
+                              <p:cond delay="0"/>
+                            </p:stCondLst>
+                            <p:childTnLst>
+                              <p:par>
+                                <p:cTn id="5" presetID="53" presetClass="entr" presetSubtype="16" fill="hold" grpId="0" nodeType="clickEffect">
+                                  <p:stCondLst>
+                                    <p:cond delay="0"/>
+                                  </p:stCondLst>
+                                  <p:childTnLst>
+                                    <p:set>
+                                      <p:cBhvr>
+                                        <p:cTn id="6" dur="1" fill="hold">
+                                          <p:stCondLst>
+                                            <p:cond delay="0"/>
+                                          </p:stCondLst>
+                                        </p:cTn>
+                                        <p:tgtEl>
+                                          <p:spTgt spid="10"/>
+                                        </p:tgtEl>
+                                        <p:attrNameLst>
+                                          <p:attrName>style.visibility</p:attrName>
+                                        </p:attrNameLst>
+                                      </p:cBhvr>
+                                      <p:to>
+                                        <p:strVal val="visible"/>
+                                      </p:to>
+                                    </p:set>
+                                    <p:anim calcmode="lin" valueType="num">
+                                      <p:cBhvr>
+                                        <p:cTn id="7" dur="500" fill="hold"/>
+                                        <p:tgtEl>
+                                          <p:spTgt spid="10"/>
+                                        </p:tgtEl>
+                                        <p:attrNameLst>
+                                          <p:attrName>ppt_w</p:attrName>
+                                        </p:attrNameLst>
+                                      </p:cBhvr>
+                                      <p:tavLst>
+                                        <p:tav tm="0">
+                                          <p:val>
+                                            <p:fltVal val="0"/>
+                                          </p:val>
+                                        </p:tav>
+                                        <p:tav tm="100000">
+                                          <p:val>
+                                            <p:strVal val="#ppt_w"/>
+                                          </p:val>
+                                        </p:tav>
+                                      </p:tavLst>
+                                    </p:anim>
+                                    <p:anim calcmode="lin" valueType="num">
+                                      <p:cBhvr>
+                                        <p:cTn id="8" dur="500" fill="hold"/>
+                                        <p:tgtEl>
+                                          <p:spTgt spid="10"/>
+                                        </p:tgtEl>
+                                        <p:attrNameLst>
+                                          <p:attrName>ppt_h</p:attrName>
+                                        </p:attrNameLst>
+                                      </p:cBhvr>
+                                      <p:tavLst>
+                                        <p:tav tm="0">
+                                          <p:val>
+                                            <p:fltVal val="0"/>
+                                          </p:val>
+                                        </p:tav>
+                                        <p:tav tm="100000">
+                                          <p:val>
+                                            <p:strVal val="#ppt_h"/>
+                                          </p:val>
+                                        </p:tav>
+                                      </p:tavLst>
+                                    </p:anim>
+                                    <p:animEffect transition="in" filter="fade">
+                                      <p:cBhvr>
+                                        <p:cTn id="9" dur="500"/>
+                                        <p:tgtEl>
+                                          <p:spTgt spid="10"/>
+                                        </p:tgtEl>
+                                      </p:cBhvr>
+                                    </p:animEffect>
+                                  </p:childTnLst>
+                                </p:cTn>
+                              </p:par>
+                            </p:childTnLst>
+                          </p:cTn>
+                        </p:par>
+                      </p:childTnLst>
+                    </p:cTn>
+                  </p:par>
+                </p:childTnLst>
+              </p:cTn>
+              <p:prevCondLst>
+                <p:cond evt="onPrev" delay="0">
+                  <p:tgtEl>
+                    <p:sldTgt/>
+                  </p:tgtEl>
+                </p:cond>
+              </p:prevCondLst>
+              <p:nextCondLst>
+                <p:cond evt="onNext" delay="0">
+                  <p:tgtEl>
+                    <p:sldTgt/>
+                  </p:tgtEl>
+                </p:cond>
+              </p:nextCondLst>
+            </p:seq>
+          </p:childTnLst>
+        </p:cTn>
+      </p:par>
+    </p:tnLst>
+    <p:bldLst>
+      <p:bldP spid="10" grpId="0"/>
+    </p:bldLst>
+  </p:timing>
 </p:sld>
 </file>
 
@@ -6924,7 +7276,7 @@
             <a:pPr algn="ctr"/>
             <a:r>
               <a:rPr lang="en-US" dirty="0"/>
-              <a:t>Positive Correlation between bitterness and alcohol content</a:t>
+              <a:t>Possible Correlation between bitterness and alcohol content</a:t>
             </a:r>
           </a:p>
         </p:txBody>
@@ -6961,13 +7313,21 @@
     </p:spTree>
     <p:extLst>
       <p:ext uri="{BB962C8B-B14F-4D97-AF65-F5344CB8AC3E}">
-        <p14:creationId xmlns:p14="http://schemas.microsoft.com/office/powerpoint/2010/main" val="2394935882"/>
+        <p14:creationId xmlns:p14="http://schemas.microsoft.com/office/powerpoint/2010/main" val="3522627089"/>
       </p:ext>
     </p:extLst>
   </p:cSld>
   <p:clrMapOvr>
     <a:masterClrMapping/>
   </p:clrMapOvr>
+  <mc:AlternateContent xmlns:mc="http://schemas.openxmlformats.org/markup-compatibility/2006">
+    <mc:Choice xmlns:p14="http://schemas.microsoft.com/office/powerpoint/2010/main" Requires="p14">
+      <p:transition spd="slow" p14:dur="2000" advTm="19834"/>
+    </mc:Choice>
+    <mc:Fallback>
+      <p:transition spd="slow" advTm="19834"/>
+    </mc:Fallback>
+  </mc:AlternateContent>
 </p:sld>
 </file>
 
@@ -7092,7 +7452,7 @@
           <p:nvPr/>
         </p:nvPicPr>
         <p:blipFill>
-          <a:blip r:embed="rId2"/>
+          <a:blip r:embed="rId3"/>
           <a:stretch>
             <a:fillRect/>
           </a:stretch>
@@ -7147,7 +7507,7 @@
           <p:nvPr/>
         </p:nvPicPr>
         <p:blipFill>
-          <a:blip r:embed="rId3"/>
+          <a:blip r:embed="rId4"/>
           <a:stretch>
             <a:fillRect/>
           </a:stretch>
@@ -7257,15 +7617,386 @@
         </p:spPr>
       </p:pic>
     </p:spTree>
+    <p:custDataLst>
+      <p:tags r:id="rId1"/>
+    </p:custDataLst>
     <p:extLst>
       <p:ext uri="{BB962C8B-B14F-4D97-AF65-F5344CB8AC3E}">
-        <p14:creationId xmlns:p14="http://schemas.microsoft.com/office/powerpoint/2010/main" val="209908339"/>
+        <p14:creationId xmlns:p14="http://schemas.microsoft.com/office/powerpoint/2010/main" val="3071512888"/>
       </p:ext>
     </p:extLst>
   </p:cSld>
   <p:clrMapOvr>
     <a:masterClrMapping/>
   </p:clrMapOvr>
+  <mc:AlternateContent xmlns:mc="http://schemas.openxmlformats.org/markup-compatibility/2006">
+    <mc:Choice xmlns:p14="http://schemas.microsoft.com/office/powerpoint/2010/main" Requires="p14">
+      <p:transition spd="slow" p14:dur="2000" advTm="29022"/>
+    </mc:Choice>
+    <mc:Fallback>
+      <p:transition spd="slow" advTm="29022"/>
+    </mc:Fallback>
+  </mc:AlternateContent>
+  <p:timing>
+    <p:tnLst>
+      <p:par>
+        <p:cTn id="1" dur="indefinite" restart="never" nodeType="tmRoot">
+          <p:childTnLst>
+            <p:seq concurrent="1" nextAc="seek">
+              <p:cTn id="2" dur="indefinite" nodeType="mainSeq">
+                <p:childTnLst>
+                  <p:par>
+                    <p:cTn id="3" fill="hold">
+                      <p:stCondLst>
+                        <p:cond delay="indefinite"/>
+                      </p:stCondLst>
+                      <p:childTnLst>
+                        <p:par>
+                          <p:cTn id="4" fill="hold">
+                            <p:stCondLst>
+                              <p:cond delay="0"/>
+                            </p:stCondLst>
+                            <p:childTnLst>
+                              <p:par>
+                                <p:cTn id="5" presetID="53" presetClass="entr" presetSubtype="16" fill="hold" grpId="0" nodeType="clickEffect">
+                                  <p:stCondLst>
+                                    <p:cond delay="0"/>
+                                  </p:stCondLst>
+                                  <p:childTnLst>
+                                    <p:set>
+                                      <p:cBhvr>
+                                        <p:cTn id="6" dur="1" fill="hold">
+                                          <p:stCondLst>
+                                            <p:cond delay="0"/>
+                                          </p:stCondLst>
+                                        </p:cTn>
+                                        <p:tgtEl>
+                                          <p:spTgt spid="3">
+                                            <p:txEl>
+                                              <p:pRg st="0" end="0"/>
+                                            </p:txEl>
+                                          </p:spTgt>
+                                        </p:tgtEl>
+                                        <p:attrNameLst>
+                                          <p:attrName>style.visibility</p:attrName>
+                                        </p:attrNameLst>
+                                      </p:cBhvr>
+                                      <p:to>
+                                        <p:strVal val="visible"/>
+                                      </p:to>
+                                    </p:set>
+                                    <p:anim calcmode="lin" valueType="num">
+                                      <p:cBhvr>
+                                        <p:cTn id="7" dur="500" fill="hold"/>
+                                        <p:tgtEl>
+                                          <p:spTgt spid="3">
+                                            <p:txEl>
+                                              <p:pRg st="0" end="0"/>
+                                            </p:txEl>
+                                          </p:spTgt>
+                                        </p:tgtEl>
+                                        <p:attrNameLst>
+                                          <p:attrName>ppt_w</p:attrName>
+                                        </p:attrNameLst>
+                                      </p:cBhvr>
+                                      <p:tavLst>
+                                        <p:tav tm="0">
+                                          <p:val>
+                                            <p:fltVal val="0"/>
+                                          </p:val>
+                                        </p:tav>
+                                        <p:tav tm="100000">
+                                          <p:val>
+                                            <p:strVal val="#ppt_w"/>
+                                          </p:val>
+                                        </p:tav>
+                                      </p:tavLst>
+                                    </p:anim>
+                                    <p:anim calcmode="lin" valueType="num">
+                                      <p:cBhvr>
+                                        <p:cTn id="8" dur="500" fill="hold"/>
+                                        <p:tgtEl>
+                                          <p:spTgt spid="3">
+                                            <p:txEl>
+                                              <p:pRg st="0" end="0"/>
+                                            </p:txEl>
+                                          </p:spTgt>
+                                        </p:tgtEl>
+                                        <p:attrNameLst>
+                                          <p:attrName>ppt_h</p:attrName>
+                                        </p:attrNameLst>
+                                      </p:cBhvr>
+                                      <p:tavLst>
+                                        <p:tav tm="0">
+                                          <p:val>
+                                            <p:fltVal val="0"/>
+                                          </p:val>
+                                        </p:tav>
+                                        <p:tav tm="100000">
+                                          <p:val>
+                                            <p:strVal val="#ppt_h"/>
+                                          </p:val>
+                                        </p:tav>
+                                      </p:tavLst>
+                                    </p:anim>
+                                    <p:animEffect transition="in" filter="fade">
+                                      <p:cBhvr>
+                                        <p:cTn id="9" dur="500"/>
+                                        <p:tgtEl>
+                                          <p:spTgt spid="3">
+                                            <p:txEl>
+                                              <p:pRg st="0" end="0"/>
+                                            </p:txEl>
+                                          </p:spTgt>
+                                        </p:tgtEl>
+                                      </p:cBhvr>
+                                    </p:animEffect>
+                                  </p:childTnLst>
+                                </p:cTn>
+                              </p:par>
+                            </p:childTnLst>
+                          </p:cTn>
+                        </p:par>
+                      </p:childTnLst>
+                    </p:cTn>
+                  </p:par>
+                  <p:par>
+                    <p:cTn id="10" fill="hold">
+                      <p:stCondLst>
+                        <p:cond delay="indefinite"/>
+                      </p:stCondLst>
+                      <p:childTnLst>
+                        <p:par>
+                          <p:cTn id="11" fill="hold">
+                            <p:stCondLst>
+                              <p:cond delay="0"/>
+                            </p:stCondLst>
+                            <p:childTnLst>
+                              <p:par>
+                                <p:cTn id="12" presetID="53" presetClass="entr" presetSubtype="16" fill="hold" grpId="0" nodeType="clickEffect">
+                                  <p:stCondLst>
+                                    <p:cond delay="0"/>
+                                  </p:stCondLst>
+                                  <p:childTnLst>
+                                    <p:set>
+                                      <p:cBhvr>
+                                        <p:cTn id="13" dur="1" fill="hold">
+                                          <p:stCondLst>
+                                            <p:cond delay="0"/>
+                                          </p:stCondLst>
+                                        </p:cTn>
+                                        <p:tgtEl>
+                                          <p:spTgt spid="3">
+                                            <p:txEl>
+                                              <p:pRg st="2" end="2"/>
+                                            </p:txEl>
+                                          </p:spTgt>
+                                        </p:tgtEl>
+                                        <p:attrNameLst>
+                                          <p:attrName>style.visibility</p:attrName>
+                                        </p:attrNameLst>
+                                      </p:cBhvr>
+                                      <p:to>
+                                        <p:strVal val="visible"/>
+                                      </p:to>
+                                    </p:set>
+                                    <p:anim calcmode="lin" valueType="num">
+                                      <p:cBhvr>
+                                        <p:cTn id="14" dur="500" fill="hold"/>
+                                        <p:tgtEl>
+                                          <p:spTgt spid="3">
+                                            <p:txEl>
+                                              <p:pRg st="2" end="2"/>
+                                            </p:txEl>
+                                          </p:spTgt>
+                                        </p:tgtEl>
+                                        <p:attrNameLst>
+                                          <p:attrName>ppt_w</p:attrName>
+                                        </p:attrNameLst>
+                                      </p:cBhvr>
+                                      <p:tavLst>
+                                        <p:tav tm="0">
+                                          <p:val>
+                                            <p:fltVal val="0"/>
+                                          </p:val>
+                                        </p:tav>
+                                        <p:tav tm="100000">
+                                          <p:val>
+                                            <p:strVal val="#ppt_w"/>
+                                          </p:val>
+                                        </p:tav>
+                                      </p:tavLst>
+                                    </p:anim>
+                                    <p:anim calcmode="lin" valueType="num">
+                                      <p:cBhvr>
+                                        <p:cTn id="15" dur="500" fill="hold"/>
+                                        <p:tgtEl>
+                                          <p:spTgt spid="3">
+                                            <p:txEl>
+                                              <p:pRg st="2" end="2"/>
+                                            </p:txEl>
+                                          </p:spTgt>
+                                        </p:tgtEl>
+                                        <p:attrNameLst>
+                                          <p:attrName>ppt_h</p:attrName>
+                                        </p:attrNameLst>
+                                      </p:cBhvr>
+                                      <p:tavLst>
+                                        <p:tav tm="0">
+                                          <p:val>
+                                            <p:fltVal val="0"/>
+                                          </p:val>
+                                        </p:tav>
+                                        <p:tav tm="100000">
+                                          <p:val>
+                                            <p:strVal val="#ppt_h"/>
+                                          </p:val>
+                                        </p:tav>
+                                      </p:tavLst>
+                                    </p:anim>
+                                    <p:animEffect transition="in" filter="fade">
+                                      <p:cBhvr>
+                                        <p:cTn id="16" dur="500"/>
+                                        <p:tgtEl>
+                                          <p:spTgt spid="3">
+                                            <p:txEl>
+                                              <p:pRg st="2" end="2"/>
+                                            </p:txEl>
+                                          </p:spTgt>
+                                        </p:tgtEl>
+                                      </p:cBhvr>
+                                    </p:animEffect>
+                                  </p:childTnLst>
+                                </p:cTn>
+                              </p:par>
+                              <p:par>
+                                <p:cTn id="17" presetID="53" presetClass="entr" presetSubtype="16" fill="hold" grpId="0" nodeType="withEffect">
+                                  <p:stCondLst>
+                                    <p:cond delay="0"/>
+                                  </p:stCondLst>
+                                  <p:childTnLst>
+                                    <p:set>
+                                      <p:cBhvr>
+                                        <p:cTn id="18" dur="1" fill="hold">
+                                          <p:stCondLst>
+                                            <p:cond delay="0"/>
+                                          </p:stCondLst>
+                                        </p:cTn>
+                                        <p:tgtEl>
+                                          <p:spTgt spid="3">
+                                            <p:txEl>
+                                              <p:pRg st="3" end="3"/>
+                                            </p:txEl>
+                                          </p:spTgt>
+                                        </p:tgtEl>
+                                        <p:attrNameLst>
+                                          <p:attrName>style.visibility</p:attrName>
+                                        </p:attrNameLst>
+                                      </p:cBhvr>
+                                      <p:to>
+                                        <p:strVal val="visible"/>
+                                      </p:to>
+                                    </p:set>
+                                    <p:anim calcmode="lin" valueType="num">
+                                      <p:cBhvr>
+                                        <p:cTn id="19" dur="500" fill="hold"/>
+                                        <p:tgtEl>
+                                          <p:spTgt spid="3">
+                                            <p:txEl>
+                                              <p:pRg st="3" end="3"/>
+                                            </p:txEl>
+                                          </p:spTgt>
+                                        </p:tgtEl>
+                                        <p:attrNameLst>
+                                          <p:attrName>ppt_w</p:attrName>
+                                        </p:attrNameLst>
+                                      </p:cBhvr>
+                                      <p:tavLst>
+                                        <p:tav tm="0">
+                                          <p:val>
+                                            <p:fltVal val="0"/>
+                                          </p:val>
+                                        </p:tav>
+                                        <p:tav tm="100000">
+                                          <p:val>
+                                            <p:strVal val="#ppt_w"/>
+                                          </p:val>
+                                        </p:tav>
+                                      </p:tavLst>
+                                    </p:anim>
+                                    <p:anim calcmode="lin" valueType="num">
+                                      <p:cBhvr>
+                                        <p:cTn id="20" dur="500" fill="hold"/>
+                                        <p:tgtEl>
+                                          <p:spTgt spid="3">
+                                            <p:txEl>
+                                              <p:pRg st="3" end="3"/>
+                                            </p:txEl>
+                                          </p:spTgt>
+                                        </p:tgtEl>
+                                        <p:attrNameLst>
+                                          <p:attrName>ppt_h</p:attrName>
+                                        </p:attrNameLst>
+                                      </p:cBhvr>
+                                      <p:tavLst>
+                                        <p:tav tm="0">
+                                          <p:val>
+                                            <p:fltVal val="0"/>
+                                          </p:val>
+                                        </p:tav>
+                                        <p:tav tm="100000">
+                                          <p:val>
+                                            <p:strVal val="#ppt_h"/>
+                                          </p:val>
+                                        </p:tav>
+                                      </p:tavLst>
+                                    </p:anim>
+                                    <p:animEffect transition="in" filter="fade">
+                                      <p:cBhvr>
+                                        <p:cTn id="21" dur="500"/>
+                                        <p:tgtEl>
+                                          <p:spTgt spid="3">
+                                            <p:txEl>
+                                              <p:pRg st="3" end="3"/>
+                                            </p:txEl>
+                                          </p:spTgt>
+                                        </p:tgtEl>
+                                      </p:cBhvr>
+                                    </p:animEffect>
+                                  </p:childTnLst>
+                                </p:cTn>
+                              </p:par>
+                            </p:childTnLst>
+                          </p:cTn>
+                        </p:par>
+                      </p:childTnLst>
+                    </p:cTn>
+                  </p:par>
+                </p:childTnLst>
+              </p:cTn>
+              <p:prevCondLst>
+                <p:cond evt="onPrev" delay="0">
+                  <p:tgtEl>
+                    <p:sldTgt/>
+                  </p:tgtEl>
+                </p:cond>
+              </p:prevCondLst>
+              <p:nextCondLst>
+                <p:cond evt="onNext" delay="0">
+                  <p:tgtEl>
+                    <p:sldTgt/>
+                  </p:tgtEl>
+                </p:cond>
+              </p:nextCondLst>
+            </p:seq>
+          </p:childTnLst>
+        </p:cTn>
+      </p:par>
+    </p:tnLst>
+    <p:bldLst>
+      <p:bldP spid="3" grpId="0" build="p"/>
+    </p:bldLst>
+  </p:timing>
 </p:sld>
 </file>
 
@@ -7291,7 +8022,7 @@
           <p:cNvPr id="2" name="Title 1">
             <a:extLst>
               <a:ext uri="{FF2B5EF4-FFF2-40B4-BE49-F238E27FC236}">
-                <a16:creationId xmlns:a16="http://schemas.microsoft.com/office/drawing/2014/main" id="{8592D5BD-7D73-4F62-B94B-C67D4F3046CB}"/>
+                <a16:creationId xmlns:a16="http://schemas.microsoft.com/office/drawing/2014/main" id="{4FA9DAF9-C2C3-7347-91AD-02D3E853E965}"/>
               </a:ext>
             </a:extLst>
           </p:cNvPr>
@@ -7299,27 +8030,35 @@
             <a:spLocks noGrp="1"/>
           </p:cNvSpPr>
           <p:nvPr>
-            <p:ph type="ctrTitle"/>
+            <p:ph type="title"/>
           </p:nvPr>
         </p:nvSpPr>
-        <p:spPr/>
+        <p:spPr>
+          <a:xfrm>
+            <a:off x="1141413" y="1166191"/>
+            <a:ext cx="9905998" cy="1905000"/>
+          </a:xfrm>
+        </p:spPr>
         <p:txBody>
-          <a:bodyPr/>
+          <a:bodyPr>
+            <a:normAutofit/>
+          </a:bodyPr>
           <a:lstStyle/>
           <a:p>
-            <a:r>
-              <a:rPr lang="en-US" dirty="0"/>
-              <a:t>Craft Beer observations </a:t>
+            <a:pPr algn="ctr"/>
+            <a:r>
+              <a:rPr lang="en-US" sz="4800" dirty="0"/>
+              <a:t>Thank you.</a:t>
             </a:r>
           </a:p>
         </p:txBody>
       </p:sp>
       <p:sp>
         <p:nvSpPr>
-          <p:cNvPr id="4" name="Subtitle 3">
+          <p:cNvPr id="3" name="Content Placeholder 2">
             <a:extLst>
               <a:ext uri="{FF2B5EF4-FFF2-40B4-BE49-F238E27FC236}">
-                <a16:creationId xmlns:a16="http://schemas.microsoft.com/office/drawing/2014/main" id="{4AB3281D-5016-394C-8615-2D81C9249373}"/>
+                <a16:creationId xmlns:a16="http://schemas.microsoft.com/office/drawing/2014/main" id="{B04DE6D5-2EA3-704A-922F-C9A622C590F2}"/>
               </a:ext>
             </a:extLst>
           </p:cNvPr>
@@ -7327,103 +8066,53 @@
             <a:spLocks noGrp="1"/>
           </p:cNvSpPr>
           <p:nvPr>
-            <p:ph type="subTitle" idx="1"/>
+            <p:ph idx="1"/>
           </p:nvPr>
         </p:nvSpPr>
-        <p:spPr/>
+        <p:spPr>
+          <a:xfrm>
+            <a:off x="1141413" y="2993334"/>
+            <a:ext cx="9905998" cy="871331"/>
+          </a:xfrm>
+        </p:spPr>
         <p:txBody>
           <a:bodyPr>
-            <a:normAutofit fontScale="92500" lnSpcReduction="20000"/>
+            <a:normAutofit/>
           </a:bodyPr>
           <a:lstStyle/>
           <a:p>
-            <a:pPr algn="l">
-              <a:spcAft>
-                <a:spcPts val="0"/>
-              </a:spcAft>
+            <a:pPr marL="0" indent="0" algn="ctr">
+              <a:buNone/>
             </a:pPr>
-            <a:endParaRPr lang="en-US" dirty="0"/>
-          </a:p>
-          <a:p>
-            <a:pPr algn="l">
-              <a:spcAft>
-                <a:spcPts val="0"/>
-              </a:spcAft>
-            </a:pPr>
-            <a:r>
-              <a:rPr lang="en-US" dirty="0"/>
-              <a:t>Justin </a:t>
-            </a:r>
-            <a:r>
-              <a:rPr lang="en-US" dirty="0" err="1"/>
-              <a:t>howard</a:t>
-            </a:r>
-            <a:endParaRPr lang="en-US" dirty="0"/>
-          </a:p>
-          <a:p>
-            <a:pPr algn="l">
-              <a:spcAft>
-                <a:spcPts val="0"/>
-              </a:spcAft>
-            </a:pPr>
-            <a:r>
-              <a:rPr lang="en-US" dirty="0" err="1"/>
-              <a:t>Justinhoward@mail.smu.edu</a:t>
-            </a:r>
-            <a:endParaRPr lang="en-US" dirty="0"/>
-          </a:p>
-          <a:p>
-            <a:pPr algn="l">
-              <a:spcAft>
-                <a:spcPts val="0"/>
-              </a:spcAft>
-            </a:pPr>
-            <a:endParaRPr lang="en-US" dirty="0"/>
-          </a:p>
-          <a:p>
-            <a:pPr algn="l">
-              <a:spcAft>
-                <a:spcPts val="0"/>
-              </a:spcAft>
-            </a:pPr>
-            <a:r>
-              <a:rPr lang="en-US" dirty="0"/>
-              <a:t>Amber </a:t>
-            </a:r>
-            <a:r>
-              <a:rPr lang="en-US" dirty="0" err="1"/>
-              <a:t>burnett</a:t>
-            </a:r>
-            <a:endParaRPr lang="en-US" dirty="0"/>
-          </a:p>
-          <a:p>
-            <a:pPr algn="l">
-              <a:spcAft>
-                <a:spcPts val="0"/>
-              </a:spcAft>
-            </a:pPr>
-            <a:r>
-              <a:rPr lang="en-US" dirty="0" err="1"/>
-              <a:t>aburnett@mail.smu.edu</a:t>
-            </a:r>
-            <a:endParaRPr lang="en-US" dirty="0"/>
+            <a:r>
+              <a:rPr lang="en-US" sz="3600" dirty="0"/>
+              <a:t>Questions?</a:t>
+            </a:r>
           </a:p>
         </p:txBody>
       </p:sp>
     </p:spTree>
     <p:extLst>
       <p:ext uri="{BB962C8B-B14F-4D97-AF65-F5344CB8AC3E}">
-        <p14:creationId xmlns:p14="http://schemas.microsoft.com/office/powerpoint/2010/main" val="1879711249"/>
+        <p14:creationId xmlns:p14="http://schemas.microsoft.com/office/powerpoint/2010/main" val="2163879827"/>
       </p:ext>
     </p:extLst>
   </p:cSld>
   <p:clrMapOvr>
     <a:masterClrMapping/>
   </p:clrMapOvr>
+  <mc:AlternateContent xmlns:mc="http://schemas.openxmlformats.org/markup-compatibility/2006">
+    <mc:Choice xmlns:p14="http://schemas.microsoft.com/office/powerpoint/2010/main" Requires="p14">
+      <p:transition spd="slow" p14:dur="2000" advTm="4694"/>
+    </mc:Choice>
+    <mc:Fallback>
+      <p:transition spd="slow" advTm="4694"/>
+    </mc:Fallback>
+  </mc:AlternateContent>
 </p:sld>
 </file>
 
-<file path=ppt/slides/slide15.xml><?xml version="1.0" encoding="utf-8"?>
+<file path=ppt/slides/slide2.xml><?xml version="1.0" encoding="utf-8"?>
 <p:sld xmlns:a="http://schemas.openxmlformats.org/drawingml/2006/main" xmlns:r="http://schemas.openxmlformats.org/officeDocument/2006/relationships" xmlns:p="http://schemas.openxmlformats.org/presentationml/2006/main">
   <p:cSld>
     <p:spTree>
@@ -7604,7 +8293,7 @@
           <p:nvPr/>
         </p:nvPicPr>
         <p:blipFill rotWithShape="1">
-          <a:blip r:embed="rId2"/>
+          <a:blip r:embed="rId3"/>
           <a:srcRect r="31134" b="1"/>
           <a:stretch/>
         </p:blipFill>
@@ -7644,6 +8333,9 @@
         </p:spPr>
       </p:pic>
     </p:spTree>
+    <p:custDataLst>
+      <p:tags r:id="rId1"/>
+    </p:custDataLst>
     <p:extLst>
       <p:ext uri="{BB962C8B-B14F-4D97-AF65-F5344CB8AC3E}">
         <p14:creationId xmlns:p14="http://schemas.microsoft.com/office/powerpoint/2010/main" val="4276665754"/>
@@ -7653,6 +8345,14 @@
   <p:clrMapOvr>
     <a:masterClrMapping/>
   </p:clrMapOvr>
+  <mc:AlternateContent xmlns:mc="http://schemas.openxmlformats.org/markup-compatibility/2006">
+    <mc:Choice xmlns:p14="http://schemas.microsoft.com/office/powerpoint/2010/main" Requires="p14">
+      <p:transition spd="slow" p14:dur="2000" advTm="25236"/>
+    </mc:Choice>
+    <mc:Fallback>
+      <p:transition spd="slow" advTm="25236"/>
+    </mc:Fallback>
+  </mc:AlternateContent>
   <p:timing>
     <p:tnLst>
       <p:par>
@@ -8440,7 +9140,7 @@
 </p:sld>
 </file>
 
-<file path=ppt/slides/slide16.xml><?xml version="1.0" encoding="utf-8"?>
+<file path=ppt/slides/slide3.xml><?xml version="1.0" encoding="utf-8"?>
 <p:sld xmlns:a="http://schemas.openxmlformats.org/drawingml/2006/main" xmlns:r="http://schemas.openxmlformats.org/officeDocument/2006/relationships" xmlns:p="http://schemas.openxmlformats.org/presentationml/2006/main">
   <p:cSld>
     <p:spTree>
@@ -8582,7 +9282,7 @@
           <p:nvPr/>
         </p:nvPicPr>
         <p:blipFill>
-          <a:blip r:embed="rId2"/>
+          <a:blip r:embed="rId3"/>
           <a:stretch>
             <a:fillRect/>
           </a:stretch>
@@ -8623,6 +9323,9 @@
         </p:spPr>
       </p:pic>
     </p:spTree>
+    <p:custDataLst>
+      <p:tags r:id="rId1"/>
+    </p:custDataLst>
     <p:extLst>
       <p:ext uri="{BB962C8B-B14F-4D97-AF65-F5344CB8AC3E}">
         <p14:creationId xmlns:p14="http://schemas.microsoft.com/office/powerpoint/2010/main" val="1513195439"/>
@@ -8632,6 +9335,14 @@
   <p:clrMapOvr>
     <a:masterClrMapping/>
   </p:clrMapOvr>
+  <mc:AlternateContent xmlns:mc="http://schemas.openxmlformats.org/markup-compatibility/2006">
+    <mc:Choice xmlns:p14="http://schemas.microsoft.com/office/powerpoint/2010/main" Requires="p14">
+      <p:transition spd="slow" p14:dur="2000" advTm="25472"/>
+    </mc:Choice>
+    <mc:Fallback>
+      <p:transition spd="slow" advTm="25472"/>
+    </mc:Fallback>
+  </mc:AlternateContent>
   <p:timing>
     <p:tnLst>
       <p:par>
@@ -9401,9 +10112,32 @@
 </p:sld>
 </file>
 
-<file path=ppt/slides/slide17.xml><?xml version="1.0" encoding="utf-8"?>
+<file path=ppt/slides/slide4.xml><?xml version="1.0" encoding="utf-8"?>
 <p:sld xmlns:a="http://schemas.openxmlformats.org/drawingml/2006/main" xmlns:r="http://schemas.openxmlformats.org/officeDocument/2006/relationships" xmlns:p="http://schemas.openxmlformats.org/presentationml/2006/main">
   <p:cSld>
+    <p:bg>
+      <p:bgPr>
+        <a:blipFill rotWithShape="1">
+          <a:blip r:embed="rId3">
+            <a:duotone>
+              <a:schemeClr val="bg2">
+                <a:shade val="28000"/>
+                <a:satMod val="94000"/>
+                <a:lumMod val="20000"/>
+              </a:schemeClr>
+              <a:schemeClr val="bg2">
+                <a:tint val="94000"/>
+                <a:shade val="84000"/>
+                <a:satMod val="148000"/>
+                <a:lumMod val="114000"/>
+              </a:schemeClr>
+            </a:duotone>
+          </a:blip>
+          <a:stretch/>
+        </a:blipFill>
+        <a:effectLst/>
+      </p:bgPr>
+    </p:bg>
     <p:spTree>
       <p:nvGrpSpPr>
         <p:cNvPr id="1" name=""/>
@@ -9436,8 +10170,8 @@
         </p:nvSpPr>
         <p:spPr>
           <a:xfrm>
-            <a:off x="678426" y="270387"/>
-            <a:ext cx="11026877" cy="1905000"/>
+            <a:off x="7069394" y="417871"/>
+            <a:ext cx="5122606" cy="1905000"/>
           </a:xfrm>
         </p:spPr>
         <p:txBody>
@@ -9471,57 +10205,87 @@
         </p:nvSpPr>
         <p:spPr>
           <a:xfrm>
-            <a:off x="7027880" y="1667860"/>
-            <a:ext cx="5268541" cy="3216276"/>
+            <a:off x="7069394" y="2514600"/>
+            <a:ext cx="5122606" cy="3216276"/>
           </a:xfrm>
         </p:spPr>
         <p:txBody>
           <a:bodyPr>
-            <a:normAutofit fontScale="92500" lnSpcReduction="10000"/>
+            <a:normAutofit/>
           </a:bodyPr>
           <a:lstStyle/>
           <a:p>
+            <a:pPr>
+              <a:lnSpc>
+                <a:spcPct val="90000"/>
+              </a:lnSpc>
+            </a:pPr>
             <a:r>
               <a:rPr lang="en-US" dirty="0"/>
               <a:t>Colorado still leads</a:t>
             </a:r>
           </a:p>
           <a:p>
-            <a:pPr lvl="1"/>
+            <a:pPr lvl="1">
+              <a:lnSpc>
+                <a:spcPct val="90000"/>
+              </a:lnSpc>
+            </a:pPr>
             <a:r>
               <a:rPr lang="en-US" dirty="0"/>
               <a:t>Colorado residents clearly support craft breweries!</a:t>
             </a:r>
           </a:p>
           <a:p>
+            <a:pPr>
+              <a:lnSpc>
+                <a:spcPct val="90000"/>
+              </a:lnSpc>
+            </a:pPr>
             <a:r>
               <a:rPr lang="en-US" dirty="0"/>
               <a:t>Other states with large numbers of craft breweries:</a:t>
             </a:r>
           </a:p>
           <a:p>
-            <a:pPr lvl="1"/>
+            <a:pPr lvl="1">
+              <a:lnSpc>
+                <a:spcPct val="90000"/>
+              </a:lnSpc>
+            </a:pPr>
             <a:r>
               <a:rPr lang="en-US" dirty="0"/>
               <a:t>Vermont</a:t>
             </a:r>
           </a:p>
           <a:p>
-            <a:pPr lvl="1"/>
+            <a:pPr lvl="1">
+              <a:lnSpc>
+                <a:spcPct val="90000"/>
+              </a:lnSpc>
+            </a:pPr>
             <a:r>
               <a:rPr lang="en-US" dirty="0"/>
               <a:t>Montana</a:t>
             </a:r>
           </a:p>
           <a:p>
-            <a:pPr lvl="1"/>
+            <a:pPr lvl="1">
+              <a:lnSpc>
+                <a:spcPct val="90000"/>
+              </a:lnSpc>
+            </a:pPr>
             <a:r>
               <a:rPr lang="en-US" dirty="0"/>
               <a:t>Oregon</a:t>
             </a:r>
           </a:p>
           <a:p>
-            <a:pPr lvl="1"/>
+            <a:pPr lvl="1">
+              <a:lnSpc>
+                <a:spcPct val="90000"/>
+              </a:lnSpc>
+            </a:pPr>
             <a:r>
               <a:rPr lang="en-US" dirty="0"/>
               <a:t>Wyoming</a:t>
@@ -9531,10 +10295,10 @@
       </p:sp>
       <p:pic>
         <p:nvPicPr>
-          <p:cNvPr id="4" name="Picture 3">
+          <p:cNvPr id="5" name="Picture 4">
             <a:extLst>
               <a:ext uri="{FF2B5EF4-FFF2-40B4-BE49-F238E27FC236}">
-                <a16:creationId xmlns:a16="http://schemas.microsoft.com/office/drawing/2014/main" id="{D5BE3349-1354-42DF-85E4-1903CB123C7B}"/>
+                <a16:creationId xmlns:a16="http://schemas.microsoft.com/office/drawing/2014/main" id="{8A3F2405-460F-4F15-AB14-028C5F35EB04}"/>
               </a:ext>
             </a:extLst>
           </p:cNvPr>
@@ -9544,15 +10308,15 @@
           <p:nvPr/>
         </p:nvPicPr>
         <p:blipFill>
-          <a:blip r:embed="rId2"/>
+          <a:blip r:embed="rId4"/>
           <a:stretch>
             <a:fillRect/>
           </a:stretch>
         </p:blipFill>
         <p:spPr>
           <a:xfrm>
-            <a:off x="47606" y="1933331"/>
-            <a:ext cx="6980274" cy="3420334"/>
+            <a:off x="0" y="1370371"/>
+            <a:ext cx="7069394" cy="3481676"/>
           </a:xfrm>
           <a:prstGeom prst="roundRect">
             <a:avLst>
@@ -9585,6 +10349,9 @@
         </p:spPr>
       </p:pic>
     </p:spTree>
+    <p:custDataLst>
+      <p:tags r:id="rId1"/>
+    </p:custDataLst>
     <p:extLst>
       <p:ext uri="{BB962C8B-B14F-4D97-AF65-F5344CB8AC3E}">
         <p14:creationId xmlns:p14="http://schemas.microsoft.com/office/powerpoint/2010/main" val="3394228244"/>
@@ -9594,6 +10361,14 @@
   <p:clrMapOvr>
     <a:masterClrMapping/>
   </p:clrMapOvr>
+  <mc:AlternateContent xmlns:mc="http://schemas.openxmlformats.org/markup-compatibility/2006">
+    <mc:Choice xmlns:p14="http://schemas.microsoft.com/office/powerpoint/2010/main" Requires="p14">
+      <p:transition spd="slow" p14:dur="2000" advTm="22488"/>
+    </mc:Choice>
+    <mc:Fallback>
+      <p:transition spd="slow" advTm="22488"/>
+    </mc:Fallback>
+  </mc:AlternateContent>
   <p:timing>
     <p:tnLst>
       <p:par>
@@ -10345,7 +11120,7 @@
 </p:sld>
 </file>
 
-<file path=ppt/slides/slide18.xml><?xml version="1.0" encoding="utf-8"?>
+<file path=ppt/slides/slide5.xml><?xml version="1.0" encoding="utf-8"?>
 <p:sld xmlns:a="http://schemas.openxmlformats.org/drawingml/2006/main" xmlns:r="http://schemas.openxmlformats.org/officeDocument/2006/relationships" xmlns:p="http://schemas.openxmlformats.org/presentationml/2006/main">
   <p:cSld>
     <p:spTree>
@@ -10413,7 +11188,7 @@
           <p:nvPr/>
         </p:nvPicPr>
         <p:blipFill>
-          <a:blip r:embed="rId2"/>
+          <a:blip r:embed="rId3"/>
           <a:stretch>
             <a:fillRect/>
           </a:stretch>
@@ -10537,7 +11312,7 @@
           <p:nvPr/>
         </p:nvPicPr>
         <p:blipFill>
-          <a:blip r:embed="rId3"/>
+          <a:blip r:embed="rId4"/>
           <a:stretch>
             <a:fillRect/>
           </a:stretch>
@@ -10764,6 +11539,9 @@
         </p:txBody>
       </p:sp>
     </p:spTree>
+    <p:custDataLst>
+      <p:tags r:id="rId1"/>
+    </p:custDataLst>
     <p:extLst>
       <p:ext uri="{BB962C8B-B14F-4D97-AF65-F5344CB8AC3E}">
         <p14:creationId xmlns:p14="http://schemas.microsoft.com/office/powerpoint/2010/main" val="508286633"/>
@@ -10773,6 +11551,14 @@
   <p:clrMapOvr>
     <a:masterClrMapping/>
   </p:clrMapOvr>
+  <mc:AlternateContent xmlns:mc="http://schemas.openxmlformats.org/markup-compatibility/2006">
+    <mc:Choice xmlns:p14="http://schemas.microsoft.com/office/powerpoint/2010/main" Requires="p14">
+      <p:transition spd="slow" p14:dur="2000" advTm="30981"/>
+    </mc:Choice>
+    <mc:Fallback>
+      <p:transition spd="slow" advTm="30981"/>
+    </mc:Fallback>
+  </mc:AlternateContent>
   <p:timing>
     <p:tnLst>
       <p:par>
@@ -11621,7 +12407,7 @@
 </p:sld>
 </file>
 
-<file path=ppt/slides/slide19.xml><?xml version="1.0" encoding="utf-8"?>
+<file path=ppt/slides/slide6.xml><?xml version="1.0" encoding="utf-8"?>
 <p:sld xmlns:a="http://schemas.openxmlformats.org/drawingml/2006/main" xmlns:r="http://schemas.openxmlformats.org/officeDocument/2006/relationships" xmlns:p="http://schemas.openxmlformats.org/presentationml/2006/main">
   <p:cSld>
     <p:spTree>
@@ -11689,7 +12475,7 @@
           <p:nvPr/>
         </p:nvPicPr>
         <p:blipFill>
-          <a:blip r:embed="rId2"/>
+          <a:blip r:embed="rId3"/>
           <a:stretch>
             <a:fillRect/>
           </a:stretch>
@@ -11813,7 +12599,7 @@
           <p:nvPr/>
         </p:nvPicPr>
         <p:blipFill>
-          <a:blip r:embed="rId3"/>
+          <a:blip r:embed="rId4"/>
           <a:stretch>
             <a:fillRect/>
           </a:stretch>
@@ -12040,6 +12826,9 @@
         </p:txBody>
       </p:sp>
     </p:spTree>
+    <p:custDataLst>
+      <p:tags r:id="rId1"/>
+    </p:custDataLst>
     <p:extLst>
       <p:ext uri="{BB962C8B-B14F-4D97-AF65-F5344CB8AC3E}">
         <p14:creationId xmlns:p14="http://schemas.microsoft.com/office/powerpoint/2010/main" val="2834540227"/>
@@ -12049,6 +12838,14 @@
   <p:clrMapOvr>
     <a:masterClrMapping/>
   </p:clrMapOvr>
+  <mc:AlternateContent xmlns:mc="http://schemas.openxmlformats.org/markup-compatibility/2006">
+    <mc:Choice xmlns:p14="http://schemas.microsoft.com/office/powerpoint/2010/main" Requires="p14">
+      <p:transition spd="slow" p14:dur="2000" advTm="22054"/>
+    </mc:Choice>
+    <mc:Fallback>
+      <p:transition spd="slow" advTm="22054"/>
+    </mc:Fallback>
+  </mc:AlternateContent>
   <p:timing>
     <p:tnLst>
       <p:par>
@@ -12897,263 +13694,7 @@
 </p:sld>
 </file>
 
-<file path=ppt/slides/slide2.xml><?xml version="1.0" encoding="utf-8"?>
-<p:sld xmlns:a="http://schemas.openxmlformats.org/drawingml/2006/main" xmlns:r="http://schemas.openxmlformats.org/officeDocument/2006/relationships" xmlns:p="http://schemas.openxmlformats.org/presentationml/2006/main">
-  <p:cSld>
-    <p:bg>
-      <p:bgPr>
-        <a:blipFill rotWithShape="1">
-          <a:blip r:embed="rId2">
-            <a:duotone>
-              <a:schemeClr val="bg2">
-                <a:shade val="28000"/>
-                <a:satMod val="94000"/>
-                <a:lumMod val="20000"/>
-              </a:schemeClr>
-              <a:schemeClr val="bg2">
-                <a:tint val="94000"/>
-                <a:shade val="84000"/>
-                <a:satMod val="148000"/>
-                <a:lumMod val="114000"/>
-              </a:schemeClr>
-            </a:duotone>
-          </a:blip>
-          <a:stretch/>
-        </a:blipFill>
-        <a:effectLst/>
-      </p:bgPr>
-    </p:bg>
-    <p:spTree>
-      <p:nvGrpSpPr>
-        <p:cNvPr id="1" name=""/>
-        <p:cNvGrpSpPr/>
-        <p:nvPr/>
-      </p:nvGrpSpPr>
-      <p:grpSpPr>
-        <a:xfrm>
-          <a:off x="0" y="0"/>
-          <a:ext cx="0" cy="0"/>
-          <a:chOff x="0" y="0"/>
-          <a:chExt cx="0" cy="0"/>
-        </a:xfrm>
-      </p:grpSpPr>
-      <p:sp>
-        <p:nvSpPr>
-          <p:cNvPr id="2" name="Title 1">
-            <a:extLst>
-              <a:ext uri="{FF2B5EF4-FFF2-40B4-BE49-F238E27FC236}">
-                <a16:creationId xmlns:a16="http://schemas.microsoft.com/office/drawing/2014/main" id="{746ECA34-211E-48A9-8962-65C1C0EE2EE9}"/>
-              </a:ext>
-            </a:extLst>
-          </p:cNvPr>
-          <p:cNvSpPr>
-            <a:spLocks noGrp="1"/>
-          </p:cNvSpPr>
-          <p:nvPr>
-            <p:ph type="title"/>
-          </p:nvPr>
-        </p:nvSpPr>
-        <p:spPr>
-          <a:xfrm>
-            <a:off x="643192" y="609600"/>
-            <a:ext cx="4327014" cy="865239"/>
-          </a:xfrm>
-        </p:spPr>
-        <p:txBody>
-          <a:bodyPr>
-            <a:normAutofit/>
-          </a:bodyPr>
-          <a:lstStyle/>
-          <a:p>
-            <a:r>
-              <a:rPr lang="en-US" sz="4800" dirty="0"/>
-              <a:t>the data</a:t>
-            </a:r>
-          </a:p>
-        </p:txBody>
-      </p:sp>
-      <p:sp>
-        <p:nvSpPr>
-          <p:cNvPr id="3" name="Content Placeholder 2">
-            <a:extLst>
-              <a:ext uri="{FF2B5EF4-FFF2-40B4-BE49-F238E27FC236}">
-                <a16:creationId xmlns:a16="http://schemas.microsoft.com/office/drawing/2014/main" id="{DA666CA0-4DF5-47FA-890A-93DE2960DE7D}"/>
-              </a:ext>
-            </a:extLst>
-          </p:cNvPr>
-          <p:cNvSpPr>
-            <a:spLocks noGrp="1"/>
-          </p:cNvSpPr>
-          <p:nvPr>
-            <p:ph idx="1"/>
-          </p:nvPr>
-        </p:nvSpPr>
-        <p:spPr>
-          <a:xfrm>
-            <a:off x="0" y="1135626"/>
-            <a:ext cx="5963416" cy="5112774"/>
-          </a:xfrm>
-        </p:spPr>
-        <p:txBody>
-          <a:bodyPr>
-            <a:normAutofit/>
-          </a:bodyPr>
-          <a:lstStyle/>
-          <a:p>
-            <a:pPr>
-              <a:lnSpc>
-                <a:spcPct val="90000"/>
-              </a:lnSpc>
-            </a:pPr>
-            <a:r>
-              <a:rPr lang="en-US" sz="1800" dirty="0"/>
-              <a:t>2,305 unique beers</a:t>
-            </a:r>
-          </a:p>
-          <a:p>
-            <a:pPr lvl="1">
-              <a:lnSpc>
-                <a:spcPct val="90000"/>
-              </a:lnSpc>
-            </a:pPr>
-            <a:r>
-              <a:rPr lang="en-US" dirty="0"/>
-              <a:t>an Alcohol by Volume (ABV) measurement</a:t>
-            </a:r>
-          </a:p>
-          <a:p>
-            <a:pPr lvl="1">
-              <a:lnSpc>
-                <a:spcPct val="90000"/>
-              </a:lnSpc>
-            </a:pPr>
-            <a:r>
-              <a:rPr lang="en-US" dirty="0"/>
-              <a:t>An International Bitterness Unit (IBU) measurement</a:t>
-            </a:r>
-          </a:p>
-          <a:p>
-            <a:pPr>
-              <a:lnSpc>
-                <a:spcPct val="90000"/>
-              </a:lnSpc>
-            </a:pPr>
-            <a:r>
-              <a:rPr lang="en-US" sz="1800" dirty="0"/>
-              <a:t>100 styles of beer</a:t>
-            </a:r>
-          </a:p>
-          <a:p>
-            <a:pPr>
-              <a:lnSpc>
-                <a:spcPct val="90000"/>
-              </a:lnSpc>
-            </a:pPr>
-            <a:r>
-              <a:rPr lang="en-US" sz="1800" dirty="0"/>
-              <a:t>50 states and territories</a:t>
-            </a:r>
-          </a:p>
-          <a:p>
-            <a:pPr lvl="1">
-              <a:lnSpc>
-                <a:spcPct val="90000"/>
-              </a:lnSpc>
-            </a:pPr>
-            <a:r>
-              <a:rPr lang="en-US" dirty="0"/>
-              <a:t>We focused on those within the mainland U.S.</a:t>
-            </a:r>
-          </a:p>
-          <a:p>
-            <a:pPr>
-              <a:lnSpc>
-                <a:spcPct val="90000"/>
-              </a:lnSpc>
-            </a:pPr>
-            <a:r>
-              <a:rPr lang="en-US" sz="1800" dirty="0"/>
-              <a:t>384 different cities</a:t>
-            </a:r>
-          </a:p>
-          <a:p>
-            <a:pPr>
-              <a:lnSpc>
-                <a:spcPct val="90000"/>
-              </a:lnSpc>
-            </a:pPr>
-            <a:endParaRPr lang="en-US" sz="1500" dirty="0"/>
-          </a:p>
-        </p:txBody>
-      </p:sp>
-      <p:pic>
-        <p:nvPicPr>
-          <p:cNvPr id="4" name="Picture 3">
-            <a:extLst>
-              <a:ext uri="{FF2B5EF4-FFF2-40B4-BE49-F238E27FC236}">
-                <a16:creationId xmlns:a16="http://schemas.microsoft.com/office/drawing/2014/main" id="{123D44C3-8885-4D37-B5E8-FC463544EA13}"/>
-              </a:ext>
-            </a:extLst>
-          </p:cNvPr>
-          <p:cNvPicPr>
-            <a:picLocks noChangeAspect="1"/>
-          </p:cNvPicPr>
-          <p:nvPr/>
-        </p:nvPicPr>
-        <p:blipFill rotWithShape="1">
-          <a:blip r:embed="rId3"/>
-          <a:srcRect r="31134" b="1"/>
-          <a:stretch/>
-        </p:blipFill>
-        <p:spPr>
-          <a:xfrm>
-            <a:off x="5967669" y="899651"/>
-            <a:ext cx="5963416" cy="4524528"/>
-          </a:xfrm>
-          <a:prstGeom prst="roundRect">
-            <a:avLst>
-              <a:gd name="adj" fmla="val 3517"/>
-            </a:avLst>
-          </a:prstGeom>
-          <a:ln w="38100">
-            <a:gradFill flip="none" rotWithShape="1">
-              <a:gsLst>
-                <a:gs pos="0">
-                  <a:srgbClr val="363D46"/>
-                </a:gs>
-                <a:gs pos="100000">
-                  <a:srgbClr val="363D46">
-                    <a:lumMod val="75000"/>
-                  </a:srgbClr>
-                </a:gs>
-              </a:gsLst>
-              <a:lin ang="5400000" scaled="0"/>
-              <a:tileRect/>
-            </a:gradFill>
-          </a:ln>
-          <a:effectLst>
-            <a:innerShdw blurRad="57150" dist="38100" dir="14460000">
-              <a:srgbClr val="000000">
-                <a:alpha val="70000"/>
-              </a:srgbClr>
-            </a:innerShdw>
-          </a:effectLst>
-        </p:spPr>
-      </p:pic>
-    </p:spTree>
-    <p:extLst>
-      <p:ext uri="{BB962C8B-B14F-4D97-AF65-F5344CB8AC3E}">
-        <p14:creationId xmlns:p14="http://schemas.microsoft.com/office/powerpoint/2010/main" val="3777514450"/>
-      </p:ext>
-    </p:extLst>
-  </p:cSld>
-  <p:clrMapOvr>
-    <a:masterClrMapping/>
-  </p:clrMapOvr>
-</p:sld>
-</file>
-
-<file path=ppt/slides/slide20.xml><?xml version="1.0" encoding="utf-8"?>
+<file path=ppt/slides/slide7.xml><?xml version="1.0" encoding="utf-8"?>
 <p:sld xmlns:a="http://schemas.openxmlformats.org/drawingml/2006/main" xmlns:r="http://schemas.openxmlformats.org/officeDocument/2006/relationships" xmlns:p="http://schemas.openxmlformats.org/presentationml/2006/main">
   <p:cSld>
     <p:spTree>
@@ -13266,7 +13807,7 @@
             </a:pPr>
             <a:r>
               <a:rPr lang="en-US" sz="1800" dirty="0"/>
-              <a:t>North Dakota is grey?</a:t>
+              <a:t>South Dakota is grey?</a:t>
             </a:r>
           </a:p>
           <a:p>
@@ -13297,7 +13838,7 @@
           <p:nvPr/>
         </p:nvPicPr>
         <p:blipFill>
-          <a:blip r:embed="rId2"/>
+          <a:blip r:embed="rId3"/>
           <a:stretch>
             <a:fillRect/>
           </a:stretch>
@@ -13338,6 +13879,9 @@
         </p:spPr>
       </p:pic>
     </p:spTree>
+    <p:custDataLst>
+      <p:tags r:id="rId1"/>
+    </p:custDataLst>
     <p:extLst>
       <p:ext uri="{BB962C8B-B14F-4D97-AF65-F5344CB8AC3E}">
         <p14:creationId xmlns:p14="http://schemas.microsoft.com/office/powerpoint/2010/main" val="3739318958"/>
@@ -13347,6 +13891,14 @@
   <p:clrMapOvr>
     <a:masterClrMapping/>
   </p:clrMapOvr>
+  <mc:AlternateContent xmlns:mc="http://schemas.openxmlformats.org/markup-compatibility/2006">
+    <mc:Choice xmlns:p14="http://schemas.microsoft.com/office/powerpoint/2010/main" Requires="p14">
+      <p:transition spd="slow" p14:dur="2000" advTm="50365"/>
+    </mc:Choice>
+    <mc:Fallback>
+      <p:transition spd="slow" advTm="50365"/>
+    </mc:Fallback>
+  </mc:AlternateContent>
   <p:timing>
     <p:tnLst>
       <p:par>
@@ -14037,7 +14589,7 @@
 </p:sld>
 </file>
 
-<file path=ppt/slides/slide21.xml><?xml version="1.0" encoding="utf-8"?>
+<file path=ppt/slides/slide8.xml><?xml version="1.0" encoding="utf-8"?>
 <p:sld xmlns:a="http://schemas.openxmlformats.org/drawingml/2006/main" xmlns:r="http://schemas.openxmlformats.org/officeDocument/2006/relationships" xmlns:p="http://schemas.openxmlformats.org/presentationml/2006/main">
   <p:cSld>
     <p:spTree>
@@ -14069,7 +14621,7 @@
           <p:nvPr/>
         </p:nvPicPr>
         <p:blipFill rotWithShape="1">
-          <a:blip r:embed="rId2">
+          <a:blip r:embed="rId3">
             <a:alphaModFix amt="15000"/>
           </a:blip>
           <a:srcRect l="211" r="14456" b="1"/>
@@ -14217,6 +14769,9 @@
         </p:txBody>
       </p:sp>
     </p:spTree>
+    <p:custDataLst>
+      <p:tags r:id="rId1"/>
+    </p:custDataLst>
     <p:extLst>
       <p:ext uri="{BB962C8B-B14F-4D97-AF65-F5344CB8AC3E}">
         <p14:creationId xmlns:p14="http://schemas.microsoft.com/office/powerpoint/2010/main" val="750070674"/>
@@ -14226,10 +14781,669 @@
   <p:clrMapOvr>
     <a:masterClrMapping/>
   </p:clrMapOvr>
+  <mc:AlternateContent xmlns:mc="http://schemas.openxmlformats.org/markup-compatibility/2006">
+    <mc:Choice xmlns:p14="http://schemas.microsoft.com/office/powerpoint/2010/main" Requires="p14">
+      <p:transition spd="slow" p14:dur="2000" advTm="38597"/>
+    </mc:Choice>
+    <mc:Fallback>
+      <p:transition spd="slow" advTm="38597"/>
+    </mc:Fallback>
+  </mc:AlternateContent>
+  <p:timing>
+    <p:tnLst>
+      <p:par>
+        <p:cTn id="1" dur="indefinite" restart="never" nodeType="tmRoot">
+          <p:childTnLst>
+            <p:seq concurrent="1" nextAc="seek">
+              <p:cTn id="2" dur="indefinite" nodeType="mainSeq">
+                <p:childTnLst>
+                  <p:par>
+                    <p:cTn id="3" fill="hold">
+                      <p:stCondLst>
+                        <p:cond delay="indefinite"/>
+                      </p:stCondLst>
+                      <p:childTnLst>
+                        <p:par>
+                          <p:cTn id="4" fill="hold">
+                            <p:stCondLst>
+                              <p:cond delay="0"/>
+                            </p:stCondLst>
+                            <p:childTnLst>
+                              <p:par>
+                                <p:cTn id="5" presetID="53" presetClass="entr" presetSubtype="16" fill="hold" grpId="0" nodeType="clickEffect">
+                                  <p:stCondLst>
+                                    <p:cond delay="0"/>
+                                  </p:stCondLst>
+                                  <p:childTnLst>
+                                    <p:set>
+                                      <p:cBhvr>
+                                        <p:cTn id="6" dur="1" fill="hold">
+                                          <p:stCondLst>
+                                            <p:cond delay="0"/>
+                                          </p:stCondLst>
+                                        </p:cTn>
+                                        <p:tgtEl>
+                                          <p:spTgt spid="3">
+                                            <p:txEl>
+                                              <p:pRg st="0" end="0"/>
+                                            </p:txEl>
+                                          </p:spTgt>
+                                        </p:tgtEl>
+                                        <p:attrNameLst>
+                                          <p:attrName>style.visibility</p:attrName>
+                                        </p:attrNameLst>
+                                      </p:cBhvr>
+                                      <p:to>
+                                        <p:strVal val="visible"/>
+                                      </p:to>
+                                    </p:set>
+                                    <p:anim calcmode="lin" valueType="num">
+                                      <p:cBhvr>
+                                        <p:cTn id="7" dur="500" fill="hold"/>
+                                        <p:tgtEl>
+                                          <p:spTgt spid="3">
+                                            <p:txEl>
+                                              <p:pRg st="0" end="0"/>
+                                            </p:txEl>
+                                          </p:spTgt>
+                                        </p:tgtEl>
+                                        <p:attrNameLst>
+                                          <p:attrName>ppt_w</p:attrName>
+                                        </p:attrNameLst>
+                                      </p:cBhvr>
+                                      <p:tavLst>
+                                        <p:tav tm="0">
+                                          <p:val>
+                                            <p:fltVal val="0"/>
+                                          </p:val>
+                                        </p:tav>
+                                        <p:tav tm="100000">
+                                          <p:val>
+                                            <p:strVal val="#ppt_w"/>
+                                          </p:val>
+                                        </p:tav>
+                                      </p:tavLst>
+                                    </p:anim>
+                                    <p:anim calcmode="lin" valueType="num">
+                                      <p:cBhvr>
+                                        <p:cTn id="8" dur="500" fill="hold"/>
+                                        <p:tgtEl>
+                                          <p:spTgt spid="3">
+                                            <p:txEl>
+                                              <p:pRg st="0" end="0"/>
+                                            </p:txEl>
+                                          </p:spTgt>
+                                        </p:tgtEl>
+                                        <p:attrNameLst>
+                                          <p:attrName>ppt_h</p:attrName>
+                                        </p:attrNameLst>
+                                      </p:cBhvr>
+                                      <p:tavLst>
+                                        <p:tav tm="0">
+                                          <p:val>
+                                            <p:fltVal val="0"/>
+                                          </p:val>
+                                        </p:tav>
+                                        <p:tav tm="100000">
+                                          <p:val>
+                                            <p:strVal val="#ppt_h"/>
+                                          </p:val>
+                                        </p:tav>
+                                      </p:tavLst>
+                                    </p:anim>
+                                    <p:animEffect transition="in" filter="fade">
+                                      <p:cBhvr>
+                                        <p:cTn id="9" dur="500"/>
+                                        <p:tgtEl>
+                                          <p:spTgt spid="3">
+                                            <p:txEl>
+                                              <p:pRg st="0" end="0"/>
+                                            </p:txEl>
+                                          </p:spTgt>
+                                        </p:tgtEl>
+                                      </p:cBhvr>
+                                    </p:animEffect>
+                                  </p:childTnLst>
+                                </p:cTn>
+                              </p:par>
+                              <p:par>
+                                <p:cTn id="10" presetID="53" presetClass="entr" presetSubtype="16" fill="hold" grpId="0" nodeType="withEffect">
+                                  <p:stCondLst>
+                                    <p:cond delay="0"/>
+                                  </p:stCondLst>
+                                  <p:childTnLst>
+                                    <p:set>
+                                      <p:cBhvr>
+                                        <p:cTn id="11" dur="1" fill="hold">
+                                          <p:stCondLst>
+                                            <p:cond delay="0"/>
+                                          </p:stCondLst>
+                                        </p:cTn>
+                                        <p:tgtEl>
+                                          <p:spTgt spid="3">
+                                            <p:txEl>
+                                              <p:pRg st="1" end="1"/>
+                                            </p:txEl>
+                                          </p:spTgt>
+                                        </p:tgtEl>
+                                        <p:attrNameLst>
+                                          <p:attrName>style.visibility</p:attrName>
+                                        </p:attrNameLst>
+                                      </p:cBhvr>
+                                      <p:to>
+                                        <p:strVal val="visible"/>
+                                      </p:to>
+                                    </p:set>
+                                    <p:anim calcmode="lin" valueType="num">
+                                      <p:cBhvr>
+                                        <p:cTn id="12" dur="500" fill="hold"/>
+                                        <p:tgtEl>
+                                          <p:spTgt spid="3">
+                                            <p:txEl>
+                                              <p:pRg st="1" end="1"/>
+                                            </p:txEl>
+                                          </p:spTgt>
+                                        </p:tgtEl>
+                                        <p:attrNameLst>
+                                          <p:attrName>ppt_w</p:attrName>
+                                        </p:attrNameLst>
+                                      </p:cBhvr>
+                                      <p:tavLst>
+                                        <p:tav tm="0">
+                                          <p:val>
+                                            <p:fltVal val="0"/>
+                                          </p:val>
+                                        </p:tav>
+                                        <p:tav tm="100000">
+                                          <p:val>
+                                            <p:strVal val="#ppt_w"/>
+                                          </p:val>
+                                        </p:tav>
+                                      </p:tavLst>
+                                    </p:anim>
+                                    <p:anim calcmode="lin" valueType="num">
+                                      <p:cBhvr>
+                                        <p:cTn id="13" dur="500" fill="hold"/>
+                                        <p:tgtEl>
+                                          <p:spTgt spid="3">
+                                            <p:txEl>
+                                              <p:pRg st="1" end="1"/>
+                                            </p:txEl>
+                                          </p:spTgt>
+                                        </p:tgtEl>
+                                        <p:attrNameLst>
+                                          <p:attrName>ppt_h</p:attrName>
+                                        </p:attrNameLst>
+                                      </p:cBhvr>
+                                      <p:tavLst>
+                                        <p:tav tm="0">
+                                          <p:val>
+                                            <p:fltVal val="0"/>
+                                          </p:val>
+                                        </p:tav>
+                                        <p:tav tm="100000">
+                                          <p:val>
+                                            <p:strVal val="#ppt_h"/>
+                                          </p:val>
+                                        </p:tav>
+                                      </p:tavLst>
+                                    </p:anim>
+                                    <p:animEffect transition="in" filter="fade">
+                                      <p:cBhvr>
+                                        <p:cTn id="14" dur="500"/>
+                                        <p:tgtEl>
+                                          <p:spTgt spid="3">
+                                            <p:txEl>
+                                              <p:pRg st="1" end="1"/>
+                                            </p:txEl>
+                                          </p:spTgt>
+                                        </p:tgtEl>
+                                      </p:cBhvr>
+                                    </p:animEffect>
+                                  </p:childTnLst>
+                                </p:cTn>
+                              </p:par>
+                              <p:par>
+                                <p:cTn id="15" presetID="53" presetClass="entr" presetSubtype="16" fill="hold" grpId="0" nodeType="withEffect">
+                                  <p:stCondLst>
+                                    <p:cond delay="0"/>
+                                  </p:stCondLst>
+                                  <p:childTnLst>
+                                    <p:set>
+                                      <p:cBhvr>
+                                        <p:cTn id="16" dur="1" fill="hold">
+                                          <p:stCondLst>
+                                            <p:cond delay="0"/>
+                                          </p:stCondLst>
+                                        </p:cTn>
+                                        <p:tgtEl>
+                                          <p:spTgt spid="3">
+                                            <p:txEl>
+                                              <p:pRg st="2" end="2"/>
+                                            </p:txEl>
+                                          </p:spTgt>
+                                        </p:tgtEl>
+                                        <p:attrNameLst>
+                                          <p:attrName>style.visibility</p:attrName>
+                                        </p:attrNameLst>
+                                      </p:cBhvr>
+                                      <p:to>
+                                        <p:strVal val="visible"/>
+                                      </p:to>
+                                    </p:set>
+                                    <p:anim calcmode="lin" valueType="num">
+                                      <p:cBhvr>
+                                        <p:cTn id="17" dur="500" fill="hold"/>
+                                        <p:tgtEl>
+                                          <p:spTgt spid="3">
+                                            <p:txEl>
+                                              <p:pRg st="2" end="2"/>
+                                            </p:txEl>
+                                          </p:spTgt>
+                                        </p:tgtEl>
+                                        <p:attrNameLst>
+                                          <p:attrName>ppt_w</p:attrName>
+                                        </p:attrNameLst>
+                                      </p:cBhvr>
+                                      <p:tavLst>
+                                        <p:tav tm="0">
+                                          <p:val>
+                                            <p:fltVal val="0"/>
+                                          </p:val>
+                                        </p:tav>
+                                        <p:tav tm="100000">
+                                          <p:val>
+                                            <p:strVal val="#ppt_w"/>
+                                          </p:val>
+                                        </p:tav>
+                                      </p:tavLst>
+                                    </p:anim>
+                                    <p:anim calcmode="lin" valueType="num">
+                                      <p:cBhvr>
+                                        <p:cTn id="18" dur="500" fill="hold"/>
+                                        <p:tgtEl>
+                                          <p:spTgt spid="3">
+                                            <p:txEl>
+                                              <p:pRg st="2" end="2"/>
+                                            </p:txEl>
+                                          </p:spTgt>
+                                        </p:tgtEl>
+                                        <p:attrNameLst>
+                                          <p:attrName>ppt_h</p:attrName>
+                                        </p:attrNameLst>
+                                      </p:cBhvr>
+                                      <p:tavLst>
+                                        <p:tav tm="0">
+                                          <p:val>
+                                            <p:fltVal val="0"/>
+                                          </p:val>
+                                        </p:tav>
+                                        <p:tav tm="100000">
+                                          <p:val>
+                                            <p:strVal val="#ppt_h"/>
+                                          </p:val>
+                                        </p:tav>
+                                      </p:tavLst>
+                                    </p:anim>
+                                    <p:animEffect transition="in" filter="fade">
+                                      <p:cBhvr>
+                                        <p:cTn id="19" dur="500"/>
+                                        <p:tgtEl>
+                                          <p:spTgt spid="3">
+                                            <p:txEl>
+                                              <p:pRg st="2" end="2"/>
+                                            </p:txEl>
+                                          </p:spTgt>
+                                        </p:tgtEl>
+                                      </p:cBhvr>
+                                    </p:animEffect>
+                                  </p:childTnLst>
+                                </p:cTn>
+                              </p:par>
+                            </p:childTnLst>
+                          </p:cTn>
+                        </p:par>
+                      </p:childTnLst>
+                    </p:cTn>
+                  </p:par>
+                  <p:par>
+                    <p:cTn id="20" fill="hold">
+                      <p:stCondLst>
+                        <p:cond delay="indefinite"/>
+                      </p:stCondLst>
+                      <p:childTnLst>
+                        <p:par>
+                          <p:cTn id="21" fill="hold">
+                            <p:stCondLst>
+                              <p:cond delay="0"/>
+                            </p:stCondLst>
+                            <p:childTnLst>
+                              <p:par>
+                                <p:cTn id="22" presetID="53" presetClass="entr" presetSubtype="16" fill="hold" grpId="0" nodeType="clickEffect">
+                                  <p:stCondLst>
+                                    <p:cond delay="0"/>
+                                  </p:stCondLst>
+                                  <p:childTnLst>
+                                    <p:set>
+                                      <p:cBhvr>
+                                        <p:cTn id="23" dur="1" fill="hold">
+                                          <p:stCondLst>
+                                            <p:cond delay="0"/>
+                                          </p:stCondLst>
+                                        </p:cTn>
+                                        <p:tgtEl>
+                                          <p:spTgt spid="3">
+                                            <p:txEl>
+                                              <p:pRg st="3" end="3"/>
+                                            </p:txEl>
+                                          </p:spTgt>
+                                        </p:tgtEl>
+                                        <p:attrNameLst>
+                                          <p:attrName>style.visibility</p:attrName>
+                                        </p:attrNameLst>
+                                      </p:cBhvr>
+                                      <p:to>
+                                        <p:strVal val="visible"/>
+                                      </p:to>
+                                    </p:set>
+                                    <p:anim calcmode="lin" valueType="num">
+                                      <p:cBhvr>
+                                        <p:cTn id="24" dur="500" fill="hold"/>
+                                        <p:tgtEl>
+                                          <p:spTgt spid="3">
+                                            <p:txEl>
+                                              <p:pRg st="3" end="3"/>
+                                            </p:txEl>
+                                          </p:spTgt>
+                                        </p:tgtEl>
+                                        <p:attrNameLst>
+                                          <p:attrName>ppt_w</p:attrName>
+                                        </p:attrNameLst>
+                                      </p:cBhvr>
+                                      <p:tavLst>
+                                        <p:tav tm="0">
+                                          <p:val>
+                                            <p:fltVal val="0"/>
+                                          </p:val>
+                                        </p:tav>
+                                        <p:tav tm="100000">
+                                          <p:val>
+                                            <p:strVal val="#ppt_w"/>
+                                          </p:val>
+                                        </p:tav>
+                                      </p:tavLst>
+                                    </p:anim>
+                                    <p:anim calcmode="lin" valueType="num">
+                                      <p:cBhvr>
+                                        <p:cTn id="25" dur="500" fill="hold"/>
+                                        <p:tgtEl>
+                                          <p:spTgt spid="3">
+                                            <p:txEl>
+                                              <p:pRg st="3" end="3"/>
+                                            </p:txEl>
+                                          </p:spTgt>
+                                        </p:tgtEl>
+                                        <p:attrNameLst>
+                                          <p:attrName>ppt_h</p:attrName>
+                                        </p:attrNameLst>
+                                      </p:cBhvr>
+                                      <p:tavLst>
+                                        <p:tav tm="0">
+                                          <p:val>
+                                            <p:fltVal val="0"/>
+                                          </p:val>
+                                        </p:tav>
+                                        <p:tav tm="100000">
+                                          <p:val>
+                                            <p:strVal val="#ppt_h"/>
+                                          </p:val>
+                                        </p:tav>
+                                      </p:tavLst>
+                                    </p:anim>
+                                    <p:animEffect transition="in" filter="fade">
+                                      <p:cBhvr>
+                                        <p:cTn id="26" dur="500"/>
+                                        <p:tgtEl>
+                                          <p:spTgt spid="3">
+                                            <p:txEl>
+                                              <p:pRg st="3" end="3"/>
+                                            </p:txEl>
+                                          </p:spTgt>
+                                        </p:tgtEl>
+                                      </p:cBhvr>
+                                    </p:animEffect>
+                                  </p:childTnLst>
+                                </p:cTn>
+                              </p:par>
+                              <p:par>
+                                <p:cTn id="27" presetID="53" presetClass="entr" presetSubtype="16" fill="hold" grpId="0" nodeType="withEffect">
+                                  <p:stCondLst>
+                                    <p:cond delay="0"/>
+                                  </p:stCondLst>
+                                  <p:childTnLst>
+                                    <p:set>
+                                      <p:cBhvr>
+                                        <p:cTn id="28" dur="1" fill="hold">
+                                          <p:stCondLst>
+                                            <p:cond delay="0"/>
+                                          </p:stCondLst>
+                                        </p:cTn>
+                                        <p:tgtEl>
+                                          <p:spTgt spid="3">
+                                            <p:txEl>
+                                              <p:pRg st="4" end="4"/>
+                                            </p:txEl>
+                                          </p:spTgt>
+                                        </p:tgtEl>
+                                        <p:attrNameLst>
+                                          <p:attrName>style.visibility</p:attrName>
+                                        </p:attrNameLst>
+                                      </p:cBhvr>
+                                      <p:to>
+                                        <p:strVal val="visible"/>
+                                      </p:to>
+                                    </p:set>
+                                    <p:anim calcmode="lin" valueType="num">
+                                      <p:cBhvr>
+                                        <p:cTn id="29" dur="500" fill="hold"/>
+                                        <p:tgtEl>
+                                          <p:spTgt spid="3">
+                                            <p:txEl>
+                                              <p:pRg st="4" end="4"/>
+                                            </p:txEl>
+                                          </p:spTgt>
+                                        </p:tgtEl>
+                                        <p:attrNameLst>
+                                          <p:attrName>ppt_w</p:attrName>
+                                        </p:attrNameLst>
+                                      </p:cBhvr>
+                                      <p:tavLst>
+                                        <p:tav tm="0">
+                                          <p:val>
+                                            <p:fltVal val="0"/>
+                                          </p:val>
+                                        </p:tav>
+                                        <p:tav tm="100000">
+                                          <p:val>
+                                            <p:strVal val="#ppt_w"/>
+                                          </p:val>
+                                        </p:tav>
+                                      </p:tavLst>
+                                    </p:anim>
+                                    <p:anim calcmode="lin" valueType="num">
+                                      <p:cBhvr>
+                                        <p:cTn id="30" dur="500" fill="hold"/>
+                                        <p:tgtEl>
+                                          <p:spTgt spid="3">
+                                            <p:txEl>
+                                              <p:pRg st="4" end="4"/>
+                                            </p:txEl>
+                                          </p:spTgt>
+                                        </p:tgtEl>
+                                        <p:attrNameLst>
+                                          <p:attrName>ppt_h</p:attrName>
+                                        </p:attrNameLst>
+                                      </p:cBhvr>
+                                      <p:tavLst>
+                                        <p:tav tm="0">
+                                          <p:val>
+                                            <p:fltVal val="0"/>
+                                          </p:val>
+                                        </p:tav>
+                                        <p:tav tm="100000">
+                                          <p:val>
+                                            <p:strVal val="#ppt_h"/>
+                                          </p:val>
+                                        </p:tav>
+                                      </p:tavLst>
+                                    </p:anim>
+                                    <p:animEffect transition="in" filter="fade">
+                                      <p:cBhvr>
+                                        <p:cTn id="31" dur="500"/>
+                                        <p:tgtEl>
+                                          <p:spTgt spid="3">
+                                            <p:txEl>
+                                              <p:pRg st="4" end="4"/>
+                                            </p:txEl>
+                                          </p:spTgt>
+                                        </p:tgtEl>
+                                      </p:cBhvr>
+                                    </p:animEffect>
+                                  </p:childTnLst>
+                                </p:cTn>
+                              </p:par>
+                              <p:par>
+                                <p:cTn id="32" presetID="53" presetClass="entr" presetSubtype="16" fill="hold" grpId="0" nodeType="withEffect">
+                                  <p:stCondLst>
+                                    <p:cond delay="0"/>
+                                  </p:stCondLst>
+                                  <p:childTnLst>
+                                    <p:set>
+                                      <p:cBhvr>
+                                        <p:cTn id="33" dur="1" fill="hold">
+                                          <p:stCondLst>
+                                            <p:cond delay="0"/>
+                                          </p:stCondLst>
+                                        </p:cTn>
+                                        <p:tgtEl>
+                                          <p:spTgt spid="3">
+                                            <p:txEl>
+                                              <p:pRg st="5" end="5"/>
+                                            </p:txEl>
+                                          </p:spTgt>
+                                        </p:tgtEl>
+                                        <p:attrNameLst>
+                                          <p:attrName>style.visibility</p:attrName>
+                                        </p:attrNameLst>
+                                      </p:cBhvr>
+                                      <p:to>
+                                        <p:strVal val="visible"/>
+                                      </p:to>
+                                    </p:set>
+                                    <p:anim calcmode="lin" valueType="num">
+                                      <p:cBhvr>
+                                        <p:cTn id="34" dur="500" fill="hold"/>
+                                        <p:tgtEl>
+                                          <p:spTgt spid="3">
+                                            <p:txEl>
+                                              <p:pRg st="5" end="5"/>
+                                            </p:txEl>
+                                          </p:spTgt>
+                                        </p:tgtEl>
+                                        <p:attrNameLst>
+                                          <p:attrName>ppt_w</p:attrName>
+                                        </p:attrNameLst>
+                                      </p:cBhvr>
+                                      <p:tavLst>
+                                        <p:tav tm="0">
+                                          <p:val>
+                                            <p:fltVal val="0"/>
+                                          </p:val>
+                                        </p:tav>
+                                        <p:tav tm="100000">
+                                          <p:val>
+                                            <p:strVal val="#ppt_w"/>
+                                          </p:val>
+                                        </p:tav>
+                                      </p:tavLst>
+                                    </p:anim>
+                                    <p:anim calcmode="lin" valueType="num">
+                                      <p:cBhvr>
+                                        <p:cTn id="35" dur="500" fill="hold"/>
+                                        <p:tgtEl>
+                                          <p:spTgt spid="3">
+                                            <p:txEl>
+                                              <p:pRg st="5" end="5"/>
+                                            </p:txEl>
+                                          </p:spTgt>
+                                        </p:tgtEl>
+                                        <p:attrNameLst>
+                                          <p:attrName>ppt_h</p:attrName>
+                                        </p:attrNameLst>
+                                      </p:cBhvr>
+                                      <p:tavLst>
+                                        <p:tav tm="0">
+                                          <p:val>
+                                            <p:fltVal val="0"/>
+                                          </p:val>
+                                        </p:tav>
+                                        <p:tav tm="100000">
+                                          <p:val>
+                                            <p:strVal val="#ppt_h"/>
+                                          </p:val>
+                                        </p:tav>
+                                      </p:tavLst>
+                                    </p:anim>
+                                    <p:animEffect transition="in" filter="fade">
+                                      <p:cBhvr>
+                                        <p:cTn id="36" dur="500"/>
+                                        <p:tgtEl>
+                                          <p:spTgt spid="3">
+                                            <p:txEl>
+                                              <p:pRg st="5" end="5"/>
+                                            </p:txEl>
+                                          </p:spTgt>
+                                        </p:tgtEl>
+                                      </p:cBhvr>
+                                    </p:animEffect>
+                                  </p:childTnLst>
+                                </p:cTn>
+                              </p:par>
+                            </p:childTnLst>
+                          </p:cTn>
+                        </p:par>
+                      </p:childTnLst>
+                    </p:cTn>
+                  </p:par>
+                </p:childTnLst>
+              </p:cTn>
+              <p:prevCondLst>
+                <p:cond evt="onPrev" delay="0">
+                  <p:tgtEl>
+                    <p:sldTgt/>
+                  </p:tgtEl>
+                </p:cond>
+              </p:prevCondLst>
+              <p:nextCondLst>
+                <p:cond evt="onNext" delay="0">
+                  <p:tgtEl>
+                    <p:sldTgt/>
+                  </p:tgtEl>
+                </p:cond>
+              </p:nextCondLst>
+            </p:seq>
+          </p:childTnLst>
+        </p:cTn>
+      </p:par>
+    </p:tnLst>
+    <p:bldLst>
+      <p:bldP spid="3" grpId="0" build="p"/>
+    </p:bldLst>
+  </p:timing>
 </p:sld>
 </file>
 
-<file path=ppt/slides/slide22.xml><?xml version="1.0" encoding="utf-8"?>
+<file path=ppt/slides/slide9.xml><?xml version="1.0" encoding="utf-8"?>
 <p:sld xmlns:a="http://schemas.openxmlformats.org/drawingml/2006/main" xmlns:r="http://schemas.openxmlformats.org/officeDocument/2006/relationships" xmlns:p="http://schemas.openxmlformats.org/presentationml/2006/main">
   <p:cSld>
     <p:spTree>
@@ -14292,10 +15506,16 @@
           <p:cNvGraphicFramePr>
             <a:graphicFrameLocks noGrp="1"/>
           </p:cNvGraphicFramePr>
-          <p:nvPr/>
+          <p:nvPr>
+            <p:extLst>
+              <p:ext uri="{D42A27DB-BD31-4B8C-83A1-F6EECF244321}">
+                <p14:modId xmlns:p14="http://schemas.microsoft.com/office/powerpoint/2010/main" val="3533176262"/>
+              </p:ext>
+            </p:extLst>
+          </p:nvPr>
         </p:nvGraphicFramePr>
         <p:xfrm>
-          <a:off x="1831584" y="5780181"/>
+          <a:off x="1831583" y="987464"/>
           <a:ext cx="8128001" cy="741680"/>
         </p:xfrm>
         <a:graphic>
@@ -14609,7 +15829,7 @@
         </p:blipFill>
         <p:spPr>
           <a:xfrm>
-            <a:off x="2294250" y="1165791"/>
+            <a:off x="2313957" y="1958008"/>
             <a:ext cx="7021620" cy="4131365"/>
           </a:xfrm>
         </p:spPr>
@@ -14624,4488 +15844,75 @@
   <p:clrMapOvr>
     <a:masterClrMapping/>
   </p:clrMapOvr>
+  <mc:AlternateContent xmlns:mc="http://schemas.openxmlformats.org/markup-compatibility/2006">
+    <mc:Choice xmlns:p14="http://schemas.microsoft.com/office/powerpoint/2010/main" Requires="p14">
+      <p:transition spd="slow" p14:dur="2000" advTm="15001"/>
+    </mc:Choice>
+    <mc:Fallback>
+      <p:transition spd="slow" advTm="15001"/>
+    </mc:Fallback>
+  </mc:AlternateContent>
 </p:sld>
 </file>
 
-<file path=ppt/slides/slide23.xml><?xml version="1.0" encoding="utf-8"?>
-<p:sld xmlns:a="http://schemas.openxmlformats.org/drawingml/2006/main" xmlns:r="http://schemas.openxmlformats.org/officeDocument/2006/relationships" xmlns:p="http://schemas.openxmlformats.org/presentationml/2006/main">
-  <p:cSld>
-    <p:spTree>
-      <p:nvGrpSpPr>
-        <p:cNvPr id="1" name=""/>
-        <p:cNvGrpSpPr/>
-        <p:nvPr/>
-      </p:nvGrpSpPr>
-      <p:grpSpPr>
-        <a:xfrm>
-          <a:off x="0" y="0"/>
-          <a:ext cx="0" cy="0"/>
-          <a:chOff x="0" y="0"/>
-          <a:chExt cx="0" cy="0"/>
-        </a:xfrm>
-      </p:grpSpPr>
-      <p:sp>
-        <p:nvSpPr>
-          <p:cNvPr id="2" name="Title 1">
-            <a:extLst>
-              <a:ext uri="{FF2B5EF4-FFF2-40B4-BE49-F238E27FC236}">
-                <a16:creationId xmlns:a16="http://schemas.microsoft.com/office/drawing/2014/main" id="{61BFDC9E-778B-8D46-AD92-7A8A84F2831D}"/>
-              </a:ext>
-            </a:extLst>
-          </p:cNvPr>
-          <p:cNvSpPr>
-            <a:spLocks noGrp="1"/>
-          </p:cNvSpPr>
-          <p:nvPr>
-            <p:ph type="title"/>
-          </p:nvPr>
-        </p:nvSpPr>
-        <p:spPr>
-          <a:xfrm>
-            <a:off x="2426063" y="-157369"/>
-            <a:ext cx="7259804" cy="1905000"/>
-          </a:xfrm>
-        </p:spPr>
-        <p:txBody>
-          <a:bodyPr/>
-          <a:lstStyle/>
-          <a:p>
-            <a:pPr algn="ctr"/>
-            <a:r>
-              <a:rPr lang="en-US" dirty="0"/>
-              <a:t>Maximum alcohol content  </a:t>
-            </a:r>
-          </a:p>
-        </p:txBody>
-      </p:sp>
-      <p:sp>
-        <p:nvSpPr>
-          <p:cNvPr id="10" name="Content Placeholder 2">
-            <a:extLst>
-              <a:ext uri="{FF2B5EF4-FFF2-40B4-BE49-F238E27FC236}">
-                <a16:creationId xmlns:a16="http://schemas.microsoft.com/office/drawing/2014/main" id="{579BF4C9-E394-5345-B9A5-C705EAD7373D}"/>
-              </a:ext>
-            </a:extLst>
-          </p:cNvPr>
-          <p:cNvSpPr txBox="1">
-            <a:spLocks/>
-          </p:cNvSpPr>
-          <p:nvPr/>
-        </p:nvSpPr>
-        <p:spPr>
-          <a:xfrm>
-            <a:off x="7274807" y="2030260"/>
-            <a:ext cx="4804871" cy="4321320"/>
-          </a:xfrm>
-          <a:prstGeom prst="rect">
-            <a:avLst/>
-          </a:prstGeom>
-        </p:spPr>
-        <p:txBody>
-          <a:bodyPr vert="horz" lIns="91440" tIns="45720" rIns="91440" bIns="45720" rtlCol="0" anchor="ctr">
-            <a:normAutofit fontScale="92500" lnSpcReduction="10000"/>
-          </a:bodyPr>
-          <a:lstStyle>
-            <a:lvl1pPr marL="285750" indent="-285750" algn="l" defTabSz="457200" rtl="0" eaLnBrk="1" latinLnBrk="0" hangingPunct="1">
-              <a:spcBef>
-                <a:spcPct val="20000"/>
-              </a:spcBef>
-              <a:spcAft>
-                <a:spcPts val="600"/>
-              </a:spcAft>
-              <a:buClr>
-                <a:schemeClr val="accent1"/>
-              </a:buClr>
-              <a:buSzPct val="100000"/>
-              <a:buFont typeface="Arial"/>
-              <a:buChar char="•"/>
-              <a:defRPr sz="2000" kern="1200" cap="small">
-                <a:solidFill>
-                  <a:schemeClr val="tx1"/>
-                </a:solidFill>
-                <a:effectLst>
-                  <a:glow rad="38100">
-                    <a:schemeClr val="bg1">
-                      <a:lumMod val="50000"/>
-                      <a:lumOff val="50000"/>
-                      <a:alpha val="20000"/>
-                    </a:schemeClr>
-                  </a:glow>
-                  <a:outerShdw blurRad="44450" dist="12700" dir="13860000" algn="tl" rotWithShape="0">
-                    <a:srgbClr val="000000">
-                      <a:alpha val="20000"/>
-                    </a:srgbClr>
-                  </a:outerShdw>
-                </a:effectLst>
-                <a:latin typeface="+mn-lt"/>
-                <a:ea typeface="+mn-ea"/>
-                <a:cs typeface="+mn-cs"/>
-              </a:defRPr>
-            </a:lvl1pPr>
-            <a:lvl2pPr marL="742950" indent="-285750" algn="l" defTabSz="457200" rtl="0" eaLnBrk="1" latinLnBrk="0" hangingPunct="1">
-              <a:spcBef>
-                <a:spcPct val="20000"/>
-              </a:spcBef>
-              <a:spcAft>
-                <a:spcPts val="600"/>
-              </a:spcAft>
-              <a:buClr>
-                <a:schemeClr val="accent1"/>
-              </a:buClr>
-              <a:buSzPct val="100000"/>
-              <a:buFont typeface="Arial"/>
-              <a:buChar char="•"/>
-              <a:defRPr sz="1800" kern="1200" cap="small">
-                <a:solidFill>
-                  <a:schemeClr val="tx1"/>
-                </a:solidFill>
-                <a:effectLst>
-                  <a:glow rad="38100">
-                    <a:schemeClr val="bg1">
-                      <a:lumMod val="50000"/>
-                      <a:lumOff val="50000"/>
-                      <a:alpha val="20000"/>
-                    </a:schemeClr>
-                  </a:glow>
-                  <a:outerShdw blurRad="44450" dist="12700" dir="13860000" algn="tl" rotWithShape="0">
-                    <a:srgbClr val="000000">
-                      <a:alpha val="20000"/>
-                    </a:srgbClr>
-                  </a:outerShdw>
-                </a:effectLst>
-                <a:latin typeface="+mn-lt"/>
-                <a:ea typeface="+mn-ea"/>
-                <a:cs typeface="+mn-cs"/>
-              </a:defRPr>
-            </a:lvl2pPr>
-            <a:lvl3pPr marL="1200150" indent="-285750" algn="l" defTabSz="457200" rtl="0" eaLnBrk="1" latinLnBrk="0" hangingPunct="1">
-              <a:spcBef>
-                <a:spcPct val="20000"/>
-              </a:spcBef>
-              <a:spcAft>
-                <a:spcPts val="600"/>
-              </a:spcAft>
-              <a:buClr>
-                <a:schemeClr val="accent1"/>
-              </a:buClr>
-              <a:buSzPct val="100000"/>
-              <a:buFont typeface="Arial"/>
-              <a:buChar char="•"/>
-              <a:defRPr sz="1600" kern="1200" cap="small">
-                <a:solidFill>
-                  <a:schemeClr val="tx1"/>
-                </a:solidFill>
-                <a:effectLst>
-                  <a:glow rad="38100">
-                    <a:schemeClr val="bg1">
-                      <a:lumMod val="50000"/>
-                      <a:lumOff val="50000"/>
-                      <a:alpha val="20000"/>
-                    </a:schemeClr>
-                  </a:glow>
-                  <a:outerShdw blurRad="44450" dist="12700" dir="13860000" algn="tl" rotWithShape="0">
-                    <a:srgbClr val="000000">
-                      <a:alpha val="20000"/>
-                    </a:srgbClr>
-                  </a:outerShdw>
-                </a:effectLst>
-                <a:latin typeface="+mn-lt"/>
-                <a:ea typeface="+mn-ea"/>
-                <a:cs typeface="+mn-cs"/>
-              </a:defRPr>
-            </a:lvl3pPr>
-            <a:lvl4pPr marL="1543050" indent="-171450" algn="l" defTabSz="457200" rtl="0" eaLnBrk="1" latinLnBrk="0" hangingPunct="1">
-              <a:spcBef>
-                <a:spcPct val="20000"/>
-              </a:spcBef>
-              <a:spcAft>
-                <a:spcPts val="600"/>
-              </a:spcAft>
-              <a:buClr>
-                <a:schemeClr val="accent1"/>
-              </a:buClr>
-              <a:buSzPct val="100000"/>
-              <a:buFont typeface="Arial"/>
-              <a:buChar char="•"/>
-              <a:defRPr sz="1400" kern="1200" cap="small">
-                <a:solidFill>
-                  <a:schemeClr val="tx1"/>
-                </a:solidFill>
-                <a:effectLst>
-                  <a:glow rad="38100">
-                    <a:schemeClr val="bg1">
-                      <a:lumMod val="50000"/>
-                      <a:lumOff val="50000"/>
-                      <a:alpha val="20000"/>
-                    </a:schemeClr>
-                  </a:glow>
-                  <a:outerShdw blurRad="44450" dist="12700" dir="13860000" algn="tl" rotWithShape="0">
-                    <a:srgbClr val="000000">
-                      <a:alpha val="20000"/>
-                    </a:srgbClr>
-                  </a:outerShdw>
-                </a:effectLst>
-                <a:latin typeface="+mn-lt"/>
-                <a:ea typeface="+mn-ea"/>
-                <a:cs typeface="+mn-cs"/>
-              </a:defRPr>
-            </a:lvl4pPr>
-            <a:lvl5pPr marL="2000250" indent="-171450" algn="l" defTabSz="457200" rtl="0" eaLnBrk="1" latinLnBrk="0" hangingPunct="1">
-              <a:spcBef>
-                <a:spcPct val="20000"/>
-              </a:spcBef>
-              <a:spcAft>
-                <a:spcPts val="600"/>
-              </a:spcAft>
-              <a:buClr>
-                <a:schemeClr val="accent1"/>
-              </a:buClr>
-              <a:buSzPct val="100000"/>
-              <a:buFont typeface="Arial"/>
-              <a:buChar char="•"/>
-              <a:defRPr sz="1400" kern="1200" cap="small">
-                <a:solidFill>
-                  <a:schemeClr val="tx1"/>
-                </a:solidFill>
-                <a:effectLst>
-                  <a:glow rad="38100">
-                    <a:schemeClr val="bg1">
-                      <a:lumMod val="50000"/>
-                      <a:lumOff val="50000"/>
-                      <a:alpha val="20000"/>
-                    </a:schemeClr>
-                  </a:glow>
-                  <a:outerShdw blurRad="44450" dist="12700" dir="13860000" algn="tl" rotWithShape="0">
-                    <a:srgbClr val="000000">
-                      <a:alpha val="20000"/>
-                    </a:srgbClr>
-                  </a:outerShdw>
-                </a:effectLst>
-                <a:latin typeface="+mn-lt"/>
-                <a:ea typeface="+mn-ea"/>
-                <a:cs typeface="+mn-cs"/>
-              </a:defRPr>
-            </a:lvl5pPr>
-            <a:lvl6pPr marL="2514600" indent="-228600" algn="l" defTabSz="457200" rtl="0" eaLnBrk="1" latinLnBrk="0" hangingPunct="1">
-              <a:spcBef>
-                <a:spcPct val="20000"/>
-              </a:spcBef>
-              <a:spcAft>
-                <a:spcPts val="600"/>
-              </a:spcAft>
-              <a:buClr>
-                <a:schemeClr val="accent1"/>
-              </a:buClr>
-              <a:buSzPct val="100000"/>
-              <a:buFont typeface="Arial"/>
-              <a:buChar char="•"/>
-              <a:defRPr sz="1200" kern="1200" cap="small">
-                <a:solidFill>
-                  <a:schemeClr val="tx1"/>
-                </a:solidFill>
-                <a:effectLst>
-                  <a:glow rad="38100">
-                    <a:schemeClr val="bg1">
-                      <a:lumMod val="50000"/>
-                      <a:lumOff val="50000"/>
-                      <a:alpha val="20000"/>
-                    </a:schemeClr>
-                  </a:glow>
-                  <a:outerShdw blurRad="44450" dist="12700" dir="13860000" algn="tl" rotWithShape="0">
-                    <a:srgbClr val="000000">
-                      <a:alpha val="20000"/>
-                    </a:srgbClr>
-                  </a:outerShdw>
-                </a:effectLst>
-                <a:latin typeface="+mn-lt"/>
-                <a:ea typeface="+mn-ea"/>
-                <a:cs typeface="+mn-cs"/>
-              </a:defRPr>
-            </a:lvl6pPr>
-            <a:lvl7pPr marL="2971800" indent="-228600" algn="l" defTabSz="457200" rtl="0" eaLnBrk="1" latinLnBrk="0" hangingPunct="1">
-              <a:spcBef>
-                <a:spcPct val="20000"/>
-              </a:spcBef>
-              <a:spcAft>
-                <a:spcPts val="600"/>
-              </a:spcAft>
-              <a:buClr>
-                <a:schemeClr val="accent1"/>
-              </a:buClr>
-              <a:buSzPct val="100000"/>
-              <a:buFont typeface="Arial"/>
-              <a:buChar char="•"/>
-              <a:defRPr sz="1200" kern="1200" cap="small">
-                <a:solidFill>
-                  <a:schemeClr val="tx1"/>
-                </a:solidFill>
-                <a:effectLst>
-                  <a:glow rad="38100">
-                    <a:schemeClr val="bg1">
-                      <a:lumMod val="50000"/>
-                      <a:lumOff val="50000"/>
-                      <a:alpha val="20000"/>
-                    </a:schemeClr>
-                  </a:glow>
-                  <a:outerShdw blurRad="44450" dist="12700" dir="13860000" algn="tl" rotWithShape="0">
-                    <a:srgbClr val="000000">
-                      <a:alpha val="20000"/>
-                    </a:srgbClr>
-                  </a:outerShdw>
-                </a:effectLst>
-                <a:latin typeface="+mn-lt"/>
-                <a:ea typeface="+mn-ea"/>
-                <a:cs typeface="+mn-cs"/>
-              </a:defRPr>
-            </a:lvl7pPr>
-            <a:lvl8pPr marL="3429000" indent="-228600" algn="l" defTabSz="457200" rtl="0" eaLnBrk="1" latinLnBrk="0" hangingPunct="1">
-              <a:spcBef>
-                <a:spcPct val="20000"/>
-              </a:spcBef>
-              <a:spcAft>
-                <a:spcPts val="600"/>
-              </a:spcAft>
-              <a:buClr>
-                <a:schemeClr val="accent1"/>
-              </a:buClr>
-              <a:buSzPct val="100000"/>
-              <a:buFont typeface="Arial"/>
-              <a:buChar char="•"/>
-              <a:defRPr sz="1200" kern="1200" cap="small">
-                <a:solidFill>
-                  <a:schemeClr val="tx1"/>
-                </a:solidFill>
-                <a:effectLst>
-                  <a:glow rad="38100">
-                    <a:schemeClr val="bg1">
-                      <a:lumMod val="50000"/>
-                      <a:lumOff val="50000"/>
-                      <a:alpha val="20000"/>
-                    </a:schemeClr>
-                  </a:glow>
-                  <a:outerShdw blurRad="44450" dist="12700" dir="13860000" algn="tl" rotWithShape="0">
-                    <a:srgbClr val="000000">
-                      <a:alpha val="20000"/>
-                    </a:srgbClr>
-                  </a:outerShdw>
-                </a:effectLst>
-                <a:latin typeface="+mn-lt"/>
-                <a:ea typeface="+mn-ea"/>
-                <a:cs typeface="+mn-cs"/>
-              </a:defRPr>
-            </a:lvl8pPr>
-            <a:lvl9pPr marL="3886200" indent="-228600" algn="l" defTabSz="457200" rtl="0" eaLnBrk="1" latinLnBrk="0" hangingPunct="1">
-              <a:spcBef>
-                <a:spcPct val="20000"/>
-              </a:spcBef>
-              <a:spcAft>
-                <a:spcPts val="600"/>
-              </a:spcAft>
-              <a:buClr>
-                <a:schemeClr val="accent1"/>
-              </a:buClr>
-              <a:buSzPct val="100000"/>
-              <a:buFont typeface="Arial"/>
-              <a:buChar char="•"/>
-              <a:defRPr sz="1200" kern="1200" cap="small">
-                <a:solidFill>
-                  <a:schemeClr val="tx1"/>
-                </a:solidFill>
-                <a:effectLst>
-                  <a:glow rad="38100">
-                    <a:schemeClr val="bg1">
-                      <a:lumMod val="50000"/>
-                      <a:lumOff val="50000"/>
-                      <a:alpha val="20000"/>
-                    </a:schemeClr>
-                  </a:glow>
-                  <a:outerShdw blurRad="44450" dist="12700" dir="13860000" algn="tl" rotWithShape="0">
-                    <a:srgbClr val="000000">
-                      <a:alpha val="20000"/>
-                    </a:srgbClr>
-                  </a:outerShdw>
-                </a:effectLst>
-                <a:latin typeface="+mn-lt"/>
-                <a:ea typeface="+mn-ea"/>
-                <a:cs typeface="+mn-cs"/>
-              </a:defRPr>
-            </a:lvl9pPr>
-          </a:lstStyle>
-          <a:p>
-            <a:pPr marL="0" indent="0">
-              <a:lnSpc>
-                <a:spcPct val="90000"/>
-              </a:lnSpc>
-              <a:buNone/>
-            </a:pPr>
-            <a:r>
-              <a:rPr lang="en-US" b="1" u="sng" dirty="0"/>
-              <a:t>MAXIMUM ABV</a:t>
-            </a:r>
-          </a:p>
-          <a:p>
-            <a:pPr>
-              <a:lnSpc>
-                <a:spcPct val="90000"/>
-              </a:lnSpc>
-            </a:pPr>
-            <a:r>
-              <a:rPr lang="en-US" dirty="0"/>
-              <a:t>LOCATION: </a:t>
-            </a:r>
-          </a:p>
-          <a:p>
-            <a:pPr marL="0" indent="0">
-              <a:lnSpc>
-                <a:spcPct val="90000"/>
-              </a:lnSpc>
-              <a:buNone/>
-            </a:pPr>
-            <a:r>
-              <a:rPr lang="en-US" dirty="0"/>
-              <a:t>	BOULDER, COLORADO</a:t>
-            </a:r>
-          </a:p>
-          <a:p>
-            <a:pPr>
-              <a:lnSpc>
-                <a:spcPct val="90000"/>
-              </a:lnSpc>
-            </a:pPr>
-            <a:r>
-              <a:rPr lang="en-US" dirty="0"/>
-              <a:t>ABV: </a:t>
-            </a:r>
-          </a:p>
-          <a:p>
-            <a:pPr marL="0" indent="0">
-              <a:lnSpc>
-                <a:spcPct val="90000"/>
-              </a:lnSpc>
-              <a:buNone/>
-            </a:pPr>
-            <a:r>
-              <a:rPr lang="en-US" dirty="0"/>
-              <a:t>	.128</a:t>
-            </a:r>
-          </a:p>
-          <a:p>
-            <a:pPr>
-              <a:lnSpc>
-                <a:spcPct val="90000"/>
-              </a:lnSpc>
-            </a:pPr>
-            <a:r>
-              <a:rPr lang="en-US" dirty="0"/>
-              <a:t>BEER NAME: </a:t>
-            </a:r>
-          </a:p>
-          <a:p>
-            <a:pPr marL="0" indent="0">
-              <a:lnSpc>
-                <a:spcPct val="90000"/>
-              </a:lnSpc>
-              <a:buNone/>
-            </a:pPr>
-            <a:r>
-              <a:rPr lang="en-US" dirty="0">
-                <a:effectLst/>
-              </a:rPr>
-              <a:t>	LEE HILL SERIES VOL. 5</a:t>
-            </a:r>
-          </a:p>
-          <a:p>
-            <a:pPr>
-              <a:lnSpc>
-                <a:spcPct val="90000"/>
-              </a:lnSpc>
-            </a:pPr>
-            <a:r>
-              <a:rPr lang="en-US" dirty="0"/>
-              <a:t>BREWERY NAME:</a:t>
-            </a:r>
-          </a:p>
-          <a:p>
-            <a:pPr marL="0" indent="0">
-              <a:lnSpc>
-                <a:spcPct val="90000"/>
-              </a:lnSpc>
-              <a:buNone/>
-            </a:pPr>
-            <a:r>
-              <a:rPr lang="en-US" dirty="0"/>
-              <a:t>	UPSLOPE BREWING COMPANY</a:t>
-            </a:r>
-          </a:p>
-          <a:p>
-            <a:pPr>
-              <a:lnSpc>
-                <a:spcPct val="90000"/>
-              </a:lnSpc>
-            </a:pPr>
-            <a:r>
-              <a:rPr lang="en-US" dirty="0"/>
-              <a:t>BEER STYLE: </a:t>
-            </a:r>
-          </a:p>
-          <a:p>
-            <a:pPr marL="0" indent="0">
-              <a:lnSpc>
-                <a:spcPct val="90000"/>
-              </a:lnSpc>
-              <a:buNone/>
-            </a:pPr>
-            <a:r>
-              <a:rPr lang="en-US" dirty="0"/>
-              <a:t>	BELGIAN STYLE QUADRUPEL ALE</a:t>
-            </a:r>
-          </a:p>
-          <a:p>
-            <a:pPr lvl="1">
-              <a:lnSpc>
-                <a:spcPct val="90000"/>
-              </a:lnSpc>
-            </a:pPr>
-            <a:endParaRPr lang="en-US" dirty="0"/>
-          </a:p>
-        </p:txBody>
-      </p:sp>
-      <p:pic>
-        <p:nvPicPr>
-          <p:cNvPr id="13" name="Picture 12">
-            <a:extLst>
-              <a:ext uri="{FF2B5EF4-FFF2-40B4-BE49-F238E27FC236}">
-                <a16:creationId xmlns:a16="http://schemas.microsoft.com/office/drawing/2014/main" id="{F4D2894F-79A8-9A49-8D13-C4B4ED860533}"/>
-              </a:ext>
-            </a:extLst>
-          </p:cNvPr>
-          <p:cNvPicPr>
-            <a:picLocks noChangeAspect="1"/>
-          </p:cNvPicPr>
-          <p:nvPr/>
-        </p:nvPicPr>
-        <p:blipFill>
-          <a:blip r:embed="rId2"/>
-          <a:stretch>
-            <a:fillRect/>
-          </a:stretch>
-        </p:blipFill>
-        <p:spPr>
-          <a:xfrm>
-            <a:off x="2184400" y="2267327"/>
-            <a:ext cx="3454400" cy="3276338"/>
-          </a:xfrm>
-          <a:prstGeom prst="rect">
-            <a:avLst/>
-          </a:prstGeom>
-        </p:spPr>
-      </p:pic>
-    </p:spTree>
-    <p:extLst>
-      <p:ext uri="{BB962C8B-B14F-4D97-AF65-F5344CB8AC3E}">
-        <p14:creationId xmlns:p14="http://schemas.microsoft.com/office/powerpoint/2010/main" val="319715529"/>
-      </p:ext>
-    </p:extLst>
-  </p:cSld>
-  <p:clrMapOvr>
-    <a:masterClrMapping/>
-  </p:clrMapOvr>
-  <p:timing>
-    <p:tnLst>
-      <p:par>
-        <p:cTn id="1" dur="indefinite" restart="never" nodeType="tmRoot">
-          <p:childTnLst>
-            <p:seq concurrent="1" nextAc="seek">
-              <p:cTn id="2" dur="indefinite" nodeType="mainSeq">
-                <p:childTnLst>
-                  <p:par>
-                    <p:cTn id="3" fill="hold">
-                      <p:stCondLst>
-                        <p:cond delay="indefinite"/>
-                      </p:stCondLst>
-                      <p:childTnLst>
-                        <p:par>
-                          <p:cTn id="4" fill="hold">
-                            <p:stCondLst>
-                              <p:cond delay="0"/>
-                            </p:stCondLst>
-                            <p:childTnLst>
-                              <p:par>
-                                <p:cTn id="5" presetID="53" presetClass="entr" presetSubtype="16" fill="hold" grpId="0" nodeType="clickEffect">
-                                  <p:stCondLst>
-                                    <p:cond delay="0"/>
-                                  </p:stCondLst>
-                                  <p:childTnLst>
-                                    <p:set>
-                                      <p:cBhvr>
-                                        <p:cTn id="6" dur="1" fill="hold">
-                                          <p:stCondLst>
-                                            <p:cond delay="0"/>
-                                          </p:stCondLst>
-                                        </p:cTn>
-                                        <p:tgtEl>
-                                          <p:spTgt spid="10"/>
-                                        </p:tgtEl>
-                                        <p:attrNameLst>
-                                          <p:attrName>style.visibility</p:attrName>
-                                        </p:attrNameLst>
-                                      </p:cBhvr>
-                                      <p:to>
-                                        <p:strVal val="visible"/>
-                                      </p:to>
-                                    </p:set>
-                                    <p:anim calcmode="lin" valueType="num">
-                                      <p:cBhvr>
-                                        <p:cTn id="7" dur="500" fill="hold"/>
-                                        <p:tgtEl>
-                                          <p:spTgt spid="10"/>
-                                        </p:tgtEl>
-                                        <p:attrNameLst>
-                                          <p:attrName>ppt_w</p:attrName>
-                                        </p:attrNameLst>
-                                      </p:cBhvr>
-                                      <p:tavLst>
-                                        <p:tav tm="0">
-                                          <p:val>
-                                            <p:fltVal val="0"/>
-                                          </p:val>
-                                        </p:tav>
-                                        <p:tav tm="100000">
-                                          <p:val>
-                                            <p:strVal val="#ppt_w"/>
-                                          </p:val>
-                                        </p:tav>
-                                      </p:tavLst>
-                                    </p:anim>
-                                    <p:anim calcmode="lin" valueType="num">
-                                      <p:cBhvr>
-                                        <p:cTn id="8" dur="500" fill="hold"/>
-                                        <p:tgtEl>
-                                          <p:spTgt spid="10"/>
-                                        </p:tgtEl>
-                                        <p:attrNameLst>
-                                          <p:attrName>ppt_h</p:attrName>
-                                        </p:attrNameLst>
-                                      </p:cBhvr>
-                                      <p:tavLst>
-                                        <p:tav tm="0">
-                                          <p:val>
-                                            <p:fltVal val="0"/>
-                                          </p:val>
-                                        </p:tav>
-                                        <p:tav tm="100000">
-                                          <p:val>
-                                            <p:strVal val="#ppt_h"/>
-                                          </p:val>
-                                        </p:tav>
-                                      </p:tavLst>
-                                    </p:anim>
-                                    <p:animEffect transition="in" filter="fade">
-                                      <p:cBhvr>
-                                        <p:cTn id="9" dur="500"/>
-                                        <p:tgtEl>
-                                          <p:spTgt spid="10"/>
-                                        </p:tgtEl>
-                                      </p:cBhvr>
-                                    </p:animEffect>
-                                  </p:childTnLst>
-                                </p:cTn>
-                              </p:par>
-                            </p:childTnLst>
-                          </p:cTn>
-                        </p:par>
-                      </p:childTnLst>
-                    </p:cTn>
-                  </p:par>
-                </p:childTnLst>
-              </p:cTn>
-              <p:prevCondLst>
-                <p:cond evt="onPrev" delay="0">
-                  <p:tgtEl>
-                    <p:sldTgt/>
-                  </p:tgtEl>
-                </p:cond>
-              </p:prevCondLst>
-              <p:nextCondLst>
-                <p:cond evt="onNext" delay="0">
-                  <p:tgtEl>
-                    <p:sldTgt/>
-                  </p:tgtEl>
-                </p:cond>
-              </p:nextCondLst>
-            </p:seq>
-          </p:childTnLst>
-        </p:cTn>
-      </p:par>
-    </p:tnLst>
-    <p:bldLst>
-      <p:bldP spid="10" grpId="0"/>
-    </p:bldLst>
-  </p:timing>
-</p:sld>
+<file path=ppt/tags/tag1.xml><?xml version="1.0" encoding="utf-8"?>
+<p:tagLst xmlns:a="http://schemas.openxmlformats.org/drawingml/2006/main" xmlns:r="http://schemas.openxmlformats.org/officeDocument/2006/relationships" xmlns:p="http://schemas.openxmlformats.org/presentationml/2006/main">
+  <p:tag name="TIMING" val="|1.8|10.4|3.6|4.6"/>
+</p:tagLst>
 </file>
 
-<file path=ppt/slides/slide24.xml><?xml version="1.0" encoding="utf-8"?>
-<p:sld xmlns:a="http://schemas.openxmlformats.org/drawingml/2006/main" xmlns:r="http://schemas.openxmlformats.org/officeDocument/2006/relationships" xmlns:p="http://schemas.openxmlformats.org/presentationml/2006/main">
-  <p:cSld>
-    <p:spTree>
-      <p:nvGrpSpPr>
-        <p:cNvPr id="1" name=""/>
-        <p:cNvGrpSpPr/>
-        <p:nvPr/>
-      </p:nvGrpSpPr>
-      <p:grpSpPr>
-        <a:xfrm>
-          <a:off x="0" y="0"/>
-          <a:ext cx="0" cy="0"/>
-          <a:chOff x="0" y="0"/>
-          <a:chExt cx="0" cy="0"/>
-        </a:xfrm>
-      </p:grpSpPr>
-      <p:sp>
-        <p:nvSpPr>
-          <p:cNvPr id="2" name="Title 1">
-            <a:extLst>
-              <a:ext uri="{FF2B5EF4-FFF2-40B4-BE49-F238E27FC236}">
-                <a16:creationId xmlns:a16="http://schemas.microsoft.com/office/drawing/2014/main" id="{61BFDC9E-778B-8D46-AD92-7A8A84F2831D}"/>
-              </a:ext>
-            </a:extLst>
-          </p:cNvPr>
-          <p:cNvSpPr>
-            <a:spLocks noGrp="1"/>
-          </p:cNvSpPr>
-          <p:nvPr>
-            <p:ph type="title"/>
-          </p:nvPr>
-        </p:nvSpPr>
-        <p:spPr>
-          <a:xfrm>
-            <a:off x="2426063" y="-157369"/>
-            <a:ext cx="6530047" cy="1905000"/>
-          </a:xfrm>
-        </p:spPr>
-        <p:txBody>
-          <a:bodyPr/>
-          <a:lstStyle/>
-          <a:p>
-            <a:pPr algn="ctr"/>
-            <a:r>
-              <a:rPr lang="en-US" dirty="0"/>
-              <a:t>MAXIMUM BITTERNESS (IBU)</a:t>
-            </a:r>
-          </a:p>
-        </p:txBody>
-      </p:sp>
-      <p:sp>
-        <p:nvSpPr>
-          <p:cNvPr id="10" name="Content Placeholder 2">
-            <a:extLst>
-              <a:ext uri="{FF2B5EF4-FFF2-40B4-BE49-F238E27FC236}">
-                <a16:creationId xmlns:a16="http://schemas.microsoft.com/office/drawing/2014/main" id="{579BF4C9-E394-5345-B9A5-C705EAD7373D}"/>
-              </a:ext>
-            </a:extLst>
-          </p:cNvPr>
-          <p:cNvSpPr txBox="1">
-            <a:spLocks/>
-          </p:cNvSpPr>
-          <p:nvPr/>
-        </p:nvSpPr>
-        <p:spPr>
-          <a:xfrm>
-            <a:off x="1490133" y="1722231"/>
-            <a:ext cx="9763059" cy="4321320"/>
-          </a:xfrm>
-          <a:prstGeom prst="rect">
-            <a:avLst/>
-          </a:prstGeom>
-        </p:spPr>
-        <p:txBody>
-          <a:bodyPr vert="horz" lIns="91440" tIns="45720" rIns="91440" bIns="45720" rtlCol="0" anchor="ctr">
-            <a:normAutofit lnSpcReduction="10000"/>
-          </a:bodyPr>
-          <a:lstStyle>
-            <a:lvl1pPr marL="285750" indent="-285750" algn="l" defTabSz="457200" rtl="0" eaLnBrk="1" latinLnBrk="0" hangingPunct="1">
-              <a:spcBef>
-                <a:spcPct val="20000"/>
-              </a:spcBef>
-              <a:spcAft>
-                <a:spcPts val="600"/>
-              </a:spcAft>
-              <a:buClr>
-                <a:schemeClr val="accent1"/>
-              </a:buClr>
-              <a:buSzPct val="100000"/>
-              <a:buFont typeface="Arial"/>
-              <a:buChar char="•"/>
-              <a:defRPr sz="2000" kern="1200" cap="small">
-                <a:solidFill>
-                  <a:schemeClr val="tx1"/>
-                </a:solidFill>
-                <a:effectLst>
-                  <a:glow rad="38100">
-                    <a:schemeClr val="bg1">
-                      <a:lumMod val="50000"/>
-                      <a:lumOff val="50000"/>
-                      <a:alpha val="20000"/>
-                    </a:schemeClr>
-                  </a:glow>
-                  <a:outerShdw blurRad="44450" dist="12700" dir="13860000" algn="tl" rotWithShape="0">
-                    <a:srgbClr val="000000">
-                      <a:alpha val="20000"/>
-                    </a:srgbClr>
-                  </a:outerShdw>
-                </a:effectLst>
-                <a:latin typeface="+mn-lt"/>
-                <a:ea typeface="+mn-ea"/>
-                <a:cs typeface="+mn-cs"/>
-              </a:defRPr>
-            </a:lvl1pPr>
-            <a:lvl2pPr marL="742950" indent="-285750" algn="l" defTabSz="457200" rtl="0" eaLnBrk="1" latinLnBrk="0" hangingPunct="1">
-              <a:spcBef>
-                <a:spcPct val="20000"/>
-              </a:spcBef>
-              <a:spcAft>
-                <a:spcPts val="600"/>
-              </a:spcAft>
-              <a:buClr>
-                <a:schemeClr val="accent1"/>
-              </a:buClr>
-              <a:buSzPct val="100000"/>
-              <a:buFont typeface="Arial"/>
-              <a:buChar char="•"/>
-              <a:defRPr sz="1800" kern="1200" cap="small">
-                <a:solidFill>
-                  <a:schemeClr val="tx1"/>
-                </a:solidFill>
-                <a:effectLst>
-                  <a:glow rad="38100">
-                    <a:schemeClr val="bg1">
-                      <a:lumMod val="50000"/>
-                      <a:lumOff val="50000"/>
-                      <a:alpha val="20000"/>
-                    </a:schemeClr>
-                  </a:glow>
-                  <a:outerShdw blurRad="44450" dist="12700" dir="13860000" algn="tl" rotWithShape="0">
-                    <a:srgbClr val="000000">
-                      <a:alpha val="20000"/>
-                    </a:srgbClr>
-                  </a:outerShdw>
-                </a:effectLst>
-                <a:latin typeface="+mn-lt"/>
-                <a:ea typeface="+mn-ea"/>
-                <a:cs typeface="+mn-cs"/>
-              </a:defRPr>
-            </a:lvl2pPr>
-            <a:lvl3pPr marL="1200150" indent="-285750" algn="l" defTabSz="457200" rtl="0" eaLnBrk="1" latinLnBrk="0" hangingPunct="1">
-              <a:spcBef>
-                <a:spcPct val="20000"/>
-              </a:spcBef>
-              <a:spcAft>
-                <a:spcPts val="600"/>
-              </a:spcAft>
-              <a:buClr>
-                <a:schemeClr val="accent1"/>
-              </a:buClr>
-              <a:buSzPct val="100000"/>
-              <a:buFont typeface="Arial"/>
-              <a:buChar char="•"/>
-              <a:defRPr sz="1600" kern="1200" cap="small">
-                <a:solidFill>
-                  <a:schemeClr val="tx1"/>
-                </a:solidFill>
-                <a:effectLst>
-                  <a:glow rad="38100">
-                    <a:schemeClr val="bg1">
-                      <a:lumMod val="50000"/>
-                      <a:lumOff val="50000"/>
-                      <a:alpha val="20000"/>
-                    </a:schemeClr>
-                  </a:glow>
-                  <a:outerShdw blurRad="44450" dist="12700" dir="13860000" algn="tl" rotWithShape="0">
-                    <a:srgbClr val="000000">
-                      <a:alpha val="20000"/>
-                    </a:srgbClr>
-                  </a:outerShdw>
-                </a:effectLst>
-                <a:latin typeface="+mn-lt"/>
-                <a:ea typeface="+mn-ea"/>
-                <a:cs typeface="+mn-cs"/>
-              </a:defRPr>
-            </a:lvl3pPr>
-            <a:lvl4pPr marL="1543050" indent="-171450" algn="l" defTabSz="457200" rtl="0" eaLnBrk="1" latinLnBrk="0" hangingPunct="1">
-              <a:spcBef>
-                <a:spcPct val="20000"/>
-              </a:spcBef>
-              <a:spcAft>
-                <a:spcPts val="600"/>
-              </a:spcAft>
-              <a:buClr>
-                <a:schemeClr val="accent1"/>
-              </a:buClr>
-              <a:buSzPct val="100000"/>
-              <a:buFont typeface="Arial"/>
-              <a:buChar char="•"/>
-              <a:defRPr sz="1400" kern="1200" cap="small">
-                <a:solidFill>
-                  <a:schemeClr val="tx1"/>
-                </a:solidFill>
-                <a:effectLst>
-                  <a:glow rad="38100">
-                    <a:schemeClr val="bg1">
-                      <a:lumMod val="50000"/>
-                      <a:lumOff val="50000"/>
-                      <a:alpha val="20000"/>
-                    </a:schemeClr>
-                  </a:glow>
-                  <a:outerShdw blurRad="44450" dist="12700" dir="13860000" algn="tl" rotWithShape="0">
-                    <a:srgbClr val="000000">
-                      <a:alpha val="20000"/>
-                    </a:srgbClr>
-                  </a:outerShdw>
-                </a:effectLst>
-                <a:latin typeface="+mn-lt"/>
-                <a:ea typeface="+mn-ea"/>
-                <a:cs typeface="+mn-cs"/>
-              </a:defRPr>
-            </a:lvl4pPr>
-            <a:lvl5pPr marL="2000250" indent="-171450" algn="l" defTabSz="457200" rtl="0" eaLnBrk="1" latinLnBrk="0" hangingPunct="1">
-              <a:spcBef>
-                <a:spcPct val="20000"/>
-              </a:spcBef>
-              <a:spcAft>
-                <a:spcPts val="600"/>
-              </a:spcAft>
-              <a:buClr>
-                <a:schemeClr val="accent1"/>
-              </a:buClr>
-              <a:buSzPct val="100000"/>
-              <a:buFont typeface="Arial"/>
-              <a:buChar char="•"/>
-              <a:defRPr sz="1400" kern="1200" cap="small">
-                <a:solidFill>
-                  <a:schemeClr val="tx1"/>
-                </a:solidFill>
-                <a:effectLst>
-                  <a:glow rad="38100">
-                    <a:schemeClr val="bg1">
-                      <a:lumMod val="50000"/>
-                      <a:lumOff val="50000"/>
-                      <a:alpha val="20000"/>
-                    </a:schemeClr>
-                  </a:glow>
-                  <a:outerShdw blurRad="44450" dist="12700" dir="13860000" algn="tl" rotWithShape="0">
-                    <a:srgbClr val="000000">
-                      <a:alpha val="20000"/>
-                    </a:srgbClr>
-                  </a:outerShdw>
-                </a:effectLst>
-                <a:latin typeface="+mn-lt"/>
-                <a:ea typeface="+mn-ea"/>
-                <a:cs typeface="+mn-cs"/>
-              </a:defRPr>
-            </a:lvl5pPr>
-            <a:lvl6pPr marL="2514600" indent="-228600" algn="l" defTabSz="457200" rtl="0" eaLnBrk="1" latinLnBrk="0" hangingPunct="1">
-              <a:spcBef>
-                <a:spcPct val="20000"/>
-              </a:spcBef>
-              <a:spcAft>
-                <a:spcPts val="600"/>
-              </a:spcAft>
-              <a:buClr>
-                <a:schemeClr val="accent1"/>
-              </a:buClr>
-              <a:buSzPct val="100000"/>
-              <a:buFont typeface="Arial"/>
-              <a:buChar char="•"/>
-              <a:defRPr sz="1200" kern="1200" cap="small">
-                <a:solidFill>
-                  <a:schemeClr val="tx1"/>
-                </a:solidFill>
-                <a:effectLst>
-                  <a:glow rad="38100">
-                    <a:schemeClr val="bg1">
-                      <a:lumMod val="50000"/>
-                      <a:lumOff val="50000"/>
-                      <a:alpha val="20000"/>
-                    </a:schemeClr>
-                  </a:glow>
-                  <a:outerShdw blurRad="44450" dist="12700" dir="13860000" algn="tl" rotWithShape="0">
-                    <a:srgbClr val="000000">
-                      <a:alpha val="20000"/>
-                    </a:srgbClr>
-                  </a:outerShdw>
-                </a:effectLst>
-                <a:latin typeface="+mn-lt"/>
-                <a:ea typeface="+mn-ea"/>
-                <a:cs typeface="+mn-cs"/>
-              </a:defRPr>
-            </a:lvl6pPr>
-            <a:lvl7pPr marL="2971800" indent="-228600" algn="l" defTabSz="457200" rtl="0" eaLnBrk="1" latinLnBrk="0" hangingPunct="1">
-              <a:spcBef>
-                <a:spcPct val="20000"/>
-              </a:spcBef>
-              <a:spcAft>
-                <a:spcPts val="600"/>
-              </a:spcAft>
-              <a:buClr>
-                <a:schemeClr val="accent1"/>
-              </a:buClr>
-              <a:buSzPct val="100000"/>
-              <a:buFont typeface="Arial"/>
-              <a:buChar char="•"/>
-              <a:defRPr sz="1200" kern="1200" cap="small">
-                <a:solidFill>
-                  <a:schemeClr val="tx1"/>
-                </a:solidFill>
-                <a:effectLst>
-                  <a:glow rad="38100">
-                    <a:schemeClr val="bg1">
-                      <a:lumMod val="50000"/>
-                      <a:lumOff val="50000"/>
-                      <a:alpha val="20000"/>
-                    </a:schemeClr>
-                  </a:glow>
-                  <a:outerShdw blurRad="44450" dist="12700" dir="13860000" algn="tl" rotWithShape="0">
-                    <a:srgbClr val="000000">
-                      <a:alpha val="20000"/>
-                    </a:srgbClr>
-                  </a:outerShdw>
-                </a:effectLst>
-                <a:latin typeface="+mn-lt"/>
-                <a:ea typeface="+mn-ea"/>
-                <a:cs typeface="+mn-cs"/>
-              </a:defRPr>
-            </a:lvl7pPr>
-            <a:lvl8pPr marL="3429000" indent="-228600" algn="l" defTabSz="457200" rtl="0" eaLnBrk="1" latinLnBrk="0" hangingPunct="1">
-              <a:spcBef>
-                <a:spcPct val="20000"/>
-              </a:spcBef>
-              <a:spcAft>
-                <a:spcPts val="600"/>
-              </a:spcAft>
-              <a:buClr>
-                <a:schemeClr val="accent1"/>
-              </a:buClr>
-              <a:buSzPct val="100000"/>
-              <a:buFont typeface="Arial"/>
-              <a:buChar char="•"/>
-              <a:defRPr sz="1200" kern="1200" cap="small">
-                <a:solidFill>
-                  <a:schemeClr val="tx1"/>
-                </a:solidFill>
-                <a:effectLst>
-                  <a:glow rad="38100">
-                    <a:schemeClr val="bg1">
-                      <a:lumMod val="50000"/>
-                      <a:lumOff val="50000"/>
-                      <a:alpha val="20000"/>
-                    </a:schemeClr>
-                  </a:glow>
-                  <a:outerShdw blurRad="44450" dist="12700" dir="13860000" algn="tl" rotWithShape="0">
-                    <a:srgbClr val="000000">
-                      <a:alpha val="20000"/>
-                    </a:srgbClr>
-                  </a:outerShdw>
-                </a:effectLst>
-                <a:latin typeface="+mn-lt"/>
-                <a:ea typeface="+mn-ea"/>
-                <a:cs typeface="+mn-cs"/>
-              </a:defRPr>
-            </a:lvl8pPr>
-            <a:lvl9pPr marL="3886200" indent="-228600" algn="l" defTabSz="457200" rtl="0" eaLnBrk="1" latinLnBrk="0" hangingPunct="1">
-              <a:spcBef>
-                <a:spcPct val="20000"/>
-              </a:spcBef>
-              <a:spcAft>
-                <a:spcPts val="600"/>
-              </a:spcAft>
-              <a:buClr>
-                <a:schemeClr val="accent1"/>
-              </a:buClr>
-              <a:buSzPct val="100000"/>
-              <a:buFont typeface="Arial"/>
-              <a:buChar char="•"/>
-              <a:defRPr sz="1200" kern="1200" cap="small">
-                <a:solidFill>
-                  <a:schemeClr val="tx1"/>
-                </a:solidFill>
-                <a:effectLst>
-                  <a:glow rad="38100">
-                    <a:schemeClr val="bg1">
-                      <a:lumMod val="50000"/>
-                      <a:lumOff val="50000"/>
-                      <a:alpha val="20000"/>
-                    </a:schemeClr>
-                  </a:glow>
-                  <a:outerShdw blurRad="44450" dist="12700" dir="13860000" algn="tl" rotWithShape="0">
-                    <a:srgbClr val="000000">
-                      <a:alpha val="20000"/>
-                    </a:srgbClr>
-                  </a:outerShdw>
-                </a:effectLst>
-                <a:latin typeface="+mn-lt"/>
-                <a:ea typeface="+mn-ea"/>
-                <a:cs typeface="+mn-cs"/>
-              </a:defRPr>
-            </a:lvl9pPr>
-          </a:lstStyle>
-          <a:p>
-            <a:pPr marL="0" indent="0">
-              <a:lnSpc>
-                <a:spcPct val="90000"/>
-              </a:lnSpc>
-              <a:buNone/>
-            </a:pPr>
-            <a:r>
-              <a:rPr lang="en-US" b="1" u="sng" dirty="0"/>
-              <a:t>MAXIMUM IBU</a:t>
-            </a:r>
-          </a:p>
-          <a:p>
-            <a:pPr>
-              <a:lnSpc>
-                <a:spcPct val="90000"/>
-              </a:lnSpc>
-            </a:pPr>
-            <a:r>
-              <a:rPr lang="en-US" dirty="0"/>
-              <a:t>LOCATION: </a:t>
-            </a:r>
-          </a:p>
-          <a:p>
-            <a:pPr marL="0" indent="0">
-              <a:lnSpc>
-                <a:spcPct val="90000"/>
-              </a:lnSpc>
-              <a:buNone/>
-            </a:pPr>
-            <a:r>
-              <a:rPr lang="en-US" dirty="0"/>
-              <a:t>	ASTORIA, OR</a:t>
-            </a:r>
-          </a:p>
-          <a:p>
-            <a:pPr>
-              <a:lnSpc>
-                <a:spcPct val="90000"/>
-              </a:lnSpc>
-            </a:pPr>
-            <a:r>
-              <a:rPr lang="en-US" dirty="0" err="1"/>
-              <a:t>ibu</a:t>
-            </a:r>
-            <a:r>
-              <a:rPr lang="en-US" dirty="0"/>
-              <a:t>: </a:t>
-            </a:r>
-          </a:p>
-          <a:p>
-            <a:pPr marL="0" indent="0">
-              <a:lnSpc>
-                <a:spcPct val="90000"/>
-              </a:lnSpc>
-              <a:buNone/>
-            </a:pPr>
-            <a:r>
-              <a:rPr lang="en-US" dirty="0"/>
-              <a:t>	138</a:t>
-            </a:r>
-          </a:p>
-          <a:p>
-            <a:pPr>
-              <a:lnSpc>
-                <a:spcPct val="90000"/>
-              </a:lnSpc>
-            </a:pPr>
-            <a:r>
-              <a:rPr lang="en-US" dirty="0"/>
-              <a:t>BEER NAME: </a:t>
-            </a:r>
-          </a:p>
-          <a:p>
-            <a:pPr marL="0" indent="0">
-              <a:lnSpc>
-                <a:spcPct val="90000"/>
-              </a:lnSpc>
-              <a:buNone/>
-            </a:pPr>
-            <a:r>
-              <a:rPr lang="en-US" dirty="0">
-                <a:effectLst/>
-              </a:rPr>
-              <a:t>	 BITTER BITCH IMPERIAL IPA</a:t>
-            </a:r>
-          </a:p>
-          <a:p>
-            <a:pPr>
-              <a:lnSpc>
-                <a:spcPct val="90000"/>
-              </a:lnSpc>
-            </a:pPr>
-            <a:r>
-              <a:rPr lang="en-US" dirty="0"/>
-              <a:t>BREWERY NAME:</a:t>
-            </a:r>
-          </a:p>
-          <a:p>
-            <a:pPr marL="0" indent="0">
-              <a:lnSpc>
-                <a:spcPct val="90000"/>
-              </a:lnSpc>
-              <a:buNone/>
-            </a:pPr>
-            <a:r>
-              <a:rPr lang="en-US" dirty="0"/>
-              <a:t>	ASTORIA BREWING COMPANY</a:t>
-            </a:r>
-          </a:p>
-          <a:p>
-            <a:pPr>
-              <a:lnSpc>
-                <a:spcPct val="90000"/>
-              </a:lnSpc>
-            </a:pPr>
-            <a:r>
-              <a:rPr lang="en-US" dirty="0"/>
-              <a:t>BEER STYLE: </a:t>
-            </a:r>
-          </a:p>
-          <a:p>
-            <a:pPr marL="0" indent="0">
-              <a:lnSpc>
-                <a:spcPct val="90000"/>
-              </a:lnSpc>
-              <a:buNone/>
-            </a:pPr>
-            <a:r>
-              <a:rPr lang="en-US" dirty="0"/>
-              <a:t>	</a:t>
-            </a:r>
-            <a:r>
-              <a:rPr lang="en-US" dirty="0">
-                <a:effectLst/>
-              </a:rPr>
-              <a:t> American Double / Imperial IPA</a:t>
-            </a:r>
-            <a:endParaRPr lang="en-US" dirty="0"/>
-          </a:p>
-        </p:txBody>
-      </p:sp>
-      <p:pic>
-        <p:nvPicPr>
-          <p:cNvPr id="6" name="Picture 5">
-            <a:extLst>
-              <a:ext uri="{FF2B5EF4-FFF2-40B4-BE49-F238E27FC236}">
-                <a16:creationId xmlns:a16="http://schemas.microsoft.com/office/drawing/2014/main" id="{A0BFEAF1-A010-CD42-883F-65DECE52E15D}"/>
-              </a:ext>
-            </a:extLst>
-          </p:cNvPr>
-          <p:cNvPicPr>
-            <a:picLocks noChangeAspect="1"/>
-          </p:cNvPicPr>
-          <p:nvPr/>
-        </p:nvPicPr>
-        <p:blipFill>
-          <a:blip r:embed="rId2"/>
-          <a:stretch>
-            <a:fillRect/>
-          </a:stretch>
-        </p:blipFill>
-        <p:spPr>
-          <a:xfrm>
-            <a:off x="7004108" y="2252133"/>
-            <a:ext cx="3162184" cy="2997200"/>
-          </a:xfrm>
-          <a:prstGeom prst="rect">
-            <a:avLst/>
-          </a:prstGeom>
-        </p:spPr>
-      </p:pic>
-    </p:spTree>
-    <p:extLst>
-      <p:ext uri="{BB962C8B-B14F-4D97-AF65-F5344CB8AC3E}">
-        <p14:creationId xmlns:p14="http://schemas.microsoft.com/office/powerpoint/2010/main" val="962003885"/>
-      </p:ext>
-    </p:extLst>
-  </p:cSld>
-  <p:clrMapOvr>
-    <a:masterClrMapping/>
-  </p:clrMapOvr>
-  <p:timing>
-    <p:tnLst>
-      <p:par>
-        <p:cTn id="1" dur="indefinite" restart="never" nodeType="tmRoot">
-          <p:childTnLst>
-            <p:seq concurrent="1" nextAc="seek">
-              <p:cTn id="2" dur="indefinite" nodeType="mainSeq">
-                <p:childTnLst>
-                  <p:par>
-                    <p:cTn id="3" fill="hold">
-                      <p:stCondLst>
-                        <p:cond delay="indefinite"/>
-                      </p:stCondLst>
-                      <p:childTnLst>
-                        <p:par>
-                          <p:cTn id="4" fill="hold">
-                            <p:stCondLst>
-                              <p:cond delay="0"/>
-                            </p:stCondLst>
-                            <p:childTnLst>
-                              <p:par>
-                                <p:cTn id="5" presetID="53" presetClass="entr" presetSubtype="16" fill="hold" grpId="0" nodeType="clickEffect">
-                                  <p:stCondLst>
-                                    <p:cond delay="0"/>
-                                  </p:stCondLst>
-                                  <p:childTnLst>
-                                    <p:set>
-                                      <p:cBhvr>
-                                        <p:cTn id="6" dur="1" fill="hold">
-                                          <p:stCondLst>
-                                            <p:cond delay="0"/>
-                                          </p:stCondLst>
-                                        </p:cTn>
-                                        <p:tgtEl>
-                                          <p:spTgt spid="10"/>
-                                        </p:tgtEl>
-                                        <p:attrNameLst>
-                                          <p:attrName>style.visibility</p:attrName>
-                                        </p:attrNameLst>
-                                      </p:cBhvr>
-                                      <p:to>
-                                        <p:strVal val="visible"/>
-                                      </p:to>
-                                    </p:set>
-                                    <p:anim calcmode="lin" valueType="num">
-                                      <p:cBhvr>
-                                        <p:cTn id="7" dur="500" fill="hold"/>
-                                        <p:tgtEl>
-                                          <p:spTgt spid="10"/>
-                                        </p:tgtEl>
-                                        <p:attrNameLst>
-                                          <p:attrName>ppt_w</p:attrName>
-                                        </p:attrNameLst>
-                                      </p:cBhvr>
-                                      <p:tavLst>
-                                        <p:tav tm="0">
-                                          <p:val>
-                                            <p:fltVal val="0"/>
-                                          </p:val>
-                                        </p:tav>
-                                        <p:tav tm="100000">
-                                          <p:val>
-                                            <p:strVal val="#ppt_w"/>
-                                          </p:val>
-                                        </p:tav>
-                                      </p:tavLst>
-                                    </p:anim>
-                                    <p:anim calcmode="lin" valueType="num">
-                                      <p:cBhvr>
-                                        <p:cTn id="8" dur="500" fill="hold"/>
-                                        <p:tgtEl>
-                                          <p:spTgt spid="10"/>
-                                        </p:tgtEl>
-                                        <p:attrNameLst>
-                                          <p:attrName>ppt_h</p:attrName>
-                                        </p:attrNameLst>
-                                      </p:cBhvr>
-                                      <p:tavLst>
-                                        <p:tav tm="0">
-                                          <p:val>
-                                            <p:fltVal val="0"/>
-                                          </p:val>
-                                        </p:tav>
-                                        <p:tav tm="100000">
-                                          <p:val>
-                                            <p:strVal val="#ppt_h"/>
-                                          </p:val>
-                                        </p:tav>
-                                      </p:tavLst>
-                                    </p:anim>
-                                    <p:animEffect transition="in" filter="fade">
-                                      <p:cBhvr>
-                                        <p:cTn id="9" dur="500"/>
-                                        <p:tgtEl>
-                                          <p:spTgt spid="10"/>
-                                        </p:tgtEl>
-                                      </p:cBhvr>
-                                    </p:animEffect>
-                                  </p:childTnLst>
-                                </p:cTn>
-                              </p:par>
-                            </p:childTnLst>
-                          </p:cTn>
-                        </p:par>
-                      </p:childTnLst>
-                    </p:cTn>
-                  </p:par>
-                </p:childTnLst>
-              </p:cTn>
-              <p:prevCondLst>
-                <p:cond evt="onPrev" delay="0">
-                  <p:tgtEl>
-                    <p:sldTgt/>
-                  </p:tgtEl>
-                </p:cond>
-              </p:prevCondLst>
-              <p:nextCondLst>
-                <p:cond evt="onNext" delay="0">
-                  <p:tgtEl>
-                    <p:sldTgt/>
-                  </p:tgtEl>
-                </p:cond>
-              </p:nextCondLst>
-            </p:seq>
-          </p:childTnLst>
-        </p:cTn>
-      </p:par>
-    </p:tnLst>
-    <p:bldLst>
-      <p:bldP spid="10" grpId="0"/>
-    </p:bldLst>
-  </p:timing>
-</p:sld>
+<file path=ppt/tags/tag10.xml><?xml version="1.0" encoding="utf-8"?>
+<p:tagLst xmlns:a="http://schemas.openxmlformats.org/drawingml/2006/main" xmlns:r="http://schemas.openxmlformats.org/officeDocument/2006/relationships" xmlns:p="http://schemas.openxmlformats.org/presentationml/2006/main">
+  <p:tag name="TIMING" val="|3.2|14.6"/>
+</p:tagLst>
 </file>
 
-<file path=ppt/slides/slide25.xml><?xml version="1.0" encoding="utf-8"?>
-<p:sld xmlns:a="http://schemas.openxmlformats.org/drawingml/2006/main" xmlns:r="http://schemas.openxmlformats.org/officeDocument/2006/relationships" xmlns:p="http://schemas.openxmlformats.org/presentationml/2006/main">
-  <p:cSld>
-    <p:spTree>
-      <p:nvGrpSpPr>
-        <p:cNvPr id="1" name=""/>
-        <p:cNvGrpSpPr/>
-        <p:nvPr/>
-      </p:nvGrpSpPr>
-      <p:grpSpPr>
-        <a:xfrm>
-          <a:off x="0" y="0"/>
-          <a:ext cx="0" cy="0"/>
-          <a:chOff x="0" y="0"/>
-          <a:chExt cx="0" cy="0"/>
-        </a:xfrm>
-      </p:grpSpPr>
-      <p:sp>
-        <p:nvSpPr>
-          <p:cNvPr id="2" name="Title 1">
-            <a:extLst>
-              <a:ext uri="{FF2B5EF4-FFF2-40B4-BE49-F238E27FC236}">
-                <a16:creationId xmlns:a16="http://schemas.microsoft.com/office/drawing/2014/main" id="{EB256D71-ACDB-954E-BA6C-17A0B4A3D0E3}"/>
-              </a:ext>
-            </a:extLst>
-          </p:cNvPr>
-          <p:cNvSpPr>
-            <a:spLocks noGrp="1"/>
-          </p:cNvSpPr>
-          <p:nvPr>
-            <p:ph type="title"/>
-          </p:nvPr>
-        </p:nvSpPr>
-        <p:spPr>
-          <a:xfrm>
-            <a:off x="989556" y="0"/>
-            <a:ext cx="10059443" cy="1728592"/>
-          </a:xfrm>
-        </p:spPr>
-        <p:txBody>
-          <a:bodyPr/>
-          <a:lstStyle/>
-          <a:p>
-            <a:pPr algn="ctr"/>
-            <a:r>
-              <a:rPr lang="en-US" dirty="0"/>
-              <a:t>Possible Correlation between bitterness and alcohol content</a:t>
-            </a:r>
-          </a:p>
-        </p:txBody>
-      </p:sp>
-      <p:pic>
-        <p:nvPicPr>
-          <p:cNvPr id="5" name="Content Placeholder 4">
-            <a:extLst>
-              <a:ext uri="{FF2B5EF4-FFF2-40B4-BE49-F238E27FC236}">
-                <a16:creationId xmlns:a16="http://schemas.microsoft.com/office/drawing/2014/main" id="{5BC73247-052A-024E-85E5-F385D94D9D6F}"/>
-              </a:ext>
-            </a:extLst>
-          </p:cNvPr>
-          <p:cNvPicPr>
-            <a:picLocks noGrp="1" noChangeAspect="1"/>
-          </p:cNvPicPr>
-          <p:nvPr>
-            <p:ph idx="1"/>
-          </p:nvPr>
-        </p:nvPicPr>
-        <p:blipFill>
-          <a:blip r:embed="rId2"/>
-          <a:stretch>
-            <a:fillRect/>
-          </a:stretch>
-        </p:blipFill>
-        <p:spPr>
-          <a:xfrm>
-            <a:off x="2706600" y="1567090"/>
-            <a:ext cx="6625354" cy="4003336"/>
-          </a:xfrm>
-        </p:spPr>
-      </p:pic>
-    </p:spTree>
-    <p:extLst>
-      <p:ext uri="{BB962C8B-B14F-4D97-AF65-F5344CB8AC3E}">
-        <p14:creationId xmlns:p14="http://schemas.microsoft.com/office/powerpoint/2010/main" val="3522627089"/>
-      </p:ext>
-    </p:extLst>
-  </p:cSld>
-  <p:clrMapOvr>
-    <a:masterClrMapping/>
-  </p:clrMapOvr>
-</p:sld>
+<file path=ppt/tags/tag2.xml><?xml version="1.0" encoding="utf-8"?>
+<p:tagLst xmlns:a="http://schemas.openxmlformats.org/drawingml/2006/main" xmlns:r="http://schemas.openxmlformats.org/officeDocument/2006/relationships" xmlns:p="http://schemas.openxmlformats.org/presentationml/2006/main">
+  <p:tag name="TIMING" val="|5.9|6|7"/>
+</p:tagLst>
 </file>
 
-<file path=ppt/slides/slide26.xml><?xml version="1.0" encoding="utf-8"?>
-<p:sld xmlns:a="http://schemas.openxmlformats.org/drawingml/2006/main" xmlns:r="http://schemas.openxmlformats.org/officeDocument/2006/relationships" xmlns:p="http://schemas.openxmlformats.org/presentationml/2006/main">
-  <p:cSld>
-    <p:spTree>
-      <p:nvGrpSpPr>
-        <p:cNvPr id="1" name=""/>
-        <p:cNvGrpSpPr/>
-        <p:nvPr/>
-      </p:nvGrpSpPr>
-      <p:grpSpPr>
-        <a:xfrm>
-          <a:off x="0" y="0"/>
-          <a:ext cx="0" cy="0"/>
-          <a:chOff x="0" y="0"/>
-          <a:chExt cx="0" cy="0"/>
-        </a:xfrm>
-      </p:grpSpPr>
-      <p:sp>
-        <p:nvSpPr>
-          <p:cNvPr id="2" name="Title 1">
-            <a:extLst>
-              <a:ext uri="{FF2B5EF4-FFF2-40B4-BE49-F238E27FC236}">
-                <a16:creationId xmlns:a16="http://schemas.microsoft.com/office/drawing/2014/main" id="{69F40B8D-BC05-4FED-B650-1448546B8404}"/>
-              </a:ext>
-            </a:extLst>
-          </p:cNvPr>
-          <p:cNvSpPr>
-            <a:spLocks noGrp="1"/>
-          </p:cNvSpPr>
-          <p:nvPr>
-            <p:ph type="title"/>
-          </p:nvPr>
-        </p:nvSpPr>
-        <p:spPr>
-          <a:xfrm>
-            <a:off x="201923" y="57824"/>
-            <a:ext cx="6669868" cy="1549750"/>
-          </a:xfrm>
-        </p:spPr>
-        <p:txBody>
-          <a:bodyPr/>
-          <a:lstStyle/>
-          <a:p>
-            <a:r>
-              <a:rPr lang="en-US" dirty="0"/>
-              <a:t>Parallels</a:t>
-            </a:r>
-          </a:p>
-        </p:txBody>
-      </p:sp>
-      <p:sp>
-        <p:nvSpPr>
-          <p:cNvPr id="3" name="Content Placeholder 2">
-            <a:extLst>
-              <a:ext uri="{FF2B5EF4-FFF2-40B4-BE49-F238E27FC236}">
-                <a16:creationId xmlns:a16="http://schemas.microsoft.com/office/drawing/2014/main" id="{63C3F493-3814-47F6-92C0-1B7D5BE9C9F3}"/>
-              </a:ext>
-            </a:extLst>
-          </p:cNvPr>
-          <p:cNvSpPr>
-            <a:spLocks noGrp="1"/>
-          </p:cNvSpPr>
-          <p:nvPr>
-            <p:ph idx="1"/>
-          </p:nvPr>
-        </p:nvSpPr>
-        <p:spPr>
-          <a:xfrm>
-            <a:off x="0" y="1819721"/>
-            <a:ext cx="6871791" cy="3971480"/>
-          </a:xfrm>
-        </p:spPr>
-        <p:txBody>
-          <a:bodyPr/>
-          <a:lstStyle/>
-          <a:p>
-            <a:r>
-              <a:rPr lang="en-US" dirty="0"/>
-              <a:t>The maps also indicate a correlation between median bitterness and alcohol content</a:t>
-            </a:r>
-          </a:p>
-          <a:p>
-            <a:pPr marL="0" indent="0">
-              <a:buNone/>
-            </a:pPr>
-            <a:endParaRPr lang="en-US" dirty="0"/>
-          </a:p>
-          <a:p>
-            <a:r>
-              <a:rPr lang="en-US" dirty="0"/>
-              <a:t>State laws limiting alcohol content have an impact on median bitterness from state to state</a:t>
-            </a:r>
-          </a:p>
-          <a:p>
-            <a:pPr lvl="1"/>
-            <a:r>
-              <a:rPr lang="en-US" dirty="0"/>
-              <a:t>States that restrict alcohol content of beer will tend to  have lower median IBU</a:t>
-            </a:r>
-          </a:p>
-          <a:p>
-            <a:pPr lvl="1"/>
-            <a:endParaRPr lang="en-US" dirty="0"/>
-          </a:p>
-        </p:txBody>
-      </p:sp>
-      <p:pic>
-        <p:nvPicPr>
-          <p:cNvPr id="4" name="Picture 3">
-            <a:extLst>
-              <a:ext uri="{FF2B5EF4-FFF2-40B4-BE49-F238E27FC236}">
-                <a16:creationId xmlns:a16="http://schemas.microsoft.com/office/drawing/2014/main" id="{CAC81C28-5D54-47EC-AEBB-E28838FFDB19}"/>
-              </a:ext>
-            </a:extLst>
-          </p:cNvPr>
-          <p:cNvPicPr>
-            <a:picLocks noChangeAspect="1"/>
-          </p:cNvPicPr>
-          <p:nvPr/>
-        </p:nvPicPr>
-        <p:blipFill>
-          <a:blip r:embed="rId2"/>
-          <a:stretch>
-            <a:fillRect/>
-          </a:stretch>
-        </p:blipFill>
-        <p:spPr>
-          <a:xfrm>
-            <a:off x="6871792" y="795996"/>
-            <a:ext cx="5118285" cy="2456776"/>
-          </a:xfrm>
-          <a:prstGeom prst="roundRect">
-            <a:avLst>
-              <a:gd name="adj" fmla="val 3517"/>
-            </a:avLst>
-          </a:prstGeom>
-          <a:ln w="38100">
-            <a:gradFill flip="none" rotWithShape="1">
-              <a:gsLst>
-                <a:gs pos="0">
-                  <a:srgbClr val="363D46"/>
-                </a:gs>
-                <a:gs pos="100000">
-                  <a:srgbClr val="363D46">
-                    <a:lumMod val="75000"/>
-                  </a:srgbClr>
-                </a:gs>
-              </a:gsLst>
-              <a:lin ang="5400000" scaled="0"/>
-              <a:tileRect/>
-            </a:gradFill>
-          </a:ln>
-          <a:effectLst>
-            <a:innerShdw blurRad="57150" dist="38100" dir="14460000">
-              <a:srgbClr val="000000">
-                <a:alpha val="70000"/>
-              </a:srgbClr>
-            </a:innerShdw>
-          </a:effectLst>
-        </p:spPr>
-      </p:pic>
-      <p:pic>
-        <p:nvPicPr>
-          <p:cNvPr id="5" name="Picture 4">
-            <a:extLst>
-              <a:ext uri="{FF2B5EF4-FFF2-40B4-BE49-F238E27FC236}">
-                <a16:creationId xmlns:a16="http://schemas.microsoft.com/office/drawing/2014/main" id="{1F3DE822-1F21-4B9E-B104-A4DB6B124BB2}"/>
-              </a:ext>
-            </a:extLst>
-          </p:cNvPr>
-          <p:cNvPicPr>
-            <a:picLocks noChangeAspect="1"/>
-          </p:cNvPicPr>
-          <p:nvPr/>
-        </p:nvPicPr>
-        <p:blipFill>
-          <a:blip r:embed="rId3"/>
-          <a:stretch>
-            <a:fillRect/>
-          </a:stretch>
-        </p:blipFill>
-        <p:spPr>
-          <a:xfrm>
-            <a:off x="6871791" y="3464918"/>
-            <a:ext cx="5118286" cy="2738284"/>
-          </a:xfrm>
-          <a:custGeom>
-            <a:avLst/>
-            <a:gdLst>
-              <a:gd name="connsiteX0" fmla="*/ 120172 w 3416888"/>
-              <a:gd name="connsiteY0" fmla="*/ 0 h 2057399"/>
-              <a:gd name="connsiteX1" fmla="*/ 3296716 w 3416888"/>
-              <a:gd name="connsiteY1" fmla="*/ 0 h 2057399"/>
-              <a:gd name="connsiteX2" fmla="*/ 3416888 w 3416888"/>
-              <a:gd name="connsiteY2" fmla="*/ 120172 h 2057399"/>
-              <a:gd name="connsiteX3" fmla="*/ 3416888 w 3416888"/>
-              <a:gd name="connsiteY3" fmla="*/ 2057399 h 2057399"/>
-              <a:gd name="connsiteX4" fmla="*/ 0 w 3416888"/>
-              <a:gd name="connsiteY4" fmla="*/ 2057399 h 2057399"/>
-              <a:gd name="connsiteX5" fmla="*/ 0 w 3416888"/>
-              <a:gd name="connsiteY5" fmla="*/ 120172 h 2057399"/>
-              <a:gd name="connsiteX6" fmla="*/ 120172 w 3416888"/>
-              <a:gd name="connsiteY6" fmla="*/ 0 h 2057399"/>
-            </a:gdLst>
-            <a:ahLst/>
-            <a:cxnLst>
-              <a:cxn ang="0">
-                <a:pos x="connsiteX0" y="connsiteY0"/>
-              </a:cxn>
-              <a:cxn ang="0">
-                <a:pos x="connsiteX1" y="connsiteY1"/>
-              </a:cxn>
-              <a:cxn ang="0">
-                <a:pos x="connsiteX2" y="connsiteY2"/>
-              </a:cxn>
-              <a:cxn ang="0">
-                <a:pos x="connsiteX3" y="connsiteY3"/>
-              </a:cxn>
-              <a:cxn ang="0">
-                <a:pos x="connsiteX4" y="connsiteY4"/>
-              </a:cxn>
-              <a:cxn ang="0">
-                <a:pos x="connsiteX5" y="connsiteY5"/>
-              </a:cxn>
-              <a:cxn ang="0">
-                <a:pos x="connsiteX6" y="connsiteY6"/>
-              </a:cxn>
-            </a:cxnLst>
-            <a:rect l="l" t="t" r="r" b="b"/>
-            <a:pathLst>
-              <a:path w="3416888" h="2057399">
-                <a:moveTo>
-                  <a:pt x="120172" y="0"/>
-                </a:moveTo>
-                <a:lnTo>
-                  <a:pt x="3296716" y="0"/>
-                </a:lnTo>
-                <a:cubicBezTo>
-                  <a:pt x="3363085" y="0"/>
-                  <a:pt x="3416888" y="53803"/>
-                  <a:pt x="3416888" y="120172"/>
-                </a:cubicBezTo>
-                <a:lnTo>
-                  <a:pt x="3416888" y="2057399"/>
-                </a:lnTo>
-                <a:lnTo>
-                  <a:pt x="0" y="2057399"/>
-                </a:lnTo>
-                <a:lnTo>
-                  <a:pt x="0" y="120172"/>
-                </a:lnTo>
-                <a:cubicBezTo>
-                  <a:pt x="0" y="53803"/>
-                  <a:pt x="53803" y="0"/>
-                  <a:pt x="120172" y="0"/>
-                </a:cubicBezTo>
-                <a:close/>
-              </a:path>
-            </a:pathLst>
-          </a:custGeom>
-          <a:ln w="38100">
-            <a:gradFill flip="none" rotWithShape="1">
-              <a:gsLst>
-                <a:gs pos="0">
-                  <a:srgbClr val="363D46"/>
-                </a:gs>
-                <a:gs pos="100000">
-                  <a:srgbClr val="363D46">
-                    <a:lumMod val="75000"/>
-                  </a:srgbClr>
-                </a:gs>
-              </a:gsLst>
-              <a:lin ang="5400000" scaled="0"/>
-              <a:tileRect/>
-            </a:gradFill>
-          </a:ln>
-          <a:effectLst>
-            <a:innerShdw blurRad="57150" dist="38100" dir="14460000">
-              <a:srgbClr val="000000">
-                <a:alpha val="70000"/>
-              </a:srgbClr>
-            </a:innerShdw>
-          </a:effectLst>
-        </p:spPr>
-      </p:pic>
-    </p:spTree>
-    <p:extLst>
-      <p:ext uri="{BB962C8B-B14F-4D97-AF65-F5344CB8AC3E}">
-        <p14:creationId xmlns:p14="http://schemas.microsoft.com/office/powerpoint/2010/main" val="3071512888"/>
-      </p:ext>
-    </p:extLst>
-  </p:cSld>
-  <p:clrMapOvr>
-    <a:masterClrMapping/>
-  </p:clrMapOvr>
-  <p:timing>
-    <p:tnLst>
-      <p:par>
-        <p:cTn id="1" dur="indefinite" restart="never" nodeType="tmRoot">
-          <p:childTnLst>
-            <p:seq concurrent="1" nextAc="seek">
-              <p:cTn id="2" dur="indefinite" nodeType="mainSeq">
-                <p:childTnLst>
-                  <p:par>
-                    <p:cTn id="3" fill="hold">
-                      <p:stCondLst>
-                        <p:cond delay="indefinite"/>
-                      </p:stCondLst>
-                      <p:childTnLst>
-                        <p:par>
-                          <p:cTn id="4" fill="hold">
-                            <p:stCondLst>
-                              <p:cond delay="0"/>
-                            </p:stCondLst>
-                            <p:childTnLst>
-                              <p:par>
-                                <p:cTn id="5" presetID="53" presetClass="entr" presetSubtype="16" fill="hold" grpId="0" nodeType="clickEffect">
-                                  <p:stCondLst>
-                                    <p:cond delay="0"/>
-                                  </p:stCondLst>
-                                  <p:childTnLst>
-                                    <p:set>
-                                      <p:cBhvr>
-                                        <p:cTn id="6" dur="1" fill="hold">
-                                          <p:stCondLst>
-                                            <p:cond delay="0"/>
-                                          </p:stCondLst>
-                                        </p:cTn>
-                                        <p:tgtEl>
-                                          <p:spTgt spid="3">
-                                            <p:txEl>
-                                              <p:pRg st="0" end="0"/>
-                                            </p:txEl>
-                                          </p:spTgt>
-                                        </p:tgtEl>
-                                        <p:attrNameLst>
-                                          <p:attrName>style.visibility</p:attrName>
-                                        </p:attrNameLst>
-                                      </p:cBhvr>
-                                      <p:to>
-                                        <p:strVal val="visible"/>
-                                      </p:to>
-                                    </p:set>
-                                    <p:anim calcmode="lin" valueType="num">
-                                      <p:cBhvr>
-                                        <p:cTn id="7" dur="500" fill="hold"/>
-                                        <p:tgtEl>
-                                          <p:spTgt spid="3">
-                                            <p:txEl>
-                                              <p:pRg st="0" end="0"/>
-                                            </p:txEl>
-                                          </p:spTgt>
-                                        </p:tgtEl>
-                                        <p:attrNameLst>
-                                          <p:attrName>ppt_w</p:attrName>
-                                        </p:attrNameLst>
-                                      </p:cBhvr>
-                                      <p:tavLst>
-                                        <p:tav tm="0">
-                                          <p:val>
-                                            <p:fltVal val="0"/>
-                                          </p:val>
-                                        </p:tav>
-                                        <p:tav tm="100000">
-                                          <p:val>
-                                            <p:strVal val="#ppt_w"/>
-                                          </p:val>
-                                        </p:tav>
-                                      </p:tavLst>
-                                    </p:anim>
-                                    <p:anim calcmode="lin" valueType="num">
-                                      <p:cBhvr>
-                                        <p:cTn id="8" dur="500" fill="hold"/>
-                                        <p:tgtEl>
-                                          <p:spTgt spid="3">
-                                            <p:txEl>
-                                              <p:pRg st="0" end="0"/>
-                                            </p:txEl>
-                                          </p:spTgt>
-                                        </p:tgtEl>
-                                        <p:attrNameLst>
-                                          <p:attrName>ppt_h</p:attrName>
-                                        </p:attrNameLst>
-                                      </p:cBhvr>
-                                      <p:tavLst>
-                                        <p:tav tm="0">
-                                          <p:val>
-                                            <p:fltVal val="0"/>
-                                          </p:val>
-                                        </p:tav>
-                                        <p:tav tm="100000">
-                                          <p:val>
-                                            <p:strVal val="#ppt_h"/>
-                                          </p:val>
-                                        </p:tav>
-                                      </p:tavLst>
-                                    </p:anim>
-                                    <p:animEffect transition="in" filter="fade">
-                                      <p:cBhvr>
-                                        <p:cTn id="9" dur="500"/>
-                                        <p:tgtEl>
-                                          <p:spTgt spid="3">
-                                            <p:txEl>
-                                              <p:pRg st="0" end="0"/>
-                                            </p:txEl>
-                                          </p:spTgt>
-                                        </p:tgtEl>
-                                      </p:cBhvr>
-                                    </p:animEffect>
-                                  </p:childTnLst>
-                                </p:cTn>
-                              </p:par>
-                            </p:childTnLst>
-                          </p:cTn>
-                        </p:par>
-                      </p:childTnLst>
-                    </p:cTn>
-                  </p:par>
-                  <p:par>
-                    <p:cTn id="10" fill="hold">
-                      <p:stCondLst>
-                        <p:cond delay="indefinite"/>
-                      </p:stCondLst>
-                      <p:childTnLst>
-                        <p:par>
-                          <p:cTn id="11" fill="hold">
-                            <p:stCondLst>
-                              <p:cond delay="0"/>
-                            </p:stCondLst>
-                            <p:childTnLst>
-                              <p:par>
-                                <p:cTn id="12" presetID="53" presetClass="entr" presetSubtype="16" fill="hold" grpId="0" nodeType="clickEffect">
-                                  <p:stCondLst>
-                                    <p:cond delay="0"/>
-                                  </p:stCondLst>
-                                  <p:childTnLst>
-                                    <p:set>
-                                      <p:cBhvr>
-                                        <p:cTn id="13" dur="1" fill="hold">
-                                          <p:stCondLst>
-                                            <p:cond delay="0"/>
-                                          </p:stCondLst>
-                                        </p:cTn>
-                                        <p:tgtEl>
-                                          <p:spTgt spid="3">
-                                            <p:txEl>
-                                              <p:pRg st="2" end="2"/>
-                                            </p:txEl>
-                                          </p:spTgt>
-                                        </p:tgtEl>
-                                        <p:attrNameLst>
-                                          <p:attrName>style.visibility</p:attrName>
-                                        </p:attrNameLst>
-                                      </p:cBhvr>
-                                      <p:to>
-                                        <p:strVal val="visible"/>
-                                      </p:to>
-                                    </p:set>
-                                    <p:anim calcmode="lin" valueType="num">
-                                      <p:cBhvr>
-                                        <p:cTn id="14" dur="500" fill="hold"/>
-                                        <p:tgtEl>
-                                          <p:spTgt spid="3">
-                                            <p:txEl>
-                                              <p:pRg st="2" end="2"/>
-                                            </p:txEl>
-                                          </p:spTgt>
-                                        </p:tgtEl>
-                                        <p:attrNameLst>
-                                          <p:attrName>ppt_w</p:attrName>
-                                        </p:attrNameLst>
-                                      </p:cBhvr>
-                                      <p:tavLst>
-                                        <p:tav tm="0">
-                                          <p:val>
-                                            <p:fltVal val="0"/>
-                                          </p:val>
-                                        </p:tav>
-                                        <p:tav tm="100000">
-                                          <p:val>
-                                            <p:strVal val="#ppt_w"/>
-                                          </p:val>
-                                        </p:tav>
-                                      </p:tavLst>
-                                    </p:anim>
-                                    <p:anim calcmode="lin" valueType="num">
-                                      <p:cBhvr>
-                                        <p:cTn id="15" dur="500" fill="hold"/>
-                                        <p:tgtEl>
-                                          <p:spTgt spid="3">
-                                            <p:txEl>
-                                              <p:pRg st="2" end="2"/>
-                                            </p:txEl>
-                                          </p:spTgt>
-                                        </p:tgtEl>
-                                        <p:attrNameLst>
-                                          <p:attrName>ppt_h</p:attrName>
-                                        </p:attrNameLst>
-                                      </p:cBhvr>
-                                      <p:tavLst>
-                                        <p:tav tm="0">
-                                          <p:val>
-                                            <p:fltVal val="0"/>
-                                          </p:val>
-                                        </p:tav>
-                                        <p:tav tm="100000">
-                                          <p:val>
-                                            <p:strVal val="#ppt_h"/>
-                                          </p:val>
-                                        </p:tav>
-                                      </p:tavLst>
-                                    </p:anim>
-                                    <p:animEffect transition="in" filter="fade">
-                                      <p:cBhvr>
-                                        <p:cTn id="16" dur="500"/>
-                                        <p:tgtEl>
-                                          <p:spTgt spid="3">
-                                            <p:txEl>
-                                              <p:pRg st="2" end="2"/>
-                                            </p:txEl>
-                                          </p:spTgt>
-                                        </p:tgtEl>
-                                      </p:cBhvr>
-                                    </p:animEffect>
-                                  </p:childTnLst>
-                                </p:cTn>
-                              </p:par>
-                              <p:par>
-                                <p:cTn id="17" presetID="53" presetClass="entr" presetSubtype="16" fill="hold" grpId="0" nodeType="withEffect">
-                                  <p:stCondLst>
-                                    <p:cond delay="0"/>
-                                  </p:stCondLst>
-                                  <p:childTnLst>
-                                    <p:set>
-                                      <p:cBhvr>
-                                        <p:cTn id="18" dur="1" fill="hold">
-                                          <p:stCondLst>
-                                            <p:cond delay="0"/>
-                                          </p:stCondLst>
-                                        </p:cTn>
-                                        <p:tgtEl>
-                                          <p:spTgt spid="3">
-                                            <p:txEl>
-                                              <p:pRg st="3" end="3"/>
-                                            </p:txEl>
-                                          </p:spTgt>
-                                        </p:tgtEl>
-                                        <p:attrNameLst>
-                                          <p:attrName>style.visibility</p:attrName>
-                                        </p:attrNameLst>
-                                      </p:cBhvr>
-                                      <p:to>
-                                        <p:strVal val="visible"/>
-                                      </p:to>
-                                    </p:set>
-                                    <p:anim calcmode="lin" valueType="num">
-                                      <p:cBhvr>
-                                        <p:cTn id="19" dur="500" fill="hold"/>
-                                        <p:tgtEl>
-                                          <p:spTgt spid="3">
-                                            <p:txEl>
-                                              <p:pRg st="3" end="3"/>
-                                            </p:txEl>
-                                          </p:spTgt>
-                                        </p:tgtEl>
-                                        <p:attrNameLst>
-                                          <p:attrName>ppt_w</p:attrName>
-                                        </p:attrNameLst>
-                                      </p:cBhvr>
-                                      <p:tavLst>
-                                        <p:tav tm="0">
-                                          <p:val>
-                                            <p:fltVal val="0"/>
-                                          </p:val>
-                                        </p:tav>
-                                        <p:tav tm="100000">
-                                          <p:val>
-                                            <p:strVal val="#ppt_w"/>
-                                          </p:val>
-                                        </p:tav>
-                                      </p:tavLst>
-                                    </p:anim>
-                                    <p:anim calcmode="lin" valueType="num">
-                                      <p:cBhvr>
-                                        <p:cTn id="20" dur="500" fill="hold"/>
-                                        <p:tgtEl>
-                                          <p:spTgt spid="3">
-                                            <p:txEl>
-                                              <p:pRg st="3" end="3"/>
-                                            </p:txEl>
-                                          </p:spTgt>
-                                        </p:tgtEl>
-                                        <p:attrNameLst>
-                                          <p:attrName>ppt_h</p:attrName>
-                                        </p:attrNameLst>
-                                      </p:cBhvr>
-                                      <p:tavLst>
-                                        <p:tav tm="0">
-                                          <p:val>
-                                            <p:fltVal val="0"/>
-                                          </p:val>
-                                        </p:tav>
-                                        <p:tav tm="100000">
-                                          <p:val>
-                                            <p:strVal val="#ppt_h"/>
-                                          </p:val>
-                                        </p:tav>
-                                      </p:tavLst>
-                                    </p:anim>
-                                    <p:animEffect transition="in" filter="fade">
-                                      <p:cBhvr>
-                                        <p:cTn id="21" dur="500"/>
-                                        <p:tgtEl>
-                                          <p:spTgt spid="3">
-                                            <p:txEl>
-                                              <p:pRg st="3" end="3"/>
-                                            </p:txEl>
-                                          </p:spTgt>
-                                        </p:tgtEl>
-                                      </p:cBhvr>
-                                    </p:animEffect>
-                                  </p:childTnLst>
-                                </p:cTn>
-                              </p:par>
-                            </p:childTnLst>
-                          </p:cTn>
-                        </p:par>
-                      </p:childTnLst>
-                    </p:cTn>
-                  </p:par>
-                </p:childTnLst>
-              </p:cTn>
-              <p:prevCondLst>
-                <p:cond evt="onPrev" delay="0">
-                  <p:tgtEl>
-                    <p:sldTgt/>
-                  </p:tgtEl>
-                </p:cond>
-              </p:prevCondLst>
-              <p:nextCondLst>
-                <p:cond evt="onNext" delay="0">
-                  <p:tgtEl>
-                    <p:sldTgt/>
-                  </p:tgtEl>
-                </p:cond>
-              </p:nextCondLst>
-            </p:seq>
-          </p:childTnLst>
-        </p:cTn>
-      </p:par>
-    </p:tnLst>
-    <p:bldLst>
-      <p:bldP spid="3" grpId="0" build="p"/>
-    </p:bldLst>
-  </p:timing>
-</p:sld>
+<file path=ppt/tags/tag3.xml><?xml version="1.0" encoding="utf-8"?>
+<p:tagLst xmlns:a="http://schemas.openxmlformats.org/drawingml/2006/main" xmlns:r="http://schemas.openxmlformats.org/officeDocument/2006/relationships" xmlns:p="http://schemas.openxmlformats.org/presentationml/2006/main">
+  <p:tag name="TIMING" val="|4.6|5.4"/>
+</p:tagLst>
 </file>
 
-<file path=ppt/slides/slide27.xml><?xml version="1.0" encoding="utf-8"?>
-<p:sld xmlns:a="http://schemas.openxmlformats.org/drawingml/2006/main" xmlns:r="http://schemas.openxmlformats.org/officeDocument/2006/relationships" xmlns:p="http://schemas.openxmlformats.org/presentationml/2006/main">
-  <p:cSld>
-    <p:spTree>
-      <p:nvGrpSpPr>
-        <p:cNvPr id="1" name=""/>
-        <p:cNvGrpSpPr/>
-        <p:nvPr/>
-      </p:nvGrpSpPr>
-      <p:grpSpPr>
-        <a:xfrm>
-          <a:off x="0" y="0"/>
-          <a:ext cx="0" cy="0"/>
-          <a:chOff x="0" y="0"/>
-          <a:chExt cx="0" cy="0"/>
-        </a:xfrm>
-      </p:grpSpPr>
-      <p:sp>
-        <p:nvSpPr>
-          <p:cNvPr id="2" name="Title 1">
-            <a:extLst>
-              <a:ext uri="{FF2B5EF4-FFF2-40B4-BE49-F238E27FC236}">
-                <a16:creationId xmlns:a16="http://schemas.microsoft.com/office/drawing/2014/main" id="{4FA9DAF9-C2C3-7347-91AD-02D3E853E965}"/>
-              </a:ext>
-            </a:extLst>
-          </p:cNvPr>
-          <p:cNvSpPr>
-            <a:spLocks noGrp="1"/>
-          </p:cNvSpPr>
-          <p:nvPr>
-            <p:ph type="title"/>
-          </p:nvPr>
-        </p:nvSpPr>
-        <p:spPr>
-          <a:xfrm>
-            <a:off x="1141413" y="1166191"/>
-            <a:ext cx="9905998" cy="1905000"/>
-          </a:xfrm>
-        </p:spPr>
-        <p:txBody>
-          <a:bodyPr>
-            <a:normAutofit/>
-          </a:bodyPr>
-          <a:lstStyle/>
-          <a:p>
-            <a:pPr algn="ctr"/>
-            <a:r>
-              <a:rPr lang="en-US" sz="4800" dirty="0"/>
-              <a:t>Thank you.</a:t>
-            </a:r>
-          </a:p>
-        </p:txBody>
-      </p:sp>
-      <p:sp>
-        <p:nvSpPr>
-          <p:cNvPr id="3" name="Content Placeholder 2">
-            <a:extLst>
-              <a:ext uri="{FF2B5EF4-FFF2-40B4-BE49-F238E27FC236}">
-                <a16:creationId xmlns:a16="http://schemas.microsoft.com/office/drawing/2014/main" id="{B04DE6D5-2EA3-704A-922F-C9A622C590F2}"/>
-              </a:ext>
-            </a:extLst>
-          </p:cNvPr>
-          <p:cNvSpPr>
-            <a:spLocks noGrp="1"/>
-          </p:cNvSpPr>
-          <p:nvPr>
-            <p:ph idx="1"/>
-          </p:nvPr>
-        </p:nvSpPr>
-        <p:spPr>
-          <a:xfrm>
-            <a:off x="1141413" y="2993334"/>
-            <a:ext cx="9905998" cy="871331"/>
-          </a:xfrm>
-        </p:spPr>
-        <p:txBody>
-          <a:bodyPr>
-            <a:normAutofit/>
-          </a:bodyPr>
-          <a:lstStyle/>
-          <a:p>
-            <a:pPr marL="0" indent="0" algn="ctr">
-              <a:buNone/>
-            </a:pPr>
-            <a:r>
-              <a:rPr lang="en-US" sz="3600" dirty="0"/>
-              <a:t>Questions?</a:t>
-            </a:r>
-          </a:p>
-        </p:txBody>
-      </p:sp>
-    </p:spTree>
-    <p:extLst>
-      <p:ext uri="{BB962C8B-B14F-4D97-AF65-F5344CB8AC3E}">
-        <p14:creationId xmlns:p14="http://schemas.microsoft.com/office/powerpoint/2010/main" val="2163879827"/>
-      </p:ext>
-    </p:extLst>
-  </p:cSld>
-  <p:clrMapOvr>
-    <a:masterClrMapping/>
-  </p:clrMapOvr>
-</p:sld>
+<file path=ppt/tags/tag4.xml><?xml version="1.0" encoding="utf-8"?>
+<p:tagLst xmlns:a="http://schemas.openxmlformats.org/drawingml/2006/main" xmlns:r="http://schemas.openxmlformats.org/officeDocument/2006/relationships" xmlns:p="http://schemas.openxmlformats.org/presentationml/2006/main">
+  <p:tag name="TIMING" val="|10.3|8.3"/>
+</p:tagLst>
 </file>
 
-<file path=ppt/slides/slide3.xml><?xml version="1.0" encoding="utf-8"?>
-<p:sld xmlns:a="http://schemas.openxmlformats.org/drawingml/2006/main" xmlns:r="http://schemas.openxmlformats.org/officeDocument/2006/relationships" xmlns:p="http://schemas.openxmlformats.org/presentationml/2006/main">
-  <p:cSld>
-    <p:bg>
-      <p:bgPr>
-        <a:blipFill rotWithShape="1">
-          <a:blip r:embed="rId2">
-            <a:duotone>
-              <a:schemeClr val="bg2">
-                <a:shade val="28000"/>
-                <a:satMod val="94000"/>
-                <a:lumMod val="20000"/>
-              </a:schemeClr>
-              <a:schemeClr val="bg2">
-                <a:tint val="94000"/>
-                <a:shade val="84000"/>
-                <a:satMod val="148000"/>
-                <a:lumMod val="114000"/>
-              </a:schemeClr>
-            </a:duotone>
-          </a:blip>
-          <a:stretch/>
-        </a:blipFill>
-        <a:effectLst/>
-      </p:bgPr>
-    </p:bg>
-    <p:spTree>
-      <p:nvGrpSpPr>
-        <p:cNvPr id="1" name=""/>
-        <p:cNvGrpSpPr/>
-        <p:nvPr/>
-      </p:nvGrpSpPr>
-      <p:grpSpPr>
-        <a:xfrm>
-          <a:off x="0" y="0"/>
-          <a:ext cx="0" cy="0"/>
-          <a:chOff x="0" y="0"/>
-          <a:chExt cx="0" cy="0"/>
-        </a:xfrm>
-      </p:grpSpPr>
-      <p:sp>
-        <p:nvSpPr>
-          <p:cNvPr id="2" name="Title 1">
-            <a:extLst>
-              <a:ext uri="{FF2B5EF4-FFF2-40B4-BE49-F238E27FC236}">
-                <a16:creationId xmlns:a16="http://schemas.microsoft.com/office/drawing/2014/main" id="{52723FFA-EF16-4BA2-838D-1C630CA2D5ED}"/>
-              </a:ext>
-            </a:extLst>
-          </p:cNvPr>
-          <p:cNvSpPr>
-            <a:spLocks noGrp="1"/>
-          </p:cNvSpPr>
-          <p:nvPr>
-            <p:ph type="title"/>
-          </p:nvPr>
-        </p:nvSpPr>
-        <p:spPr>
-          <a:xfrm>
-            <a:off x="643192" y="609600"/>
-            <a:ext cx="3643674" cy="1905000"/>
-          </a:xfrm>
-        </p:spPr>
-        <p:txBody>
-          <a:bodyPr>
-            <a:normAutofit/>
-          </a:bodyPr>
-          <a:lstStyle/>
-          <a:p>
-            <a:r>
-              <a:rPr lang="en-US" sz="2800" dirty="0"/>
-              <a:t>Breweries per state</a:t>
-            </a:r>
-          </a:p>
-        </p:txBody>
-      </p:sp>
-      <p:sp>
-        <p:nvSpPr>
-          <p:cNvPr id="3" name="Content Placeholder 2">
-            <a:extLst>
-              <a:ext uri="{FF2B5EF4-FFF2-40B4-BE49-F238E27FC236}">
-                <a16:creationId xmlns:a16="http://schemas.microsoft.com/office/drawing/2014/main" id="{8CD6B72E-C7E0-48B0-8774-5D66900D57E5}"/>
-              </a:ext>
-            </a:extLst>
-          </p:cNvPr>
-          <p:cNvSpPr>
-            <a:spLocks noGrp="1"/>
-          </p:cNvSpPr>
-          <p:nvPr>
-            <p:ph idx="1"/>
-          </p:nvPr>
-        </p:nvSpPr>
-        <p:spPr>
-          <a:xfrm>
-            <a:off x="643192" y="1799304"/>
-            <a:ext cx="3643674" cy="4616244"/>
-          </a:xfrm>
-        </p:spPr>
-        <p:txBody>
-          <a:bodyPr>
-            <a:normAutofit/>
-          </a:bodyPr>
-          <a:lstStyle/>
-          <a:p>
-            <a:r>
-              <a:rPr lang="en-US" sz="1800" dirty="0"/>
-              <a:t>Colorado clearly wins</a:t>
-            </a:r>
-          </a:p>
-          <a:p>
-            <a:r>
-              <a:rPr lang="en-US" sz="1800" dirty="0"/>
-              <a:t>Other states with large numbers of craft breweries:</a:t>
-            </a:r>
-          </a:p>
-          <a:p>
-            <a:pPr lvl="1"/>
-            <a:r>
-              <a:rPr lang="en-US" sz="1600" dirty="0"/>
-              <a:t>California</a:t>
-            </a:r>
-          </a:p>
-          <a:p>
-            <a:pPr lvl="1"/>
-            <a:r>
-              <a:rPr lang="en-US" sz="1600" dirty="0"/>
-              <a:t>Texas</a:t>
-            </a:r>
-          </a:p>
-          <a:p>
-            <a:pPr lvl="1"/>
-            <a:r>
-              <a:rPr lang="en-US" sz="1600" dirty="0"/>
-              <a:t>Michigan</a:t>
-            </a:r>
-          </a:p>
-          <a:p>
-            <a:pPr lvl="1"/>
-            <a:r>
-              <a:rPr lang="en-US" sz="1600" dirty="0"/>
-              <a:t>Indiana</a:t>
-            </a:r>
-          </a:p>
-          <a:p>
-            <a:r>
-              <a:rPr lang="en-US" sz="1800" dirty="0"/>
-              <a:t>These states may have large numbers of breweries because they have larger populations</a:t>
-            </a:r>
-          </a:p>
-        </p:txBody>
-      </p:sp>
-      <p:pic>
-        <p:nvPicPr>
-          <p:cNvPr id="5" name="Picture 4">
-            <a:extLst>
-              <a:ext uri="{FF2B5EF4-FFF2-40B4-BE49-F238E27FC236}">
-                <a16:creationId xmlns:a16="http://schemas.microsoft.com/office/drawing/2014/main" id="{8E489EB8-B263-455F-8A9C-48E3B61ED0B5}"/>
-              </a:ext>
-            </a:extLst>
-          </p:cNvPr>
-          <p:cNvPicPr>
-            <a:picLocks noChangeAspect="1"/>
-          </p:cNvPicPr>
-          <p:nvPr/>
-        </p:nvPicPr>
-        <p:blipFill>
-          <a:blip r:embed="rId3"/>
-          <a:stretch>
-            <a:fillRect/>
-          </a:stretch>
-        </p:blipFill>
-        <p:spPr>
-          <a:xfrm>
-            <a:off x="4630994" y="1238865"/>
-            <a:ext cx="7538949" cy="3750627"/>
-          </a:xfrm>
-          <a:prstGeom prst="roundRect">
-            <a:avLst>
-              <a:gd name="adj" fmla="val 3517"/>
-            </a:avLst>
-          </a:prstGeom>
-          <a:ln w="38100">
-            <a:gradFill flip="none" rotWithShape="1">
-              <a:gsLst>
-                <a:gs pos="0">
-                  <a:srgbClr val="363D46"/>
-                </a:gs>
-                <a:gs pos="100000">
-                  <a:srgbClr val="363D46">
-                    <a:lumMod val="75000"/>
-                  </a:srgbClr>
-                </a:gs>
-              </a:gsLst>
-              <a:lin ang="5400000" scaled="0"/>
-              <a:tileRect/>
-            </a:gradFill>
-          </a:ln>
-          <a:effectLst>
-            <a:innerShdw blurRad="57150" dist="38100" dir="14460000">
-              <a:srgbClr val="000000">
-                <a:alpha val="70000"/>
-              </a:srgbClr>
-            </a:innerShdw>
-          </a:effectLst>
-        </p:spPr>
-      </p:pic>
-    </p:spTree>
-    <p:extLst>
-      <p:ext uri="{BB962C8B-B14F-4D97-AF65-F5344CB8AC3E}">
-        <p14:creationId xmlns:p14="http://schemas.microsoft.com/office/powerpoint/2010/main" val="2734303802"/>
-      </p:ext>
-    </p:extLst>
-  </p:cSld>
-  <p:clrMapOvr>
-    <a:masterClrMapping/>
-  </p:clrMapOvr>
-</p:sld>
+<file path=ppt/tags/tag5.xml><?xml version="1.0" encoding="utf-8"?>
+<p:tagLst xmlns:a="http://schemas.openxmlformats.org/drawingml/2006/main" xmlns:r="http://schemas.openxmlformats.org/officeDocument/2006/relationships" xmlns:p="http://schemas.openxmlformats.org/presentationml/2006/main">
+  <p:tag name="TIMING" val="|2.9|10.1"/>
+</p:tagLst>
 </file>
 
-<file path=ppt/slides/slide4.xml><?xml version="1.0" encoding="utf-8"?>
-<p:sld xmlns:a="http://schemas.openxmlformats.org/drawingml/2006/main" xmlns:r="http://schemas.openxmlformats.org/officeDocument/2006/relationships" xmlns:p="http://schemas.openxmlformats.org/presentationml/2006/main">
-  <p:cSld>
-    <p:bg>
-      <p:bgPr>
-        <a:blipFill rotWithShape="1">
-          <a:blip r:embed="rId2">
-            <a:duotone>
-              <a:schemeClr val="bg2">
-                <a:shade val="28000"/>
-                <a:satMod val="94000"/>
-                <a:lumMod val="20000"/>
-              </a:schemeClr>
-              <a:schemeClr val="bg2">
-                <a:tint val="94000"/>
-                <a:shade val="84000"/>
-                <a:satMod val="148000"/>
-                <a:lumMod val="114000"/>
-              </a:schemeClr>
-            </a:duotone>
-          </a:blip>
-          <a:stretch/>
-        </a:blipFill>
-        <a:effectLst/>
-      </p:bgPr>
-    </p:bg>
-    <p:spTree>
-      <p:nvGrpSpPr>
-        <p:cNvPr id="1" name=""/>
-        <p:cNvGrpSpPr/>
-        <p:nvPr/>
-      </p:nvGrpSpPr>
-      <p:grpSpPr>
-        <a:xfrm>
-          <a:off x="0" y="0"/>
-          <a:ext cx="0" cy="0"/>
-          <a:chOff x="0" y="0"/>
-          <a:chExt cx="0" cy="0"/>
-        </a:xfrm>
-      </p:grpSpPr>
-      <p:sp>
-        <p:nvSpPr>
-          <p:cNvPr id="2" name="Title 1">
-            <a:extLst>
-              <a:ext uri="{FF2B5EF4-FFF2-40B4-BE49-F238E27FC236}">
-                <a16:creationId xmlns:a16="http://schemas.microsoft.com/office/drawing/2014/main" id="{52723FFA-EF16-4BA2-838D-1C630CA2D5ED}"/>
-              </a:ext>
-            </a:extLst>
-          </p:cNvPr>
-          <p:cNvSpPr>
-            <a:spLocks noGrp="1"/>
-          </p:cNvSpPr>
-          <p:nvPr>
-            <p:ph type="title"/>
-          </p:nvPr>
-        </p:nvSpPr>
-        <p:spPr>
-          <a:xfrm>
-            <a:off x="678426" y="270387"/>
-            <a:ext cx="11026877" cy="1905000"/>
-          </a:xfrm>
-        </p:spPr>
-        <p:txBody>
-          <a:bodyPr>
-            <a:normAutofit/>
-          </a:bodyPr>
-          <a:lstStyle/>
-          <a:p>
-            <a:r>
-              <a:rPr lang="en-US" dirty="0"/>
-              <a:t>Where are craft breweries most competitive?</a:t>
-            </a:r>
-          </a:p>
-        </p:txBody>
-      </p:sp>
-      <p:sp>
-        <p:nvSpPr>
-          <p:cNvPr id="3" name="Content Placeholder 2">
-            <a:extLst>
-              <a:ext uri="{FF2B5EF4-FFF2-40B4-BE49-F238E27FC236}">
-                <a16:creationId xmlns:a16="http://schemas.microsoft.com/office/drawing/2014/main" id="{8CD6B72E-C7E0-48B0-8774-5D66900D57E5}"/>
-              </a:ext>
-            </a:extLst>
-          </p:cNvPr>
-          <p:cNvSpPr>
-            <a:spLocks noGrp="1"/>
-          </p:cNvSpPr>
-          <p:nvPr>
-            <p:ph idx="1"/>
-          </p:nvPr>
-        </p:nvSpPr>
-        <p:spPr>
-          <a:xfrm>
-            <a:off x="7027880" y="1667860"/>
-            <a:ext cx="5268541" cy="3216276"/>
-          </a:xfrm>
-        </p:spPr>
-        <p:txBody>
-          <a:bodyPr>
-            <a:normAutofit fontScale="92500" lnSpcReduction="10000"/>
-          </a:bodyPr>
-          <a:lstStyle/>
-          <a:p>
-            <a:r>
-              <a:rPr lang="en-US" dirty="0"/>
-              <a:t>Colorado still leads</a:t>
-            </a:r>
-          </a:p>
-          <a:p>
-            <a:pPr lvl="1"/>
-            <a:r>
-              <a:rPr lang="en-US" dirty="0"/>
-              <a:t>Colorado residents clearly support craft breweries!</a:t>
-            </a:r>
-          </a:p>
-          <a:p>
-            <a:r>
-              <a:rPr lang="en-US" dirty="0"/>
-              <a:t>Other states with large numbers of craft breweries:</a:t>
-            </a:r>
-          </a:p>
-          <a:p>
-            <a:pPr lvl="1"/>
-            <a:r>
-              <a:rPr lang="en-US" dirty="0"/>
-              <a:t>Vermont</a:t>
-            </a:r>
-          </a:p>
-          <a:p>
-            <a:pPr lvl="1"/>
-            <a:r>
-              <a:rPr lang="en-US" dirty="0"/>
-              <a:t>Montana</a:t>
-            </a:r>
-          </a:p>
-          <a:p>
-            <a:pPr lvl="1"/>
-            <a:r>
-              <a:rPr lang="en-US" dirty="0"/>
-              <a:t>Oregon</a:t>
-            </a:r>
-          </a:p>
-          <a:p>
-            <a:pPr lvl="1"/>
-            <a:r>
-              <a:rPr lang="en-US" dirty="0"/>
-              <a:t>Wyoming</a:t>
-            </a:r>
-          </a:p>
-        </p:txBody>
-      </p:sp>
-      <p:pic>
-        <p:nvPicPr>
-          <p:cNvPr id="4" name="Picture 3">
-            <a:extLst>
-              <a:ext uri="{FF2B5EF4-FFF2-40B4-BE49-F238E27FC236}">
-                <a16:creationId xmlns:a16="http://schemas.microsoft.com/office/drawing/2014/main" id="{D5BE3349-1354-42DF-85E4-1903CB123C7B}"/>
-              </a:ext>
-            </a:extLst>
-          </p:cNvPr>
-          <p:cNvPicPr>
-            <a:picLocks noChangeAspect="1"/>
-          </p:cNvPicPr>
-          <p:nvPr/>
-        </p:nvPicPr>
-        <p:blipFill>
-          <a:blip r:embed="rId3"/>
-          <a:stretch>
-            <a:fillRect/>
-          </a:stretch>
-        </p:blipFill>
-        <p:spPr>
-          <a:xfrm>
-            <a:off x="47606" y="1933331"/>
-            <a:ext cx="6980274" cy="3420334"/>
-          </a:xfrm>
-          <a:prstGeom prst="roundRect">
-            <a:avLst>
-              <a:gd name="adj" fmla="val 3517"/>
-            </a:avLst>
-          </a:prstGeom>
-          <a:ln w="38100">
-            <a:gradFill flip="none" rotWithShape="1">
-              <a:gsLst>
-                <a:gs pos="0">
-                  <a:srgbClr val="363D46"/>
-                </a:gs>
-                <a:gs pos="100000">
-                  <a:srgbClr val="363D46">
-                    <a:lumMod val="75000"/>
-                  </a:srgbClr>
-                </a:gs>
-              </a:gsLst>
-              <a:lin ang="5400000" scaled="0"/>
-              <a:tileRect/>
-            </a:gradFill>
-          </a:ln>
-          <a:effectLst>
-            <a:innerShdw blurRad="57150" dist="38100" dir="14460000">
-              <a:srgbClr val="000000">
-                <a:alpha val="70000"/>
-              </a:srgbClr>
-            </a:innerShdw>
-          </a:effectLst>
-        </p:spPr>
-      </p:pic>
-    </p:spTree>
-    <p:extLst>
-      <p:ext uri="{BB962C8B-B14F-4D97-AF65-F5344CB8AC3E}">
-        <p14:creationId xmlns:p14="http://schemas.microsoft.com/office/powerpoint/2010/main" val="696077264"/>
-      </p:ext>
-    </p:extLst>
-  </p:cSld>
-  <p:clrMapOvr>
-    <a:masterClrMapping/>
-  </p:clrMapOvr>
-</p:sld>
+<file path=ppt/tags/tag6.xml><?xml version="1.0" encoding="utf-8"?>
+<p:tagLst xmlns:a="http://schemas.openxmlformats.org/drawingml/2006/main" xmlns:r="http://schemas.openxmlformats.org/officeDocument/2006/relationships" xmlns:p="http://schemas.openxmlformats.org/presentationml/2006/main">
+  <p:tag name="TIMING" val="|6.9|8.5|7.2|15.4"/>
+</p:tagLst>
 </file>
 
-<file path=ppt/slides/slide5.xml><?xml version="1.0" encoding="utf-8"?>
-<p:sld xmlns:a="http://schemas.openxmlformats.org/drawingml/2006/main" xmlns:r="http://schemas.openxmlformats.org/officeDocument/2006/relationships" xmlns:p="http://schemas.openxmlformats.org/presentationml/2006/main">
-  <p:cSld>
-    <p:bg>
-      <p:bgPr>
-        <a:blipFill rotWithShape="1">
-          <a:blip r:embed="rId2">
-            <a:duotone>
-              <a:schemeClr val="bg2">
-                <a:shade val="28000"/>
-                <a:satMod val="94000"/>
-                <a:lumMod val="20000"/>
-              </a:schemeClr>
-              <a:schemeClr val="bg2">
-                <a:tint val="94000"/>
-                <a:shade val="84000"/>
-                <a:satMod val="148000"/>
-                <a:lumMod val="114000"/>
-              </a:schemeClr>
-            </a:duotone>
-          </a:blip>
-          <a:stretch/>
-        </a:blipFill>
-        <a:effectLst/>
-      </p:bgPr>
-    </p:bg>
-    <p:spTree>
-      <p:nvGrpSpPr>
-        <p:cNvPr id="1" name=""/>
-        <p:cNvGrpSpPr/>
-        <p:nvPr/>
-      </p:nvGrpSpPr>
-      <p:grpSpPr>
-        <a:xfrm>
-          <a:off x="0" y="0"/>
-          <a:ext cx="0" cy="0"/>
-          <a:chOff x="0" y="0"/>
-          <a:chExt cx="0" cy="0"/>
-        </a:xfrm>
-      </p:grpSpPr>
-      <p:sp>
-        <p:nvSpPr>
-          <p:cNvPr id="2" name="Title 1">
-            <a:extLst>
-              <a:ext uri="{FF2B5EF4-FFF2-40B4-BE49-F238E27FC236}">
-                <a16:creationId xmlns:a16="http://schemas.microsoft.com/office/drawing/2014/main" id="{38E044BD-4C8D-433F-B895-BFF2064330DA}"/>
-              </a:ext>
-            </a:extLst>
-          </p:cNvPr>
-          <p:cNvSpPr>
-            <a:spLocks noGrp="1"/>
-          </p:cNvSpPr>
-          <p:nvPr>
-            <p:ph type="title"/>
-          </p:nvPr>
-        </p:nvSpPr>
-        <p:spPr>
-          <a:xfrm>
-            <a:off x="6096000" y="609599"/>
-            <a:ext cx="5435760" cy="2009775"/>
-          </a:xfrm>
-        </p:spPr>
-        <p:txBody>
-          <a:bodyPr>
-            <a:normAutofit/>
-          </a:bodyPr>
-          <a:lstStyle/>
-          <a:p>
-            <a:pPr algn="ctr"/>
-            <a:r>
-              <a:rPr lang="en-US"/>
-              <a:t>Alcohol Content</a:t>
-            </a:r>
-          </a:p>
-        </p:txBody>
-      </p:sp>
-      <p:pic>
-        <p:nvPicPr>
-          <p:cNvPr id="4" name="Picture 3">
-            <a:extLst>
-              <a:ext uri="{FF2B5EF4-FFF2-40B4-BE49-F238E27FC236}">
-                <a16:creationId xmlns:a16="http://schemas.microsoft.com/office/drawing/2014/main" id="{57DA117C-35B0-4583-9159-452BD82D280E}"/>
-              </a:ext>
-            </a:extLst>
-          </p:cNvPr>
-          <p:cNvPicPr>
-            <a:picLocks noChangeAspect="1"/>
-          </p:cNvPicPr>
-          <p:nvPr/>
-        </p:nvPicPr>
-        <p:blipFill>
-          <a:blip r:embed="rId3"/>
-          <a:stretch>
-            <a:fillRect/>
-          </a:stretch>
-        </p:blipFill>
-        <p:spPr>
-          <a:xfrm>
-            <a:off x="514177" y="3536853"/>
-            <a:ext cx="5118286" cy="2738284"/>
-          </a:xfrm>
-          <a:custGeom>
-            <a:avLst/>
-            <a:gdLst>
-              <a:gd name="connsiteX0" fmla="*/ 120172 w 3416888"/>
-              <a:gd name="connsiteY0" fmla="*/ 0 h 2057399"/>
-              <a:gd name="connsiteX1" fmla="*/ 3296716 w 3416888"/>
-              <a:gd name="connsiteY1" fmla="*/ 0 h 2057399"/>
-              <a:gd name="connsiteX2" fmla="*/ 3416888 w 3416888"/>
-              <a:gd name="connsiteY2" fmla="*/ 120172 h 2057399"/>
-              <a:gd name="connsiteX3" fmla="*/ 3416888 w 3416888"/>
-              <a:gd name="connsiteY3" fmla="*/ 2057399 h 2057399"/>
-              <a:gd name="connsiteX4" fmla="*/ 0 w 3416888"/>
-              <a:gd name="connsiteY4" fmla="*/ 2057399 h 2057399"/>
-              <a:gd name="connsiteX5" fmla="*/ 0 w 3416888"/>
-              <a:gd name="connsiteY5" fmla="*/ 120172 h 2057399"/>
-              <a:gd name="connsiteX6" fmla="*/ 120172 w 3416888"/>
-              <a:gd name="connsiteY6" fmla="*/ 0 h 2057399"/>
-            </a:gdLst>
-            <a:ahLst/>
-            <a:cxnLst>
-              <a:cxn ang="0">
-                <a:pos x="connsiteX0" y="connsiteY0"/>
-              </a:cxn>
-              <a:cxn ang="0">
-                <a:pos x="connsiteX1" y="connsiteY1"/>
-              </a:cxn>
-              <a:cxn ang="0">
-                <a:pos x="connsiteX2" y="connsiteY2"/>
-              </a:cxn>
-              <a:cxn ang="0">
-                <a:pos x="connsiteX3" y="connsiteY3"/>
-              </a:cxn>
-              <a:cxn ang="0">
-                <a:pos x="connsiteX4" y="connsiteY4"/>
-              </a:cxn>
-              <a:cxn ang="0">
-                <a:pos x="connsiteX5" y="connsiteY5"/>
-              </a:cxn>
-              <a:cxn ang="0">
-                <a:pos x="connsiteX6" y="connsiteY6"/>
-              </a:cxn>
-            </a:cxnLst>
-            <a:rect l="l" t="t" r="r" b="b"/>
-            <a:pathLst>
-              <a:path w="3416888" h="2057399">
-                <a:moveTo>
-                  <a:pt x="120172" y="0"/>
-                </a:moveTo>
-                <a:lnTo>
-                  <a:pt x="3296716" y="0"/>
-                </a:lnTo>
-                <a:cubicBezTo>
-                  <a:pt x="3363085" y="0"/>
-                  <a:pt x="3416888" y="53803"/>
-                  <a:pt x="3416888" y="120172"/>
-                </a:cubicBezTo>
-                <a:lnTo>
-                  <a:pt x="3416888" y="2057399"/>
-                </a:lnTo>
-                <a:lnTo>
-                  <a:pt x="0" y="2057399"/>
-                </a:lnTo>
-                <a:lnTo>
-                  <a:pt x="0" y="120172"/>
-                </a:lnTo>
-                <a:cubicBezTo>
-                  <a:pt x="0" y="53803"/>
-                  <a:pt x="53803" y="0"/>
-                  <a:pt x="120172" y="0"/>
-                </a:cubicBezTo>
-                <a:close/>
-              </a:path>
-            </a:pathLst>
-          </a:custGeom>
-          <a:ln w="38100">
-            <a:gradFill flip="none" rotWithShape="1">
-              <a:gsLst>
-                <a:gs pos="0">
-                  <a:srgbClr val="363D46"/>
-                </a:gs>
-                <a:gs pos="100000">
-                  <a:srgbClr val="363D46">
-                    <a:lumMod val="75000"/>
-                  </a:srgbClr>
-                </a:gs>
-              </a:gsLst>
-              <a:lin ang="5400000" scaled="0"/>
-              <a:tileRect/>
-            </a:gradFill>
-          </a:ln>
-          <a:effectLst>
-            <a:innerShdw blurRad="57150" dist="38100" dir="14460000">
-              <a:srgbClr val="000000">
-                <a:alpha val="70000"/>
-              </a:srgbClr>
-            </a:innerShdw>
-          </a:effectLst>
-        </p:spPr>
-      </p:pic>
-      <p:pic>
-        <p:nvPicPr>
-          <p:cNvPr id="5" name="Picture 4">
-            <a:extLst>
-              <a:ext uri="{FF2B5EF4-FFF2-40B4-BE49-F238E27FC236}">
-                <a16:creationId xmlns:a16="http://schemas.microsoft.com/office/drawing/2014/main" id="{B5074603-1EA5-432E-B4D8-82BE8C9CC9FE}"/>
-              </a:ext>
-            </a:extLst>
-          </p:cNvPr>
-          <p:cNvPicPr>
-            <a:picLocks noChangeAspect="1"/>
-          </p:cNvPicPr>
-          <p:nvPr/>
-        </p:nvPicPr>
-        <p:blipFill>
-          <a:blip r:embed="rId4"/>
-          <a:stretch>
-            <a:fillRect/>
-          </a:stretch>
-        </p:blipFill>
-        <p:spPr>
-          <a:xfrm>
-            <a:off x="873894" y="398053"/>
-            <a:ext cx="4398851" cy="2738284"/>
-          </a:xfrm>
-          <a:custGeom>
-            <a:avLst/>
-            <a:gdLst>
-              <a:gd name="connsiteX0" fmla="*/ 0 w 3416888"/>
-              <a:gd name="connsiteY0" fmla="*/ 0 h 3240120"/>
-              <a:gd name="connsiteX1" fmla="*/ 3416888 w 3416888"/>
-              <a:gd name="connsiteY1" fmla="*/ 0 h 3240120"/>
-              <a:gd name="connsiteX2" fmla="*/ 3416888 w 3416888"/>
-              <a:gd name="connsiteY2" fmla="*/ 3119948 h 3240120"/>
-              <a:gd name="connsiteX3" fmla="*/ 3296716 w 3416888"/>
-              <a:gd name="connsiteY3" fmla="*/ 3240120 h 3240120"/>
-              <a:gd name="connsiteX4" fmla="*/ 120172 w 3416888"/>
-              <a:gd name="connsiteY4" fmla="*/ 3240120 h 3240120"/>
-              <a:gd name="connsiteX5" fmla="*/ 0 w 3416888"/>
-              <a:gd name="connsiteY5" fmla="*/ 3119948 h 3240120"/>
-            </a:gdLst>
-            <a:ahLst/>
-            <a:cxnLst>
-              <a:cxn ang="0">
-                <a:pos x="connsiteX0" y="connsiteY0"/>
-              </a:cxn>
-              <a:cxn ang="0">
-                <a:pos x="connsiteX1" y="connsiteY1"/>
-              </a:cxn>
-              <a:cxn ang="0">
-                <a:pos x="connsiteX2" y="connsiteY2"/>
-              </a:cxn>
-              <a:cxn ang="0">
-                <a:pos x="connsiteX3" y="connsiteY3"/>
-              </a:cxn>
-              <a:cxn ang="0">
-                <a:pos x="connsiteX4" y="connsiteY4"/>
-              </a:cxn>
-              <a:cxn ang="0">
-                <a:pos x="connsiteX5" y="connsiteY5"/>
-              </a:cxn>
-            </a:cxnLst>
-            <a:rect l="l" t="t" r="r" b="b"/>
-            <a:pathLst>
-              <a:path w="3416888" h="3240120">
-                <a:moveTo>
-                  <a:pt x="0" y="0"/>
-                </a:moveTo>
-                <a:lnTo>
-                  <a:pt x="3416888" y="0"/>
-                </a:lnTo>
-                <a:lnTo>
-                  <a:pt x="3416888" y="3119948"/>
-                </a:lnTo>
-                <a:cubicBezTo>
-                  <a:pt x="3416888" y="3186317"/>
-                  <a:pt x="3363085" y="3240120"/>
-                  <a:pt x="3296716" y="3240120"/>
-                </a:cubicBezTo>
-                <a:lnTo>
-                  <a:pt x="120172" y="3240120"/>
-                </a:lnTo>
-                <a:cubicBezTo>
-                  <a:pt x="53803" y="3240120"/>
-                  <a:pt x="0" y="3186317"/>
-                  <a:pt x="0" y="3119948"/>
-                </a:cubicBezTo>
-                <a:close/>
-              </a:path>
-            </a:pathLst>
-          </a:custGeom>
-          <a:ln w="38100">
-            <a:gradFill flip="none" rotWithShape="1">
-              <a:gsLst>
-                <a:gs pos="0">
-                  <a:srgbClr val="363D46"/>
-                </a:gs>
-                <a:gs pos="100000">
-                  <a:srgbClr val="363D46">
-                    <a:lumMod val="75000"/>
-                  </a:srgbClr>
-                </a:gs>
-              </a:gsLst>
-              <a:lin ang="5400000" scaled="0"/>
-              <a:tileRect/>
-            </a:gradFill>
-          </a:ln>
-          <a:effectLst>
-            <a:innerShdw blurRad="57150" dist="38100" dir="14460000">
-              <a:srgbClr val="000000">
-                <a:alpha val="70000"/>
-              </a:srgbClr>
-            </a:innerShdw>
-          </a:effectLst>
-        </p:spPr>
-      </p:pic>
-      <p:sp>
-        <p:nvSpPr>
-          <p:cNvPr id="3" name="Content Placeholder 2">
-            <a:extLst>
-              <a:ext uri="{FF2B5EF4-FFF2-40B4-BE49-F238E27FC236}">
-                <a16:creationId xmlns:a16="http://schemas.microsoft.com/office/drawing/2014/main" id="{BB083750-92E6-47F2-A2C5-DEE1F1738182}"/>
-              </a:ext>
-            </a:extLst>
-          </p:cNvPr>
-          <p:cNvSpPr>
-            <a:spLocks noGrp="1"/>
-          </p:cNvSpPr>
-          <p:nvPr>
-            <p:ph idx="1"/>
-          </p:nvPr>
-        </p:nvSpPr>
-        <p:spPr>
-          <a:xfrm>
-            <a:off x="6096000" y="2774425"/>
-            <a:ext cx="5435760" cy="3288445"/>
-          </a:xfrm>
-        </p:spPr>
-        <p:txBody>
-          <a:bodyPr>
-            <a:normAutofit/>
-          </a:bodyPr>
-          <a:lstStyle/>
-          <a:p>
-            <a:pPr>
-              <a:lnSpc>
-                <a:spcPct val="90000"/>
-              </a:lnSpc>
-            </a:pPr>
-            <a:r>
-              <a:rPr lang="en-US"/>
-              <a:t>Highest alcohol content</a:t>
-            </a:r>
-          </a:p>
-          <a:p>
-            <a:pPr lvl="1">
-              <a:lnSpc>
-                <a:spcPct val="90000"/>
-              </a:lnSpc>
-            </a:pPr>
-            <a:r>
-              <a:rPr lang="en-US"/>
-              <a:t>Washington</a:t>
-            </a:r>
-            <a:r>
-              <a:rPr lang="en-US" dirty="0"/>
-              <a:t>, DC</a:t>
-            </a:r>
-            <a:endParaRPr lang="en-US"/>
-          </a:p>
-          <a:p>
-            <a:pPr lvl="1">
-              <a:lnSpc>
-                <a:spcPct val="90000"/>
-              </a:lnSpc>
-            </a:pPr>
-            <a:r>
-              <a:rPr lang="en-US" dirty="0"/>
-              <a:t>Kentucky</a:t>
-            </a:r>
-            <a:endParaRPr lang="en-US"/>
-          </a:p>
-          <a:p>
-            <a:pPr lvl="1">
-              <a:lnSpc>
-                <a:spcPct val="90000"/>
-              </a:lnSpc>
-            </a:pPr>
-            <a:r>
-              <a:rPr lang="en-US" dirty="0"/>
-              <a:t>Michigan</a:t>
-            </a:r>
-            <a:endParaRPr lang="en-US"/>
-          </a:p>
-          <a:p>
-            <a:pPr>
-              <a:lnSpc>
-                <a:spcPct val="90000"/>
-              </a:lnSpc>
-            </a:pPr>
-            <a:r>
-              <a:rPr lang="en-US"/>
-              <a:t>Lowest alcohol content</a:t>
-            </a:r>
-          </a:p>
-          <a:p>
-            <a:pPr lvl="1">
-              <a:lnSpc>
-                <a:spcPct val="90000"/>
-              </a:lnSpc>
-            </a:pPr>
-            <a:r>
-              <a:rPr lang="en-US"/>
-              <a:t>Wyoming</a:t>
-            </a:r>
-          </a:p>
-          <a:p>
-            <a:pPr lvl="1">
-              <a:lnSpc>
-                <a:spcPct val="90000"/>
-              </a:lnSpc>
-            </a:pPr>
-            <a:r>
-              <a:rPr lang="en-US" dirty="0"/>
-              <a:t>New Jersey</a:t>
-            </a:r>
-            <a:endParaRPr lang="en-US"/>
-          </a:p>
-          <a:p>
-            <a:pPr lvl="1">
-              <a:lnSpc>
-                <a:spcPct val="90000"/>
-              </a:lnSpc>
-            </a:pPr>
-            <a:r>
-              <a:rPr lang="en-US" dirty="0"/>
-              <a:t>Utah</a:t>
-            </a:r>
-            <a:endParaRPr lang="en-US"/>
-          </a:p>
-          <a:p>
-            <a:pPr lvl="1">
-              <a:lnSpc>
-                <a:spcPct val="90000"/>
-              </a:lnSpc>
-            </a:pPr>
-            <a:endParaRPr lang="en-US"/>
-          </a:p>
-        </p:txBody>
-      </p:sp>
-    </p:spTree>
-    <p:extLst>
-      <p:ext uri="{BB962C8B-B14F-4D97-AF65-F5344CB8AC3E}">
-        <p14:creationId xmlns:p14="http://schemas.microsoft.com/office/powerpoint/2010/main" val="3439656349"/>
-      </p:ext>
-    </p:extLst>
-  </p:cSld>
-  <p:clrMapOvr>
-    <a:masterClrMapping/>
-  </p:clrMapOvr>
-</p:sld>
+<file path=ppt/tags/tag7.xml><?xml version="1.0" encoding="utf-8"?>
+<p:tagLst xmlns:a="http://schemas.openxmlformats.org/drawingml/2006/main" xmlns:r="http://schemas.openxmlformats.org/officeDocument/2006/relationships" xmlns:p="http://schemas.openxmlformats.org/presentationml/2006/main">
+  <p:tag name="TIMING" val="|3.7|17.8"/>
+</p:tagLst>
 </file>
 
-<file path=ppt/slides/slide6.xml><?xml version="1.0" encoding="utf-8"?>
-<p:sld xmlns:a="http://schemas.openxmlformats.org/drawingml/2006/main" xmlns:r="http://schemas.openxmlformats.org/officeDocument/2006/relationships" xmlns:p="http://schemas.openxmlformats.org/presentationml/2006/main">
-  <p:cSld>
-    <p:bg>
-      <p:bgPr>
-        <a:blipFill rotWithShape="1">
-          <a:blip r:embed="rId2">
-            <a:duotone>
-              <a:schemeClr val="bg2">
-                <a:shade val="28000"/>
-                <a:satMod val="94000"/>
-                <a:lumMod val="20000"/>
-              </a:schemeClr>
-              <a:schemeClr val="bg2">
-                <a:tint val="94000"/>
-                <a:shade val="84000"/>
-                <a:satMod val="148000"/>
-                <a:lumMod val="114000"/>
-              </a:schemeClr>
-            </a:duotone>
-          </a:blip>
-          <a:stretch/>
-        </a:blipFill>
-        <a:effectLst/>
-      </p:bgPr>
-    </p:bg>
-    <p:spTree>
-      <p:nvGrpSpPr>
-        <p:cNvPr id="1" name=""/>
-        <p:cNvGrpSpPr/>
-        <p:nvPr/>
-      </p:nvGrpSpPr>
-      <p:grpSpPr>
-        <a:xfrm>
-          <a:off x="0" y="0"/>
-          <a:ext cx="0" cy="0"/>
-          <a:chOff x="0" y="0"/>
-          <a:chExt cx="0" cy="0"/>
-        </a:xfrm>
-      </p:grpSpPr>
-      <p:sp>
-        <p:nvSpPr>
-          <p:cNvPr id="2" name="Title 1">
-            <a:extLst>
-              <a:ext uri="{FF2B5EF4-FFF2-40B4-BE49-F238E27FC236}">
-                <a16:creationId xmlns:a16="http://schemas.microsoft.com/office/drawing/2014/main" id="{38E044BD-4C8D-433F-B895-BFF2064330DA}"/>
-              </a:ext>
-            </a:extLst>
-          </p:cNvPr>
-          <p:cNvSpPr>
-            <a:spLocks noGrp="1"/>
-          </p:cNvSpPr>
-          <p:nvPr>
-            <p:ph type="title"/>
-          </p:nvPr>
-        </p:nvSpPr>
-        <p:spPr>
-          <a:xfrm>
-            <a:off x="6096000" y="609599"/>
-            <a:ext cx="5435760" cy="2009775"/>
-          </a:xfrm>
-        </p:spPr>
-        <p:txBody>
-          <a:bodyPr>
-            <a:normAutofit/>
-          </a:bodyPr>
-          <a:lstStyle/>
-          <a:p>
-            <a:pPr algn="ctr"/>
-            <a:r>
-              <a:rPr lang="en-US" dirty="0"/>
-              <a:t>Bitterness</a:t>
-            </a:r>
-          </a:p>
-        </p:txBody>
-      </p:sp>
-      <p:pic>
-        <p:nvPicPr>
-          <p:cNvPr id="5" name="Picture 4">
-            <a:extLst>
-              <a:ext uri="{FF2B5EF4-FFF2-40B4-BE49-F238E27FC236}">
-                <a16:creationId xmlns:a16="http://schemas.microsoft.com/office/drawing/2014/main" id="{E19AD3D0-62D1-45FA-BF26-4360B8A48EBF}"/>
-              </a:ext>
-            </a:extLst>
-          </p:cNvPr>
-          <p:cNvPicPr>
-            <a:picLocks noChangeAspect="1"/>
-          </p:cNvPicPr>
-          <p:nvPr/>
-        </p:nvPicPr>
-        <p:blipFill>
-          <a:blip r:embed="rId3"/>
-          <a:stretch>
-            <a:fillRect/>
-          </a:stretch>
-        </p:blipFill>
-        <p:spPr>
-          <a:xfrm>
-            <a:off x="947413" y="609600"/>
-            <a:ext cx="4286248" cy="2057399"/>
-          </a:xfrm>
-          <a:custGeom>
-            <a:avLst/>
-            <a:gdLst>
-              <a:gd name="connsiteX0" fmla="*/ 120172 w 3416888"/>
-              <a:gd name="connsiteY0" fmla="*/ 0 h 2057399"/>
-              <a:gd name="connsiteX1" fmla="*/ 3296716 w 3416888"/>
-              <a:gd name="connsiteY1" fmla="*/ 0 h 2057399"/>
-              <a:gd name="connsiteX2" fmla="*/ 3416888 w 3416888"/>
-              <a:gd name="connsiteY2" fmla="*/ 120172 h 2057399"/>
-              <a:gd name="connsiteX3" fmla="*/ 3416888 w 3416888"/>
-              <a:gd name="connsiteY3" fmla="*/ 2057399 h 2057399"/>
-              <a:gd name="connsiteX4" fmla="*/ 0 w 3416888"/>
-              <a:gd name="connsiteY4" fmla="*/ 2057399 h 2057399"/>
-              <a:gd name="connsiteX5" fmla="*/ 0 w 3416888"/>
-              <a:gd name="connsiteY5" fmla="*/ 120172 h 2057399"/>
-              <a:gd name="connsiteX6" fmla="*/ 120172 w 3416888"/>
-              <a:gd name="connsiteY6" fmla="*/ 0 h 2057399"/>
-            </a:gdLst>
-            <a:ahLst/>
-            <a:cxnLst>
-              <a:cxn ang="0">
-                <a:pos x="connsiteX0" y="connsiteY0"/>
-              </a:cxn>
-              <a:cxn ang="0">
-                <a:pos x="connsiteX1" y="connsiteY1"/>
-              </a:cxn>
-              <a:cxn ang="0">
-                <a:pos x="connsiteX2" y="connsiteY2"/>
-              </a:cxn>
-              <a:cxn ang="0">
-                <a:pos x="connsiteX3" y="connsiteY3"/>
-              </a:cxn>
-              <a:cxn ang="0">
-                <a:pos x="connsiteX4" y="connsiteY4"/>
-              </a:cxn>
-              <a:cxn ang="0">
-                <a:pos x="connsiteX5" y="connsiteY5"/>
-              </a:cxn>
-              <a:cxn ang="0">
-                <a:pos x="connsiteX6" y="connsiteY6"/>
-              </a:cxn>
-            </a:cxnLst>
-            <a:rect l="l" t="t" r="r" b="b"/>
-            <a:pathLst>
-              <a:path w="3416888" h="2057399">
-                <a:moveTo>
-                  <a:pt x="120172" y="0"/>
-                </a:moveTo>
-                <a:lnTo>
-                  <a:pt x="3296716" y="0"/>
-                </a:lnTo>
-                <a:cubicBezTo>
-                  <a:pt x="3363085" y="0"/>
-                  <a:pt x="3416888" y="53803"/>
-                  <a:pt x="3416888" y="120172"/>
-                </a:cubicBezTo>
-                <a:lnTo>
-                  <a:pt x="3416888" y="2057399"/>
-                </a:lnTo>
-                <a:lnTo>
-                  <a:pt x="0" y="2057399"/>
-                </a:lnTo>
-                <a:lnTo>
-                  <a:pt x="0" y="120172"/>
-                </a:lnTo>
-                <a:cubicBezTo>
-                  <a:pt x="0" y="53803"/>
-                  <a:pt x="53803" y="0"/>
-                  <a:pt x="120172" y="0"/>
-                </a:cubicBezTo>
-                <a:close/>
-              </a:path>
-            </a:pathLst>
-          </a:custGeom>
-          <a:ln w="38100">
-            <a:gradFill flip="none" rotWithShape="1">
-              <a:gsLst>
-                <a:gs pos="0">
-                  <a:srgbClr val="363D46"/>
-                </a:gs>
-                <a:gs pos="100000">
-                  <a:srgbClr val="363D46">
-                    <a:lumMod val="75000"/>
-                  </a:srgbClr>
-                </a:gs>
-              </a:gsLst>
-              <a:lin ang="5400000" scaled="0"/>
-              <a:tileRect/>
-            </a:gradFill>
-          </a:ln>
-          <a:effectLst>
-            <a:innerShdw blurRad="57150" dist="38100" dir="14460000">
-              <a:srgbClr val="000000">
-                <a:alpha val="70000"/>
-              </a:srgbClr>
-            </a:innerShdw>
-          </a:effectLst>
-        </p:spPr>
-      </p:pic>
-      <p:pic>
-        <p:nvPicPr>
-          <p:cNvPr id="4" name="Picture 3">
-            <a:extLst>
-              <a:ext uri="{FF2B5EF4-FFF2-40B4-BE49-F238E27FC236}">
-                <a16:creationId xmlns:a16="http://schemas.microsoft.com/office/drawing/2014/main" id="{F8DA7BC4-5DBE-43CA-82F9-622B47EDC4ED}"/>
-              </a:ext>
-            </a:extLst>
-          </p:cNvPr>
-          <p:cNvPicPr>
-            <a:picLocks noChangeAspect="1"/>
-          </p:cNvPicPr>
-          <p:nvPr/>
-        </p:nvPicPr>
-        <p:blipFill>
-          <a:blip r:embed="rId4"/>
-          <a:stretch>
-            <a:fillRect/>
-          </a:stretch>
-        </p:blipFill>
-        <p:spPr>
-          <a:xfrm>
-            <a:off x="707739" y="2947481"/>
-            <a:ext cx="4765597" cy="2954670"/>
-          </a:xfrm>
-          <a:custGeom>
-            <a:avLst/>
-            <a:gdLst>
-              <a:gd name="connsiteX0" fmla="*/ 0 w 3416888"/>
-              <a:gd name="connsiteY0" fmla="*/ 0 h 3240120"/>
-              <a:gd name="connsiteX1" fmla="*/ 3416888 w 3416888"/>
-              <a:gd name="connsiteY1" fmla="*/ 0 h 3240120"/>
-              <a:gd name="connsiteX2" fmla="*/ 3416888 w 3416888"/>
-              <a:gd name="connsiteY2" fmla="*/ 3119948 h 3240120"/>
-              <a:gd name="connsiteX3" fmla="*/ 3296716 w 3416888"/>
-              <a:gd name="connsiteY3" fmla="*/ 3240120 h 3240120"/>
-              <a:gd name="connsiteX4" fmla="*/ 120172 w 3416888"/>
-              <a:gd name="connsiteY4" fmla="*/ 3240120 h 3240120"/>
-              <a:gd name="connsiteX5" fmla="*/ 0 w 3416888"/>
-              <a:gd name="connsiteY5" fmla="*/ 3119948 h 3240120"/>
-            </a:gdLst>
-            <a:ahLst/>
-            <a:cxnLst>
-              <a:cxn ang="0">
-                <a:pos x="connsiteX0" y="connsiteY0"/>
-              </a:cxn>
-              <a:cxn ang="0">
-                <a:pos x="connsiteX1" y="connsiteY1"/>
-              </a:cxn>
-              <a:cxn ang="0">
-                <a:pos x="connsiteX2" y="connsiteY2"/>
-              </a:cxn>
-              <a:cxn ang="0">
-                <a:pos x="connsiteX3" y="connsiteY3"/>
-              </a:cxn>
-              <a:cxn ang="0">
-                <a:pos x="connsiteX4" y="connsiteY4"/>
-              </a:cxn>
-              <a:cxn ang="0">
-                <a:pos x="connsiteX5" y="connsiteY5"/>
-              </a:cxn>
-            </a:cxnLst>
-            <a:rect l="l" t="t" r="r" b="b"/>
-            <a:pathLst>
-              <a:path w="3416888" h="3240120">
-                <a:moveTo>
-                  <a:pt x="0" y="0"/>
-                </a:moveTo>
-                <a:lnTo>
-                  <a:pt x="3416888" y="0"/>
-                </a:lnTo>
-                <a:lnTo>
-                  <a:pt x="3416888" y="3119948"/>
-                </a:lnTo>
-                <a:cubicBezTo>
-                  <a:pt x="3416888" y="3186317"/>
-                  <a:pt x="3363085" y="3240120"/>
-                  <a:pt x="3296716" y="3240120"/>
-                </a:cubicBezTo>
-                <a:lnTo>
-                  <a:pt x="120172" y="3240120"/>
-                </a:lnTo>
-                <a:cubicBezTo>
-                  <a:pt x="53803" y="3240120"/>
-                  <a:pt x="0" y="3186317"/>
-                  <a:pt x="0" y="3119948"/>
-                </a:cubicBezTo>
-                <a:close/>
-              </a:path>
-            </a:pathLst>
-          </a:custGeom>
-          <a:ln w="38100">
-            <a:gradFill flip="none" rotWithShape="1">
-              <a:gsLst>
-                <a:gs pos="0">
-                  <a:srgbClr val="363D46"/>
-                </a:gs>
-                <a:gs pos="100000">
-                  <a:srgbClr val="363D46">
-                    <a:lumMod val="75000"/>
-                  </a:srgbClr>
-                </a:gs>
-              </a:gsLst>
-              <a:lin ang="5400000" scaled="0"/>
-              <a:tileRect/>
-            </a:gradFill>
-          </a:ln>
-          <a:effectLst>
-            <a:innerShdw blurRad="57150" dist="38100" dir="14460000">
-              <a:srgbClr val="000000">
-                <a:alpha val="70000"/>
-              </a:srgbClr>
-            </a:innerShdw>
-          </a:effectLst>
-        </p:spPr>
-      </p:pic>
-      <p:sp>
-        <p:nvSpPr>
-          <p:cNvPr id="3" name="Content Placeholder 2">
-            <a:extLst>
-              <a:ext uri="{FF2B5EF4-FFF2-40B4-BE49-F238E27FC236}">
-                <a16:creationId xmlns:a16="http://schemas.microsoft.com/office/drawing/2014/main" id="{BB083750-92E6-47F2-A2C5-DEE1F1738182}"/>
-              </a:ext>
-            </a:extLst>
-          </p:cNvPr>
-          <p:cNvSpPr>
-            <a:spLocks noGrp="1"/>
-          </p:cNvSpPr>
-          <p:nvPr>
-            <p:ph idx="1"/>
-          </p:nvPr>
-        </p:nvSpPr>
-        <p:spPr>
-          <a:xfrm>
-            <a:off x="6096000" y="2081251"/>
-            <a:ext cx="5435760" cy="3288445"/>
-          </a:xfrm>
-        </p:spPr>
-        <p:txBody>
-          <a:bodyPr>
-            <a:normAutofit/>
-          </a:bodyPr>
-          <a:lstStyle/>
-          <a:p>
-            <a:pPr>
-              <a:lnSpc>
-                <a:spcPct val="90000"/>
-              </a:lnSpc>
-            </a:pPr>
-            <a:r>
-              <a:rPr lang="en-US" dirty="0"/>
-              <a:t>Most Bitter</a:t>
-            </a:r>
-          </a:p>
-          <a:p>
-            <a:pPr lvl="1">
-              <a:lnSpc>
-                <a:spcPct val="90000"/>
-              </a:lnSpc>
-            </a:pPr>
-            <a:r>
-              <a:rPr lang="en-US" dirty="0"/>
-              <a:t>Maine</a:t>
-            </a:r>
-          </a:p>
-          <a:p>
-            <a:pPr lvl="1">
-              <a:lnSpc>
-                <a:spcPct val="90000"/>
-              </a:lnSpc>
-            </a:pPr>
-            <a:r>
-              <a:rPr lang="en-US" dirty="0"/>
-              <a:t>West Virginia</a:t>
-            </a:r>
-          </a:p>
-          <a:p>
-            <a:pPr lvl="1">
-              <a:lnSpc>
-                <a:spcPct val="90000"/>
-              </a:lnSpc>
-            </a:pPr>
-            <a:r>
-              <a:rPr lang="en-US" dirty="0"/>
-              <a:t>Florida </a:t>
-            </a:r>
-          </a:p>
-          <a:p>
-            <a:pPr>
-              <a:lnSpc>
-                <a:spcPct val="90000"/>
-              </a:lnSpc>
-            </a:pPr>
-            <a:r>
-              <a:rPr lang="en-US" dirty="0"/>
-              <a:t>Least Bitter</a:t>
-            </a:r>
-          </a:p>
-          <a:p>
-            <a:pPr lvl="1">
-              <a:lnSpc>
-                <a:spcPct val="90000"/>
-              </a:lnSpc>
-            </a:pPr>
-            <a:r>
-              <a:rPr lang="en-US" dirty="0"/>
-              <a:t>Wisconsin</a:t>
-            </a:r>
-          </a:p>
-          <a:p>
-            <a:pPr lvl="1">
-              <a:lnSpc>
-                <a:spcPct val="90000"/>
-              </a:lnSpc>
-            </a:pPr>
-            <a:r>
-              <a:rPr lang="en-US" dirty="0"/>
-              <a:t>Kansas</a:t>
-            </a:r>
-          </a:p>
-          <a:p>
-            <a:pPr lvl="1">
-              <a:lnSpc>
-                <a:spcPct val="90000"/>
-              </a:lnSpc>
-            </a:pPr>
-            <a:r>
-              <a:rPr lang="en-US" dirty="0"/>
-              <a:t>Arizona</a:t>
-            </a:r>
-          </a:p>
-          <a:p>
-            <a:pPr lvl="1">
-              <a:lnSpc>
-                <a:spcPct val="90000"/>
-              </a:lnSpc>
-            </a:pPr>
-            <a:endParaRPr lang="en-US" dirty="0"/>
-          </a:p>
-        </p:txBody>
-      </p:sp>
-    </p:spTree>
-    <p:extLst>
-      <p:ext uri="{BB962C8B-B14F-4D97-AF65-F5344CB8AC3E}">
-        <p14:creationId xmlns:p14="http://schemas.microsoft.com/office/powerpoint/2010/main" val="2476139450"/>
-      </p:ext>
-    </p:extLst>
-  </p:cSld>
-  <p:clrMapOvr>
-    <a:masterClrMapping/>
-  </p:clrMapOvr>
-</p:sld>
+<file path=ppt/tags/tag8.xml><?xml version="1.0" encoding="utf-8"?>
+<p:tagLst xmlns:a="http://schemas.openxmlformats.org/drawingml/2006/main" xmlns:r="http://schemas.openxmlformats.org/officeDocument/2006/relationships" xmlns:p="http://schemas.openxmlformats.org/presentationml/2006/main">
+  <p:tag name="TIMING" val="|2"/>
+</p:tagLst>
 </file>
 
-<file path=ppt/slides/slide7.xml><?xml version="1.0" encoding="utf-8"?>
-<p:sld xmlns:a="http://schemas.openxmlformats.org/drawingml/2006/main" xmlns:r="http://schemas.openxmlformats.org/officeDocument/2006/relationships" xmlns:p="http://schemas.openxmlformats.org/presentationml/2006/main">
-  <p:cSld>
-    <p:bg>
-      <p:bgPr>
-        <a:blipFill rotWithShape="1">
-          <a:blip r:embed="rId2">
-            <a:duotone>
-              <a:schemeClr val="bg2">
-                <a:shade val="28000"/>
-                <a:satMod val="94000"/>
-                <a:lumMod val="20000"/>
-              </a:schemeClr>
-              <a:schemeClr val="bg2">
-                <a:tint val="94000"/>
-                <a:shade val="84000"/>
-                <a:satMod val="148000"/>
-                <a:lumMod val="114000"/>
-              </a:schemeClr>
-            </a:duotone>
-          </a:blip>
-          <a:stretch/>
-        </a:blipFill>
-        <a:effectLst/>
-      </p:bgPr>
-    </p:bg>
-    <p:spTree>
-      <p:nvGrpSpPr>
-        <p:cNvPr id="1" name=""/>
-        <p:cNvGrpSpPr/>
-        <p:nvPr/>
-      </p:nvGrpSpPr>
-      <p:grpSpPr>
-        <a:xfrm>
-          <a:off x="0" y="0"/>
-          <a:ext cx="0" cy="0"/>
-          <a:chOff x="0" y="0"/>
-          <a:chExt cx="0" cy="0"/>
-        </a:xfrm>
-      </p:grpSpPr>
-      <p:sp>
-        <p:nvSpPr>
-          <p:cNvPr id="2" name="Title 1">
-            <a:extLst>
-              <a:ext uri="{FF2B5EF4-FFF2-40B4-BE49-F238E27FC236}">
-                <a16:creationId xmlns:a16="http://schemas.microsoft.com/office/drawing/2014/main" id="{D9006747-D2BE-4B0A-976F-C1A0B9F6251E}"/>
-              </a:ext>
-            </a:extLst>
-          </p:cNvPr>
-          <p:cNvSpPr>
-            <a:spLocks noGrp="1"/>
-          </p:cNvSpPr>
-          <p:nvPr>
-            <p:ph type="title"/>
-          </p:nvPr>
-        </p:nvSpPr>
-        <p:spPr>
-          <a:xfrm>
-            <a:off x="643192" y="609600"/>
-            <a:ext cx="3643674" cy="1130710"/>
-          </a:xfrm>
-        </p:spPr>
-        <p:txBody>
-          <a:bodyPr>
-            <a:normAutofit/>
-          </a:bodyPr>
-          <a:lstStyle/>
-          <a:p>
-            <a:r>
-              <a:rPr lang="en-US" sz="2800" dirty="0"/>
-              <a:t>Regional taste preferences</a:t>
-            </a:r>
-          </a:p>
-        </p:txBody>
-      </p:sp>
-      <p:sp>
-        <p:nvSpPr>
-          <p:cNvPr id="3" name="Content Placeholder 2">
-            <a:extLst>
-              <a:ext uri="{FF2B5EF4-FFF2-40B4-BE49-F238E27FC236}">
-                <a16:creationId xmlns:a16="http://schemas.microsoft.com/office/drawing/2014/main" id="{C583497C-ADB4-46BD-B75B-2B783975C24D}"/>
-              </a:ext>
-            </a:extLst>
-          </p:cNvPr>
-          <p:cNvSpPr>
-            <a:spLocks noGrp="1"/>
-          </p:cNvSpPr>
-          <p:nvPr>
-            <p:ph idx="1"/>
-          </p:nvPr>
-        </p:nvSpPr>
-        <p:spPr>
-          <a:xfrm>
-            <a:off x="221226" y="1740310"/>
-            <a:ext cx="4065640" cy="4142965"/>
-          </a:xfrm>
-        </p:spPr>
-        <p:txBody>
-          <a:bodyPr>
-            <a:normAutofit fontScale="92500"/>
-          </a:bodyPr>
-          <a:lstStyle/>
-          <a:p>
-            <a:r>
-              <a:rPr lang="en-US" sz="1800" dirty="0"/>
-              <a:t>Midwestern states prefer lower median bitterness than other regions. </a:t>
-            </a:r>
-          </a:p>
-          <a:p>
-            <a:r>
-              <a:rPr lang="en-US" sz="1800" dirty="0"/>
-              <a:t>West Coast breweries appear to consistently produce beers in the medium bitterness range</a:t>
-            </a:r>
-          </a:p>
-          <a:p>
-            <a:r>
-              <a:rPr lang="en-US" sz="1800" dirty="0"/>
-              <a:t>Bitterness varies widely on the East Coast. </a:t>
-            </a:r>
-          </a:p>
-          <a:p>
-            <a:pPr lvl="1"/>
-            <a:r>
-              <a:rPr lang="en-US" sz="1600" dirty="0"/>
-              <a:t>The East Coast does contain 3 of the states with the highest median bitterness</a:t>
-            </a:r>
-            <a:endParaRPr lang="en-US" sz="1800" dirty="0"/>
-          </a:p>
-          <a:p>
-            <a:pPr>
-              <a:lnSpc>
-                <a:spcPct val="90000"/>
-              </a:lnSpc>
-            </a:pPr>
-            <a:r>
-              <a:rPr lang="en-US" sz="1800" dirty="0"/>
-              <a:t>North Dakota is grey?</a:t>
-            </a:r>
-          </a:p>
-          <a:p>
-            <a:pPr lvl="1">
-              <a:lnSpc>
-                <a:spcPct val="90000"/>
-              </a:lnSpc>
-            </a:pPr>
-            <a:r>
-              <a:rPr lang="en-US" sz="1600" dirty="0"/>
-              <a:t>No bitterness ratings were available from breweries in that state.</a:t>
-            </a:r>
-          </a:p>
-        </p:txBody>
-      </p:sp>
-      <p:pic>
-        <p:nvPicPr>
-          <p:cNvPr id="4" name="Picture 3">
-            <a:extLst>
-              <a:ext uri="{FF2B5EF4-FFF2-40B4-BE49-F238E27FC236}">
-                <a16:creationId xmlns:a16="http://schemas.microsoft.com/office/drawing/2014/main" id="{6BCC1E45-AEAD-4E2F-BAA0-7871DFB930BB}"/>
-              </a:ext>
-            </a:extLst>
-          </p:cNvPr>
-          <p:cNvPicPr>
-            <a:picLocks noChangeAspect="1"/>
-          </p:cNvPicPr>
-          <p:nvPr/>
-        </p:nvPicPr>
-        <p:blipFill>
-          <a:blip r:embed="rId3"/>
-          <a:stretch>
-            <a:fillRect/>
-          </a:stretch>
-        </p:blipFill>
-        <p:spPr>
-          <a:xfrm>
-            <a:off x="4630994" y="1608988"/>
-            <a:ext cx="6916633" cy="3319983"/>
-          </a:xfrm>
-          <a:prstGeom prst="roundRect">
-            <a:avLst>
-              <a:gd name="adj" fmla="val 3517"/>
-            </a:avLst>
-          </a:prstGeom>
-          <a:ln w="38100">
-            <a:gradFill flip="none" rotWithShape="1">
-              <a:gsLst>
-                <a:gs pos="0">
-                  <a:srgbClr val="363D46"/>
-                </a:gs>
-                <a:gs pos="100000">
-                  <a:srgbClr val="363D46">
-                    <a:lumMod val="75000"/>
-                  </a:srgbClr>
-                </a:gs>
-              </a:gsLst>
-              <a:lin ang="5400000" scaled="0"/>
-              <a:tileRect/>
-            </a:gradFill>
-          </a:ln>
-          <a:effectLst>
-            <a:innerShdw blurRad="57150" dist="38100" dir="14460000">
-              <a:srgbClr val="000000">
-                <a:alpha val="70000"/>
-              </a:srgbClr>
-            </a:innerShdw>
-          </a:effectLst>
-        </p:spPr>
-      </p:pic>
-    </p:spTree>
-    <p:extLst>
-      <p:ext uri="{BB962C8B-B14F-4D97-AF65-F5344CB8AC3E}">
-        <p14:creationId xmlns:p14="http://schemas.microsoft.com/office/powerpoint/2010/main" val="920898964"/>
-      </p:ext>
-    </p:extLst>
-  </p:cSld>
-  <p:clrMapOvr>
-    <a:masterClrMapping/>
-  </p:clrMapOvr>
-</p:sld>
-</file>
-
-<file path=ppt/slides/slide8.xml><?xml version="1.0" encoding="utf-8"?>
-<p:sld xmlns:a="http://schemas.openxmlformats.org/drawingml/2006/main" xmlns:r="http://schemas.openxmlformats.org/officeDocument/2006/relationships" xmlns:p="http://schemas.openxmlformats.org/presentationml/2006/main">
-  <p:cSld>
-    <p:bg>
-      <p:bgPr>
-        <a:blipFill rotWithShape="1">
-          <a:blip r:embed="rId2">
-            <a:duotone>
-              <a:schemeClr val="bg2">
-                <a:shade val="28000"/>
-                <a:satMod val="94000"/>
-                <a:lumMod val="20000"/>
-              </a:schemeClr>
-              <a:schemeClr val="bg2">
-                <a:tint val="94000"/>
-                <a:shade val="84000"/>
-                <a:satMod val="148000"/>
-                <a:lumMod val="114000"/>
-              </a:schemeClr>
-            </a:duotone>
-          </a:blip>
-          <a:stretch/>
-        </a:blipFill>
-        <a:effectLst/>
-      </p:bgPr>
-    </p:bg>
-    <p:spTree>
-      <p:nvGrpSpPr>
-        <p:cNvPr id="1" name=""/>
-        <p:cNvGrpSpPr/>
-        <p:nvPr/>
-      </p:nvGrpSpPr>
-      <p:grpSpPr>
-        <a:xfrm>
-          <a:off x="0" y="0"/>
-          <a:ext cx="0" cy="0"/>
-          <a:chOff x="0" y="0"/>
-          <a:chExt cx="0" cy="0"/>
-        </a:xfrm>
-      </p:grpSpPr>
-      <p:pic>
-        <p:nvPicPr>
-          <p:cNvPr id="4" name="Picture 3">
-            <a:extLst>
-              <a:ext uri="{FF2B5EF4-FFF2-40B4-BE49-F238E27FC236}">
-                <a16:creationId xmlns:a16="http://schemas.microsoft.com/office/drawing/2014/main" id="{6BCC1E45-AEAD-4E2F-BAA0-7871DFB930BB}"/>
-              </a:ext>
-            </a:extLst>
-          </p:cNvPr>
-          <p:cNvPicPr>
-            <a:picLocks noChangeAspect="1"/>
-          </p:cNvPicPr>
-          <p:nvPr/>
-        </p:nvPicPr>
-        <p:blipFill rotWithShape="1">
-          <a:blip r:embed="rId3">
-            <a:alphaModFix amt="15000"/>
-          </a:blip>
-          <a:srcRect l="211" r="14456" b="1"/>
-          <a:stretch/>
-        </p:blipFill>
-        <p:spPr>
-          <a:xfrm>
-            <a:off x="20" y="10"/>
-            <a:ext cx="12191980" cy="6857990"/>
-          </a:xfrm>
-          <a:prstGeom prst="rect">
-            <a:avLst/>
-          </a:prstGeom>
-        </p:spPr>
-      </p:pic>
-      <p:sp>
-        <p:nvSpPr>
-          <p:cNvPr id="2" name="Title 1">
-            <a:extLst>
-              <a:ext uri="{FF2B5EF4-FFF2-40B4-BE49-F238E27FC236}">
-                <a16:creationId xmlns:a16="http://schemas.microsoft.com/office/drawing/2014/main" id="{D9006747-D2BE-4B0A-976F-C1A0B9F6251E}"/>
-              </a:ext>
-            </a:extLst>
-          </p:cNvPr>
-          <p:cNvSpPr>
-            <a:spLocks noGrp="1"/>
-          </p:cNvSpPr>
-          <p:nvPr>
-            <p:ph type="title"/>
-          </p:nvPr>
-        </p:nvSpPr>
-        <p:spPr>
-          <a:xfrm>
-            <a:off x="1141413" y="609600"/>
-            <a:ext cx="9905998" cy="1905000"/>
-          </a:xfrm>
-        </p:spPr>
-        <p:txBody>
-          <a:bodyPr>
-            <a:normAutofit/>
-          </a:bodyPr>
-          <a:lstStyle/>
-          <a:p>
-            <a:r>
-              <a:rPr lang="en-US" dirty="0"/>
-              <a:t>Conclusions</a:t>
-            </a:r>
-          </a:p>
-        </p:txBody>
-      </p:sp>
-      <p:sp>
-        <p:nvSpPr>
-          <p:cNvPr id="3" name="Content Placeholder 2">
-            <a:extLst>
-              <a:ext uri="{FF2B5EF4-FFF2-40B4-BE49-F238E27FC236}">
-                <a16:creationId xmlns:a16="http://schemas.microsoft.com/office/drawing/2014/main" id="{C583497C-ADB4-46BD-B75B-2B783975C24D}"/>
-              </a:ext>
-            </a:extLst>
-          </p:cNvPr>
-          <p:cNvSpPr>
-            <a:spLocks noGrp="1"/>
-          </p:cNvSpPr>
-          <p:nvPr>
-            <p:ph idx="1"/>
-          </p:nvPr>
-        </p:nvSpPr>
-        <p:spPr>
-          <a:xfrm>
-            <a:off x="324464" y="1932039"/>
-            <a:ext cx="11577483" cy="3859161"/>
-          </a:xfrm>
-        </p:spPr>
-        <p:txBody>
-          <a:bodyPr>
-            <a:normAutofit/>
-          </a:bodyPr>
-          <a:lstStyle/>
-          <a:p>
-            <a:pPr>
-              <a:lnSpc>
-                <a:spcPct val="90000"/>
-              </a:lnSpc>
-            </a:pPr>
-            <a:r>
-              <a:rPr lang="en-US" sz="2800" dirty="0"/>
-              <a:t>Hard to make definitive conclusions </a:t>
-            </a:r>
-          </a:p>
-          <a:p>
-            <a:pPr lvl="1">
-              <a:lnSpc>
-                <a:spcPct val="90000"/>
-              </a:lnSpc>
-            </a:pPr>
-            <a:r>
-              <a:rPr lang="en-US" sz="2600" dirty="0"/>
-              <a:t>44% beers have no reported bitterness (1005 out of 2305)</a:t>
-            </a:r>
-          </a:p>
-          <a:p>
-            <a:pPr lvl="1">
-              <a:lnSpc>
-                <a:spcPct val="90000"/>
-              </a:lnSpc>
-            </a:pPr>
-            <a:r>
-              <a:rPr lang="en-US" sz="2800" dirty="0"/>
-              <a:t>breweries that have reported their bitterness ratings may have a significant influence on the available data. </a:t>
-            </a:r>
-            <a:endParaRPr lang="en-US" sz="2600" dirty="0"/>
-          </a:p>
-          <a:p>
-            <a:pPr>
-              <a:lnSpc>
-                <a:spcPct val="90000"/>
-              </a:lnSpc>
-            </a:pPr>
-            <a:r>
-              <a:rPr lang="en-US" sz="2800" dirty="0"/>
-              <a:t>wide variance among states (except for the West Coast)</a:t>
-            </a:r>
-          </a:p>
-          <a:p>
-            <a:pPr lvl="1">
-              <a:lnSpc>
-                <a:spcPct val="90000"/>
-              </a:lnSpc>
-            </a:pPr>
-            <a:r>
-              <a:rPr lang="en-US" sz="2400" dirty="0"/>
-              <a:t>breweries specializing in bitter beers make a significant impact on the dataset</a:t>
-            </a:r>
-          </a:p>
-          <a:p>
-            <a:pPr lvl="1">
-              <a:lnSpc>
-                <a:spcPct val="90000"/>
-              </a:lnSpc>
-            </a:pPr>
-            <a:r>
-              <a:rPr lang="en-US" sz="2400" dirty="0"/>
-              <a:t>could be significantly impacting the taste preferences of their entire state.</a:t>
-            </a:r>
-          </a:p>
-        </p:txBody>
-      </p:sp>
-    </p:spTree>
-    <p:extLst>
-      <p:ext uri="{BB962C8B-B14F-4D97-AF65-F5344CB8AC3E}">
-        <p14:creationId xmlns:p14="http://schemas.microsoft.com/office/powerpoint/2010/main" val="1345710441"/>
-      </p:ext>
-    </p:extLst>
-  </p:cSld>
-  <p:clrMapOvr>
-    <a:masterClrMapping/>
-  </p:clrMapOvr>
-</p:sld>
-</file>
-
-<file path=ppt/slides/slide9.xml><?xml version="1.0" encoding="utf-8"?>
-<p:sld xmlns:a="http://schemas.openxmlformats.org/drawingml/2006/main" xmlns:r="http://schemas.openxmlformats.org/officeDocument/2006/relationships" xmlns:p="http://schemas.openxmlformats.org/presentationml/2006/main">
-  <p:cSld>
-    <p:spTree>
-      <p:nvGrpSpPr>
-        <p:cNvPr id="1" name=""/>
-        <p:cNvGrpSpPr/>
-        <p:nvPr/>
-      </p:nvGrpSpPr>
-      <p:grpSpPr>
-        <a:xfrm>
-          <a:off x="0" y="0"/>
-          <a:ext cx="0" cy="0"/>
-          <a:chOff x="0" y="0"/>
-          <a:chExt cx="0" cy="0"/>
-        </a:xfrm>
-      </p:grpSpPr>
-      <p:sp>
-        <p:nvSpPr>
-          <p:cNvPr id="2" name="Title 1">
-            <a:extLst>
-              <a:ext uri="{FF2B5EF4-FFF2-40B4-BE49-F238E27FC236}">
-                <a16:creationId xmlns:a16="http://schemas.microsoft.com/office/drawing/2014/main" id="{92200071-A29A-684B-A069-8F0DC785531B}"/>
-              </a:ext>
-            </a:extLst>
-          </p:cNvPr>
-          <p:cNvSpPr>
-            <a:spLocks noGrp="1"/>
-          </p:cNvSpPr>
-          <p:nvPr>
-            <p:ph type="title"/>
-          </p:nvPr>
-        </p:nvSpPr>
-        <p:spPr>
-          <a:xfrm>
-            <a:off x="2670399" y="87973"/>
-            <a:ext cx="6450370" cy="1077818"/>
-          </a:xfrm>
-        </p:spPr>
-        <p:txBody>
-          <a:bodyPr/>
-          <a:lstStyle/>
-          <a:p>
-            <a:pPr algn="ctr"/>
-            <a:r>
-              <a:rPr lang="en-US" dirty="0"/>
-              <a:t>Summary Statistics for ABV</a:t>
-            </a:r>
-          </a:p>
-        </p:txBody>
-      </p:sp>
-      <p:pic>
-        <p:nvPicPr>
-          <p:cNvPr id="5" name="Content Placeholder 4">
-            <a:extLst>
-              <a:ext uri="{FF2B5EF4-FFF2-40B4-BE49-F238E27FC236}">
-                <a16:creationId xmlns:a16="http://schemas.microsoft.com/office/drawing/2014/main" id="{B3AFDB11-93CA-A642-B505-1B0967B09CDC}"/>
-              </a:ext>
-            </a:extLst>
-          </p:cNvPr>
-          <p:cNvPicPr>
-            <a:picLocks noGrp="1" noChangeAspect="1"/>
-          </p:cNvPicPr>
-          <p:nvPr>
-            <p:ph idx="1"/>
-          </p:nvPr>
-        </p:nvPicPr>
-        <p:blipFill>
-          <a:blip r:embed="rId2"/>
-          <a:stretch>
-            <a:fillRect/>
-          </a:stretch>
-        </p:blipFill>
-        <p:spPr>
-          <a:xfrm>
-            <a:off x="2155642" y="1108354"/>
-            <a:ext cx="7479884" cy="4190355"/>
-          </a:xfrm>
-        </p:spPr>
-      </p:pic>
-      <p:graphicFrame>
-        <p:nvGraphicFramePr>
-          <p:cNvPr id="9" name="Table 8">
-            <a:extLst>
-              <a:ext uri="{FF2B5EF4-FFF2-40B4-BE49-F238E27FC236}">
-                <a16:creationId xmlns:a16="http://schemas.microsoft.com/office/drawing/2014/main" id="{B445A2F1-87E4-7F4E-8D4D-C60ED50961AE}"/>
-              </a:ext>
-            </a:extLst>
-          </p:cNvPr>
-          <p:cNvGraphicFramePr>
-            <a:graphicFrameLocks noGrp="1"/>
-          </p:cNvGraphicFramePr>
-          <p:nvPr/>
-        </p:nvGraphicFramePr>
-        <p:xfrm>
-          <a:off x="1831584" y="5780181"/>
-          <a:ext cx="8128001" cy="741680"/>
-        </p:xfrm>
-        <a:graphic>
-          <a:graphicData uri="http://schemas.openxmlformats.org/drawingml/2006/table">
-            <a:tbl>
-              <a:tblPr firstRow="1" bandRow="1">
-                <a:tableStyleId>{5C22544A-7EE6-4342-B048-85BDC9FD1C3A}</a:tableStyleId>
-              </a:tblPr>
-              <a:tblGrid>
-                <a:gridCol w="1161143">
-                  <a:extLst>
-                    <a:ext uri="{9D8B030D-6E8A-4147-A177-3AD203B41FA5}">
-                      <a16:colId xmlns:a16="http://schemas.microsoft.com/office/drawing/2014/main" val="1234244298"/>
-                    </a:ext>
-                  </a:extLst>
-                </a:gridCol>
-                <a:gridCol w="1161143">
-                  <a:extLst>
-                    <a:ext uri="{9D8B030D-6E8A-4147-A177-3AD203B41FA5}">
-                      <a16:colId xmlns:a16="http://schemas.microsoft.com/office/drawing/2014/main" val="4049351996"/>
-                    </a:ext>
-                  </a:extLst>
-                </a:gridCol>
-                <a:gridCol w="1161143">
-                  <a:extLst>
-                    <a:ext uri="{9D8B030D-6E8A-4147-A177-3AD203B41FA5}">
-                      <a16:colId xmlns:a16="http://schemas.microsoft.com/office/drawing/2014/main" val="50068365"/>
-                    </a:ext>
-                  </a:extLst>
-                </a:gridCol>
-                <a:gridCol w="1161143">
-                  <a:extLst>
-                    <a:ext uri="{9D8B030D-6E8A-4147-A177-3AD203B41FA5}">
-                      <a16:colId xmlns:a16="http://schemas.microsoft.com/office/drawing/2014/main" val="953446260"/>
-                    </a:ext>
-                  </a:extLst>
-                </a:gridCol>
-                <a:gridCol w="1161143">
-                  <a:extLst>
-                    <a:ext uri="{9D8B030D-6E8A-4147-A177-3AD203B41FA5}">
-                      <a16:colId xmlns:a16="http://schemas.microsoft.com/office/drawing/2014/main" val="2727217826"/>
-                    </a:ext>
-                  </a:extLst>
-                </a:gridCol>
-                <a:gridCol w="1161143">
-                  <a:extLst>
-                    <a:ext uri="{9D8B030D-6E8A-4147-A177-3AD203B41FA5}">
-                      <a16:colId xmlns:a16="http://schemas.microsoft.com/office/drawing/2014/main" val="2537475592"/>
-                    </a:ext>
-                  </a:extLst>
-                </a:gridCol>
-                <a:gridCol w="1161143">
-                  <a:extLst>
-                    <a:ext uri="{9D8B030D-6E8A-4147-A177-3AD203B41FA5}">
-                      <a16:colId xmlns:a16="http://schemas.microsoft.com/office/drawing/2014/main" val="596408170"/>
-                    </a:ext>
-                  </a:extLst>
-                </a:gridCol>
-              </a:tblGrid>
-              <a:tr h="370840">
-                <a:tc>
-                  <a:txBody>
-                    <a:bodyPr/>
-                    <a:lstStyle/>
-                    <a:p>
-                      <a:pPr algn="ctr"/>
-                      <a:r>
-                        <a:rPr lang="en-US" dirty="0"/>
-                        <a:t>Min.</a:t>
-                      </a:r>
-                    </a:p>
-                  </a:txBody>
-                  <a:tcPr/>
-                </a:tc>
-                <a:tc>
-                  <a:txBody>
-                    <a:bodyPr/>
-                    <a:lstStyle/>
-                    <a:p>
-                      <a:pPr algn="ctr"/>
-                      <a:r>
-                        <a:rPr lang="en-US" dirty="0"/>
-                        <a:t>1</a:t>
-                      </a:r>
-                      <a:r>
-                        <a:rPr lang="en-US" baseline="30000" dirty="0"/>
-                        <a:t>st</a:t>
-                      </a:r>
-                      <a:r>
-                        <a:rPr lang="en-US" dirty="0"/>
-                        <a:t> Qu.</a:t>
-                      </a:r>
-                    </a:p>
-                  </a:txBody>
-                  <a:tcPr/>
-                </a:tc>
-                <a:tc>
-                  <a:txBody>
-                    <a:bodyPr/>
-                    <a:lstStyle/>
-                    <a:p>
-                      <a:pPr algn="ctr"/>
-                      <a:r>
-                        <a:rPr lang="en-US" dirty="0"/>
-                        <a:t>Median</a:t>
-                      </a:r>
-                    </a:p>
-                  </a:txBody>
-                  <a:tcPr/>
-                </a:tc>
-                <a:tc>
-                  <a:txBody>
-                    <a:bodyPr/>
-                    <a:lstStyle/>
-                    <a:p>
-                      <a:pPr algn="ctr"/>
-                      <a:r>
-                        <a:rPr lang="en-US" dirty="0"/>
-                        <a:t>Mean</a:t>
-                      </a:r>
-                    </a:p>
-                  </a:txBody>
-                  <a:tcPr/>
-                </a:tc>
-                <a:tc>
-                  <a:txBody>
-                    <a:bodyPr/>
-                    <a:lstStyle/>
-                    <a:p>
-                      <a:pPr algn="ctr"/>
-                      <a:r>
-                        <a:rPr lang="en-US" dirty="0"/>
-                        <a:t>3</a:t>
-                      </a:r>
-                      <a:r>
-                        <a:rPr lang="en-US" baseline="30000" dirty="0"/>
-                        <a:t>rd</a:t>
-                      </a:r>
-                      <a:r>
-                        <a:rPr lang="en-US" dirty="0"/>
-                        <a:t> Qu.</a:t>
-                      </a:r>
-                    </a:p>
-                  </a:txBody>
-                  <a:tcPr/>
-                </a:tc>
-                <a:tc>
-                  <a:txBody>
-                    <a:bodyPr/>
-                    <a:lstStyle/>
-                    <a:p>
-                      <a:pPr algn="ctr"/>
-                      <a:r>
-                        <a:rPr lang="en-US" dirty="0"/>
-                        <a:t>Max.</a:t>
-                      </a:r>
-                    </a:p>
-                  </a:txBody>
-                  <a:tcPr/>
-                </a:tc>
-                <a:tc>
-                  <a:txBody>
-                    <a:bodyPr/>
-                    <a:lstStyle/>
-                    <a:p>
-                      <a:pPr algn="ctr"/>
-                      <a:r>
-                        <a:rPr lang="en-US" dirty="0"/>
-                        <a:t>NA’s</a:t>
-                      </a:r>
-                    </a:p>
-                  </a:txBody>
-                  <a:tcPr/>
-                </a:tc>
-                <a:extLst>
-                  <a:ext uri="{0D108BD9-81ED-4DB2-BD59-A6C34878D82A}">
-                    <a16:rowId xmlns:a16="http://schemas.microsoft.com/office/drawing/2014/main" val="3230369297"/>
-                  </a:ext>
-                </a:extLst>
-              </a:tr>
-              <a:tr h="370840">
-                <a:tc>
-                  <a:txBody>
-                    <a:bodyPr/>
-                    <a:lstStyle/>
-                    <a:p>
-                      <a:pPr algn="ctr"/>
-                      <a:r>
-                        <a:rPr lang="en-US" dirty="0"/>
-                        <a:t>0.00100</a:t>
-                      </a:r>
-                    </a:p>
-                  </a:txBody>
-                  <a:tcPr/>
-                </a:tc>
-                <a:tc>
-                  <a:txBody>
-                    <a:bodyPr/>
-                    <a:lstStyle/>
-                    <a:p>
-                      <a:pPr algn="ctr"/>
-                      <a:r>
-                        <a:rPr lang="en-US" dirty="0"/>
-                        <a:t>0.05000</a:t>
-                      </a:r>
-                    </a:p>
-                  </a:txBody>
-                  <a:tcPr/>
-                </a:tc>
-                <a:tc>
-                  <a:txBody>
-                    <a:bodyPr/>
-                    <a:lstStyle/>
-                    <a:p>
-                      <a:pPr algn="ctr"/>
-                      <a:r>
-                        <a:rPr lang="en-US" dirty="0"/>
-                        <a:t>0.05600</a:t>
-                      </a:r>
-                    </a:p>
-                  </a:txBody>
-                  <a:tcPr/>
-                </a:tc>
-                <a:tc>
-                  <a:txBody>
-                    <a:bodyPr/>
-                    <a:lstStyle/>
-                    <a:p>
-                      <a:pPr algn="ctr"/>
-                      <a:r>
-                        <a:rPr lang="en-US" dirty="0"/>
-                        <a:t>0.5977</a:t>
-                      </a:r>
-                    </a:p>
-                  </a:txBody>
-                  <a:tcPr/>
-                </a:tc>
-                <a:tc>
-                  <a:txBody>
-                    <a:bodyPr/>
-                    <a:lstStyle/>
-                    <a:p>
-                      <a:pPr algn="ctr"/>
-                      <a:r>
-                        <a:rPr lang="en-US" dirty="0"/>
-                        <a:t>0.6700</a:t>
-                      </a:r>
-                    </a:p>
-                  </a:txBody>
-                  <a:tcPr/>
-                </a:tc>
-                <a:tc>
-                  <a:txBody>
-                    <a:bodyPr/>
-                    <a:lstStyle/>
-                    <a:p>
-                      <a:pPr algn="ctr"/>
-                      <a:r>
-                        <a:rPr lang="en-US" dirty="0"/>
-                        <a:t>0.12800</a:t>
-                      </a:r>
-                    </a:p>
-                  </a:txBody>
-                  <a:tcPr/>
-                </a:tc>
-                <a:tc>
-                  <a:txBody>
-                    <a:bodyPr/>
-                    <a:lstStyle/>
-                    <a:p>
-                      <a:pPr algn="ctr"/>
-                      <a:r>
-                        <a:rPr lang="en-US" dirty="0"/>
-                        <a:t>62</a:t>
-                      </a:r>
-                    </a:p>
-                  </a:txBody>
-                  <a:tcPr/>
-                </a:tc>
-                <a:extLst>
-                  <a:ext uri="{0D108BD9-81ED-4DB2-BD59-A6C34878D82A}">
-                    <a16:rowId xmlns:a16="http://schemas.microsoft.com/office/drawing/2014/main" val="3124002802"/>
-                  </a:ext>
-                </a:extLst>
-              </a:tr>
-            </a:tbl>
-          </a:graphicData>
-        </a:graphic>
-      </p:graphicFrame>
-    </p:spTree>
-    <p:extLst>
-      <p:ext uri="{BB962C8B-B14F-4D97-AF65-F5344CB8AC3E}">
-        <p14:creationId xmlns:p14="http://schemas.microsoft.com/office/powerpoint/2010/main" val="805140847"/>
-      </p:ext>
-    </p:extLst>
-  </p:cSld>
-  <p:clrMapOvr>
-    <a:masterClrMapping/>
-  </p:clrMapOvr>
-</p:sld>
+<file path=ppt/tags/tag9.xml><?xml version="1.0" encoding="utf-8"?>
+<p:tagLst xmlns:a="http://schemas.openxmlformats.org/drawingml/2006/main" xmlns:r="http://schemas.openxmlformats.org/officeDocument/2006/relationships" xmlns:p="http://schemas.openxmlformats.org/presentationml/2006/main">
+  <p:tag name="TIMING" val="|3"/>
+</p:tagLst>
 </file>
 
 <file path=ppt/theme/theme1.xml><?xml version="1.0" encoding="utf-8"?>
